--- a/発表_p/20221212_発表.pptx
+++ b/発表_p/20221212_発表.pptx
@@ -5,7 +5,7 @@
     <p:sldMasterId id="2147483684" r:id="rId1"/>
   </p:sldMasterIdLst>
   <p:notesMasterIdLst>
-    <p:notesMasterId r:id="rId15"/>
+    <p:notesMasterId r:id="rId16"/>
   </p:notesMasterIdLst>
   <p:sldIdLst>
     <p:sldId id="260" r:id="rId2"/>
@@ -16,11 +16,12 @@
     <p:sldId id="287" r:id="rId7"/>
     <p:sldId id="275" r:id="rId8"/>
     <p:sldId id="302" r:id="rId9"/>
-    <p:sldId id="305" r:id="rId10"/>
-    <p:sldId id="271" r:id="rId11"/>
-    <p:sldId id="297" r:id="rId12"/>
-    <p:sldId id="303" r:id="rId13"/>
-    <p:sldId id="278" r:id="rId14"/>
+    <p:sldId id="306" r:id="rId10"/>
+    <p:sldId id="305" r:id="rId11"/>
+    <p:sldId id="271" r:id="rId12"/>
+    <p:sldId id="297" r:id="rId13"/>
+    <p:sldId id="303" r:id="rId14"/>
+    <p:sldId id="278" r:id="rId15"/>
   </p:sldIdLst>
   <p:sldSz cx="12192000" cy="6858000"/>
   <p:notesSz cx="6858000" cy="9144000"/>
@@ -491,7 +492,7 @@
           <a:p>
             <a:fld id="{388AA84C-5962-4688-BDAA-4DF6096806BA}" type="datetimeFigureOut">
               <a:rPr kumimoji="1" lang="ja-JP" altLang="en-US" smtClean="0"/>
-              <a:t>2022/12/12</a:t>
+              <a:t>2022/12/19</a:t>
             </a:fld>
             <a:endParaRPr kumimoji="1" lang="ja-JP" altLang="en-US"/>
           </a:p>
@@ -2244,6 +2245,459 @@
 </p:notes>
 </file>
 
+<file path=ppt/notesSlides/notesSlide6.xml><?xml version="1.0" encoding="utf-8"?>
+<p:notes xmlns:a="http://schemas.openxmlformats.org/drawingml/2006/main" xmlns:r="http://schemas.openxmlformats.org/officeDocument/2006/relationships" xmlns:p="http://schemas.openxmlformats.org/presentationml/2006/main">
+  <p:cSld>
+    <p:spTree>
+      <p:nvGrpSpPr>
+        <p:cNvPr id="1" name=""/>
+        <p:cNvGrpSpPr/>
+        <p:nvPr/>
+      </p:nvGrpSpPr>
+      <p:grpSpPr>
+        <a:xfrm>
+          <a:off x="0" y="0"/>
+          <a:ext cx="0" cy="0"/>
+          <a:chOff x="0" y="0"/>
+          <a:chExt cx="0" cy="0"/>
+        </a:xfrm>
+      </p:grpSpPr>
+      <p:sp>
+        <p:nvSpPr>
+          <p:cNvPr id="2" name="スライド イメージ プレースホルダー 1"/>
+          <p:cNvSpPr>
+            <a:spLocks noGrp="1" noRot="1" noChangeAspect="1"/>
+          </p:cNvSpPr>
+          <p:nvPr>
+            <p:ph type="sldImg"/>
+          </p:nvPr>
+        </p:nvSpPr>
+        <p:spPr/>
+      </p:sp>
+      <mc:AlternateContent xmlns:mc="http://schemas.openxmlformats.org/markup-compatibility/2006">
+        <mc:Choice xmlns:a14="http://schemas.microsoft.com/office/drawing/2010/main" Requires="a14">
+          <p:sp>
+            <p:nvSpPr>
+              <p:cNvPr id="3" name="ノート プレースホルダー 2"/>
+              <p:cNvSpPr>
+                <a:spLocks noGrp="1"/>
+              </p:cNvSpPr>
+              <p:nvPr>
+                <p:ph type="body" idx="1"/>
+              </p:nvPr>
+            </p:nvSpPr>
+            <p:spPr/>
+            <p:txBody>
+              <a:bodyPr/>
+              <a:lstStyle/>
+              <a:p>
+                <a:pPr/>
+                <a14:m>
+                  <m:oMath xmlns:m="http://schemas.openxmlformats.org/officeDocument/2006/math">
+                    <m:r>
+                      <a:rPr lang="ja-JP" altLang="en-US" sz="1200" i="1">
+                        <a:latin typeface="Cambria Math" panose="02040503050406030204" pitchFamily="18" charset="0"/>
+                        <a:ea typeface="HGPｺﾞｼｯｸE" panose="020B0900000000000000" pitchFamily="50" charset="-128"/>
+                      </a:rPr>
+                      <m:t>右側の分母をこのようにしたのは</m:t>
+                    </m:r>
+                  </m:oMath>
+                </a14:m>
+                <a:r>
+                  <a:rPr kumimoji="1" lang="ja-JP" altLang="en-US" dirty="0"/>
+                  <a:t>ブロックごとに問題難易度の差が大きいと判断したため</a:t>
+                </a:r>
+                <a14:m>
+                  <m:oMath xmlns:m="http://schemas.openxmlformats.org/officeDocument/2006/math">
+                    <m:r>
+                      <a:rPr lang="ja-JP" altLang="en-US" sz="1200" i="1" smtClean="0">
+                        <a:latin typeface="Cambria Math" panose="02040503050406030204" pitchFamily="18" charset="0"/>
+                        <a:ea typeface="HGPｺﾞｼｯｸE" panose="020B0900000000000000" pitchFamily="50" charset="-128"/>
+                      </a:rPr>
+                      <m:t>ブロックごと</m:t>
+                    </m:r>
+                    <m:r>
+                      <a:rPr lang="ja-JP" altLang="en-US" sz="1200" i="1">
+                        <a:latin typeface="Cambria Math" panose="02040503050406030204" pitchFamily="18" charset="0"/>
+                        <a:ea typeface="HGPｺﾞｼｯｸE" panose="020B0900000000000000" pitchFamily="50" charset="-128"/>
+                      </a:rPr>
+                      <m:t>の</m:t>
+                    </m:r>
+                    <m:r>
+                      <a:rPr lang="ja-JP" altLang="en-US" sz="1200" i="1">
+                        <a:latin typeface="Cambria Math" panose="02040503050406030204" pitchFamily="18" charset="0"/>
+                        <a:ea typeface="HGPｺﾞｼｯｸE" panose="020B0900000000000000" pitchFamily="50" charset="-128"/>
+                      </a:rPr>
+                      <m:t>平均回答時間を</m:t>
+                    </m:r>
+                    <m:r>
+                      <a:rPr lang="ja-JP" altLang="en-US" sz="1200" i="1">
+                        <a:latin typeface="Cambria Math" panose="02040503050406030204" pitchFamily="18" charset="0"/>
+                        <a:ea typeface="HGPｺﾞｼｯｸE" panose="020B0900000000000000" pitchFamily="50" charset="-128"/>
+                      </a:rPr>
+                      <m:t>対象者</m:t>
+                    </m:r>
+                    <m:r>
+                      <a:rPr lang="ja-JP" altLang="en-US" sz="1200" i="1" smtClean="0">
+                        <a:latin typeface="Cambria Math" panose="02040503050406030204" pitchFamily="18" charset="0"/>
+                        <a:ea typeface="HGPｺﾞｼｯｸE" panose="020B0900000000000000" pitchFamily="50" charset="-128"/>
+                      </a:rPr>
+                      <m:t>全体</m:t>
+                    </m:r>
+                    <m:r>
+                      <a:rPr lang="ja-JP" altLang="en-US" sz="1200" i="1">
+                        <a:latin typeface="Cambria Math" panose="02040503050406030204" pitchFamily="18" charset="0"/>
+                        <a:ea typeface="HGPｺﾞｼｯｸE" panose="020B0900000000000000" pitchFamily="50" charset="-128"/>
+                      </a:rPr>
+                      <m:t>のブロックごと</m:t>
+                    </m:r>
+                    <m:r>
+                      <a:rPr lang="ja-JP" altLang="en-US" sz="1200" i="1">
+                        <a:latin typeface="Cambria Math" panose="02040503050406030204" pitchFamily="18" charset="0"/>
+                        <a:ea typeface="HGPｺﾞｼｯｸE" panose="020B0900000000000000" pitchFamily="50" charset="-128"/>
+                      </a:rPr>
+                      <m:t>の</m:t>
+                    </m:r>
+                    <m:r>
+                      <a:rPr lang="ja-JP" altLang="en-US" sz="1200" i="1" smtClean="0">
+                        <a:latin typeface="Cambria Math" panose="02040503050406030204" pitchFamily="18" charset="0"/>
+                        <a:ea typeface="HGPｺﾞｼｯｸE" panose="020B0900000000000000" pitchFamily="50" charset="-128"/>
+                      </a:rPr>
+                      <m:t>平均</m:t>
+                    </m:r>
+                    <m:r>
+                      <a:rPr lang="ja-JP" altLang="en-US" sz="1200" i="1">
+                        <a:latin typeface="Cambria Math" panose="02040503050406030204" pitchFamily="18" charset="0"/>
+                        <a:ea typeface="HGPｺﾞｼｯｸE" panose="020B0900000000000000" pitchFamily="50" charset="-128"/>
+                      </a:rPr>
+                      <m:t>回答時間</m:t>
+                    </m:r>
+                  </m:oMath>
+                </a14:m>
+                <a:r>
+                  <a:rPr kumimoji="1" lang="ja-JP" altLang="en-US" dirty="0"/>
+                  <a:t>で割ることで問題難易度の差をなくしています。</a:t>
+                </a:r>
+                <a:endParaRPr kumimoji="1" lang="en-US" altLang="ja-JP" dirty="0"/>
+              </a:p>
+              <a:p>
+                <a:pPr/>
+                <a:endParaRPr kumimoji="1" lang="ja-JP" altLang="en-US" dirty="0"/>
+              </a:p>
+            </p:txBody>
+          </p:sp>
+        </mc:Choice>
+        <mc:Fallback>
+          <p:sp>
+            <p:nvSpPr>
+              <p:cNvPr id="3" name="ノート プレースホルダー 2"/>
+              <p:cNvSpPr>
+                <a:spLocks noGrp="1"/>
+              </p:cNvSpPr>
+              <p:nvPr>
+                <p:ph type="body" idx="1"/>
+              </p:nvPr>
+            </p:nvSpPr>
+            <p:spPr/>
+            <p:txBody>
+              <a:bodyPr/>
+              <a:lstStyle/>
+              <a:p>
+                <a:pPr/>
+                <a:r>
+                  <a:rPr lang="ja-JP" altLang="en-US" sz="1200" i="0">
+                    <a:latin typeface="Cambria Math" panose="02040503050406030204" pitchFamily="18" charset="0"/>
+                    <a:ea typeface="HGPｺﾞｼｯｸE" panose="020B0900000000000000" pitchFamily="50" charset="-128"/>
+                  </a:rPr>
+                  <a:t>右側の分母をこのようにしたのは</a:t>
+                </a:r>
+                <a:r>
+                  <a:rPr kumimoji="1" lang="ja-JP" altLang="en-US" dirty="0"/>
+                  <a:t>ブロックごとに問題難易度の差が大きいと判断したため</a:t>
+                </a:r>
+                <a:r>
+                  <a:rPr lang="ja-JP" altLang="en-US" sz="1200" i="0">
+                    <a:latin typeface="Cambria Math" panose="02040503050406030204" pitchFamily="18" charset="0"/>
+                    <a:ea typeface="HGPｺﾞｼｯｸE" panose="020B0900000000000000" pitchFamily="50" charset="-128"/>
+                  </a:rPr>
+                  <a:t>ブロックごとの平均回答時間を対象者全体のブロックごとの平均回答時間</a:t>
+                </a:r>
+                <a:r>
+                  <a:rPr kumimoji="1" lang="ja-JP" altLang="en-US" dirty="0"/>
+                  <a:t>で割ることで問題難易度の差をなくしています。</a:t>
+                </a:r>
+                <a:endParaRPr kumimoji="1" lang="en-US" altLang="ja-JP" dirty="0"/>
+              </a:p>
+              <a:p>
+                <a:pPr/>
+                <a:endParaRPr kumimoji="1" lang="ja-JP" altLang="en-US" dirty="0"/>
+              </a:p>
+            </p:txBody>
+          </p:sp>
+        </mc:Fallback>
+      </mc:AlternateContent>
+      <p:sp>
+        <p:nvSpPr>
+          <p:cNvPr id="4" name="スライド番号プレースホルダー 3"/>
+          <p:cNvSpPr>
+            <a:spLocks noGrp="1"/>
+          </p:cNvSpPr>
+          <p:nvPr>
+            <p:ph type="sldNum" sz="quarter" idx="5"/>
+          </p:nvPr>
+        </p:nvSpPr>
+        <p:spPr/>
+        <p:txBody>
+          <a:bodyPr/>
+          <a:lstStyle/>
+          <a:p>
+            <a:fld id="{26A2BD96-0529-4E44-ACAE-85CA89E3EC69}" type="slidenum">
+              <a:rPr kumimoji="1" lang="ja-JP" altLang="en-US" smtClean="0"/>
+              <a:t>7</a:t>
+            </a:fld>
+            <a:endParaRPr kumimoji="1" lang="ja-JP" altLang="en-US"/>
+          </a:p>
+        </p:txBody>
+      </p:sp>
+    </p:spTree>
+    <p:extLst>
+      <p:ext uri="{BB962C8B-B14F-4D97-AF65-F5344CB8AC3E}">
+        <p14:creationId xmlns:p14="http://schemas.microsoft.com/office/powerpoint/2010/main" val="546073245"/>
+      </p:ext>
+    </p:extLst>
+  </p:cSld>
+  <p:clrMapOvr>
+    <a:masterClrMapping/>
+  </p:clrMapOvr>
+</p:notes>
+</file>
+
+<file path=ppt/notesSlides/notesSlide7.xml><?xml version="1.0" encoding="utf-8"?>
+<p:notes xmlns:a="http://schemas.openxmlformats.org/drawingml/2006/main" xmlns:r="http://schemas.openxmlformats.org/officeDocument/2006/relationships" xmlns:p="http://schemas.openxmlformats.org/presentationml/2006/main">
+  <p:cSld>
+    <p:spTree>
+      <p:nvGrpSpPr>
+        <p:cNvPr id="1" name=""/>
+        <p:cNvGrpSpPr/>
+        <p:nvPr/>
+      </p:nvGrpSpPr>
+      <p:grpSpPr>
+        <a:xfrm>
+          <a:off x="0" y="0"/>
+          <a:ext cx="0" cy="0"/>
+          <a:chOff x="0" y="0"/>
+          <a:chExt cx="0" cy="0"/>
+        </a:xfrm>
+      </p:grpSpPr>
+      <p:sp>
+        <p:nvSpPr>
+          <p:cNvPr id="2" name="スライド イメージ プレースホルダー 1"/>
+          <p:cNvSpPr>
+            <a:spLocks noGrp="1" noRot="1" noChangeAspect="1"/>
+          </p:cNvSpPr>
+          <p:nvPr>
+            <p:ph type="sldImg"/>
+          </p:nvPr>
+        </p:nvSpPr>
+        <p:spPr/>
+      </p:sp>
+      <p:sp>
+        <p:nvSpPr>
+          <p:cNvPr id="3" name="ノート プレースホルダー 2"/>
+          <p:cNvSpPr>
+            <a:spLocks noGrp="1"/>
+          </p:cNvSpPr>
+          <p:nvPr>
+            <p:ph type="body" idx="1"/>
+          </p:nvPr>
+        </p:nvSpPr>
+        <p:spPr/>
+        <p:txBody>
+          <a:bodyPr/>
+          <a:lstStyle/>
+          <a:p>
+            <a:r>
+              <a:rPr kumimoji="1" lang="ja-JP" altLang="en-US" dirty="0"/>
+              <a:t>全体の</a:t>
+            </a:r>
+          </a:p>
+        </p:txBody>
+      </p:sp>
+      <p:sp>
+        <p:nvSpPr>
+          <p:cNvPr id="4" name="スライド番号プレースホルダー 3"/>
+          <p:cNvSpPr>
+            <a:spLocks noGrp="1"/>
+          </p:cNvSpPr>
+          <p:nvPr>
+            <p:ph type="sldNum" sz="quarter" idx="5"/>
+          </p:nvPr>
+        </p:nvSpPr>
+        <p:spPr/>
+        <p:txBody>
+          <a:bodyPr/>
+          <a:lstStyle/>
+          <a:p>
+            <a:fld id="{26A2BD96-0529-4E44-ACAE-85CA89E3EC69}" type="slidenum">
+              <a:rPr kumimoji="1" lang="ja-JP" altLang="en-US" smtClean="0"/>
+              <a:t>8</a:t>
+            </a:fld>
+            <a:endParaRPr kumimoji="1" lang="ja-JP" altLang="en-US"/>
+          </a:p>
+        </p:txBody>
+      </p:sp>
+    </p:spTree>
+    <p:extLst>
+      <p:ext uri="{BB962C8B-B14F-4D97-AF65-F5344CB8AC3E}">
+        <p14:creationId xmlns:p14="http://schemas.microsoft.com/office/powerpoint/2010/main" val="3136816029"/>
+      </p:ext>
+    </p:extLst>
+  </p:cSld>
+  <p:clrMapOvr>
+    <a:masterClrMapping/>
+  </p:clrMapOvr>
+</p:notes>
+</file>
+
+<file path=ppt/notesSlides/notesSlide8.xml><?xml version="1.0" encoding="utf-8"?>
+<p:notes xmlns:a="http://schemas.openxmlformats.org/drawingml/2006/main" xmlns:r="http://schemas.openxmlformats.org/officeDocument/2006/relationships" xmlns:p="http://schemas.openxmlformats.org/presentationml/2006/main">
+  <p:cSld>
+    <p:spTree>
+      <p:nvGrpSpPr>
+        <p:cNvPr id="1" name=""/>
+        <p:cNvGrpSpPr/>
+        <p:nvPr/>
+      </p:nvGrpSpPr>
+      <p:grpSpPr>
+        <a:xfrm>
+          <a:off x="0" y="0"/>
+          <a:ext cx="0" cy="0"/>
+          <a:chOff x="0" y="0"/>
+          <a:chExt cx="0" cy="0"/>
+        </a:xfrm>
+      </p:grpSpPr>
+      <p:sp>
+        <p:nvSpPr>
+          <p:cNvPr id="2" name="スライド イメージ プレースホルダー 1"/>
+          <p:cNvSpPr>
+            <a:spLocks noGrp="1" noRot="1" noChangeAspect="1"/>
+          </p:cNvSpPr>
+          <p:nvPr>
+            <p:ph type="sldImg"/>
+          </p:nvPr>
+        </p:nvSpPr>
+        <p:spPr/>
+      </p:sp>
+      <mc:AlternateContent xmlns:mc="http://schemas.openxmlformats.org/markup-compatibility/2006">
+        <mc:Choice xmlns:a14="http://schemas.microsoft.com/office/drawing/2010/main" Requires="a14">
+          <p:sp>
+            <p:nvSpPr>
+              <p:cNvPr id="3" name="ノート プレースホルダー 2"/>
+              <p:cNvSpPr>
+                <a:spLocks noGrp="1"/>
+              </p:cNvSpPr>
+              <p:nvPr>
+                <p:ph type="body" idx="1"/>
+              </p:nvPr>
+            </p:nvSpPr>
+            <p:spPr/>
+            <p:txBody>
+              <a:bodyPr/>
+              <a:lstStyle/>
+              <a:p>
+                <a14:m>
+                  <m:oMath xmlns:m="http://schemas.openxmlformats.org/officeDocument/2006/math">
+                    <m:r>
+                      <a:rPr kumimoji="1" lang="ja-JP" altLang="ja-JP" sz="1200" i="1" kern="1200" smtClean="0">
+                        <a:solidFill>
+                          <a:srgbClr val="000000"/>
+                        </a:solidFill>
+                        <a:effectLst/>
+                        <a:latin typeface="Cambria Math" panose="02040503050406030204" pitchFamily="18" charset="0"/>
+                      </a:rPr>
+                      <m:t>対象者全体のブロックごとの平均回答時間</m:t>
+                    </m:r>
+                  </m:oMath>
+                </a14:m>
+                <a:r>
+                  <a:rPr kumimoji="1" lang="ja-JP" altLang="en-US" dirty="0"/>
+                  <a:t>で割っているのは問題の難易度を考慮して割っているのでブロックごとの平均回答時間の推移だとおもってもらっていいです。</a:t>
+                </a:r>
+              </a:p>
+            </p:txBody>
+          </p:sp>
+        </mc:Choice>
+        <mc:Fallback>
+          <p:sp>
+            <p:nvSpPr>
+              <p:cNvPr id="3" name="ノート プレースホルダー 2"/>
+              <p:cNvSpPr>
+                <a:spLocks noGrp="1"/>
+              </p:cNvSpPr>
+              <p:nvPr>
+                <p:ph type="body" idx="1"/>
+              </p:nvPr>
+            </p:nvSpPr>
+            <p:spPr/>
+            <p:txBody>
+              <a:bodyPr/>
+              <a:lstStyle/>
+              <a:p>
+                <a:r>
+                  <a:rPr kumimoji="1" lang="ja-JP" altLang="ja-JP" sz="1200" i="0" kern="1200">
+                    <a:solidFill>
+                      <a:srgbClr val="000000"/>
+                    </a:solidFill>
+                    <a:effectLst/>
+                    <a:latin typeface="Cambria Math" panose="02040503050406030204" pitchFamily="18" charset="0"/>
+                  </a:rPr>
+                  <a:t>対象者全体のブロックごとの平均回答時間</a:t>
+                </a:r>
+                <a:r>
+                  <a:rPr kumimoji="1" lang="ja-JP" altLang="en-US" dirty="0"/>
+                  <a:t>で割っているのは問題の難易度を考慮して割っているのでブロックごとの平均回答時間の推移だとおもってもらっていいです。</a:t>
+                </a:r>
+              </a:p>
+            </p:txBody>
+          </p:sp>
+        </mc:Fallback>
+      </mc:AlternateContent>
+      <p:sp>
+        <p:nvSpPr>
+          <p:cNvPr id="4" name="スライド番号プレースホルダー 3"/>
+          <p:cNvSpPr>
+            <a:spLocks noGrp="1"/>
+          </p:cNvSpPr>
+          <p:nvPr>
+            <p:ph type="sldNum" sz="quarter" idx="5"/>
+          </p:nvPr>
+        </p:nvSpPr>
+        <p:spPr/>
+        <p:txBody>
+          <a:bodyPr/>
+          <a:lstStyle/>
+          <a:p>
+            <a:fld id="{26A2BD96-0529-4E44-ACAE-85CA89E3EC69}" type="slidenum">
+              <a:rPr kumimoji="1" lang="ja-JP" altLang="en-US" smtClean="0"/>
+              <a:t>9</a:t>
+            </a:fld>
+            <a:endParaRPr kumimoji="1" lang="ja-JP" altLang="en-US"/>
+          </a:p>
+        </p:txBody>
+      </p:sp>
+    </p:spTree>
+    <p:extLst>
+      <p:ext uri="{BB962C8B-B14F-4D97-AF65-F5344CB8AC3E}">
+        <p14:creationId xmlns:p14="http://schemas.microsoft.com/office/powerpoint/2010/main" val="1277444265"/>
+      </p:ext>
+    </p:extLst>
+  </p:cSld>
+  <p:clrMapOvr>
+    <a:masterClrMapping/>
+  </p:clrMapOvr>
+</p:notes>
+</file>
+
 <file path=ppt/slideLayouts/slideLayout1.xml><?xml version="1.0" encoding="utf-8"?>
 <p:sldLayout xmlns:a="http://schemas.openxmlformats.org/drawingml/2006/main" xmlns:r="http://schemas.openxmlformats.org/officeDocument/2006/relationships" xmlns:p="http://schemas.openxmlformats.org/presentationml/2006/main" type="title" preserve="1">
   <p:cSld name="タイトル スライド">
@@ -2391,7 +2845,7 @@
           <a:p>
             <a:fld id="{48A87A34-81AB-432B-8DAE-1953F412C126}" type="datetimeFigureOut">
               <a:rPr lang="en-US" smtClean="0"/>
-              <a:t>12/12/2022</a:t>
+              <a:t>12/19/2022</a:t>
             </a:fld>
             <a:endParaRPr lang="en-US" dirty="0"/>
           </a:p>
@@ -2621,7 +3075,7 @@
           <a:p>
             <a:fld id="{48A87A34-81AB-432B-8DAE-1953F412C126}" type="datetimeFigureOut">
               <a:rPr lang="en-US" smtClean="0"/>
-              <a:t>12/12/2022</a:t>
+              <a:t>12/19/2022</a:t>
             </a:fld>
             <a:endParaRPr lang="en-US" dirty="0"/>
           </a:p>
@@ -2861,7 +3315,7 @@
           <a:p>
             <a:fld id="{48A87A34-81AB-432B-8DAE-1953F412C126}" type="datetimeFigureOut">
               <a:rPr lang="en-US" smtClean="0"/>
-              <a:t>12/12/2022</a:t>
+              <a:t>12/19/2022</a:t>
             </a:fld>
             <a:endParaRPr lang="en-US" dirty="0"/>
           </a:p>
@@ -3091,7 +3545,7 @@
           <a:p>
             <a:fld id="{48A87A34-81AB-432B-8DAE-1953F412C126}" type="datetimeFigureOut">
               <a:rPr lang="en-US" smtClean="0"/>
-              <a:t>12/12/2022</a:t>
+              <a:t>12/19/2022</a:t>
             </a:fld>
             <a:endParaRPr lang="en-US" dirty="0"/>
           </a:p>
@@ -3366,7 +3820,7 @@
           <a:p>
             <a:fld id="{48A87A34-81AB-432B-8DAE-1953F412C126}" type="datetimeFigureOut">
               <a:rPr lang="en-US" smtClean="0"/>
-              <a:t>12/12/2022</a:t>
+              <a:t>12/19/2022</a:t>
             </a:fld>
             <a:endParaRPr lang="en-US" dirty="0"/>
           </a:p>
@@ -3695,7 +4149,7 @@
           <a:p>
             <a:fld id="{48A87A34-81AB-432B-8DAE-1953F412C126}" type="datetimeFigureOut">
               <a:rPr lang="en-US" smtClean="0"/>
-              <a:t>12/12/2022</a:t>
+              <a:t>12/19/2022</a:t>
             </a:fld>
             <a:endParaRPr lang="en-US" dirty="0"/>
           </a:p>
@@ -4171,7 +4625,7 @@
           <a:p>
             <a:fld id="{48A87A34-81AB-432B-8DAE-1953F412C126}" type="datetimeFigureOut">
               <a:rPr lang="en-US" smtClean="0"/>
-              <a:t>12/12/2022</a:t>
+              <a:t>12/19/2022</a:t>
             </a:fld>
             <a:endParaRPr lang="en-US" dirty="0"/>
           </a:p>
@@ -4312,7 +4766,7 @@
           <a:p>
             <a:fld id="{48A87A34-81AB-432B-8DAE-1953F412C126}" type="datetimeFigureOut">
               <a:rPr lang="en-US" smtClean="0"/>
-              <a:t>12/12/2022</a:t>
+              <a:t>12/19/2022</a:t>
             </a:fld>
             <a:endParaRPr lang="en-US" dirty="0"/>
           </a:p>
@@ -4425,7 +4879,7 @@
           <a:p>
             <a:fld id="{48A87A34-81AB-432B-8DAE-1953F412C126}" type="datetimeFigureOut">
               <a:rPr lang="en-US" smtClean="0"/>
-              <a:t>12/12/2022</a:t>
+              <a:t>12/19/2022</a:t>
             </a:fld>
             <a:endParaRPr lang="en-US" dirty="0"/>
           </a:p>
@@ -4768,7 +5222,7 @@
           <a:p>
             <a:fld id="{48A87A34-81AB-432B-8DAE-1953F412C126}" type="datetimeFigureOut">
               <a:rPr lang="en-US" smtClean="0"/>
-              <a:t>12/12/2022</a:t>
+              <a:t>12/19/2022</a:t>
             </a:fld>
             <a:endParaRPr lang="en-US" dirty="0"/>
           </a:p>
@@ -5060,7 +5514,7 @@
             <a:fld id="{48A87A34-81AB-432B-8DAE-1953F412C126}" type="datetimeFigureOut">
               <a:rPr lang="en-US" smtClean="0"/>
               <a:pPr/>
-              <a:t>12/12/2022</a:t>
+              <a:t>12/19/2022</a:t>
             </a:fld>
             <a:endParaRPr lang="en-US" dirty="0"/>
           </a:p>
@@ -5334,7 +5788,7 @@
             <a:fld id="{48A87A34-81AB-432B-8DAE-1953F412C126}" type="datetimeFigureOut">
               <a:rPr lang="en-US" smtClean="0"/>
               <a:pPr/>
-              <a:t>12/12/2022</a:t>
+              <a:t>12/19/2022</a:t>
             </a:fld>
             <a:endParaRPr lang="en-US" dirty="0"/>
           </a:p>
@@ -6070,6 +6524,325 @@
           <a:lstStyle/>
           <a:p>
             <a:pPr algn="ctr"/>
+            <a:endParaRPr lang="ja-JP" altLang="en-US" sz="4800" dirty="0">
+              <a:hlinkClick r:id="rId2"/>
+            </a:endParaRPr>
+          </a:p>
+          <a:p>
+            <a:pPr algn="ctr"/>
+            <a:endParaRPr kumimoji="1" lang="ja-JP" altLang="en-US" sz="4800" b="1" dirty="0">
+              <a:solidFill>
+                <a:schemeClr val="tx1"/>
+              </a:solidFill>
+            </a:endParaRPr>
+          </a:p>
+        </p:txBody>
+      </p:sp>
+      <p:sp>
+        <p:nvSpPr>
+          <p:cNvPr id="5" name="正方形/長方形 4">
+            <a:extLst>
+              <a:ext uri="{FF2B5EF4-FFF2-40B4-BE49-F238E27FC236}">
+                <a16:creationId xmlns:a16="http://schemas.microsoft.com/office/drawing/2014/main" id="{13E2DDFB-DD74-1E35-6872-347ED082CB3D}"/>
+              </a:ext>
+            </a:extLst>
+          </p:cNvPr>
+          <p:cNvSpPr/>
+          <p:nvPr/>
+        </p:nvSpPr>
+        <p:spPr>
+          <a:xfrm>
+            <a:off x="0" y="1634243"/>
+            <a:ext cx="12256168" cy="96253"/>
+          </a:xfrm>
+          <a:prstGeom prst="rect">
+            <a:avLst/>
+          </a:prstGeom>
+          <a:solidFill>
+            <a:schemeClr val="accent2">
+              <a:lumMod val="75000"/>
+            </a:schemeClr>
+          </a:solidFill>
+          <a:ln>
+            <a:noFill/>
+          </a:ln>
+        </p:spPr>
+        <p:style>
+          <a:lnRef idx="2">
+            <a:schemeClr val="accent1">
+              <a:shade val="50000"/>
+            </a:schemeClr>
+          </a:lnRef>
+          <a:fillRef idx="1">
+            <a:schemeClr val="accent1"/>
+          </a:fillRef>
+          <a:effectRef idx="0">
+            <a:schemeClr val="accent1"/>
+          </a:effectRef>
+          <a:fontRef idx="minor">
+            <a:schemeClr val="lt1"/>
+          </a:fontRef>
+        </p:style>
+        <p:txBody>
+          <a:bodyPr rtlCol="0" anchor="ctr"/>
+          <a:lstStyle/>
+          <a:p>
+            <a:pPr algn="ctr"/>
+            <a:endParaRPr kumimoji="1" lang="ja-JP" altLang="en-US"/>
+          </a:p>
+        </p:txBody>
+      </p:sp>
+      <p:sp>
+        <p:nvSpPr>
+          <p:cNvPr id="8" name="正方形/長方形 7">
+            <a:extLst>
+              <a:ext uri="{FF2B5EF4-FFF2-40B4-BE49-F238E27FC236}">
+                <a16:creationId xmlns:a16="http://schemas.microsoft.com/office/drawing/2014/main" id="{9174F777-3707-B77E-F507-44E2665CBD04}"/>
+              </a:ext>
+            </a:extLst>
+          </p:cNvPr>
+          <p:cNvSpPr/>
+          <p:nvPr/>
+        </p:nvSpPr>
+        <p:spPr>
+          <a:xfrm flipH="1">
+            <a:off x="808350" y="489284"/>
+            <a:ext cx="162196" cy="755210"/>
+          </a:xfrm>
+          <a:prstGeom prst="rect">
+            <a:avLst/>
+          </a:prstGeom>
+          <a:solidFill>
+            <a:schemeClr val="accent2">
+              <a:lumMod val="75000"/>
+            </a:schemeClr>
+          </a:solidFill>
+          <a:ln>
+            <a:noFill/>
+          </a:ln>
+        </p:spPr>
+        <p:style>
+          <a:lnRef idx="2">
+            <a:schemeClr val="accent1">
+              <a:shade val="50000"/>
+            </a:schemeClr>
+          </a:lnRef>
+          <a:fillRef idx="1">
+            <a:schemeClr val="accent1"/>
+          </a:fillRef>
+          <a:effectRef idx="0">
+            <a:schemeClr val="accent1"/>
+          </a:effectRef>
+          <a:fontRef idx="minor">
+            <a:schemeClr val="lt1"/>
+          </a:fontRef>
+        </p:style>
+        <p:txBody>
+          <a:bodyPr rtlCol="0" anchor="ctr"/>
+          <a:lstStyle/>
+          <a:p>
+            <a:pPr algn="ctr"/>
+            <a:endParaRPr kumimoji="1" lang="ja-JP" altLang="en-US"/>
+          </a:p>
+        </p:txBody>
+      </p:sp>
+      <p:sp>
+        <p:nvSpPr>
+          <p:cNvPr id="2" name="テキスト ボックス 1">
+            <a:extLst>
+              <a:ext uri="{FF2B5EF4-FFF2-40B4-BE49-F238E27FC236}">
+                <a16:creationId xmlns:a16="http://schemas.microsoft.com/office/drawing/2014/main" id="{FBE8D77F-117D-48DC-A527-1721EC553375}"/>
+              </a:ext>
+            </a:extLst>
+          </p:cNvPr>
+          <p:cNvSpPr txBox="1"/>
+          <p:nvPr/>
+        </p:nvSpPr>
+        <p:spPr>
+          <a:xfrm>
+            <a:off x="1138985" y="325084"/>
+            <a:ext cx="9074863" cy="1015663"/>
+          </a:xfrm>
+          <a:prstGeom prst="rect">
+            <a:avLst/>
+          </a:prstGeom>
+          <a:noFill/>
+        </p:spPr>
+        <p:txBody>
+          <a:bodyPr wrap="square" rtlCol="0">
+            <a:spAutoFit/>
+          </a:bodyPr>
+          <a:lstStyle/>
+          <a:p>
+            <a:r>
+              <a:rPr kumimoji="1" lang="ja-JP" altLang="en-US" sz="6000" dirty="0">
+                <a:latin typeface="HGS創英角ｺﾞｼｯｸUB" panose="020B0900000000000000" pitchFamily="50" charset="-128"/>
+                <a:ea typeface="HGS創英角ｺﾞｼｯｸUB" panose="020B0900000000000000" pitchFamily="50" charset="-128"/>
+              </a:rPr>
+              <a:t>今週の進捗</a:t>
+            </a:r>
+          </a:p>
+        </p:txBody>
+      </p:sp>
+      <p:sp>
+        <p:nvSpPr>
+          <p:cNvPr id="16" name="テキスト ボックス 15">
+            <a:extLst>
+              <a:ext uri="{FF2B5EF4-FFF2-40B4-BE49-F238E27FC236}">
+                <a16:creationId xmlns:a16="http://schemas.microsoft.com/office/drawing/2014/main" id="{46F216BF-2A30-6741-3EA5-2EFD1BA1CE4F}"/>
+              </a:ext>
+            </a:extLst>
+          </p:cNvPr>
+          <p:cNvSpPr txBox="1"/>
+          <p:nvPr/>
+        </p:nvSpPr>
+        <p:spPr>
+          <a:xfrm>
+            <a:off x="725132" y="2100086"/>
+            <a:ext cx="11466868" cy="2246769"/>
+          </a:xfrm>
+          <a:prstGeom prst="rect">
+            <a:avLst/>
+          </a:prstGeom>
+          <a:noFill/>
+        </p:spPr>
+        <p:txBody>
+          <a:bodyPr wrap="square" rtlCol="0">
+            <a:spAutoFit/>
+          </a:bodyPr>
+          <a:lstStyle/>
+          <a:p>
+            <a:r>
+              <a:rPr kumimoji="1" lang="ja-JP" altLang="en-US" sz="3600" u="sng" dirty="0">
+                <a:latin typeface="HGS創英角ｺﾞｼｯｸUB" panose="020B0900000000000000" pitchFamily="50" charset="-128"/>
+                <a:ea typeface="HGS創英角ｺﾞｼｯｸUB" panose="020B0900000000000000" pitchFamily="50" charset="-128"/>
+              </a:rPr>
+              <a:t>・</a:t>
+            </a:r>
+            <a:r>
+              <a:rPr lang="ja-JP" altLang="en-US" sz="3600" u="sng" dirty="0">
+                <a:latin typeface="HGS創英角ｺﾞｼｯｸUB" panose="020B0900000000000000" pitchFamily="50" charset="-128"/>
+                <a:ea typeface="HGS創英角ｺﾞｼｯｸUB" panose="020B0900000000000000" pitchFamily="50" charset="-128"/>
+              </a:rPr>
+              <a:t>資料作成</a:t>
+            </a:r>
+            <a:endParaRPr lang="en-US" altLang="ja-JP" sz="3600" u="sng" dirty="0">
+              <a:latin typeface="HGS創英角ｺﾞｼｯｸUB" panose="020B0900000000000000" pitchFamily="50" charset="-128"/>
+              <a:ea typeface="HGS創英角ｺﾞｼｯｸUB" panose="020B0900000000000000" pitchFamily="50" charset="-128"/>
+            </a:endParaRPr>
+          </a:p>
+          <a:p>
+            <a:r>
+              <a:rPr lang="ja-JP" altLang="en-US" sz="3600" u="sng" dirty="0">
+                <a:latin typeface="HGS創英角ｺﾞｼｯｸUB" panose="020B0900000000000000" pitchFamily="50" charset="-128"/>
+                <a:ea typeface="HGS創英角ｺﾞｼｯｸUB" panose="020B0900000000000000" pitchFamily="50" charset="-128"/>
+              </a:rPr>
+              <a:t>・ブロックごとの分析</a:t>
+            </a:r>
+            <a:endParaRPr lang="en-US" altLang="ja-JP" sz="3600" u="sng" dirty="0">
+              <a:latin typeface="HGS創英角ｺﾞｼｯｸUB" panose="020B0900000000000000" pitchFamily="50" charset="-128"/>
+              <a:ea typeface="HGS創英角ｺﾞｼｯｸUB" panose="020B0900000000000000" pitchFamily="50" charset="-128"/>
+            </a:endParaRPr>
+          </a:p>
+          <a:p>
+            <a:r>
+              <a:rPr kumimoji="1" lang="ja-JP" altLang="en-US" sz="3600" dirty="0">
+                <a:latin typeface="HGS創英角ｺﾞｼｯｸUB" panose="020B0900000000000000" pitchFamily="50" charset="-128"/>
+                <a:ea typeface="HGS創英角ｺﾞｼｯｸUB" panose="020B0900000000000000" pitchFamily="50" charset="-128"/>
+              </a:rPr>
+              <a:t>→次回検定</a:t>
+            </a:r>
+            <a:endParaRPr kumimoji="1" lang="en-US" altLang="ja-JP" sz="3600" dirty="0">
+              <a:latin typeface="HGPｺﾞｼｯｸE" panose="020B0900000000000000" pitchFamily="50" charset="-128"/>
+              <a:ea typeface="HGPｺﾞｼｯｸE" panose="020B0900000000000000" pitchFamily="50" charset="-128"/>
+            </a:endParaRPr>
+          </a:p>
+          <a:p>
+            <a:endParaRPr kumimoji="1" lang="en-US" altLang="ja-JP" sz="3200" dirty="0">
+              <a:latin typeface="HGPｺﾞｼｯｸE" panose="020B0900000000000000" pitchFamily="50" charset="-128"/>
+              <a:ea typeface="HGPｺﾞｼｯｸE" panose="020B0900000000000000" pitchFamily="50" charset="-128"/>
+            </a:endParaRPr>
+          </a:p>
+        </p:txBody>
+      </p:sp>
+    </p:spTree>
+    <p:extLst>
+      <p:ext uri="{BB962C8B-B14F-4D97-AF65-F5344CB8AC3E}">
+        <p14:creationId xmlns:p14="http://schemas.microsoft.com/office/powerpoint/2010/main" val="2270910824"/>
+      </p:ext>
+    </p:extLst>
+  </p:cSld>
+  <p:clrMapOvr>
+    <a:masterClrMapping/>
+  </p:clrMapOvr>
+</p:sld>
+</file>
+
+<file path=ppt/slides/slide11.xml><?xml version="1.0" encoding="utf-8"?>
+<p:sld xmlns:a="http://schemas.openxmlformats.org/drawingml/2006/main" xmlns:r="http://schemas.openxmlformats.org/officeDocument/2006/relationships" xmlns:p="http://schemas.openxmlformats.org/presentationml/2006/main">
+  <p:cSld>
+    <p:spTree>
+      <p:nvGrpSpPr>
+        <p:cNvPr id="1" name=""/>
+        <p:cNvGrpSpPr/>
+        <p:nvPr/>
+      </p:nvGrpSpPr>
+      <p:grpSpPr>
+        <a:xfrm>
+          <a:off x="0" y="0"/>
+          <a:ext cx="0" cy="0"/>
+          <a:chOff x="0" y="0"/>
+          <a:chExt cx="0" cy="0"/>
+        </a:xfrm>
+      </p:grpSpPr>
+      <p:sp>
+        <p:nvSpPr>
+          <p:cNvPr id="4" name="正方形/長方形 3">
+            <a:extLst>
+              <a:ext uri="{FF2B5EF4-FFF2-40B4-BE49-F238E27FC236}">
+                <a16:creationId xmlns:a16="http://schemas.microsoft.com/office/drawing/2014/main" id="{537B97F4-E983-2356-6027-1540E66EAFCE}"/>
+              </a:ext>
+            </a:extLst>
+          </p:cNvPr>
+          <p:cNvSpPr/>
+          <p:nvPr/>
+        </p:nvSpPr>
+        <p:spPr>
+          <a:xfrm>
+            <a:off x="0" y="0"/>
+            <a:ext cx="12256168" cy="6858000"/>
+          </a:xfrm>
+          <a:prstGeom prst="rect">
+            <a:avLst/>
+          </a:prstGeom>
+          <a:solidFill>
+            <a:schemeClr val="accent2">
+              <a:lumMod val="20000"/>
+              <a:lumOff val="80000"/>
+            </a:schemeClr>
+          </a:solidFill>
+        </p:spPr>
+        <p:style>
+          <a:lnRef idx="2">
+            <a:schemeClr val="accent2">
+              <a:shade val="50000"/>
+            </a:schemeClr>
+          </a:lnRef>
+          <a:fillRef idx="1">
+            <a:schemeClr val="accent2"/>
+          </a:fillRef>
+          <a:effectRef idx="0">
+            <a:schemeClr val="accent2"/>
+          </a:effectRef>
+          <a:fontRef idx="minor">
+            <a:schemeClr val="lt1"/>
+          </a:fontRef>
+        </p:style>
+        <p:txBody>
+          <a:bodyPr rtlCol="0" anchor="ctr"/>
+          <a:lstStyle/>
+          <a:p>
+            <a:pPr algn="ctr"/>
             <a:endParaRPr kumimoji="1" lang="ja-JP" altLang="en-US" sz="4800" b="1" dirty="0">
               <a:solidFill>
                 <a:schemeClr val="tx1"/>
@@ -6375,7 +7148,7 @@
 </p:sld>
 </file>
 
-<file path=ppt/slides/slide11.xml><?xml version="1.0" encoding="utf-8"?>
+<file path=ppt/slides/slide12.xml><?xml version="1.0" encoding="utf-8"?>
 <p:sld xmlns:a="http://schemas.openxmlformats.org/drawingml/2006/main" xmlns:r="http://schemas.openxmlformats.org/officeDocument/2006/relationships" xmlns:p="http://schemas.openxmlformats.org/presentationml/2006/main">
   <p:cSld>
     <p:spTree>
@@ -6741,7 +7514,7 @@
 </p:sld>
 </file>
 
-<file path=ppt/slides/slide12.xml><?xml version="1.0" encoding="utf-8"?>
+<file path=ppt/slides/slide13.xml><?xml version="1.0" encoding="utf-8"?>
 <p:sld xmlns:a="http://schemas.openxmlformats.org/drawingml/2006/main" xmlns:r="http://schemas.openxmlformats.org/officeDocument/2006/relationships" xmlns:p="http://schemas.openxmlformats.org/presentationml/2006/main">
   <p:cSld>
     <p:spTree>
@@ -7294,7 +8067,7 @@
 </p:sld>
 </file>
 
-<file path=ppt/slides/slide13.xml><?xml version="1.0" encoding="utf-8"?>
+<file path=ppt/slides/slide14.xml><?xml version="1.0" encoding="utf-8"?>
 <p:sld xmlns:a="http://schemas.openxmlformats.org/drawingml/2006/main" xmlns:r="http://schemas.openxmlformats.org/officeDocument/2006/relationships" xmlns:p="http://schemas.openxmlformats.org/presentationml/2006/main">
   <p:cSld>
     <p:spTree>
@@ -12274,7 +13047,7 @@
       </p:sp>
       <mc:AlternateContent xmlns:mc="http://schemas.openxmlformats.org/markup-compatibility/2006" xmlns:p14="http://schemas.microsoft.com/office/powerpoint/2010/main">
         <mc:Choice Requires="p14">
-          <p:contentPart p14:bwMode="auto" r:id="rId2">
+          <p:contentPart p14:bwMode="auto" r:id="rId3">
             <p14:nvContentPartPr>
               <p14:cNvPr id="22" name="インク 21">
                 <a:extLst>
@@ -12306,7 +13079,7 @@
               <p:nvPr/>
             </p:nvPicPr>
             <p:blipFill>
-              <a:blip r:embed="rId3"/>
+              <a:blip r:embed="rId4"/>
               <a:stretch>
                 <a:fillRect/>
               </a:stretch>
@@ -12323,8 +13096,8 @@
           </p:pic>
         </mc:Fallback>
       </mc:AlternateContent>
-      <mc:AlternateContent xmlns:mc="http://schemas.openxmlformats.org/markup-compatibility/2006" xmlns:a14="http://schemas.microsoft.com/office/drawing/2010/main">
-        <mc:Choice Requires="a14">
+      <mc:AlternateContent xmlns:mc="http://schemas.openxmlformats.org/markup-compatibility/2006">
+        <mc:Choice xmlns:a14="http://schemas.microsoft.com/office/drawing/2010/main" Requires="a14">
           <p:sp>
             <p:nvSpPr>
               <p:cNvPr id="16" name="テキスト ボックス 15">
@@ -12339,8 +13112,8 @@
             </p:nvSpPr>
             <p:spPr>
               <a:xfrm>
-                <a:off x="808350" y="2023992"/>
-                <a:ext cx="11466868" cy="3149324"/>
+                <a:off x="119743" y="2023992"/>
+                <a:ext cx="12085950" cy="2912657"/>
               </a:xfrm>
               <a:prstGeom prst="rect">
                 <a:avLst/>
@@ -12396,7 +13169,7 @@
                       <m:f>
                         <m:fPr>
                           <m:ctrlPr>
-                            <a:rPr kumimoji="1" lang="en-US" altLang="ja-JP" sz="2800" i="1" smtClean="0">
+                            <a:rPr kumimoji="1" lang="en-US" altLang="ja-JP" sz="2000" i="1" smtClean="0">
                               <a:latin typeface="Cambria Math" panose="02040503050406030204" pitchFamily="18" charset="0"/>
                               <a:ea typeface="HGPｺﾞｼｯｸE" panose="020B0900000000000000" pitchFamily="50" charset="-128"/>
                             </a:rPr>
@@ -12404,21 +13177,21 @@
                         </m:fPr>
                         <m:num>
                           <m:r>
-                            <a:rPr lang="ja-JP" altLang="en-US" sz="2800" i="1">
+                            <a:rPr lang="ja-JP" altLang="en-US" sz="2000" i="1">
                               <a:latin typeface="Cambria Math" panose="02040503050406030204" pitchFamily="18" charset="0"/>
                               <a:ea typeface="HGPｺﾞｼｯｸE" panose="020B0900000000000000" pitchFamily="50" charset="-128"/>
                             </a:rPr>
                             <m:t>ブロック</m:t>
                           </m:r>
                           <m:r>
-                            <a:rPr lang="ja-JP" altLang="en-US" sz="2800" i="1" smtClean="0">
+                            <a:rPr lang="ja-JP" altLang="en-US" sz="2000" i="1" smtClean="0">
                               <a:latin typeface="Cambria Math" panose="02040503050406030204" pitchFamily="18" charset="0"/>
                               <a:ea typeface="HGPｺﾞｼｯｸE" panose="020B0900000000000000" pitchFamily="50" charset="-128"/>
                             </a:rPr>
                             <m:t>の</m:t>
                           </m:r>
                           <m:r>
-                            <a:rPr lang="ja-JP" altLang="en-US" sz="2800" i="1">
+                            <a:rPr lang="ja-JP" altLang="en-US" sz="2000" i="1">
                               <a:latin typeface="Cambria Math" panose="02040503050406030204" pitchFamily="18" charset="0"/>
                               <a:ea typeface="HGPｺﾞｼｯｸE" panose="020B0900000000000000" pitchFamily="50" charset="-128"/>
                             </a:rPr>
@@ -12427,14 +13200,14 @@
                         </m:num>
                         <m:den>
                           <m:r>
-                            <a:rPr lang="ja-JP" altLang="en-US" sz="2800" i="1">
+                            <a:rPr lang="ja-JP" altLang="en-US" sz="2000" i="1">
                               <a:latin typeface="Cambria Math" panose="02040503050406030204" pitchFamily="18" charset="0"/>
                               <a:ea typeface="HGPｺﾞｼｯｸE" panose="020B0900000000000000" pitchFamily="50" charset="-128"/>
                             </a:rPr>
                             <m:t>全体の</m:t>
                           </m:r>
                           <m:r>
-                            <a:rPr lang="ja-JP" altLang="en-US" sz="2800" i="1" smtClean="0">
+                            <a:rPr lang="ja-JP" altLang="en-US" sz="2000" i="1" smtClean="0">
                               <a:latin typeface="Cambria Math" panose="02040503050406030204" pitchFamily="18" charset="0"/>
                               <a:ea typeface="HGPｺﾞｼｯｸE" panose="020B0900000000000000" pitchFamily="50" charset="-128"/>
                             </a:rPr>
@@ -12443,7 +13216,7 @@
                         </m:den>
                       </m:f>
                       <m:r>
-                        <a:rPr kumimoji="1" lang="en-US" altLang="ja-JP" sz="2800" i="1" smtClean="0">
+                        <a:rPr kumimoji="1" lang="en-US" altLang="ja-JP" sz="2000" i="1" smtClean="0">
                           <a:latin typeface="Cambria Math" panose="02040503050406030204" pitchFamily="18" charset="0"/>
                           <a:ea typeface="Cambria Math" panose="02040503050406030204" pitchFamily="18" charset="0"/>
                         </a:rPr>
@@ -12452,7 +13225,7 @@
                       <m:f>
                         <m:fPr>
                           <m:ctrlPr>
-                            <a:rPr kumimoji="1" lang="en-US" altLang="ja-JP" sz="2800" i="1" smtClean="0">
+                            <a:rPr kumimoji="1" lang="en-US" altLang="ja-JP" sz="2000" i="1" smtClean="0">
                               <a:latin typeface="Cambria Math" panose="02040503050406030204" pitchFamily="18" charset="0"/>
                               <a:ea typeface="Cambria Math" panose="02040503050406030204" pitchFamily="18" charset="0"/>
                             </a:rPr>
@@ -12460,7 +13233,7 @@
                         </m:fPr>
                         <m:num>
                           <m:r>
-                            <a:rPr lang="ja-JP" altLang="en-US" sz="2800" i="1">
+                            <a:rPr lang="ja-JP" altLang="en-US" sz="2000" i="1">
                               <a:latin typeface="Cambria Math" panose="02040503050406030204" pitchFamily="18" charset="0"/>
                               <a:ea typeface="HGPｺﾞｼｯｸE" panose="020B0900000000000000" pitchFamily="50" charset="-128"/>
                             </a:rPr>
@@ -12469,35 +13242,84 @@
                         </m:num>
                         <m:den>
                           <m:r>
-                            <a:rPr lang="ja-JP" altLang="en-US" sz="2800" i="1">
+                            <a:rPr lang="ja-JP" altLang="en-US" sz="2000" i="1" smtClean="0">
                               <a:latin typeface="Cambria Math" panose="02040503050406030204" pitchFamily="18" charset="0"/>
                               <a:ea typeface="HGPｺﾞｼｯｸE" panose="020B0900000000000000" pitchFamily="50" charset="-128"/>
                             </a:rPr>
                             <m:t>ブロック</m:t>
                           </m:r>
                           <m:r>
-                            <a:rPr lang="ja-JP" altLang="en-US" sz="2800" i="1" smtClean="0">
+                            <a:rPr lang="ja-JP" altLang="en-US" sz="2000" i="1" smtClean="0">
                               <a:latin typeface="Cambria Math" panose="02040503050406030204" pitchFamily="18" charset="0"/>
                               <a:ea typeface="HGPｺﾞｼｯｸE" panose="020B0900000000000000" pitchFamily="50" charset="-128"/>
                             </a:rPr>
                             <m:t>ごと</m:t>
                           </m:r>
                           <m:r>
-                            <a:rPr lang="ja-JP" altLang="en-US" sz="2800" i="1">
+                            <a:rPr lang="ja-JP" altLang="en-US" sz="2000" i="1">
                               <a:latin typeface="Cambria Math" panose="02040503050406030204" pitchFamily="18" charset="0"/>
                               <a:ea typeface="HGPｺﾞｼｯｸE" panose="020B0900000000000000" pitchFamily="50" charset="-128"/>
                             </a:rPr>
                             <m:t>の</m:t>
                           </m:r>
                           <m:r>
-                            <a:rPr lang="ja-JP" altLang="en-US" sz="2800" i="1" smtClean="0">
+                            <a:rPr lang="ja-JP" altLang="en-US" sz="2000" i="1" smtClean="0">
                               <a:latin typeface="Cambria Math" panose="02040503050406030204" pitchFamily="18" charset="0"/>
                               <a:ea typeface="HGPｺﾞｼｯｸE" panose="020B0900000000000000" pitchFamily="50" charset="-128"/>
                             </a:rPr>
                             <m:t>平均</m:t>
                           </m:r>
                           <m:r>
-                            <a:rPr lang="ja-JP" altLang="en-US" sz="2800" i="1">
+                            <a:rPr lang="ja-JP" altLang="en-US" sz="2000" i="1">
+                              <a:latin typeface="Cambria Math" panose="02040503050406030204" pitchFamily="18" charset="0"/>
+                              <a:ea typeface="HGPｺﾞｼｯｸE" panose="020B0900000000000000" pitchFamily="50" charset="-128"/>
+                            </a:rPr>
+                            <m:t>回答時間</m:t>
+                          </m:r>
+                          <m:r>
+                            <a:rPr lang="en-US" altLang="ja-JP" sz="2000" b="0" i="1" smtClean="0">
+                              <a:latin typeface="Cambria Math" panose="02040503050406030204" pitchFamily="18" charset="0"/>
+                              <a:ea typeface="HGPｺﾞｼｯｸE" panose="020B0900000000000000" pitchFamily="50" charset="-128"/>
+                            </a:rPr>
+                            <m:t>/</m:t>
+                          </m:r>
+                          <m:r>
+                            <a:rPr lang="ja-JP" altLang="en-US" sz="2000" i="1">
+                              <a:latin typeface="Cambria Math" panose="02040503050406030204" pitchFamily="18" charset="0"/>
+                              <a:ea typeface="HGPｺﾞｼｯｸE" panose="020B0900000000000000" pitchFamily="50" charset="-128"/>
+                            </a:rPr>
+                            <m:t>対象者</m:t>
+                          </m:r>
+                          <m:r>
+                            <a:rPr lang="ja-JP" altLang="en-US" sz="2000" i="1" smtClean="0">
+                              <a:latin typeface="Cambria Math" panose="02040503050406030204" pitchFamily="18" charset="0"/>
+                              <a:ea typeface="HGPｺﾞｼｯｸE" panose="020B0900000000000000" pitchFamily="50" charset="-128"/>
+                            </a:rPr>
+                            <m:t>全体</m:t>
+                          </m:r>
+                          <m:r>
+                            <a:rPr lang="ja-JP" altLang="en-US" sz="2000" i="1">
+                              <a:latin typeface="Cambria Math" panose="02040503050406030204" pitchFamily="18" charset="0"/>
+                              <a:ea typeface="HGPｺﾞｼｯｸE" panose="020B0900000000000000" pitchFamily="50" charset="-128"/>
+                            </a:rPr>
+                            <m:t>のブロックごと</m:t>
+                          </m:r>
+                          <m:r>
+                            <a:rPr lang="ja-JP" altLang="en-US" sz="2000" i="1">
+                              <a:latin typeface="Cambria Math" panose="02040503050406030204" pitchFamily="18" charset="0"/>
+                              <a:ea typeface="HGPｺﾞｼｯｸE" panose="020B0900000000000000" pitchFamily="50" charset="-128"/>
+                            </a:rPr>
+                            <m:t>の</m:t>
+                          </m:r>
+                          <m:r>
+                            <a:rPr lang="ja-JP" altLang="en-US" sz="2000" i="1">
+                              <a:latin typeface="Cambria Math" panose="02040503050406030204" pitchFamily="18" charset="0"/>
+                              <a:ea typeface="HGPｺﾞｼｯｸE" panose="020B0900000000000000" pitchFamily="50" charset="-128"/>
+                            </a:rPr>
+                            <m:t>平均</m:t>
+                          </m:r>
+                          <m:r>
+                            <a:rPr lang="ja-JP" altLang="en-US" sz="2000" i="1">
                               <a:latin typeface="Cambria Math" panose="02040503050406030204" pitchFamily="18" charset="0"/>
                               <a:ea typeface="HGPｺﾞｼｯｸE" panose="020B0900000000000000" pitchFamily="50" charset="-128"/>
                             </a:rPr>
@@ -12508,7 +13330,7 @@
                     </m:oMath>
                   </m:oMathPara>
                 </a14:m>
-                <a:endParaRPr kumimoji="1" lang="en-US" altLang="ja-JP" sz="2800" dirty="0">
+                <a:endParaRPr kumimoji="1" lang="en-US" altLang="ja-JP" sz="2000" dirty="0">
                   <a:latin typeface="HGPｺﾞｼｯｸE" panose="020B0900000000000000" pitchFamily="50" charset="-128"/>
                   <a:ea typeface="HGPｺﾞｼｯｸE" panose="020B0900000000000000" pitchFamily="50" charset="-128"/>
                 </a:endParaRPr>
@@ -12520,7 +13342,7 @@
                 </a:endParaRPr>
               </a:p>
               <a:p>
-                <a:endParaRPr lang="en-US" altLang="ja-JP" sz="2400" dirty="0">
+                <a:endParaRPr kumimoji="1" lang="en-US" altLang="ja-JP" sz="2400" dirty="0">
                   <a:latin typeface="HGPｺﾞｼｯｸE" panose="020B0900000000000000" pitchFamily="50" charset="-128"/>
                   <a:ea typeface="HGPｺﾞｼｯｸE" panose="020B0900000000000000" pitchFamily="50" charset="-128"/>
                 </a:endParaRPr>
@@ -12554,7 +13376,7 @@
             </p:txBody>
           </p:sp>
         </mc:Choice>
-        <mc:Fallback xmlns="">
+        <mc:Fallback>
           <p:sp>
             <p:nvSpPr>
               <p:cNvPr id="16" name="テキスト ボックス 15">
@@ -12571,16 +13393,16 @@
             </p:nvSpPr>
             <p:spPr>
               <a:xfrm>
-                <a:off x="808350" y="2023992"/>
-                <a:ext cx="11466868" cy="3149324"/>
+                <a:off x="119743" y="2023992"/>
+                <a:ext cx="12085950" cy="2912657"/>
               </a:xfrm>
               <a:prstGeom prst="rect">
                 <a:avLst/>
               </a:prstGeom>
               <a:blipFill>
-                <a:blip r:embed="rId4"/>
+                <a:blip r:embed="rId5"/>
                 <a:stretch>
-                  <a:fillRect l="-1382" t="-2515"/>
+                  <a:fillRect l="-1312" t="-2720"/>
                 </a:stretch>
               </a:blipFill>
             </p:spPr>
@@ -12678,7 +13500,7 @@
           <a:p>
             <a:pPr algn="ctr"/>
             <a:endParaRPr lang="ja-JP" altLang="en-US" sz="4800" dirty="0">
-              <a:hlinkClick r:id="rId2"/>
+              <a:hlinkClick r:id="rId3"/>
             </a:endParaRPr>
           </a:p>
           <a:p>
@@ -12897,7 +13719,7 @@
           <p:nvPr/>
         </p:nvPicPr>
         <p:blipFill>
-          <a:blip r:embed="rId3"/>
+          <a:blip r:embed="rId4"/>
           <a:stretch>
             <a:fillRect/>
           </a:stretch>
@@ -13090,7 +13912,7 @@
           <p:nvPr/>
         </p:nvPicPr>
         <p:blipFill>
-          <a:blip r:embed="rId4"/>
+          <a:blip r:embed="rId5"/>
           <a:stretch>
             <a:fillRect/>
           </a:stretch>
@@ -13411,7 +14233,7 @@
           <a:p>
             <a:pPr algn="ctr"/>
             <a:endParaRPr lang="ja-JP" altLang="en-US" sz="4800" dirty="0">
-              <a:hlinkClick r:id="rId2"/>
+              <a:hlinkClick r:id="rId3"/>
             </a:endParaRPr>
           </a:p>
           <a:p>
@@ -13561,12 +14383,16 @@
           <a:lstStyle/>
           <a:p>
             <a:r>
-              <a:rPr kumimoji="1" lang="ja-JP" altLang="en-US" sz="6000" dirty="0">
+              <a:rPr lang="ja-JP" altLang="en-US" sz="6000" dirty="0">
                 <a:latin typeface="HGS創英角ｺﾞｼｯｸUB" panose="020B0900000000000000" pitchFamily="50" charset="-128"/>
                 <a:ea typeface="HGS創英角ｺﾞｼｯｸUB" panose="020B0900000000000000" pitchFamily="50" charset="-128"/>
               </a:rPr>
-              <a:t>今週の進捗</a:t>
-            </a:r>
+              <a:t>分析結果</a:t>
+            </a:r>
+            <a:endParaRPr kumimoji="1" lang="ja-JP" altLang="en-US" sz="6000" dirty="0">
+              <a:latin typeface="HGS創英角ｺﾞｼｯｸUB" panose="020B0900000000000000" pitchFamily="50" charset="-128"/>
+              <a:ea typeface="HGS創英角ｺﾞｼｯｸUB" panose="020B0900000000000000" pitchFamily="50" charset="-128"/>
+            </a:endParaRPr>
           </a:p>
         </p:txBody>
       </p:sp>
@@ -13584,8 +14410,8 @@
         </p:nvSpPr>
         <p:spPr>
           <a:xfrm>
-            <a:off x="725132" y="2100086"/>
-            <a:ext cx="11466868" cy="2246769"/>
+            <a:off x="725132" y="2859613"/>
+            <a:ext cx="11466868" cy="1138773"/>
           </a:xfrm>
           <a:prstGeom prst="rect">
             <a:avLst/>
@@ -13598,46 +14424,6 @@
           </a:bodyPr>
           <a:lstStyle/>
           <a:p>
-            <a:r>
-              <a:rPr kumimoji="1" lang="ja-JP" altLang="en-US" sz="3600" u="sng" dirty="0">
-                <a:latin typeface="HGS創英角ｺﾞｼｯｸUB" panose="020B0900000000000000" pitchFamily="50" charset="-128"/>
-                <a:ea typeface="HGS創英角ｺﾞｼｯｸUB" panose="020B0900000000000000" pitchFamily="50" charset="-128"/>
-              </a:rPr>
-              <a:t>・</a:t>
-            </a:r>
-            <a:r>
-              <a:rPr lang="ja-JP" altLang="en-US" sz="3600" u="sng" dirty="0">
-                <a:latin typeface="HGS創英角ｺﾞｼｯｸUB" panose="020B0900000000000000" pitchFamily="50" charset="-128"/>
-                <a:ea typeface="HGS創英角ｺﾞｼｯｸUB" panose="020B0900000000000000" pitchFamily="50" charset="-128"/>
-              </a:rPr>
-              <a:t>資料作成</a:t>
-            </a:r>
-            <a:endParaRPr lang="en-US" altLang="ja-JP" sz="3600" u="sng" dirty="0">
-              <a:latin typeface="HGS創英角ｺﾞｼｯｸUB" panose="020B0900000000000000" pitchFamily="50" charset="-128"/>
-              <a:ea typeface="HGS創英角ｺﾞｼｯｸUB" panose="020B0900000000000000" pitchFamily="50" charset="-128"/>
-            </a:endParaRPr>
-          </a:p>
-          <a:p>
-            <a:r>
-              <a:rPr lang="ja-JP" altLang="en-US" sz="3600" u="sng" dirty="0">
-                <a:latin typeface="HGS創英角ｺﾞｼｯｸUB" panose="020B0900000000000000" pitchFamily="50" charset="-128"/>
-                <a:ea typeface="HGS創英角ｺﾞｼｯｸUB" panose="020B0900000000000000" pitchFamily="50" charset="-128"/>
-              </a:rPr>
-              <a:t>・データ全体の分析</a:t>
-            </a:r>
-            <a:endParaRPr lang="en-US" altLang="ja-JP" sz="3600" u="sng" dirty="0">
-              <a:latin typeface="HGS創英角ｺﾞｼｯｸUB" panose="020B0900000000000000" pitchFamily="50" charset="-128"/>
-              <a:ea typeface="HGS創英角ｺﾞｼｯｸUB" panose="020B0900000000000000" pitchFamily="50" charset="-128"/>
-            </a:endParaRPr>
-          </a:p>
-          <a:p>
-            <a:r>
-              <a:rPr kumimoji="1" lang="ja-JP" altLang="en-US" sz="3600">
-                <a:latin typeface="HGS創英角ｺﾞｼｯｸUB" panose="020B0900000000000000" pitchFamily="50" charset="-128"/>
-                <a:ea typeface="HGS創英角ｺﾞｼｯｸUB" panose="020B0900000000000000" pitchFamily="50" charset="-128"/>
-              </a:rPr>
-              <a:t>→次回検定、ブロックごとの分析</a:t>
-            </a:r>
             <a:endParaRPr kumimoji="1" lang="en-US" altLang="ja-JP" sz="3600" dirty="0">
               <a:latin typeface="HGPｺﾞｼｯｸE" panose="020B0900000000000000" pitchFamily="50" charset="-128"/>
               <a:ea typeface="HGPｺﾞｼｯｸE" panose="020B0900000000000000" pitchFamily="50" charset="-128"/>
@@ -13651,10 +14437,348 @@
           </a:p>
         </p:txBody>
       </p:sp>
+      <p:sp>
+        <p:nvSpPr>
+          <p:cNvPr id="7" name="テキスト ボックス 6">
+            <a:extLst>
+              <a:ext uri="{FF2B5EF4-FFF2-40B4-BE49-F238E27FC236}">
+                <a16:creationId xmlns:a16="http://schemas.microsoft.com/office/drawing/2014/main" id="{B08CA7DF-5804-CCFD-78F3-9CD1ED714666}"/>
+              </a:ext>
+            </a:extLst>
+          </p:cNvPr>
+          <p:cNvSpPr txBox="1"/>
+          <p:nvPr/>
+        </p:nvSpPr>
+        <p:spPr>
+          <a:xfrm>
+            <a:off x="5669280" y="3548447"/>
+            <a:ext cx="914400" cy="914400"/>
+          </a:xfrm>
+          <a:prstGeom prst="rect">
+            <a:avLst/>
+          </a:prstGeom>
+          <a:noFill/>
+        </p:spPr>
+        <p:txBody>
+          <a:bodyPr wrap="square" rtlCol="0">
+            <a:spAutoFit/>
+          </a:bodyPr>
+          <a:lstStyle/>
+          <a:p>
+            <a:endParaRPr kumimoji="1" lang="ja-JP" altLang="en-US" dirty="0"/>
+          </a:p>
+        </p:txBody>
+      </p:sp>
+      <p:sp>
+        <p:nvSpPr>
+          <p:cNvPr id="9" name="テキスト ボックス 8">
+            <a:extLst>
+              <a:ext uri="{FF2B5EF4-FFF2-40B4-BE49-F238E27FC236}">
+                <a16:creationId xmlns:a16="http://schemas.microsoft.com/office/drawing/2014/main" id="{33E83734-7F87-2F72-BD6C-E7E609A582F2}"/>
+              </a:ext>
+            </a:extLst>
+          </p:cNvPr>
+          <p:cNvSpPr txBox="1"/>
+          <p:nvPr/>
+        </p:nvSpPr>
+        <p:spPr>
+          <a:xfrm>
+            <a:off x="1242060" y="5663653"/>
+            <a:ext cx="769620" cy="982980"/>
+          </a:xfrm>
+          <a:prstGeom prst="rect">
+            <a:avLst/>
+          </a:prstGeom>
+          <a:noFill/>
+        </p:spPr>
+        <p:txBody>
+          <a:bodyPr wrap="square" rtlCol="0">
+            <a:spAutoFit/>
+          </a:bodyPr>
+          <a:lstStyle/>
+          <a:p>
+            <a:endParaRPr kumimoji="1" lang="ja-JP" altLang="en-US" dirty="0"/>
+          </a:p>
+        </p:txBody>
+      </p:sp>
+      <p:sp>
+        <p:nvSpPr>
+          <p:cNvPr id="10" name="テキスト ボックス 9">
+            <a:extLst>
+              <a:ext uri="{FF2B5EF4-FFF2-40B4-BE49-F238E27FC236}">
+                <a16:creationId xmlns:a16="http://schemas.microsoft.com/office/drawing/2014/main" id="{E446367E-9000-3003-4785-8DCBCAAFEA2A}"/>
+              </a:ext>
+            </a:extLst>
+          </p:cNvPr>
+          <p:cNvSpPr txBox="1"/>
+          <p:nvPr/>
+        </p:nvSpPr>
+        <p:spPr>
+          <a:xfrm>
+            <a:off x="2593687" y="2802229"/>
+            <a:ext cx="1569660" cy="369332"/>
+          </a:xfrm>
+          <a:prstGeom prst="rect">
+            <a:avLst/>
+          </a:prstGeom>
+          <a:noFill/>
+        </p:spPr>
+        <p:txBody>
+          <a:bodyPr wrap="none" rtlCol="0">
+            <a:spAutoFit/>
+          </a:bodyPr>
+          <a:lstStyle/>
+          <a:p>
+            <a:r>
+              <a:rPr lang="ja-JP" altLang="en-US" dirty="0"/>
+              <a:t>進捗表示なし</a:t>
+            </a:r>
+            <a:endParaRPr kumimoji="1" lang="en-US" altLang="ja-JP" dirty="0"/>
+          </a:p>
+        </p:txBody>
+      </p:sp>
+      <p:pic>
+        <p:nvPicPr>
+          <p:cNvPr id="19" name="図 18">
+            <a:extLst>
+              <a:ext uri="{FF2B5EF4-FFF2-40B4-BE49-F238E27FC236}">
+                <a16:creationId xmlns:a16="http://schemas.microsoft.com/office/drawing/2014/main" id="{D479CFC1-C902-0C12-97D4-EAC85495C1CC}"/>
+              </a:ext>
+            </a:extLst>
+          </p:cNvPr>
+          <p:cNvPicPr>
+            <a:picLocks noChangeAspect="1"/>
+          </p:cNvPicPr>
+          <p:nvPr/>
+        </p:nvPicPr>
+        <p:blipFill>
+          <a:blip r:embed="rId4"/>
+          <a:stretch>
+            <a:fillRect/>
+          </a:stretch>
+        </p:blipFill>
+        <p:spPr>
+          <a:xfrm>
+            <a:off x="1087755" y="3293471"/>
+            <a:ext cx="4581525" cy="2752725"/>
+          </a:xfrm>
+          <a:prstGeom prst="rect">
+            <a:avLst/>
+          </a:prstGeom>
+        </p:spPr>
+      </p:pic>
+      <mc:AlternateContent xmlns:mc="http://schemas.openxmlformats.org/markup-compatibility/2006">
+        <mc:Choice xmlns:a14="http://schemas.microsoft.com/office/drawing/2010/main" Requires="a14">
+          <p:sp>
+            <p:nvSpPr>
+              <p:cNvPr id="30" name="テキスト ボックス 29">
+                <a:extLst>
+                  <a:ext uri="{FF2B5EF4-FFF2-40B4-BE49-F238E27FC236}">
+                    <a16:creationId xmlns:a16="http://schemas.microsoft.com/office/drawing/2014/main" id="{744D240A-667B-88B5-B8D3-09228F411F7A}"/>
+                  </a:ext>
+                </a:extLst>
+              </p:cNvPr>
+              <p:cNvSpPr txBox="1"/>
+              <p:nvPr/>
+            </p:nvSpPr>
+            <p:spPr>
+              <a:xfrm>
+                <a:off x="2269759" y="1951433"/>
+                <a:ext cx="8377614" cy="651332"/>
+              </a:xfrm>
+              <a:prstGeom prst="rect">
+                <a:avLst/>
+              </a:prstGeom>
+              <a:noFill/>
+            </p:spPr>
+            <p:txBody>
+              <a:bodyPr wrap="none" rtlCol="0">
+                <a:spAutoFit/>
+              </a:bodyPr>
+              <a:lstStyle/>
+              <a:p>
+                <a:r>
+                  <a:rPr kumimoji="1" lang="ja-JP" altLang="en-US" sz="1800" kern="1200" dirty="0">
+                    <a:solidFill>
+                      <a:srgbClr val="000000"/>
+                    </a:solidFill>
+                    <a:effectLst/>
+                    <a:latin typeface="+mn-ea"/>
+                  </a:rPr>
+                  <a:t>縦軸</a:t>
+                </a:r>
+                <a14:m>
+                  <m:oMath xmlns:m="http://schemas.openxmlformats.org/officeDocument/2006/math">
+                    <m:r>
+                      <a:rPr lang="ja-JP" altLang="en-US" i="1">
+                        <a:solidFill>
+                          <a:srgbClr val="000000"/>
+                        </a:solidFill>
+                        <a:latin typeface="+mn-ea"/>
+                      </a:rPr>
+                      <m:t>：</m:t>
+                    </m:r>
+                    <m:r>
+                      <a:rPr kumimoji="1" lang="ja-JP" altLang="ja-JP" sz="1800" i="1" kern="1200" smtClean="0">
+                        <a:solidFill>
+                          <a:srgbClr val="000000"/>
+                        </a:solidFill>
+                        <a:effectLst/>
+                        <a:latin typeface="+mn-ea"/>
+                      </a:rPr>
+                      <m:t>ブロックごとの平均回答時間</m:t>
+                    </m:r>
+                    <m:r>
+                      <a:rPr kumimoji="1" lang="en-US" altLang="ja-JP" sz="1800" b="0" i="1" kern="1200">
+                        <a:solidFill>
+                          <a:srgbClr val="000000"/>
+                        </a:solidFill>
+                        <a:effectLst/>
+                        <a:latin typeface="+mn-ea"/>
+                      </a:rPr>
+                      <m:t>/</m:t>
+                    </m:r>
+                    <m:r>
+                      <a:rPr kumimoji="1" lang="ja-JP" altLang="ja-JP" sz="1800" i="1" kern="1200">
+                        <a:solidFill>
+                          <a:srgbClr val="000000"/>
+                        </a:solidFill>
+                        <a:effectLst/>
+                        <a:latin typeface="+mn-ea"/>
+                      </a:rPr>
+                      <m:t>対象者全体のブロックごとの平均回答時間</m:t>
+                    </m:r>
+                  </m:oMath>
+                </a14:m>
+                <a:endParaRPr kumimoji="1" lang="en-US" altLang="ja-JP" dirty="0">
+                  <a:latin typeface="+mn-ea"/>
+                </a:endParaRPr>
+              </a:p>
+              <a:p>
+                <a:r>
+                  <a:rPr kumimoji="1" lang="ja-JP" altLang="en-US" dirty="0"/>
+                  <a:t>横軸：ブロック数</a:t>
+                </a:r>
+                <a:endParaRPr kumimoji="1" lang="en-US" altLang="ja-JP" dirty="0"/>
+              </a:p>
+            </p:txBody>
+          </p:sp>
+        </mc:Choice>
+        <mc:Fallback>
+          <p:sp>
+            <p:nvSpPr>
+              <p:cNvPr id="30" name="テキスト ボックス 29">
+                <a:extLst>
+                  <a:ext uri="{FF2B5EF4-FFF2-40B4-BE49-F238E27FC236}">
+                    <a16:creationId xmlns:a16="http://schemas.microsoft.com/office/drawing/2014/main" id="{744D240A-667B-88B5-B8D3-09228F411F7A}"/>
+                  </a:ext>
+                </a:extLst>
+              </p:cNvPr>
+              <p:cNvSpPr txBox="1">
+                <a:spLocks noRot="1" noChangeAspect="1" noMove="1" noResize="1" noEditPoints="1" noAdjustHandles="1" noChangeArrowheads="1" noChangeShapeType="1" noTextEdit="1"/>
+              </p:cNvSpPr>
+              <p:nvPr/>
+            </p:nvSpPr>
+            <p:spPr>
+              <a:xfrm>
+                <a:off x="2269759" y="1951433"/>
+                <a:ext cx="8377614" cy="651332"/>
+              </a:xfrm>
+              <a:prstGeom prst="rect">
+                <a:avLst/>
+              </a:prstGeom>
+              <a:blipFill>
+                <a:blip r:embed="rId5"/>
+                <a:stretch>
+                  <a:fillRect l="-582" t="-2804" b="-14019"/>
+                </a:stretch>
+              </a:blipFill>
+            </p:spPr>
+            <p:txBody>
+              <a:bodyPr/>
+              <a:lstStyle/>
+              <a:p>
+                <a:r>
+                  <a:rPr lang="ja-JP" altLang="en-US">
+                    <a:noFill/>
+                  </a:rPr>
+                  <a:t> </a:t>
+                </a:r>
+              </a:p>
+            </p:txBody>
+          </p:sp>
+        </mc:Fallback>
+      </mc:AlternateContent>
+      <p:sp>
+        <p:nvSpPr>
+          <p:cNvPr id="32" name="テキスト ボックス 31">
+            <a:extLst>
+              <a:ext uri="{FF2B5EF4-FFF2-40B4-BE49-F238E27FC236}">
+                <a16:creationId xmlns:a16="http://schemas.microsoft.com/office/drawing/2014/main" id="{CFD85ED8-F443-005C-9BD2-FF87C49AE1F2}"/>
+              </a:ext>
+            </a:extLst>
+          </p:cNvPr>
+          <p:cNvSpPr txBox="1"/>
+          <p:nvPr/>
+        </p:nvSpPr>
+        <p:spPr>
+          <a:xfrm>
+            <a:off x="8156940" y="2730253"/>
+            <a:ext cx="1569660" cy="369332"/>
+          </a:xfrm>
+          <a:prstGeom prst="rect">
+            <a:avLst/>
+          </a:prstGeom>
+          <a:noFill/>
+        </p:spPr>
+        <p:txBody>
+          <a:bodyPr wrap="none" rtlCol="0">
+            <a:spAutoFit/>
+          </a:bodyPr>
+          <a:lstStyle/>
+          <a:p>
+            <a:r>
+              <a:rPr lang="ja-JP" altLang="en-US" dirty="0"/>
+              <a:t>進捗表示あり</a:t>
+            </a:r>
+            <a:endParaRPr kumimoji="1" lang="en-US" altLang="ja-JP" dirty="0"/>
+          </a:p>
+        </p:txBody>
+      </p:sp>
+      <p:pic>
+        <p:nvPicPr>
+          <p:cNvPr id="33" name="図 32">
+            <a:extLst>
+              <a:ext uri="{FF2B5EF4-FFF2-40B4-BE49-F238E27FC236}">
+                <a16:creationId xmlns:a16="http://schemas.microsoft.com/office/drawing/2014/main" id="{71F718F6-65D1-E794-DDE8-E77BA95915A8}"/>
+              </a:ext>
+            </a:extLst>
+          </p:cNvPr>
+          <p:cNvPicPr>
+            <a:picLocks noChangeAspect="1"/>
+          </p:cNvPicPr>
+          <p:nvPr/>
+        </p:nvPicPr>
+        <p:blipFill>
+          <a:blip r:embed="rId6"/>
+          <a:stretch>
+            <a:fillRect/>
+          </a:stretch>
+        </p:blipFill>
+        <p:spPr>
+          <a:xfrm>
+            <a:off x="6757035" y="3306378"/>
+            <a:ext cx="4584589" cy="2755631"/>
+          </a:xfrm>
+          <a:prstGeom prst="rect">
+            <a:avLst/>
+          </a:prstGeom>
+        </p:spPr>
+      </p:pic>
     </p:spTree>
     <p:extLst>
       <p:ext uri="{BB962C8B-B14F-4D97-AF65-F5344CB8AC3E}">
-        <p14:creationId xmlns:p14="http://schemas.microsoft.com/office/powerpoint/2010/main" val="2270910824"/>
+        <p14:creationId xmlns:p14="http://schemas.microsoft.com/office/powerpoint/2010/main" val="1466287891"/>
       </p:ext>
     </p:extLst>
   </p:cSld>

--- a/発表_p/20221212_発表.pptx
+++ b/発表_p/20221212_発表.pptx
@@ -5,7 +5,7 @@
     <p:sldMasterId id="2147483684" r:id="rId1"/>
   </p:sldMasterIdLst>
   <p:notesMasterIdLst>
-    <p:notesMasterId r:id="rId16"/>
+    <p:notesMasterId r:id="rId18"/>
   </p:notesMasterIdLst>
   <p:sldIdLst>
     <p:sldId id="260" r:id="rId2"/>
@@ -15,13 +15,15 @@
     <p:sldId id="300" r:id="rId6"/>
     <p:sldId id="287" r:id="rId7"/>
     <p:sldId id="275" r:id="rId8"/>
-    <p:sldId id="302" r:id="rId9"/>
-    <p:sldId id="306" r:id="rId10"/>
-    <p:sldId id="305" r:id="rId11"/>
-    <p:sldId id="271" r:id="rId12"/>
-    <p:sldId id="297" r:id="rId13"/>
-    <p:sldId id="303" r:id="rId14"/>
-    <p:sldId id="278" r:id="rId15"/>
+    <p:sldId id="309" r:id="rId9"/>
+    <p:sldId id="302" r:id="rId10"/>
+    <p:sldId id="307" r:id="rId11"/>
+    <p:sldId id="306" r:id="rId12"/>
+    <p:sldId id="305" r:id="rId13"/>
+    <p:sldId id="271" r:id="rId14"/>
+    <p:sldId id="297" r:id="rId15"/>
+    <p:sldId id="303" r:id="rId16"/>
+    <p:sldId id="278" r:id="rId17"/>
   </p:sldIdLst>
   <p:sldSz cx="12192000" cy="6858000"/>
   <p:notesSz cx="6858000" cy="9144000"/>
@@ -168,6 +170,33 @@
 </file>
 
 <file path=ppt/ink/ink10.xml><?xml version="1.0" encoding="utf-8"?>
+<inkml:ink xmlns:inkml="http://www.w3.org/2003/InkML">
+  <inkml:definitions>
+    <inkml:context xml:id="ctx0">
+      <inkml:inkSource xml:id="inkSrc0">
+        <inkml:traceFormat>
+          <inkml:channel name="X" type="integer" min="-2.14748E9" max="2.14748E9" units="cm"/>
+          <inkml:channel name="Y" type="integer" min="-2.14748E9" max="2.14748E9" units="cm"/>
+          <inkml:channel name="F" type="integer" max="32767" units="dev"/>
+        </inkml:traceFormat>
+        <inkml:channelProperties>
+          <inkml:channelProperty channel="X" name="resolution" value="1000" units="1/cm"/>
+          <inkml:channelProperty channel="Y" name="resolution" value="1000" units="1/cm"/>
+          <inkml:channelProperty channel="F" name="resolution" value="0" units="1/dev"/>
+        </inkml:channelProperties>
+      </inkml:inkSource>
+      <inkml:timestamp xml:id="ts0" timeString="2022-05-22T07:02:51.042"/>
+    </inkml:context>
+    <inkml:brush xml:id="br0">
+      <inkml:brushProperty name="width" value="0.05" units="cm"/>
+      <inkml:brushProperty name="height" value="0.05" units="cm"/>
+    </inkml:brush>
+  </inkml:definitions>
+  <inkml:trace contextRef="#ctx0" brushRef="#br0">0 0 24575</inkml:trace>
+</inkml:ink>
+</file>
+
+<file path=ppt/ink/ink11.xml><?xml version="1.0" encoding="utf-8"?>
 <inkml:ink xmlns:inkml="http://www.w3.org/2003/InkML">
   <inkml:definitions>
     <inkml:context xml:id="ctx0">
@@ -492,7 +521,7 @@
           <a:p>
             <a:fld id="{388AA84C-5962-4688-BDAA-4DF6096806BA}" type="datetimeFigureOut">
               <a:rPr kumimoji="1" lang="ja-JP" altLang="en-US" smtClean="0"/>
-              <a:t>2022/12/19</a:t>
+              <a:t>2023/1/6</a:t>
             </a:fld>
             <a:endParaRPr kumimoji="1" lang="ja-JP" altLang="en-US"/>
           </a:p>
@@ -875,6 +904,229 @@
 </p:notes>
 </file>
 
+<file path=ppt/notesSlides/notesSlide10.xml><?xml version="1.0" encoding="utf-8"?>
+<p:notes xmlns:a="http://schemas.openxmlformats.org/drawingml/2006/main" xmlns:r="http://schemas.openxmlformats.org/officeDocument/2006/relationships" xmlns:p="http://schemas.openxmlformats.org/presentationml/2006/main">
+  <p:cSld>
+    <p:spTree>
+      <p:nvGrpSpPr>
+        <p:cNvPr id="1" name=""/>
+        <p:cNvGrpSpPr/>
+        <p:nvPr/>
+      </p:nvGrpSpPr>
+      <p:grpSpPr>
+        <a:xfrm>
+          <a:off x="0" y="0"/>
+          <a:ext cx="0" cy="0"/>
+          <a:chOff x="0" y="0"/>
+          <a:chExt cx="0" cy="0"/>
+        </a:xfrm>
+      </p:grpSpPr>
+      <p:sp>
+        <p:nvSpPr>
+          <p:cNvPr id="2" name="スライド イメージ プレースホルダー 1"/>
+          <p:cNvSpPr>
+            <a:spLocks noGrp="1" noRot="1" noChangeAspect="1"/>
+          </p:cNvSpPr>
+          <p:nvPr>
+            <p:ph type="sldImg"/>
+          </p:nvPr>
+        </p:nvSpPr>
+        <p:spPr/>
+      </p:sp>
+      <mc:AlternateContent xmlns:mc="http://schemas.openxmlformats.org/markup-compatibility/2006" xmlns:a14="http://schemas.microsoft.com/office/drawing/2010/main">
+        <mc:Choice Requires="a14">
+          <p:sp>
+            <p:nvSpPr>
+              <p:cNvPr id="3" name="ノート プレースホルダー 2"/>
+              <p:cNvSpPr>
+                <a:spLocks noGrp="1"/>
+              </p:cNvSpPr>
+              <p:nvPr>
+                <p:ph type="body" idx="1"/>
+              </p:nvPr>
+            </p:nvSpPr>
+            <p:spPr/>
+            <p:txBody>
+              <a:bodyPr/>
+              <a:lstStyle/>
+              <a:p>
+                <a14:m>
+                  <m:oMath xmlns:m="http://schemas.openxmlformats.org/officeDocument/2006/math">
+                    <m:r>
+                      <a:rPr kumimoji="1" lang="ja-JP" altLang="ja-JP" sz="1200" i="1" kern="1200" smtClean="0">
+                        <a:solidFill>
+                          <a:srgbClr val="000000"/>
+                        </a:solidFill>
+                        <a:effectLst/>
+                        <a:latin typeface="Cambria Math" panose="02040503050406030204" pitchFamily="18" charset="0"/>
+                      </a:rPr>
+                      <m:t>対象者全体のブロックごとの平均回答時間</m:t>
+                    </m:r>
+                  </m:oMath>
+                </a14:m>
+                <a:r>
+                  <a:rPr kumimoji="1" lang="ja-JP" altLang="en-US" dirty="0"/>
+                  <a:t>で割っているのは問題の難易度を考慮して割っているのでブロックごとの平均回答時間の推移だとおもってもらっていいです。</a:t>
+                </a:r>
+              </a:p>
+            </p:txBody>
+          </p:sp>
+        </mc:Choice>
+        <mc:Fallback xmlns="">
+          <p:sp>
+            <p:nvSpPr>
+              <p:cNvPr id="3" name="ノート プレースホルダー 2"/>
+              <p:cNvSpPr>
+                <a:spLocks noGrp="1"/>
+              </p:cNvSpPr>
+              <p:nvPr>
+                <p:ph type="body" idx="1"/>
+              </p:nvPr>
+            </p:nvSpPr>
+            <p:spPr/>
+            <p:txBody>
+              <a:bodyPr/>
+              <a:lstStyle/>
+              <a:p>
+                <a:r>
+                  <a:rPr kumimoji="1" lang="ja-JP" altLang="ja-JP" sz="1200" i="0" kern="1200">
+                    <a:solidFill>
+                      <a:srgbClr val="000000"/>
+                    </a:solidFill>
+                    <a:effectLst/>
+                    <a:latin typeface="Cambria Math" panose="02040503050406030204" pitchFamily="18" charset="0"/>
+                  </a:rPr>
+                  <a:t>対象者全体のブロックごとの平均回答時間</a:t>
+                </a:r>
+                <a:r>
+                  <a:rPr kumimoji="1" lang="ja-JP" altLang="en-US" dirty="0"/>
+                  <a:t>で割っているのは問題の難易度を考慮して割っているのでブロックごとの平均回答時間の推移だとおもってもらっていいです。</a:t>
+                </a:r>
+              </a:p>
+            </p:txBody>
+          </p:sp>
+        </mc:Fallback>
+      </mc:AlternateContent>
+      <p:sp>
+        <p:nvSpPr>
+          <p:cNvPr id="4" name="スライド番号プレースホルダー 3"/>
+          <p:cNvSpPr>
+            <a:spLocks noGrp="1"/>
+          </p:cNvSpPr>
+          <p:nvPr>
+            <p:ph type="sldNum" sz="quarter" idx="5"/>
+          </p:nvPr>
+        </p:nvSpPr>
+        <p:spPr/>
+        <p:txBody>
+          <a:bodyPr/>
+          <a:lstStyle/>
+          <a:p>
+            <a:fld id="{26A2BD96-0529-4E44-ACAE-85CA89E3EC69}" type="slidenum">
+              <a:rPr kumimoji="1" lang="ja-JP" altLang="en-US" smtClean="0"/>
+              <a:t>11</a:t>
+            </a:fld>
+            <a:endParaRPr kumimoji="1" lang="ja-JP" altLang="en-US"/>
+          </a:p>
+        </p:txBody>
+      </p:sp>
+    </p:spTree>
+    <p:extLst>
+      <p:ext uri="{BB962C8B-B14F-4D97-AF65-F5344CB8AC3E}">
+        <p14:creationId xmlns:p14="http://schemas.microsoft.com/office/powerpoint/2010/main" val="1277444265"/>
+      </p:ext>
+    </p:extLst>
+  </p:cSld>
+  <p:clrMapOvr>
+    <a:masterClrMapping/>
+  </p:clrMapOvr>
+</p:notes>
+</file>
+
+<file path=ppt/notesSlides/notesSlide11.xml><?xml version="1.0" encoding="utf-8"?>
+<p:notes xmlns:a="http://schemas.openxmlformats.org/drawingml/2006/main" xmlns:r="http://schemas.openxmlformats.org/officeDocument/2006/relationships" xmlns:p="http://schemas.openxmlformats.org/presentationml/2006/main">
+  <p:cSld>
+    <p:spTree>
+      <p:nvGrpSpPr>
+        <p:cNvPr id="1" name=""/>
+        <p:cNvGrpSpPr/>
+        <p:nvPr/>
+      </p:nvGrpSpPr>
+      <p:grpSpPr>
+        <a:xfrm>
+          <a:off x="0" y="0"/>
+          <a:ext cx="0" cy="0"/>
+          <a:chOff x="0" y="0"/>
+          <a:chExt cx="0" cy="0"/>
+        </a:xfrm>
+      </p:grpSpPr>
+      <p:sp>
+        <p:nvSpPr>
+          <p:cNvPr id="2" name="スライド イメージ プレースホルダー 1"/>
+          <p:cNvSpPr>
+            <a:spLocks noGrp="1" noRot="1" noChangeAspect="1"/>
+          </p:cNvSpPr>
+          <p:nvPr>
+            <p:ph type="sldImg"/>
+          </p:nvPr>
+        </p:nvSpPr>
+        <p:spPr/>
+      </p:sp>
+      <p:sp>
+        <p:nvSpPr>
+          <p:cNvPr id="3" name="ノート プレースホルダー 2"/>
+          <p:cNvSpPr>
+            <a:spLocks noGrp="1"/>
+          </p:cNvSpPr>
+          <p:nvPr>
+            <p:ph type="body" idx="1"/>
+          </p:nvPr>
+        </p:nvSpPr>
+        <p:spPr/>
+        <p:txBody>
+          <a:bodyPr/>
+          <a:lstStyle/>
+          <a:p>
+            <a:endParaRPr kumimoji="1" lang="ja-JP" altLang="en-US" dirty="0"/>
+          </a:p>
+        </p:txBody>
+      </p:sp>
+      <p:sp>
+        <p:nvSpPr>
+          <p:cNvPr id="4" name="スライド番号プレースホルダー 3"/>
+          <p:cNvSpPr>
+            <a:spLocks noGrp="1"/>
+          </p:cNvSpPr>
+          <p:nvPr>
+            <p:ph type="sldNum" sz="quarter" idx="5"/>
+          </p:nvPr>
+        </p:nvSpPr>
+        <p:spPr/>
+        <p:txBody>
+          <a:bodyPr/>
+          <a:lstStyle/>
+          <a:p>
+            <a:fld id="{26A2BD96-0529-4E44-ACAE-85CA89E3EC69}" type="slidenum">
+              <a:rPr kumimoji="1" lang="ja-JP" altLang="en-US" smtClean="0"/>
+              <a:t>16</a:t>
+            </a:fld>
+            <a:endParaRPr kumimoji="1" lang="ja-JP" altLang="en-US"/>
+          </a:p>
+        </p:txBody>
+      </p:sp>
+    </p:spTree>
+    <p:extLst>
+      <p:ext uri="{BB962C8B-B14F-4D97-AF65-F5344CB8AC3E}">
+        <p14:creationId xmlns:p14="http://schemas.microsoft.com/office/powerpoint/2010/main" val="1539743482"/>
+      </p:ext>
+    </p:extLst>
+  </p:cSld>
+  <p:clrMapOvr>
+    <a:masterClrMapping/>
+  </p:clrMapOvr>
+</p:notes>
+</file>
+
 <file path=ppt/notesSlides/notesSlide2.xml><?xml version="1.0" encoding="utf-8"?>
 <p:notes xmlns:a="http://schemas.openxmlformats.org/drawingml/2006/main" xmlns:r="http://schemas.openxmlformats.org/officeDocument/2006/relationships" xmlns:p="http://schemas.openxmlformats.org/presentationml/2006/main">
   <p:cSld>
@@ -2274,8 +2526,8 @@
         </p:nvSpPr>
         <p:spPr/>
       </p:sp>
-      <mc:AlternateContent xmlns:mc="http://schemas.openxmlformats.org/markup-compatibility/2006">
-        <mc:Choice xmlns:a14="http://schemas.microsoft.com/office/drawing/2010/main" Requires="a14">
+      <mc:AlternateContent xmlns:mc="http://schemas.openxmlformats.org/markup-compatibility/2006" xmlns:a14="http://schemas.microsoft.com/office/drawing/2010/main">
+        <mc:Choice Requires="a14">
           <p:sp>
             <p:nvSpPr>
               <p:cNvPr id="3" name="ノート プレースホルダー 2"/>
@@ -2291,7 +2543,6 @@
               <a:bodyPr/>
               <a:lstStyle/>
               <a:p>
-                <a:pPr/>
                 <a14:m>
                   <m:oMath xmlns:m="http://schemas.openxmlformats.org/officeDocument/2006/math">
                     <m:r>
@@ -2321,21 +2572,7 @@
                         <a:latin typeface="Cambria Math" panose="02040503050406030204" pitchFamily="18" charset="0"/>
                         <a:ea typeface="HGPｺﾞｼｯｸE" panose="020B0900000000000000" pitchFamily="50" charset="-128"/>
                       </a:rPr>
-                      <m:t>の</m:t>
-                    </m:r>
-                    <m:r>
-                      <a:rPr lang="ja-JP" altLang="en-US" sz="1200" i="1">
-                        <a:latin typeface="Cambria Math" panose="02040503050406030204" pitchFamily="18" charset="0"/>
-                        <a:ea typeface="HGPｺﾞｼｯｸE" panose="020B0900000000000000" pitchFamily="50" charset="-128"/>
-                      </a:rPr>
-                      <m:t>平均回答時間を</m:t>
-                    </m:r>
-                    <m:r>
-                      <a:rPr lang="ja-JP" altLang="en-US" sz="1200" i="1">
-                        <a:latin typeface="Cambria Math" panose="02040503050406030204" pitchFamily="18" charset="0"/>
-                        <a:ea typeface="HGPｺﾞｼｯｸE" panose="020B0900000000000000" pitchFamily="50" charset="-128"/>
-                      </a:rPr>
-                      <m:t>対象者</m:t>
+                      <m:t>の平均回答時間を対象者</m:t>
                     </m:r>
                     <m:r>
                       <a:rPr lang="ja-JP" altLang="en-US" sz="1200" i="1" smtClean="0">
@@ -2349,14 +2586,7 @@
                         <a:latin typeface="Cambria Math" panose="02040503050406030204" pitchFamily="18" charset="0"/>
                         <a:ea typeface="HGPｺﾞｼｯｸE" panose="020B0900000000000000" pitchFamily="50" charset="-128"/>
                       </a:rPr>
-                      <m:t>のブロックごと</m:t>
-                    </m:r>
-                    <m:r>
-                      <a:rPr lang="ja-JP" altLang="en-US" sz="1200" i="1">
-                        <a:latin typeface="Cambria Math" panose="02040503050406030204" pitchFamily="18" charset="0"/>
-                        <a:ea typeface="HGPｺﾞｼｯｸE" panose="020B0900000000000000" pitchFamily="50" charset="-128"/>
-                      </a:rPr>
-                      <m:t>の</m:t>
+                      <m:t>のブロックごとの</m:t>
                     </m:r>
                     <m:r>
                       <a:rPr lang="ja-JP" altLang="en-US" sz="1200" i="1" smtClean="0">
@@ -2381,13 +2611,12 @@
                 <a:endParaRPr kumimoji="1" lang="en-US" altLang="ja-JP" dirty="0"/>
               </a:p>
               <a:p>
-                <a:pPr/>
                 <a:endParaRPr kumimoji="1" lang="ja-JP" altLang="en-US" dirty="0"/>
               </a:p>
             </p:txBody>
           </p:sp>
         </mc:Choice>
-        <mc:Fallback>
+        <mc:Fallback xmlns="">
           <p:sp>
             <p:nvSpPr>
               <p:cNvPr id="3" name="ノート プレースホルダー 2"/>
@@ -2501,28 +2730,145 @@
         </p:nvSpPr>
         <p:spPr/>
       </p:sp>
-      <p:sp>
-        <p:nvSpPr>
-          <p:cNvPr id="3" name="ノート プレースホルダー 2"/>
-          <p:cNvSpPr>
-            <a:spLocks noGrp="1"/>
-          </p:cNvSpPr>
-          <p:nvPr>
-            <p:ph type="body" idx="1"/>
-          </p:nvPr>
-        </p:nvSpPr>
-        <p:spPr/>
-        <p:txBody>
-          <a:bodyPr/>
-          <a:lstStyle/>
-          <a:p>
-            <a:r>
-              <a:rPr kumimoji="1" lang="ja-JP" altLang="en-US" dirty="0"/>
-              <a:t>全体の</a:t>
-            </a:r>
-          </a:p>
-        </p:txBody>
-      </p:sp>
+      <mc:AlternateContent xmlns:mc="http://schemas.openxmlformats.org/markup-compatibility/2006" xmlns:a14="http://schemas.microsoft.com/office/drawing/2010/main">
+        <mc:Choice Requires="a14">
+          <p:sp>
+            <p:nvSpPr>
+              <p:cNvPr id="3" name="ノート プレースホルダー 2"/>
+              <p:cNvSpPr>
+                <a:spLocks noGrp="1"/>
+              </p:cNvSpPr>
+              <p:nvPr>
+                <p:ph type="body" idx="1"/>
+              </p:nvPr>
+            </p:nvSpPr>
+            <p:spPr/>
+            <p:txBody>
+              <a:bodyPr/>
+              <a:lstStyle/>
+              <a:p>
+                <a14:m>
+                  <m:oMath xmlns:m="http://schemas.openxmlformats.org/officeDocument/2006/math">
+                    <m:r>
+                      <a:rPr lang="ja-JP" altLang="en-US" sz="1200" i="1">
+                        <a:latin typeface="Cambria Math" panose="02040503050406030204" pitchFamily="18" charset="0"/>
+                        <a:ea typeface="HGPｺﾞｼｯｸE" panose="020B0900000000000000" pitchFamily="50" charset="-128"/>
+                      </a:rPr>
+                      <m:t>右側の分母をこのようにしたのは</m:t>
+                    </m:r>
+                  </m:oMath>
+                </a14:m>
+                <a:r>
+                  <a:rPr kumimoji="1" lang="ja-JP" altLang="en-US" dirty="0"/>
+                  <a:t>ブロックごとに問題難易度の差が大きいと判断したため</a:t>
+                </a:r>
+                <a14:m>
+                  <m:oMath xmlns:m="http://schemas.openxmlformats.org/officeDocument/2006/math">
+                    <m:r>
+                      <a:rPr lang="ja-JP" altLang="en-US" sz="1200" i="1" smtClean="0">
+                        <a:latin typeface="Cambria Math" panose="02040503050406030204" pitchFamily="18" charset="0"/>
+                        <a:ea typeface="HGPｺﾞｼｯｸE" panose="020B0900000000000000" pitchFamily="50" charset="-128"/>
+                      </a:rPr>
+                      <m:t>ブロックごと</m:t>
+                    </m:r>
+                    <m:r>
+                      <a:rPr lang="ja-JP" altLang="en-US" sz="1200" i="1">
+                        <a:latin typeface="Cambria Math" panose="02040503050406030204" pitchFamily="18" charset="0"/>
+                        <a:ea typeface="HGPｺﾞｼｯｸE" panose="020B0900000000000000" pitchFamily="50" charset="-128"/>
+                      </a:rPr>
+                      <m:t>の平均回答時間を対象者</m:t>
+                    </m:r>
+                    <m:r>
+                      <a:rPr lang="ja-JP" altLang="en-US" sz="1200" i="1" smtClean="0">
+                        <a:latin typeface="Cambria Math" panose="02040503050406030204" pitchFamily="18" charset="0"/>
+                        <a:ea typeface="HGPｺﾞｼｯｸE" panose="020B0900000000000000" pitchFamily="50" charset="-128"/>
+                      </a:rPr>
+                      <m:t>全体</m:t>
+                    </m:r>
+                    <m:r>
+                      <a:rPr lang="ja-JP" altLang="en-US" sz="1200" i="1">
+                        <a:latin typeface="Cambria Math" panose="02040503050406030204" pitchFamily="18" charset="0"/>
+                        <a:ea typeface="HGPｺﾞｼｯｸE" panose="020B0900000000000000" pitchFamily="50" charset="-128"/>
+                      </a:rPr>
+                      <m:t>のブロックごとの</m:t>
+                    </m:r>
+                    <m:r>
+                      <a:rPr lang="ja-JP" altLang="en-US" sz="1200" i="1" smtClean="0">
+                        <a:latin typeface="Cambria Math" panose="02040503050406030204" pitchFamily="18" charset="0"/>
+                        <a:ea typeface="HGPｺﾞｼｯｸE" panose="020B0900000000000000" pitchFamily="50" charset="-128"/>
+                      </a:rPr>
+                      <m:t>平均</m:t>
+                    </m:r>
+                    <m:r>
+                      <a:rPr lang="ja-JP" altLang="en-US" sz="1200" i="1">
+                        <a:latin typeface="Cambria Math" panose="02040503050406030204" pitchFamily="18" charset="0"/>
+                        <a:ea typeface="HGPｺﾞｼｯｸE" panose="020B0900000000000000" pitchFamily="50" charset="-128"/>
+                      </a:rPr>
+                      <m:t>回答時間</m:t>
+                    </m:r>
+                  </m:oMath>
+                </a14:m>
+                <a:r>
+                  <a:rPr kumimoji="1" lang="ja-JP" altLang="en-US" dirty="0"/>
+                  <a:t>で割ることで問題難易度の差をなくしています。</a:t>
+                </a:r>
+                <a:endParaRPr kumimoji="1" lang="en-US" altLang="ja-JP" dirty="0"/>
+              </a:p>
+              <a:p>
+                <a:endParaRPr kumimoji="1" lang="ja-JP" altLang="en-US" dirty="0"/>
+              </a:p>
+            </p:txBody>
+          </p:sp>
+        </mc:Choice>
+        <mc:Fallback xmlns="">
+          <p:sp>
+            <p:nvSpPr>
+              <p:cNvPr id="3" name="ノート プレースホルダー 2"/>
+              <p:cNvSpPr>
+                <a:spLocks noGrp="1"/>
+              </p:cNvSpPr>
+              <p:nvPr>
+                <p:ph type="body" idx="1"/>
+              </p:nvPr>
+            </p:nvSpPr>
+            <p:spPr/>
+            <p:txBody>
+              <a:bodyPr/>
+              <a:lstStyle/>
+              <a:p>
+                <a:pPr/>
+                <a:r>
+                  <a:rPr lang="ja-JP" altLang="en-US" sz="1200" i="0">
+                    <a:latin typeface="Cambria Math" panose="02040503050406030204" pitchFamily="18" charset="0"/>
+                    <a:ea typeface="HGPｺﾞｼｯｸE" panose="020B0900000000000000" pitchFamily="50" charset="-128"/>
+                  </a:rPr>
+                  <a:t>右側の分母をこのようにしたのは</a:t>
+                </a:r>
+                <a:r>
+                  <a:rPr kumimoji="1" lang="ja-JP" altLang="en-US" dirty="0"/>
+                  <a:t>ブロックごとに問題難易度の差が大きいと判断したため</a:t>
+                </a:r>
+                <a:r>
+                  <a:rPr lang="ja-JP" altLang="en-US" sz="1200" i="0">
+                    <a:latin typeface="Cambria Math" panose="02040503050406030204" pitchFamily="18" charset="0"/>
+                    <a:ea typeface="HGPｺﾞｼｯｸE" panose="020B0900000000000000" pitchFamily="50" charset="-128"/>
+                  </a:rPr>
+                  <a:t>ブロックごとの平均回答時間を対象者全体のブロックごとの平均回答時間</a:t>
+                </a:r>
+                <a:r>
+                  <a:rPr kumimoji="1" lang="ja-JP" altLang="en-US" dirty="0"/>
+                  <a:t>で割ることで問題難易度の差をなくしています。</a:t>
+                </a:r>
+                <a:endParaRPr kumimoji="1" lang="en-US" altLang="ja-JP" dirty="0"/>
+              </a:p>
+              <a:p>
+                <a:pPr/>
+                <a:endParaRPr kumimoji="1" lang="ja-JP" altLang="en-US" dirty="0"/>
+              </a:p>
+            </p:txBody>
+          </p:sp>
+        </mc:Fallback>
+      </mc:AlternateContent>
       <p:sp>
         <p:nvSpPr>
           <p:cNvPr id="4" name="スライド番号プレースホルダー 3"/>
@@ -2549,7 +2895,7 @@
     </p:spTree>
     <p:extLst>
       <p:ext uri="{BB962C8B-B14F-4D97-AF65-F5344CB8AC3E}">
-        <p14:creationId xmlns:p14="http://schemas.microsoft.com/office/powerpoint/2010/main" val="3136816029"/>
+        <p14:creationId xmlns:p14="http://schemas.microsoft.com/office/powerpoint/2010/main" val="4261151074"/>
       </p:ext>
     </p:extLst>
   </p:cSld>
@@ -2588,80 +2934,28 @@
         </p:nvSpPr>
         <p:spPr/>
       </p:sp>
-      <mc:AlternateContent xmlns:mc="http://schemas.openxmlformats.org/markup-compatibility/2006">
-        <mc:Choice xmlns:a14="http://schemas.microsoft.com/office/drawing/2010/main" Requires="a14">
-          <p:sp>
-            <p:nvSpPr>
-              <p:cNvPr id="3" name="ノート プレースホルダー 2"/>
-              <p:cNvSpPr>
-                <a:spLocks noGrp="1"/>
-              </p:cNvSpPr>
-              <p:nvPr>
-                <p:ph type="body" idx="1"/>
-              </p:nvPr>
-            </p:nvSpPr>
-            <p:spPr/>
-            <p:txBody>
-              <a:bodyPr/>
-              <a:lstStyle/>
-              <a:p>
-                <a14:m>
-                  <m:oMath xmlns:m="http://schemas.openxmlformats.org/officeDocument/2006/math">
-                    <m:r>
-                      <a:rPr kumimoji="1" lang="ja-JP" altLang="ja-JP" sz="1200" i="1" kern="1200" smtClean="0">
-                        <a:solidFill>
-                          <a:srgbClr val="000000"/>
-                        </a:solidFill>
-                        <a:effectLst/>
-                        <a:latin typeface="Cambria Math" panose="02040503050406030204" pitchFamily="18" charset="0"/>
-                      </a:rPr>
-                      <m:t>対象者全体のブロックごとの平均回答時間</m:t>
-                    </m:r>
-                  </m:oMath>
-                </a14:m>
-                <a:r>
-                  <a:rPr kumimoji="1" lang="ja-JP" altLang="en-US" dirty="0"/>
-                  <a:t>で割っているのは問題の難易度を考慮して割っているのでブロックごとの平均回答時間の推移だとおもってもらっていいです。</a:t>
-                </a:r>
-              </a:p>
-            </p:txBody>
-          </p:sp>
-        </mc:Choice>
-        <mc:Fallback>
-          <p:sp>
-            <p:nvSpPr>
-              <p:cNvPr id="3" name="ノート プレースホルダー 2"/>
-              <p:cNvSpPr>
-                <a:spLocks noGrp="1"/>
-              </p:cNvSpPr>
-              <p:nvPr>
-                <p:ph type="body" idx="1"/>
-              </p:nvPr>
-            </p:nvSpPr>
-            <p:spPr/>
-            <p:txBody>
-              <a:bodyPr/>
-              <a:lstStyle/>
-              <a:p>
-                <a:r>
-                  <a:rPr kumimoji="1" lang="ja-JP" altLang="ja-JP" sz="1200" i="0" kern="1200">
-                    <a:solidFill>
-                      <a:srgbClr val="000000"/>
-                    </a:solidFill>
-                    <a:effectLst/>
-                    <a:latin typeface="Cambria Math" panose="02040503050406030204" pitchFamily="18" charset="0"/>
-                  </a:rPr>
-                  <a:t>対象者全体のブロックごとの平均回答時間</a:t>
-                </a:r>
-                <a:r>
-                  <a:rPr kumimoji="1" lang="ja-JP" altLang="en-US" dirty="0"/>
-                  <a:t>で割っているのは問題の難易度を考慮して割っているのでブロックごとの平均回答時間の推移だとおもってもらっていいです。</a:t>
-                </a:r>
-              </a:p>
-            </p:txBody>
-          </p:sp>
-        </mc:Fallback>
-      </mc:AlternateContent>
+      <p:sp>
+        <p:nvSpPr>
+          <p:cNvPr id="3" name="ノート プレースホルダー 2"/>
+          <p:cNvSpPr>
+            <a:spLocks noGrp="1"/>
+          </p:cNvSpPr>
+          <p:nvPr>
+            <p:ph type="body" idx="1"/>
+          </p:nvPr>
+        </p:nvSpPr>
+        <p:spPr/>
+        <p:txBody>
+          <a:bodyPr/>
+          <a:lstStyle/>
+          <a:p>
+            <a:r>
+              <a:rPr kumimoji="1" lang="ja-JP" altLang="en-US" dirty="0"/>
+              <a:t>全体の</a:t>
+            </a:r>
+          </a:p>
+        </p:txBody>
+      </p:sp>
       <p:sp>
         <p:nvSpPr>
           <p:cNvPr id="4" name="スライド番号プレースホルダー 3"/>
@@ -2688,7 +2982,94 @@
     </p:spTree>
     <p:extLst>
       <p:ext uri="{BB962C8B-B14F-4D97-AF65-F5344CB8AC3E}">
-        <p14:creationId xmlns:p14="http://schemas.microsoft.com/office/powerpoint/2010/main" val="1277444265"/>
+        <p14:creationId xmlns:p14="http://schemas.microsoft.com/office/powerpoint/2010/main" val="3136816029"/>
+      </p:ext>
+    </p:extLst>
+  </p:cSld>
+  <p:clrMapOvr>
+    <a:masterClrMapping/>
+  </p:clrMapOvr>
+</p:notes>
+</file>
+
+<file path=ppt/notesSlides/notesSlide9.xml><?xml version="1.0" encoding="utf-8"?>
+<p:notes xmlns:a="http://schemas.openxmlformats.org/drawingml/2006/main" xmlns:r="http://schemas.openxmlformats.org/officeDocument/2006/relationships" xmlns:p="http://schemas.openxmlformats.org/presentationml/2006/main">
+  <p:cSld>
+    <p:spTree>
+      <p:nvGrpSpPr>
+        <p:cNvPr id="1" name=""/>
+        <p:cNvGrpSpPr/>
+        <p:nvPr/>
+      </p:nvGrpSpPr>
+      <p:grpSpPr>
+        <a:xfrm>
+          <a:off x="0" y="0"/>
+          <a:ext cx="0" cy="0"/>
+          <a:chOff x="0" y="0"/>
+          <a:chExt cx="0" cy="0"/>
+        </a:xfrm>
+      </p:grpSpPr>
+      <p:sp>
+        <p:nvSpPr>
+          <p:cNvPr id="2" name="スライド イメージ プレースホルダー 1"/>
+          <p:cNvSpPr>
+            <a:spLocks noGrp="1" noRot="1" noChangeAspect="1"/>
+          </p:cNvSpPr>
+          <p:nvPr>
+            <p:ph type="sldImg"/>
+          </p:nvPr>
+        </p:nvSpPr>
+        <p:spPr/>
+      </p:sp>
+      <p:sp>
+        <p:nvSpPr>
+          <p:cNvPr id="3" name="ノート プレースホルダー 2"/>
+          <p:cNvSpPr>
+            <a:spLocks noGrp="1"/>
+          </p:cNvSpPr>
+          <p:nvPr>
+            <p:ph type="body" idx="1"/>
+          </p:nvPr>
+        </p:nvSpPr>
+        <p:spPr/>
+        <p:txBody>
+          <a:bodyPr/>
+          <a:lstStyle/>
+          <a:p>
+            <a:r>
+              <a:rPr kumimoji="1" lang="ja-JP" altLang="en-US" dirty="0"/>
+              <a:t>全体の</a:t>
+            </a:r>
+          </a:p>
+        </p:txBody>
+      </p:sp>
+      <p:sp>
+        <p:nvSpPr>
+          <p:cNvPr id="4" name="スライド番号プレースホルダー 3"/>
+          <p:cNvSpPr>
+            <a:spLocks noGrp="1"/>
+          </p:cNvSpPr>
+          <p:nvPr>
+            <p:ph type="sldNum" sz="quarter" idx="5"/>
+          </p:nvPr>
+        </p:nvSpPr>
+        <p:spPr/>
+        <p:txBody>
+          <a:bodyPr/>
+          <a:lstStyle/>
+          <a:p>
+            <a:fld id="{26A2BD96-0529-4E44-ACAE-85CA89E3EC69}" type="slidenum">
+              <a:rPr kumimoji="1" lang="ja-JP" altLang="en-US" smtClean="0"/>
+              <a:t>10</a:t>
+            </a:fld>
+            <a:endParaRPr kumimoji="1" lang="ja-JP" altLang="en-US"/>
+          </a:p>
+        </p:txBody>
+      </p:sp>
+    </p:spTree>
+    <p:extLst>
+      <p:ext uri="{BB962C8B-B14F-4D97-AF65-F5344CB8AC3E}">
+        <p14:creationId xmlns:p14="http://schemas.microsoft.com/office/powerpoint/2010/main" val="33955719"/>
       </p:ext>
     </p:extLst>
   </p:cSld>
@@ -2845,7 +3226,7 @@
           <a:p>
             <a:fld id="{48A87A34-81AB-432B-8DAE-1953F412C126}" type="datetimeFigureOut">
               <a:rPr lang="en-US" smtClean="0"/>
-              <a:t>12/19/2022</a:t>
+              <a:t>1/6/2023</a:t>
             </a:fld>
             <a:endParaRPr lang="en-US" dirty="0"/>
           </a:p>
@@ -3075,7 +3456,7 @@
           <a:p>
             <a:fld id="{48A87A34-81AB-432B-8DAE-1953F412C126}" type="datetimeFigureOut">
               <a:rPr lang="en-US" smtClean="0"/>
-              <a:t>12/19/2022</a:t>
+              <a:t>1/6/2023</a:t>
             </a:fld>
             <a:endParaRPr lang="en-US" dirty="0"/>
           </a:p>
@@ -3315,7 +3696,7 @@
           <a:p>
             <a:fld id="{48A87A34-81AB-432B-8DAE-1953F412C126}" type="datetimeFigureOut">
               <a:rPr lang="en-US" smtClean="0"/>
-              <a:t>12/19/2022</a:t>
+              <a:t>1/6/2023</a:t>
             </a:fld>
             <a:endParaRPr lang="en-US" dirty="0"/>
           </a:p>
@@ -3545,7 +3926,7 @@
           <a:p>
             <a:fld id="{48A87A34-81AB-432B-8DAE-1953F412C126}" type="datetimeFigureOut">
               <a:rPr lang="en-US" smtClean="0"/>
-              <a:t>12/19/2022</a:t>
+              <a:t>1/6/2023</a:t>
             </a:fld>
             <a:endParaRPr lang="en-US" dirty="0"/>
           </a:p>
@@ -3820,7 +4201,7 @@
           <a:p>
             <a:fld id="{48A87A34-81AB-432B-8DAE-1953F412C126}" type="datetimeFigureOut">
               <a:rPr lang="en-US" smtClean="0"/>
-              <a:t>12/19/2022</a:t>
+              <a:t>1/6/2023</a:t>
             </a:fld>
             <a:endParaRPr lang="en-US" dirty="0"/>
           </a:p>
@@ -4149,7 +4530,7 @@
           <a:p>
             <a:fld id="{48A87A34-81AB-432B-8DAE-1953F412C126}" type="datetimeFigureOut">
               <a:rPr lang="en-US" smtClean="0"/>
-              <a:t>12/19/2022</a:t>
+              <a:t>1/6/2023</a:t>
             </a:fld>
             <a:endParaRPr lang="en-US" dirty="0"/>
           </a:p>
@@ -4625,7 +5006,7 @@
           <a:p>
             <a:fld id="{48A87A34-81AB-432B-8DAE-1953F412C126}" type="datetimeFigureOut">
               <a:rPr lang="en-US" smtClean="0"/>
-              <a:t>12/19/2022</a:t>
+              <a:t>1/6/2023</a:t>
             </a:fld>
             <a:endParaRPr lang="en-US" dirty="0"/>
           </a:p>
@@ -4766,7 +5147,7 @@
           <a:p>
             <a:fld id="{48A87A34-81AB-432B-8DAE-1953F412C126}" type="datetimeFigureOut">
               <a:rPr lang="en-US" smtClean="0"/>
-              <a:t>12/19/2022</a:t>
+              <a:t>1/6/2023</a:t>
             </a:fld>
             <a:endParaRPr lang="en-US" dirty="0"/>
           </a:p>
@@ -4879,7 +5260,7 @@
           <a:p>
             <a:fld id="{48A87A34-81AB-432B-8DAE-1953F412C126}" type="datetimeFigureOut">
               <a:rPr lang="en-US" smtClean="0"/>
-              <a:t>12/19/2022</a:t>
+              <a:t>1/6/2023</a:t>
             </a:fld>
             <a:endParaRPr lang="en-US" dirty="0"/>
           </a:p>
@@ -5222,7 +5603,7 @@
           <a:p>
             <a:fld id="{48A87A34-81AB-432B-8DAE-1953F412C126}" type="datetimeFigureOut">
               <a:rPr lang="en-US" smtClean="0"/>
-              <a:t>12/19/2022</a:t>
+              <a:t>1/6/2023</a:t>
             </a:fld>
             <a:endParaRPr lang="en-US" dirty="0"/>
           </a:p>
@@ -5514,7 +5895,7 @@
             <a:fld id="{48A87A34-81AB-432B-8DAE-1953F412C126}" type="datetimeFigureOut">
               <a:rPr lang="en-US" smtClean="0"/>
               <a:pPr/>
-              <a:t>12/19/2022</a:t>
+              <a:t>1/6/2023</a:t>
             </a:fld>
             <a:endParaRPr lang="en-US" dirty="0"/>
           </a:p>
@@ -5788,7 +6169,7 @@
             <a:fld id="{48A87A34-81AB-432B-8DAE-1953F412C126}" type="datetimeFigureOut">
               <a:rPr lang="en-US" smtClean="0"/>
               <a:pPr/>
-              <a:t>12/19/2022</a:t>
+              <a:t>1/6/2023</a:t>
             </a:fld>
             <a:endParaRPr lang="en-US" dirty="0"/>
           </a:p>
@@ -6525,7 +6906,7 @@
           <a:p>
             <a:pPr algn="ctr"/>
             <a:endParaRPr lang="ja-JP" altLang="en-US" sz="4800" dirty="0">
-              <a:hlinkClick r:id="rId2"/>
+              <a:hlinkClick r:id="rId3"/>
             </a:endParaRPr>
           </a:p>
           <a:p>
@@ -6675,6 +7056,1360 @@
           <a:lstStyle/>
           <a:p>
             <a:r>
+              <a:rPr lang="ja-JP" altLang="en-US" sz="6000" dirty="0">
+                <a:latin typeface="HGS創英角ｺﾞｼｯｸUB" panose="020B0900000000000000" pitchFamily="50" charset="-128"/>
+                <a:ea typeface="HGS創英角ｺﾞｼｯｸUB" panose="020B0900000000000000" pitchFamily="50" charset="-128"/>
+              </a:rPr>
+              <a:t>分析結果</a:t>
+            </a:r>
+            <a:endParaRPr kumimoji="1" lang="ja-JP" altLang="en-US" sz="6000" dirty="0">
+              <a:latin typeface="HGS創英角ｺﾞｼｯｸUB" panose="020B0900000000000000" pitchFamily="50" charset="-128"/>
+              <a:ea typeface="HGS創英角ｺﾞｼｯｸUB" panose="020B0900000000000000" pitchFamily="50" charset="-128"/>
+            </a:endParaRPr>
+          </a:p>
+        </p:txBody>
+      </p:sp>
+      <p:sp>
+        <p:nvSpPr>
+          <p:cNvPr id="16" name="テキスト ボックス 15">
+            <a:extLst>
+              <a:ext uri="{FF2B5EF4-FFF2-40B4-BE49-F238E27FC236}">
+                <a16:creationId xmlns:a16="http://schemas.microsoft.com/office/drawing/2014/main" id="{46F216BF-2A30-6741-3EA5-2EFD1BA1CE4F}"/>
+              </a:ext>
+            </a:extLst>
+          </p:cNvPr>
+          <p:cNvSpPr txBox="1"/>
+          <p:nvPr/>
+        </p:nvSpPr>
+        <p:spPr>
+          <a:xfrm>
+            <a:off x="725132" y="2100086"/>
+            <a:ext cx="11466868" cy="1138773"/>
+          </a:xfrm>
+          <a:prstGeom prst="rect">
+            <a:avLst/>
+          </a:prstGeom>
+          <a:noFill/>
+        </p:spPr>
+        <p:txBody>
+          <a:bodyPr wrap="square" rtlCol="0">
+            <a:spAutoFit/>
+          </a:bodyPr>
+          <a:lstStyle/>
+          <a:p>
+            <a:endParaRPr kumimoji="1" lang="en-US" altLang="ja-JP" sz="3600" dirty="0">
+              <a:latin typeface="HGPｺﾞｼｯｸE" panose="020B0900000000000000" pitchFamily="50" charset="-128"/>
+              <a:ea typeface="HGPｺﾞｼｯｸE" panose="020B0900000000000000" pitchFamily="50" charset="-128"/>
+            </a:endParaRPr>
+          </a:p>
+          <a:p>
+            <a:endParaRPr kumimoji="1" lang="en-US" altLang="ja-JP" sz="3200" dirty="0">
+              <a:latin typeface="HGPｺﾞｼｯｸE" panose="020B0900000000000000" pitchFamily="50" charset="-128"/>
+              <a:ea typeface="HGPｺﾞｼｯｸE" panose="020B0900000000000000" pitchFamily="50" charset="-128"/>
+            </a:endParaRPr>
+          </a:p>
+        </p:txBody>
+      </p:sp>
+      <p:pic>
+        <p:nvPicPr>
+          <p:cNvPr id="3" name="図 2">
+            <a:extLst>
+              <a:ext uri="{FF2B5EF4-FFF2-40B4-BE49-F238E27FC236}">
+                <a16:creationId xmlns:a16="http://schemas.microsoft.com/office/drawing/2014/main" id="{2E677C3F-FC7F-F270-DF35-36FBCBD42E78}"/>
+              </a:ext>
+            </a:extLst>
+          </p:cNvPr>
+          <p:cNvPicPr>
+            <a:picLocks noChangeAspect="1"/>
+          </p:cNvPicPr>
+          <p:nvPr/>
+        </p:nvPicPr>
+        <p:blipFill>
+          <a:blip r:embed="rId4"/>
+          <a:stretch>
+            <a:fillRect/>
+          </a:stretch>
+        </p:blipFill>
+        <p:spPr>
+          <a:xfrm>
+            <a:off x="725132" y="1864953"/>
+            <a:ext cx="4994853" cy="2999572"/>
+          </a:xfrm>
+          <a:prstGeom prst="rect">
+            <a:avLst/>
+          </a:prstGeom>
+        </p:spPr>
+      </p:pic>
+      <p:sp>
+        <p:nvSpPr>
+          <p:cNvPr id="6" name="テキスト ボックス 5">
+            <a:extLst>
+              <a:ext uri="{FF2B5EF4-FFF2-40B4-BE49-F238E27FC236}">
+                <a16:creationId xmlns:a16="http://schemas.microsoft.com/office/drawing/2014/main" id="{DB791A46-47C6-59F0-C42B-4B80DBC631FF}"/>
+              </a:ext>
+            </a:extLst>
+          </p:cNvPr>
+          <p:cNvSpPr txBox="1"/>
+          <p:nvPr/>
+        </p:nvSpPr>
+        <p:spPr>
+          <a:xfrm>
+            <a:off x="889448" y="2060485"/>
+            <a:ext cx="514885" cy="276999"/>
+          </a:xfrm>
+          <a:prstGeom prst="rect">
+            <a:avLst/>
+          </a:prstGeom>
+          <a:noFill/>
+        </p:spPr>
+        <p:txBody>
+          <a:bodyPr wrap="none" rtlCol="0">
+            <a:spAutoFit/>
+          </a:bodyPr>
+          <a:lstStyle/>
+          <a:p>
+            <a:r>
+              <a:rPr kumimoji="1" lang="en-US" altLang="ja-JP" sz="1200" dirty="0"/>
+              <a:t>(</a:t>
+            </a:r>
+            <a:r>
+              <a:rPr kumimoji="1" lang="en-US" altLang="ja-JP" sz="1200" dirty="0" err="1"/>
+              <a:t>ms</a:t>
+            </a:r>
+            <a:r>
+              <a:rPr kumimoji="1" lang="en-US" altLang="ja-JP" sz="1200" dirty="0"/>
+              <a:t>)</a:t>
+            </a:r>
+            <a:endParaRPr kumimoji="1" lang="ja-JP" altLang="en-US" sz="1200" dirty="0"/>
+          </a:p>
+        </p:txBody>
+      </p:sp>
+      <p:sp>
+        <p:nvSpPr>
+          <p:cNvPr id="7" name="テキスト ボックス 6">
+            <a:extLst>
+              <a:ext uri="{FF2B5EF4-FFF2-40B4-BE49-F238E27FC236}">
+                <a16:creationId xmlns:a16="http://schemas.microsoft.com/office/drawing/2014/main" id="{B08CA7DF-5804-CCFD-78F3-9CD1ED714666}"/>
+              </a:ext>
+            </a:extLst>
+          </p:cNvPr>
+          <p:cNvSpPr txBox="1"/>
+          <p:nvPr/>
+        </p:nvSpPr>
+        <p:spPr>
+          <a:xfrm>
+            <a:off x="5669280" y="2788920"/>
+            <a:ext cx="914400" cy="914400"/>
+          </a:xfrm>
+          <a:prstGeom prst="rect">
+            <a:avLst/>
+          </a:prstGeom>
+          <a:noFill/>
+        </p:spPr>
+        <p:txBody>
+          <a:bodyPr wrap="square" rtlCol="0">
+            <a:spAutoFit/>
+          </a:bodyPr>
+          <a:lstStyle/>
+          <a:p>
+            <a:endParaRPr kumimoji="1" lang="ja-JP" altLang="en-US" dirty="0"/>
+          </a:p>
+        </p:txBody>
+      </p:sp>
+      <p:sp>
+        <p:nvSpPr>
+          <p:cNvPr id="9" name="テキスト ボックス 8">
+            <a:extLst>
+              <a:ext uri="{FF2B5EF4-FFF2-40B4-BE49-F238E27FC236}">
+                <a16:creationId xmlns:a16="http://schemas.microsoft.com/office/drawing/2014/main" id="{33E83734-7F87-2F72-BD6C-E7E609A582F2}"/>
+              </a:ext>
+            </a:extLst>
+          </p:cNvPr>
+          <p:cNvSpPr txBox="1"/>
+          <p:nvPr/>
+        </p:nvSpPr>
+        <p:spPr>
+          <a:xfrm>
+            <a:off x="1242060" y="4904126"/>
+            <a:ext cx="769620" cy="982980"/>
+          </a:xfrm>
+          <a:prstGeom prst="rect">
+            <a:avLst/>
+          </a:prstGeom>
+          <a:noFill/>
+        </p:spPr>
+        <p:txBody>
+          <a:bodyPr wrap="square" rtlCol="0">
+            <a:spAutoFit/>
+          </a:bodyPr>
+          <a:lstStyle/>
+          <a:p>
+            <a:endParaRPr kumimoji="1" lang="ja-JP" altLang="en-US" dirty="0"/>
+          </a:p>
+        </p:txBody>
+      </p:sp>
+      <p:sp>
+        <p:nvSpPr>
+          <p:cNvPr id="10" name="テキスト ボックス 9">
+            <a:extLst>
+              <a:ext uri="{FF2B5EF4-FFF2-40B4-BE49-F238E27FC236}">
+                <a16:creationId xmlns:a16="http://schemas.microsoft.com/office/drawing/2014/main" id="{E446367E-9000-3003-4785-8DCBCAAFEA2A}"/>
+              </a:ext>
+            </a:extLst>
+          </p:cNvPr>
+          <p:cNvSpPr txBox="1"/>
+          <p:nvPr/>
+        </p:nvSpPr>
+        <p:spPr>
+          <a:xfrm>
+            <a:off x="725132" y="4863770"/>
+            <a:ext cx="2076209" cy="1200329"/>
+          </a:xfrm>
+          <a:prstGeom prst="rect">
+            <a:avLst/>
+          </a:prstGeom>
+          <a:noFill/>
+        </p:spPr>
+        <p:txBody>
+          <a:bodyPr wrap="none" rtlCol="0">
+            <a:spAutoFit/>
+          </a:bodyPr>
+          <a:lstStyle/>
+          <a:p>
+            <a:r>
+              <a:rPr lang="ja-JP" altLang="en-US" dirty="0"/>
+              <a:t>進捗表示なし</a:t>
+            </a:r>
+            <a:endParaRPr kumimoji="1" lang="en-US" altLang="ja-JP" dirty="0"/>
+          </a:p>
+          <a:p>
+            <a:r>
+              <a:rPr kumimoji="1" lang="en-US" altLang="ja-JP" dirty="0"/>
+              <a:t>Ave=9967.54ms</a:t>
+            </a:r>
+          </a:p>
+          <a:p>
+            <a:r>
+              <a:rPr lang="en-US" altLang="ja-JP" dirty="0"/>
+              <a:t>Max=15700.37ms</a:t>
+            </a:r>
+          </a:p>
+          <a:p>
+            <a:r>
+              <a:rPr kumimoji="1" lang="en-US" altLang="ja-JP" dirty="0"/>
+              <a:t>Min=5059.07ms</a:t>
+            </a:r>
+            <a:endParaRPr kumimoji="1" lang="ja-JP" altLang="en-US" dirty="0"/>
+          </a:p>
+        </p:txBody>
+      </p:sp>
+      <p:pic>
+        <p:nvPicPr>
+          <p:cNvPr id="12" name="図 11">
+            <a:extLst>
+              <a:ext uri="{FF2B5EF4-FFF2-40B4-BE49-F238E27FC236}">
+                <a16:creationId xmlns:a16="http://schemas.microsoft.com/office/drawing/2014/main" id="{4F0B40B8-02D4-0052-60BB-E3F5B989E4CD}"/>
+              </a:ext>
+            </a:extLst>
+          </p:cNvPr>
+          <p:cNvPicPr>
+            <a:picLocks noChangeAspect="1"/>
+          </p:cNvPicPr>
+          <p:nvPr/>
+        </p:nvPicPr>
+        <p:blipFill>
+          <a:blip r:embed="rId5"/>
+          <a:stretch>
+            <a:fillRect/>
+          </a:stretch>
+        </p:blipFill>
+        <p:spPr>
+          <a:xfrm>
+            <a:off x="6348481" y="1871353"/>
+            <a:ext cx="4984196" cy="2993172"/>
+          </a:xfrm>
+          <a:prstGeom prst="rect">
+            <a:avLst/>
+          </a:prstGeom>
+        </p:spPr>
+      </p:pic>
+      <p:sp>
+        <p:nvSpPr>
+          <p:cNvPr id="13" name="テキスト ボックス 12">
+            <a:extLst>
+              <a:ext uri="{FF2B5EF4-FFF2-40B4-BE49-F238E27FC236}">
+                <a16:creationId xmlns:a16="http://schemas.microsoft.com/office/drawing/2014/main" id="{874DD2F4-E480-30B1-2074-412D56F0449E}"/>
+              </a:ext>
+            </a:extLst>
+          </p:cNvPr>
+          <p:cNvSpPr txBox="1"/>
+          <p:nvPr/>
+        </p:nvSpPr>
+        <p:spPr>
+          <a:xfrm>
+            <a:off x="6445117" y="2063059"/>
+            <a:ext cx="548548" cy="276999"/>
+          </a:xfrm>
+          <a:prstGeom prst="rect">
+            <a:avLst/>
+          </a:prstGeom>
+          <a:noFill/>
+        </p:spPr>
+        <p:txBody>
+          <a:bodyPr wrap="square" rtlCol="0">
+            <a:spAutoFit/>
+          </a:bodyPr>
+          <a:lstStyle/>
+          <a:p>
+            <a:r>
+              <a:rPr kumimoji="1" lang="en-US" altLang="ja-JP" sz="1200" dirty="0"/>
+              <a:t>(%)</a:t>
+            </a:r>
+            <a:endParaRPr kumimoji="1" lang="ja-JP" altLang="en-US" sz="1200" dirty="0"/>
+          </a:p>
+        </p:txBody>
+      </p:sp>
+      <p:sp>
+        <p:nvSpPr>
+          <p:cNvPr id="14" name="テキスト ボックス 13">
+            <a:extLst>
+              <a:ext uri="{FF2B5EF4-FFF2-40B4-BE49-F238E27FC236}">
+                <a16:creationId xmlns:a16="http://schemas.microsoft.com/office/drawing/2014/main" id="{324CCFA2-628C-265D-26C0-05E581340673}"/>
+              </a:ext>
+            </a:extLst>
+          </p:cNvPr>
+          <p:cNvSpPr txBox="1"/>
+          <p:nvPr/>
+        </p:nvSpPr>
+        <p:spPr>
+          <a:xfrm>
+            <a:off x="6347744" y="4858623"/>
+            <a:ext cx="1569660" cy="1200329"/>
+          </a:xfrm>
+          <a:prstGeom prst="rect">
+            <a:avLst/>
+          </a:prstGeom>
+          <a:noFill/>
+        </p:spPr>
+        <p:txBody>
+          <a:bodyPr wrap="none" rtlCol="0">
+            <a:spAutoFit/>
+          </a:bodyPr>
+          <a:lstStyle/>
+          <a:p>
+            <a:r>
+              <a:rPr lang="ja-JP" altLang="en-US" dirty="0"/>
+              <a:t>進捗表示なし</a:t>
+            </a:r>
+            <a:endParaRPr kumimoji="1" lang="en-US" altLang="ja-JP" dirty="0"/>
+          </a:p>
+          <a:p>
+            <a:r>
+              <a:rPr kumimoji="1" lang="en-US" altLang="ja-JP" dirty="0"/>
+              <a:t>Ave=</a:t>
+            </a:r>
+            <a:r>
+              <a:rPr lang="en-US" altLang="ja-JP" dirty="0"/>
+              <a:t>91.4%</a:t>
+            </a:r>
+            <a:endParaRPr kumimoji="1" lang="en-US" altLang="ja-JP" dirty="0"/>
+          </a:p>
+          <a:p>
+            <a:r>
+              <a:rPr lang="en-US" altLang="ja-JP" dirty="0"/>
+              <a:t>Max=</a:t>
+            </a:r>
+            <a:r>
+              <a:rPr kumimoji="1" lang="en-US" altLang="ja-JP" dirty="0"/>
+              <a:t> 100%</a:t>
+            </a:r>
+            <a:r>
+              <a:rPr lang="en-US" altLang="ja-JP" dirty="0"/>
+              <a:t> </a:t>
+            </a:r>
+          </a:p>
+          <a:p>
+            <a:r>
+              <a:rPr kumimoji="1" lang="en-US" altLang="ja-JP" dirty="0"/>
+              <a:t>Min=80%</a:t>
+            </a:r>
+            <a:endParaRPr kumimoji="1" lang="ja-JP" altLang="en-US" dirty="0"/>
+          </a:p>
+        </p:txBody>
+      </p:sp>
+      <p:sp>
+        <p:nvSpPr>
+          <p:cNvPr id="15" name="テキスト ボックス 14">
+            <a:extLst>
+              <a:ext uri="{FF2B5EF4-FFF2-40B4-BE49-F238E27FC236}">
+                <a16:creationId xmlns:a16="http://schemas.microsoft.com/office/drawing/2014/main" id="{4CCDF32D-394E-64EE-B5DE-5BE4C1FA3C59}"/>
+              </a:ext>
+            </a:extLst>
+          </p:cNvPr>
+          <p:cNvSpPr txBox="1"/>
+          <p:nvPr/>
+        </p:nvSpPr>
+        <p:spPr>
+          <a:xfrm>
+            <a:off x="3072092" y="4858624"/>
+            <a:ext cx="2076209" cy="1200329"/>
+          </a:xfrm>
+          <a:prstGeom prst="rect">
+            <a:avLst/>
+          </a:prstGeom>
+          <a:noFill/>
+        </p:spPr>
+        <p:txBody>
+          <a:bodyPr wrap="none" rtlCol="0">
+            <a:spAutoFit/>
+          </a:bodyPr>
+          <a:lstStyle/>
+          <a:p>
+            <a:r>
+              <a:rPr lang="ja-JP" altLang="en-US" dirty="0"/>
+              <a:t>進捗表示あり</a:t>
+            </a:r>
+            <a:endParaRPr kumimoji="1" lang="en-US" altLang="ja-JP" dirty="0"/>
+          </a:p>
+          <a:p>
+            <a:r>
+              <a:rPr kumimoji="1" lang="en-US" altLang="ja-JP" dirty="0"/>
+              <a:t>Ave=7496.75ms</a:t>
+            </a:r>
+          </a:p>
+          <a:p>
+            <a:r>
+              <a:rPr lang="en-US" altLang="ja-JP" dirty="0"/>
+              <a:t>Max=11118.63ms</a:t>
+            </a:r>
+          </a:p>
+          <a:p>
+            <a:r>
+              <a:rPr kumimoji="1" lang="en-US" altLang="ja-JP" dirty="0"/>
+              <a:t>Min=4934.66ms</a:t>
+            </a:r>
+            <a:endParaRPr kumimoji="1" lang="ja-JP" altLang="en-US" dirty="0"/>
+          </a:p>
+        </p:txBody>
+      </p:sp>
+      <p:sp>
+        <p:nvSpPr>
+          <p:cNvPr id="17" name="テキスト ボックス 16">
+            <a:extLst>
+              <a:ext uri="{FF2B5EF4-FFF2-40B4-BE49-F238E27FC236}">
+                <a16:creationId xmlns:a16="http://schemas.microsoft.com/office/drawing/2014/main" id="{64517C10-122E-F8C3-ADD9-6AD202B3C5EE}"/>
+              </a:ext>
+            </a:extLst>
+          </p:cNvPr>
+          <p:cNvSpPr txBox="1"/>
+          <p:nvPr/>
+        </p:nvSpPr>
+        <p:spPr>
+          <a:xfrm>
+            <a:off x="8755664" y="4858623"/>
+            <a:ext cx="1569660" cy="1200329"/>
+          </a:xfrm>
+          <a:prstGeom prst="rect">
+            <a:avLst/>
+          </a:prstGeom>
+          <a:noFill/>
+        </p:spPr>
+        <p:txBody>
+          <a:bodyPr wrap="none" rtlCol="0">
+            <a:spAutoFit/>
+          </a:bodyPr>
+          <a:lstStyle/>
+          <a:p>
+            <a:r>
+              <a:rPr lang="ja-JP" altLang="en-US" dirty="0"/>
+              <a:t>進捗表示あり</a:t>
+            </a:r>
+            <a:endParaRPr kumimoji="1" lang="en-US" altLang="ja-JP" dirty="0"/>
+          </a:p>
+          <a:p>
+            <a:r>
+              <a:rPr kumimoji="1" lang="en-US" altLang="ja-JP" dirty="0"/>
+              <a:t>Ave=</a:t>
+            </a:r>
+            <a:r>
+              <a:rPr lang="en-US" altLang="ja-JP" dirty="0"/>
+              <a:t>92.5%</a:t>
+            </a:r>
+            <a:r>
+              <a:rPr kumimoji="1" lang="en-US" altLang="ja-JP" dirty="0"/>
+              <a:t> </a:t>
+            </a:r>
+          </a:p>
+          <a:p>
+            <a:r>
+              <a:rPr lang="en-US" altLang="ja-JP" dirty="0"/>
+              <a:t>Max=</a:t>
+            </a:r>
+            <a:r>
+              <a:rPr kumimoji="1" lang="en-US" altLang="ja-JP" dirty="0"/>
+              <a:t>100%</a:t>
+            </a:r>
+            <a:endParaRPr lang="en-US" altLang="ja-JP" dirty="0"/>
+          </a:p>
+          <a:p>
+            <a:r>
+              <a:rPr kumimoji="1" lang="en-US" altLang="ja-JP" dirty="0"/>
+              <a:t>Min=80%</a:t>
+            </a:r>
+            <a:endParaRPr kumimoji="1" lang="ja-JP" altLang="en-US" dirty="0"/>
+          </a:p>
+        </p:txBody>
+      </p:sp>
+    </p:spTree>
+    <p:extLst>
+      <p:ext uri="{BB962C8B-B14F-4D97-AF65-F5344CB8AC3E}">
+        <p14:creationId xmlns:p14="http://schemas.microsoft.com/office/powerpoint/2010/main" val="1438447707"/>
+      </p:ext>
+    </p:extLst>
+  </p:cSld>
+  <p:clrMapOvr>
+    <a:masterClrMapping/>
+  </p:clrMapOvr>
+</p:sld>
+</file>
+
+<file path=ppt/slides/slide11.xml><?xml version="1.0" encoding="utf-8"?>
+<p:sld xmlns:a="http://schemas.openxmlformats.org/drawingml/2006/main" xmlns:r="http://schemas.openxmlformats.org/officeDocument/2006/relationships" xmlns:p="http://schemas.openxmlformats.org/presentationml/2006/main">
+  <p:cSld>
+    <p:spTree>
+      <p:nvGrpSpPr>
+        <p:cNvPr id="1" name=""/>
+        <p:cNvGrpSpPr/>
+        <p:nvPr/>
+      </p:nvGrpSpPr>
+      <p:grpSpPr>
+        <a:xfrm>
+          <a:off x="0" y="0"/>
+          <a:ext cx="0" cy="0"/>
+          <a:chOff x="0" y="0"/>
+          <a:chExt cx="0" cy="0"/>
+        </a:xfrm>
+      </p:grpSpPr>
+      <p:sp>
+        <p:nvSpPr>
+          <p:cNvPr id="4" name="正方形/長方形 3">
+            <a:extLst>
+              <a:ext uri="{FF2B5EF4-FFF2-40B4-BE49-F238E27FC236}">
+                <a16:creationId xmlns:a16="http://schemas.microsoft.com/office/drawing/2014/main" id="{537B97F4-E983-2356-6027-1540E66EAFCE}"/>
+              </a:ext>
+            </a:extLst>
+          </p:cNvPr>
+          <p:cNvSpPr/>
+          <p:nvPr/>
+        </p:nvSpPr>
+        <p:spPr>
+          <a:xfrm>
+            <a:off x="0" y="0"/>
+            <a:ext cx="12256168" cy="6858000"/>
+          </a:xfrm>
+          <a:prstGeom prst="rect">
+            <a:avLst/>
+          </a:prstGeom>
+          <a:solidFill>
+            <a:schemeClr val="accent2">
+              <a:lumMod val="20000"/>
+              <a:lumOff val="80000"/>
+            </a:schemeClr>
+          </a:solidFill>
+        </p:spPr>
+        <p:style>
+          <a:lnRef idx="2">
+            <a:schemeClr val="accent2">
+              <a:shade val="50000"/>
+            </a:schemeClr>
+          </a:lnRef>
+          <a:fillRef idx="1">
+            <a:schemeClr val="accent2"/>
+          </a:fillRef>
+          <a:effectRef idx="0">
+            <a:schemeClr val="accent2"/>
+          </a:effectRef>
+          <a:fontRef idx="minor">
+            <a:schemeClr val="lt1"/>
+          </a:fontRef>
+        </p:style>
+        <p:txBody>
+          <a:bodyPr rtlCol="0" anchor="ctr"/>
+          <a:lstStyle/>
+          <a:p>
+            <a:pPr algn="ctr"/>
+            <a:endParaRPr lang="ja-JP" altLang="en-US" sz="4800" dirty="0">
+              <a:hlinkClick r:id="rId3"/>
+            </a:endParaRPr>
+          </a:p>
+          <a:p>
+            <a:pPr algn="ctr"/>
+            <a:endParaRPr kumimoji="1" lang="ja-JP" altLang="en-US" sz="4800" b="1" dirty="0">
+              <a:solidFill>
+                <a:schemeClr val="tx1"/>
+              </a:solidFill>
+            </a:endParaRPr>
+          </a:p>
+        </p:txBody>
+      </p:sp>
+      <p:sp>
+        <p:nvSpPr>
+          <p:cNvPr id="5" name="正方形/長方形 4">
+            <a:extLst>
+              <a:ext uri="{FF2B5EF4-FFF2-40B4-BE49-F238E27FC236}">
+                <a16:creationId xmlns:a16="http://schemas.microsoft.com/office/drawing/2014/main" id="{13E2DDFB-DD74-1E35-6872-347ED082CB3D}"/>
+              </a:ext>
+            </a:extLst>
+          </p:cNvPr>
+          <p:cNvSpPr/>
+          <p:nvPr/>
+        </p:nvSpPr>
+        <p:spPr>
+          <a:xfrm>
+            <a:off x="0" y="1634243"/>
+            <a:ext cx="12256168" cy="96253"/>
+          </a:xfrm>
+          <a:prstGeom prst="rect">
+            <a:avLst/>
+          </a:prstGeom>
+          <a:solidFill>
+            <a:schemeClr val="accent2">
+              <a:lumMod val="75000"/>
+            </a:schemeClr>
+          </a:solidFill>
+          <a:ln>
+            <a:noFill/>
+          </a:ln>
+        </p:spPr>
+        <p:style>
+          <a:lnRef idx="2">
+            <a:schemeClr val="accent1">
+              <a:shade val="50000"/>
+            </a:schemeClr>
+          </a:lnRef>
+          <a:fillRef idx="1">
+            <a:schemeClr val="accent1"/>
+          </a:fillRef>
+          <a:effectRef idx="0">
+            <a:schemeClr val="accent1"/>
+          </a:effectRef>
+          <a:fontRef idx="minor">
+            <a:schemeClr val="lt1"/>
+          </a:fontRef>
+        </p:style>
+        <p:txBody>
+          <a:bodyPr rtlCol="0" anchor="ctr"/>
+          <a:lstStyle/>
+          <a:p>
+            <a:pPr algn="ctr"/>
+            <a:endParaRPr kumimoji="1" lang="ja-JP" altLang="en-US"/>
+          </a:p>
+        </p:txBody>
+      </p:sp>
+      <p:sp>
+        <p:nvSpPr>
+          <p:cNvPr id="8" name="正方形/長方形 7">
+            <a:extLst>
+              <a:ext uri="{FF2B5EF4-FFF2-40B4-BE49-F238E27FC236}">
+                <a16:creationId xmlns:a16="http://schemas.microsoft.com/office/drawing/2014/main" id="{9174F777-3707-B77E-F507-44E2665CBD04}"/>
+              </a:ext>
+            </a:extLst>
+          </p:cNvPr>
+          <p:cNvSpPr/>
+          <p:nvPr/>
+        </p:nvSpPr>
+        <p:spPr>
+          <a:xfrm flipH="1">
+            <a:off x="808350" y="489284"/>
+            <a:ext cx="162196" cy="755210"/>
+          </a:xfrm>
+          <a:prstGeom prst="rect">
+            <a:avLst/>
+          </a:prstGeom>
+          <a:solidFill>
+            <a:schemeClr val="accent2">
+              <a:lumMod val="75000"/>
+            </a:schemeClr>
+          </a:solidFill>
+          <a:ln>
+            <a:noFill/>
+          </a:ln>
+        </p:spPr>
+        <p:style>
+          <a:lnRef idx="2">
+            <a:schemeClr val="accent1">
+              <a:shade val="50000"/>
+            </a:schemeClr>
+          </a:lnRef>
+          <a:fillRef idx="1">
+            <a:schemeClr val="accent1"/>
+          </a:fillRef>
+          <a:effectRef idx="0">
+            <a:schemeClr val="accent1"/>
+          </a:effectRef>
+          <a:fontRef idx="minor">
+            <a:schemeClr val="lt1"/>
+          </a:fontRef>
+        </p:style>
+        <p:txBody>
+          <a:bodyPr rtlCol="0" anchor="ctr"/>
+          <a:lstStyle/>
+          <a:p>
+            <a:pPr algn="ctr"/>
+            <a:endParaRPr kumimoji="1" lang="ja-JP" altLang="en-US"/>
+          </a:p>
+        </p:txBody>
+      </p:sp>
+      <p:sp>
+        <p:nvSpPr>
+          <p:cNvPr id="2" name="テキスト ボックス 1">
+            <a:extLst>
+              <a:ext uri="{FF2B5EF4-FFF2-40B4-BE49-F238E27FC236}">
+                <a16:creationId xmlns:a16="http://schemas.microsoft.com/office/drawing/2014/main" id="{FBE8D77F-117D-48DC-A527-1721EC553375}"/>
+              </a:ext>
+            </a:extLst>
+          </p:cNvPr>
+          <p:cNvSpPr txBox="1"/>
+          <p:nvPr/>
+        </p:nvSpPr>
+        <p:spPr>
+          <a:xfrm>
+            <a:off x="1138985" y="325084"/>
+            <a:ext cx="9074863" cy="1015663"/>
+          </a:xfrm>
+          <a:prstGeom prst="rect">
+            <a:avLst/>
+          </a:prstGeom>
+          <a:noFill/>
+        </p:spPr>
+        <p:txBody>
+          <a:bodyPr wrap="square" rtlCol="0">
+            <a:spAutoFit/>
+          </a:bodyPr>
+          <a:lstStyle/>
+          <a:p>
+            <a:r>
+              <a:rPr lang="ja-JP" altLang="en-US" sz="6000" dirty="0">
+                <a:latin typeface="HGS創英角ｺﾞｼｯｸUB" panose="020B0900000000000000" pitchFamily="50" charset="-128"/>
+                <a:ea typeface="HGS創英角ｺﾞｼｯｸUB" panose="020B0900000000000000" pitchFamily="50" charset="-128"/>
+              </a:rPr>
+              <a:t>分析結果</a:t>
+            </a:r>
+            <a:endParaRPr kumimoji="1" lang="ja-JP" altLang="en-US" sz="6000" dirty="0">
+              <a:latin typeface="HGS創英角ｺﾞｼｯｸUB" panose="020B0900000000000000" pitchFamily="50" charset="-128"/>
+              <a:ea typeface="HGS創英角ｺﾞｼｯｸUB" panose="020B0900000000000000" pitchFamily="50" charset="-128"/>
+            </a:endParaRPr>
+          </a:p>
+        </p:txBody>
+      </p:sp>
+      <p:sp>
+        <p:nvSpPr>
+          <p:cNvPr id="16" name="テキスト ボックス 15">
+            <a:extLst>
+              <a:ext uri="{FF2B5EF4-FFF2-40B4-BE49-F238E27FC236}">
+                <a16:creationId xmlns:a16="http://schemas.microsoft.com/office/drawing/2014/main" id="{46F216BF-2A30-6741-3EA5-2EFD1BA1CE4F}"/>
+              </a:ext>
+            </a:extLst>
+          </p:cNvPr>
+          <p:cNvSpPr txBox="1"/>
+          <p:nvPr/>
+        </p:nvSpPr>
+        <p:spPr>
+          <a:xfrm>
+            <a:off x="725132" y="2859613"/>
+            <a:ext cx="11466868" cy="1138773"/>
+          </a:xfrm>
+          <a:prstGeom prst="rect">
+            <a:avLst/>
+          </a:prstGeom>
+          <a:noFill/>
+        </p:spPr>
+        <p:txBody>
+          <a:bodyPr wrap="square" rtlCol="0">
+            <a:spAutoFit/>
+          </a:bodyPr>
+          <a:lstStyle/>
+          <a:p>
+            <a:endParaRPr kumimoji="1" lang="en-US" altLang="ja-JP" sz="3600" dirty="0">
+              <a:latin typeface="HGPｺﾞｼｯｸE" panose="020B0900000000000000" pitchFamily="50" charset="-128"/>
+              <a:ea typeface="HGPｺﾞｼｯｸE" panose="020B0900000000000000" pitchFamily="50" charset="-128"/>
+            </a:endParaRPr>
+          </a:p>
+          <a:p>
+            <a:endParaRPr kumimoji="1" lang="en-US" altLang="ja-JP" sz="3200" dirty="0">
+              <a:latin typeface="HGPｺﾞｼｯｸE" panose="020B0900000000000000" pitchFamily="50" charset="-128"/>
+              <a:ea typeface="HGPｺﾞｼｯｸE" panose="020B0900000000000000" pitchFamily="50" charset="-128"/>
+            </a:endParaRPr>
+          </a:p>
+        </p:txBody>
+      </p:sp>
+      <p:sp>
+        <p:nvSpPr>
+          <p:cNvPr id="7" name="テキスト ボックス 6">
+            <a:extLst>
+              <a:ext uri="{FF2B5EF4-FFF2-40B4-BE49-F238E27FC236}">
+                <a16:creationId xmlns:a16="http://schemas.microsoft.com/office/drawing/2014/main" id="{B08CA7DF-5804-CCFD-78F3-9CD1ED714666}"/>
+              </a:ext>
+            </a:extLst>
+          </p:cNvPr>
+          <p:cNvSpPr txBox="1"/>
+          <p:nvPr/>
+        </p:nvSpPr>
+        <p:spPr>
+          <a:xfrm>
+            <a:off x="5669280" y="3548447"/>
+            <a:ext cx="914400" cy="914400"/>
+          </a:xfrm>
+          <a:prstGeom prst="rect">
+            <a:avLst/>
+          </a:prstGeom>
+          <a:noFill/>
+        </p:spPr>
+        <p:txBody>
+          <a:bodyPr wrap="square" rtlCol="0">
+            <a:spAutoFit/>
+          </a:bodyPr>
+          <a:lstStyle/>
+          <a:p>
+            <a:endParaRPr kumimoji="1" lang="ja-JP" altLang="en-US" dirty="0"/>
+          </a:p>
+        </p:txBody>
+      </p:sp>
+      <p:sp>
+        <p:nvSpPr>
+          <p:cNvPr id="9" name="テキスト ボックス 8">
+            <a:extLst>
+              <a:ext uri="{FF2B5EF4-FFF2-40B4-BE49-F238E27FC236}">
+                <a16:creationId xmlns:a16="http://schemas.microsoft.com/office/drawing/2014/main" id="{33E83734-7F87-2F72-BD6C-E7E609A582F2}"/>
+              </a:ext>
+            </a:extLst>
+          </p:cNvPr>
+          <p:cNvSpPr txBox="1"/>
+          <p:nvPr/>
+        </p:nvSpPr>
+        <p:spPr>
+          <a:xfrm>
+            <a:off x="1242060" y="5663653"/>
+            <a:ext cx="769620" cy="982980"/>
+          </a:xfrm>
+          <a:prstGeom prst="rect">
+            <a:avLst/>
+          </a:prstGeom>
+          <a:noFill/>
+        </p:spPr>
+        <p:txBody>
+          <a:bodyPr wrap="square" rtlCol="0">
+            <a:spAutoFit/>
+          </a:bodyPr>
+          <a:lstStyle/>
+          <a:p>
+            <a:endParaRPr kumimoji="1" lang="ja-JP" altLang="en-US" dirty="0"/>
+          </a:p>
+        </p:txBody>
+      </p:sp>
+      <p:sp>
+        <p:nvSpPr>
+          <p:cNvPr id="10" name="テキスト ボックス 9">
+            <a:extLst>
+              <a:ext uri="{FF2B5EF4-FFF2-40B4-BE49-F238E27FC236}">
+                <a16:creationId xmlns:a16="http://schemas.microsoft.com/office/drawing/2014/main" id="{E446367E-9000-3003-4785-8DCBCAAFEA2A}"/>
+              </a:ext>
+            </a:extLst>
+          </p:cNvPr>
+          <p:cNvSpPr txBox="1"/>
+          <p:nvPr/>
+        </p:nvSpPr>
+        <p:spPr>
+          <a:xfrm>
+            <a:off x="2593687" y="2802229"/>
+            <a:ext cx="1569660" cy="369332"/>
+          </a:xfrm>
+          <a:prstGeom prst="rect">
+            <a:avLst/>
+          </a:prstGeom>
+          <a:noFill/>
+        </p:spPr>
+        <p:txBody>
+          <a:bodyPr wrap="none" rtlCol="0">
+            <a:spAutoFit/>
+          </a:bodyPr>
+          <a:lstStyle/>
+          <a:p>
+            <a:r>
+              <a:rPr lang="ja-JP" altLang="en-US" dirty="0"/>
+              <a:t>進捗表示なし</a:t>
+            </a:r>
+            <a:endParaRPr kumimoji="1" lang="en-US" altLang="ja-JP" dirty="0"/>
+          </a:p>
+        </p:txBody>
+      </p:sp>
+      <p:pic>
+        <p:nvPicPr>
+          <p:cNvPr id="19" name="図 18">
+            <a:extLst>
+              <a:ext uri="{FF2B5EF4-FFF2-40B4-BE49-F238E27FC236}">
+                <a16:creationId xmlns:a16="http://schemas.microsoft.com/office/drawing/2014/main" id="{D479CFC1-C902-0C12-97D4-EAC85495C1CC}"/>
+              </a:ext>
+            </a:extLst>
+          </p:cNvPr>
+          <p:cNvPicPr>
+            <a:picLocks noChangeAspect="1"/>
+          </p:cNvPicPr>
+          <p:nvPr/>
+        </p:nvPicPr>
+        <p:blipFill>
+          <a:blip r:embed="rId4"/>
+          <a:stretch>
+            <a:fillRect/>
+          </a:stretch>
+        </p:blipFill>
+        <p:spPr>
+          <a:xfrm>
+            <a:off x="1087755" y="3293471"/>
+            <a:ext cx="4581525" cy="2752725"/>
+          </a:xfrm>
+          <a:prstGeom prst="rect">
+            <a:avLst/>
+          </a:prstGeom>
+        </p:spPr>
+      </p:pic>
+      <mc:AlternateContent xmlns:mc="http://schemas.openxmlformats.org/markup-compatibility/2006" xmlns:a14="http://schemas.microsoft.com/office/drawing/2010/main">
+        <mc:Choice Requires="a14">
+          <p:sp>
+            <p:nvSpPr>
+              <p:cNvPr id="30" name="テキスト ボックス 29">
+                <a:extLst>
+                  <a:ext uri="{FF2B5EF4-FFF2-40B4-BE49-F238E27FC236}">
+                    <a16:creationId xmlns:a16="http://schemas.microsoft.com/office/drawing/2014/main" id="{744D240A-667B-88B5-B8D3-09228F411F7A}"/>
+                  </a:ext>
+                </a:extLst>
+              </p:cNvPr>
+              <p:cNvSpPr txBox="1"/>
+              <p:nvPr/>
+            </p:nvSpPr>
+            <p:spPr>
+              <a:xfrm>
+                <a:off x="2269759" y="1951433"/>
+                <a:ext cx="8377614" cy="651332"/>
+              </a:xfrm>
+              <a:prstGeom prst="rect">
+                <a:avLst/>
+              </a:prstGeom>
+              <a:noFill/>
+            </p:spPr>
+            <p:txBody>
+              <a:bodyPr wrap="none" rtlCol="0">
+                <a:spAutoFit/>
+              </a:bodyPr>
+              <a:lstStyle/>
+              <a:p>
+                <a:r>
+                  <a:rPr kumimoji="1" lang="ja-JP" altLang="en-US" sz="1800" kern="1200" dirty="0">
+                    <a:solidFill>
+                      <a:srgbClr val="000000"/>
+                    </a:solidFill>
+                    <a:effectLst/>
+                    <a:latin typeface="+mn-ea"/>
+                  </a:rPr>
+                  <a:t>縦軸</a:t>
+                </a:r>
+                <a14:m>
+                  <m:oMath xmlns:m="http://schemas.openxmlformats.org/officeDocument/2006/math">
+                    <m:r>
+                      <a:rPr lang="ja-JP" altLang="en-US" i="1">
+                        <a:solidFill>
+                          <a:srgbClr val="000000"/>
+                        </a:solidFill>
+                        <a:latin typeface="Cambria Math" panose="02040503050406030204" pitchFamily="18" charset="0"/>
+                      </a:rPr>
+                      <m:t>：</m:t>
+                    </m:r>
+                    <m:r>
+                      <a:rPr kumimoji="1" lang="ja-JP" altLang="ja-JP" sz="1800" i="1" kern="1200" smtClean="0">
+                        <a:solidFill>
+                          <a:srgbClr val="000000"/>
+                        </a:solidFill>
+                        <a:effectLst/>
+                        <a:latin typeface="Cambria Math" panose="02040503050406030204" pitchFamily="18" charset="0"/>
+                      </a:rPr>
+                      <m:t>ブロックごとの平均回答時間</m:t>
+                    </m:r>
+                    <m:r>
+                      <a:rPr kumimoji="1" lang="en-US" altLang="ja-JP" sz="1800" b="0" i="1" kern="1200">
+                        <a:solidFill>
+                          <a:srgbClr val="000000"/>
+                        </a:solidFill>
+                        <a:effectLst/>
+                        <a:latin typeface="Cambria Math" panose="02040503050406030204" pitchFamily="18" charset="0"/>
+                      </a:rPr>
+                      <m:t>/</m:t>
+                    </m:r>
+                    <m:r>
+                      <a:rPr kumimoji="1" lang="ja-JP" altLang="ja-JP" sz="1800" i="1" kern="1200">
+                        <a:solidFill>
+                          <a:srgbClr val="000000"/>
+                        </a:solidFill>
+                        <a:effectLst/>
+                        <a:latin typeface="Cambria Math" panose="02040503050406030204" pitchFamily="18" charset="0"/>
+                      </a:rPr>
+                      <m:t>対象者全体のブロックごとの平均回答時間</m:t>
+                    </m:r>
+                  </m:oMath>
+                </a14:m>
+                <a:endParaRPr kumimoji="1" lang="en-US" altLang="ja-JP" dirty="0">
+                  <a:latin typeface="+mn-ea"/>
+                </a:endParaRPr>
+              </a:p>
+              <a:p>
+                <a:r>
+                  <a:rPr kumimoji="1" lang="ja-JP" altLang="en-US" dirty="0"/>
+                  <a:t>横軸：ブロック数</a:t>
+                </a:r>
+                <a:endParaRPr kumimoji="1" lang="en-US" altLang="ja-JP" dirty="0"/>
+              </a:p>
+            </p:txBody>
+          </p:sp>
+        </mc:Choice>
+        <mc:Fallback xmlns="">
+          <p:sp>
+            <p:nvSpPr>
+              <p:cNvPr id="30" name="テキスト ボックス 29">
+                <a:extLst>
+                  <a:ext uri="{FF2B5EF4-FFF2-40B4-BE49-F238E27FC236}">
+                    <a16:creationId xmlns:a16="http://schemas.microsoft.com/office/drawing/2014/main" id="{744D240A-667B-88B5-B8D3-09228F411F7A}"/>
+                  </a:ext>
+                </a:extLst>
+              </p:cNvPr>
+              <p:cNvSpPr txBox="1">
+                <a:spLocks noRot="1" noChangeAspect="1" noMove="1" noResize="1" noEditPoints="1" noAdjustHandles="1" noChangeArrowheads="1" noChangeShapeType="1" noTextEdit="1"/>
+              </p:cNvSpPr>
+              <p:nvPr/>
+            </p:nvSpPr>
+            <p:spPr>
+              <a:xfrm>
+                <a:off x="2269759" y="1951433"/>
+                <a:ext cx="8377614" cy="651332"/>
+              </a:xfrm>
+              <a:prstGeom prst="rect">
+                <a:avLst/>
+              </a:prstGeom>
+              <a:blipFill>
+                <a:blip r:embed="rId5"/>
+                <a:stretch>
+                  <a:fillRect l="-582" t="-2804" b="-14019"/>
+                </a:stretch>
+              </a:blipFill>
+            </p:spPr>
+            <p:txBody>
+              <a:bodyPr/>
+              <a:lstStyle/>
+              <a:p>
+                <a:r>
+                  <a:rPr lang="ja-JP" altLang="en-US">
+                    <a:noFill/>
+                  </a:rPr>
+                  <a:t> </a:t>
+                </a:r>
+              </a:p>
+            </p:txBody>
+          </p:sp>
+        </mc:Fallback>
+      </mc:AlternateContent>
+      <p:sp>
+        <p:nvSpPr>
+          <p:cNvPr id="32" name="テキスト ボックス 31">
+            <a:extLst>
+              <a:ext uri="{FF2B5EF4-FFF2-40B4-BE49-F238E27FC236}">
+                <a16:creationId xmlns:a16="http://schemas.microsoft.com/office/drawing/2014/main" id="{CFD85ED8-F443-005C-9BD2-FF87C49AE1F2}"/>
+              </a:ext>
+            </a:extLst>
+          </p:cNvPr>
+          <p:cNvSpPr txBox="1"/>
+          <p:nvPr/>
+        </p:nvSpPr>
+        <p:spPr>
+          <a:xfrm>
+            <a:off x="8156940" y="2730253"/>
+            <a:ext cx="1569660" cy="369332"/>
+          </a:xfrm>
+          <a:prstGeom prst="rect">
+            <a:avLst/>
+          </a:prstGeom>
+          <a:noFill/>
+        </p:spPr>
+        <p:txBody>
+          <a:bodyPr wrap="none" rtlCol="0">
+            <a:spAutoFit/>
+          </a:bodyPr>
+          <a:lstStyle/>
+          <a:p>
+            <a:r>
+              <a:rPr lang="ja-JP" altLang="en-US" dirty="0"/>
+              <a:t>進捗表示あり</a:t>
+            </a:r>
+            <a:endParaRPr kumimoji="1" lang="en-US" altLang="ja-JP" dirty="0"/>
+          </a:p>
+        </p:txBody>
+      </p:sp>
+      <p:pic>
+        <p:nvPicPr>
+          <p:cNvPr id="33" name="図 32">
+            <a:extLst>
+              <a:ext uri="{FF2B5EF4-FFF2-40B4-BE49-F238E27FC236}">
+                <a16:creationId xmlns:a16="http://schemas.microsoft.com/office/drawing/2014/main" id="{71F718F6-65D1-E794-DDE8-E77BA95915A8}"/>
+              </a:ext>
+            </a:extLst>
+          </p:cNvPr>
+          <p:cNvPicPr>
+            <a:picLocks noChangeAspect="1"/>
+          </p:cNvPicPr>
+          <p:nvPr/>
+        </p:nvPicPr>
+        <p:blipFill>
+          <a:blip r:embed="rId6"/>
+          <a:stretch>
+            <a:fillRect/>
+          </a:stretch>
+        </p:blipFill>
+        <p:spPr>
+          <a:xfrm>
+            <a:off x="6757035" y="3306378"/>
+            <a:ext cx="4584589" cy="2755631"/>
+          </a:xfrm>
+          <a:prstGeom prst="rect">
+            <a:avLst/>
+          </a:prstGeom>
+        </p:spPr>
+      </p:pic>
+    </p:spTree>
+    <p:extLst>
+      <p:ext uri="{BB962C8B-B14F-4D97-AF65-F5344CB8AC3E}">
+        <p14:creationId xmlns:p14="http://schemas.microsoft.com/office/powerpoint/2010/main" val="1466287891"/>
+      </p:ext>
+    </p:extLst>
+  </p:cSld>
+  <p:clrMapOvr>
+    <a:masterClrMapping/>
+  </p:clrMapOvr>
+</p:sld>
+</file>
+
+<file path=ppt/slides/slide12.xml><?xml version="1.0" encoding="utf-8"?>
+<p:sld xmlns:a="http://schemas.openxmlformats.org/drawingml/2006/main" xmlns:r="http://schemas.openxmlformats.org/officeDocument/2006/relationships" xmlns:p="http://schemas.openxmlformats.org/presentationml/2006/main">
+  <p:cSld>
+    <p:spTree>
+      <p:nvGrpSpPr>
+        <p:cNvPr id="1" name=""/>
+        <p:cNvGrpSpPr/>
+        <p:nvPr/>
+      </p:nvGrpSpPr>
+      <p:grpSpPr>
+        <a:xfrm>
+          <a:off x="0" y="0"/>
+          <a:ext cx="0" cy="0"/>
+          <a:chOff x="0" y="0"/>
+          <a:chExt cx="0" cy="0"/>
+        </a:xfrm>
+      </p:grpSpPr>
+      <p:sp>
+        <p:nvSpPr>
+          <p:cNvPr id="4" name="正方形/長方形 3">
+            <a:extLst>
+              <a:ext uri="{FF2B5EF4-FFF2-40B4-BE49-F238E27FC236}">
+                <a16:creationId xmlns:a16="http://schemas.microsoft.com/office/drawing/2014/main" id="{537B97F4-E983-2356-6027-1540E66EAFCE}"/>
+              </a:ext>
+            </a:extLst>
+          </p:cNvPr>
+          <p:cNvSpPr/>
+          <p:nvPr/>
+        </p:nvSpPr>
+        <p:spPr>
+          <a:xfrm>
+            <a:off x="0" y="0"/>
+            <a:ext cx="12256168" cy="6858000"/>
+          </a:xfrm>
+          <a:prstGeom prst="rect">
+            <a:avLst/>
+          </a:prstGeom>
+          <a:solidFill>
+            <a:schemeClr val="accent2">
+              <a:lumMod val="20000"/>
+              <a:lumOff val="80000"/>
+            </a:schemeClr>
+          </a:solidFill>
+        </p:spPr>
+        <p:style>
+          <a:lnRef idx="2">
+            <a:schemeClr val="accent2">
+              <a:shade val="50000"/>
+            </a:schemeClr>
+          </a:lnRef>
+          <a:fillRef idx="1">
+            <a:schemeClr val="accent2"/>
+          </a:fillRef>
+          <a:effectRef idx="0">
+            <a:schemeClr val="accent2"/>
+          </a:effectRef>
+          <a:fontRef idx="minor">
+            <a:schemeClr val="lt1"/>
+          </a:fontRef>
+        </p:style>
+        <p:txBody>
+          <a:bodyPr rtlCol="0" anchor="ctr"/>
+          <a:lstStyle/>
+          <a:p>
+            <a:pPr algn="ctr"/>
+            <a:endParaRPr lang="ja-JP" altLang="en-US" sz="4800" dirty="0">
+              <a:hlinkClick r:id="rId2"/>
+            </a:endParaRPr>
+          </a:p>
+          <a:p>
+            <a:pPr algn="ctr"/>
+            <a:endParaRPr kumimoji="1" lang="ja-JP" altLang="en-US" sz="4800" b="1" dirty="0">
+              <a:solidFill>
+                <a:schemeClr val="tx1"/>
+              </a:solidFill>
+            </a:endParaRPr>
+          </a:p>
+        </p:txBody>
+      </p:sp>
+      <p:sp>
+        <p:nvSpPr>
+          <p:cNvPr id="5" name="正方形/長方形 4">
+            <a:extLst>
+              <a:ext uri="{FF2B5EF4-FFF2-40B4-BE49-F238E27FC236}">
+                <a16:creationId xmlns:a16="http://schemas.microsoft.com/office/drawing/2014/main" id="{13E2DDFB-DD74-1E35-6872-347ED082CB3D}"/>
+              </a:ext>
+            </a:extLst>
+          </p:cNvPr>
+          <p:cNvSpPr/>
+          <p:nvPr/>
+        </p:nvSpPr>
+        <p:spPr>
+          <a:xfrm>
+            <a:off x="0" y="1634243"/>
+            <a:ext cx="12256168" cy="96253"/>
+          </a:xfrm>
+          <a:prstGeom prst="rect">
+            <a:avLst/>
+          </a:prstGeom>
+          <a:solidFill>
+            <a:schemeClr val="accent2">
+              <a:lumMod val="75000"/>
+            </a:schemeClr>
+          </a:solidFill>
+          <a:ln>
+            <a:noFill/>
+          </a:ln>
+        </p:spPr>
+        <p:style>
+          <a:lnRef idx="2">
+            <a:schemeClr val="accent1">
+              <a:shade val="50000"/>
+            </a:schemeClr>
+          </a:lnRef>
+          <a:fillRef idx="1">
+            <a:schemeClr val="accent1"/>
+          </a:fillRef>
+          <a:effectRef idx="0">
+            <a:schemeClr val="accent1"/>
+          </a:effectRef>
+          <a:fontRef idx="minor">
+            <a:schemeClr val="lt1"/>
+          </a:fontRef>
+        </p:style>
+        <p:txBody>
+          <a:bodyPr rtlCol="0" anchor="ctr"/>
+          <a:lstStyle/>
+          <a:p>
+            <a:pPr algn="ctr"/>
+            <a:endParaRPr kumimoji="1" lang="ja-JP" altLang="en-US"/>
+          </a:p>
+        </p:txBody>
+      </p:sp>
+      <p:sp>
+        <p:nvSpPr>
+          <p:cNvPr id="8" name="正方形/長方形 7">
+            <a:extLst>
+              <a:ext uri="{FF2B5EF4-FFF2-40B4-BE49-F238E27FC236}">
+                <a16:creationId xmlns:a16="http://schemas.microsoft.com/office/drawing/2014/main" id="{9174F777-3707-B77E-F507-44E2665CBD04}"/>
+              </a:ext>
+            </a:extLst>
+          </p:cNvPr>
+          <p:cNvSpPr/>
+          <p:nvPr/>
+        </p:nvSpPr>
+        <p:spPr>
+          <a:xfrm flipH="1">
+            <a:off x="808350" y="489284"/>
+            <a:ext cx="162196" cy="755210"/>
+          </a:xfrm>
+          <a:prstGeom prst="rect">
+            <a:avLst/>
+          </a:prstGeom>
+          <a:solidFill>
+            <a:schemeClr val="accent2">
+              <a:lumMod val="75000"/>
+            </a:schemeClr>
+          </a:solidFill>
+          <a:ln>
+            <a:noFill/>
+          </a:ln>
+        </p:spPr>
+        <p:style>
+          <a:lnRef idx="2">
+            <a:schemeClr val="accent1">
+              <a:shade val="50000"/>
+            </a:schemeClr>
+          </a:lnRef>
+          <a:fillRef idx="1">
+            <a:schemeClr val="accent1"/>
+          </a:fillRef>
+          <a:effectRef idx="0">
+            <a:schemeClr val="accent1"/>
+          </a:effectRef>
+          <a:fontRef idx="minor">
+            <a:schemeClr val="lt1"/>
+          </a:fontRef>
+        </p:style>
+        <p:txBody>
+          <a:bodyPr rtlCol="0" anchor="ctr"/>
+          <a:lstStyle/>
+          <a:p>
+            <a:pPr algn="ctr"/>
+            <a:endParaRPr kumimoji="1" lang="ja-JP" altLang="en-US"/>
+          </a:p>
+        </p:txBody>
+      </p:sp>
+      <p:sp>
+        <p:nvSpPr>
+          <p:cNvPr id="2" name="テキスト ボックス 1">
+            <a:extLst>
+              <a:ext uri="{FF2B5EF4-FFF2-40B4-BE49-F238E27FC236}">
+                <a16:creationId xmlns:a16="http://schemas.microsoft.com/office/drawing/2014/main" id="{FBE8D77F-117D-48DC-A527-1721EC553375}"/>
+              </a:ext>
+            </a:extLst>
+          </p:cNvPr>
+          <p:cNvSpPr txBox="1"/>
+          <p:nvPr/>
+        </p:nvSpPr>
+        <p:spPr>
+          <a:xfrm>
+            <a:off x="1138985" y="325084"/>
+            <a:ext cx="9074863" cy="1015663"/>
+          </a:xfrm>
+          <a:prstGeom prst="rect">
+            <a:avLst/>
+          </a:prstGeom>
+          <a:noFill/>
+        </p:spPr>
+        <p:txBody>
+          <a:bodyPr wrap="square" rtlCol="0">
+            <a:spAutoFit/>
+          </a:bodyPr>
+          <a:lstStyle/>
+          <a:p>
+            <a:r>
               <a:rPr kumimoji="1" lang="ja-JP" altLang="en-US" sz="6000" dirty="0">
                 <a:latin typeface="HGS創英角ｺﾞｼｯｸUB" panose="020B0900000000000000" pitchFamily="50" charset="-128"/>
                 <a:ea typeface="HGS創英角ｺﾞｼｯｸUB" panose="020B0900000000000000" pitchFamily="50" charset="-128"/>
@@ -6778,7 +8513,7 @@
 </p:sld>
 </file>
 
-<file path=ppt/slides/slide11.xml><?xml version="1.0" encoding="utf-8"?>
+<file path=ppt/slides/slide13.xml><?xml version="1.0" encoding="utf-8"?>
 <p:sld xmlns:a="http://schemas.openxmlformats.org/drawingml/2006/main" xmlns:r="http://schemas.openxmlformats.org/officeDocument/2006/relationships" xmlns:p="http://schemas.openxmlformats.org/presentationml/2006/main">
   <p:cSld>
     <p:spTree>
@@ -7148,7 +8883,7 @@
 </p:sld>
 </file>
 
-<file path=ppt/slides/slide12.xml><?xml version="1.0" encoding="utf-8"?>
+<file path=ppt/slides/slide14.xml><?xml version="1.0" encoding="utf-8"?>
 <p:sld xmlns:a="http://schemas.openxmlformats.org/drawingml/2006/main" xmlns:r="http://schemas.openxmlformats.org/officeDocument/2006/relationships" xmlns:p="http://schemas.openxmlformats.org/presentationml/2006/main">
   <p:cSld>
     <p:spTree>
@@ -7514,7 +9249,7 @@
 </p:sld>
 </file>
 
-<file path=ppt/slides/slide13.xml><?xml version="1.0" encoding="utf-8"?>
+<file path=ppt/slides/slide15.xml><?xml version="1.0" encoding="utf-8"?>
 <p:sld xmlns:a="http://schemas.openxmlformats.org/drawingml/2006/main" xmlns:r="http://schemas.openxmlformats.org/officeDocument/2006/relationships" xmlns:p="http://schemas.openxmlformats.org/presentationml/2006/main">
   <p:cSld>
     <p:spTree>
@@ -8067,7 +9802,7 @@
 </p:sld>
 </file>
 
-<file path=ppt/slides/slide14.xml><?xml version="1.0" encoding="utf-8"?>
+<file path=ppt/slides/slide16.xml><?xml version="1.0" encoding="utf-8"?>
 <p:sld xmlns:a="http://schemas.openxmlformats.org/drawingml/2006/main" xmlns:r="http://schemas.openxmlformats.org/officeDocument/2006/relationships" xmlns:p="http://schemas.openxmlformats.org/presentationml/2006/main">
   <p:cSld>
     <p:spTree>
@@ -8292,7 +10027,7 @@
       </p:sp>
       <mc:AlternateContent xmlns:mc="http://schemas.openxmlformats.org/markup-compatibility/2006" xmlns:p14="http://schemas.microsoft.com/office/powerpoint/2010/main">
         <mc:Choice Requires="p14">
-          <p:contentPart p14:bwMode="auto" r:id="rId2">
+          <p:contentPart p14:bwMode="auto" r:id="rId3">
             <p14:nvContentPartPr>
               <p14:cNvPr id="22" name="インク 21">
                 <a:extLst>
@@ -8324,7 +10059,7 @@
               <p:nvPr/>
             </p:nvPicPr>
             <p:blipFill>
-              <a:blip r:embed="rId3"/>
+              <a:blip r:embed="rId4"/>
               <a:stretch>
                 <a:fillRect/>
               </a:stretch>
@@ -13113,7 +14848,7 @@
             <p:spPr>
               <a:xfrm>
                 <a:off x="119743" y="2023992"/>
-                <a:ext cx="12085950" cy="2912657"/>
+                <a:ext cx="12085950" cy="3405099"/>
               </a:xfrm>
               <a:prstGeom prst="rect">
                 <a:avLst/>
@@ -13147,6 +14882,8 @@
                   </a:rPr>
                   <a:t> </a:t>
                 </a:r>
+              </a:p>
+              <a:p>
                 <a:endParaRPr lang="en-US" altLang="ja-JP" sz="3200" dirty="0">
                   <a:latin typeface="HGS創英角ｺﾞｼｯｸUB" panose="020B0900000000000000" pitchFamily="50" charset="-128"/>
                   <a:ea typeface="HGS創英角ｺﾞｼｯｸUB" panose="020B0900000000000000" pitchFamily="50" charset="-128"/>
@@ -13246,14 +14983,7 @@
                               <a:latin typeface="Cambria Math" panose="02040503050406030204" pitchFamily="18" charset="0"/>
                               <a:ea typeface="HGPｺﾞｼｯｸE" panose="020B0900000000000000" pitchFamily="50" charset="-128"/>
                             </a:rPr>
-                            <m:t>ブロック</m:t>
-                          </m:r>
-                          <m:r>
-                            <a:rPr lang="ja-JP" altLang="en-US" sz="2000" i="1" smtClean="0">
-                              <a:latin typeface="Cambria Math" panose="02040503050406030204" pitchFamily="18" charset="0"/>
-                              <a:ea typeface="HGPｺﾞｼｯｸE" panose="020B0900000000000000" pitchFamily="50" charset="-128"/>
-                            </a:rPr>
-                            <m:t>ごと</m:t>
+                            <m:t>ブロックごと</m:t>
                           </m:r>
                           <m:r>
                             <a:rPr lang="ja-JP" altLang="en-US" sz="2000" i="1">
@@ -13302,28 +15032,7 @@
                               <a:latin typeface="Cambria Math" panose="02040503050406030204" pitchFamily="18" charset="0"/>
                               <a:ea typeface="HGPｺﾞｼｯｸE" panose="020B0900000000000000" pitchFamily="50" charset="-128"/>
                             </a:rPr>
-                            <m:t>のブロックごと</m:t>
-                          </m:r>
-                          <m:r>
-                            <a:rPr lang="ja-JP" altLang="en-US" sz="2000" i="1">
-                              <a:latin typeface="Cambria Math" panose="02040503050406030204" pitchFamily="18" charset="0"/>
-                              <a:ea typeface="HGPｺﾞｼｯｸE" panose="020B0900000000000000" pitchFamily="50" charset="-128"/>
-                            </a:rPr>
-                            <m:t>の</m:t>
-                          </m:r>
-                          <m:r>
-                            <a:rPr lang="ja-JP" altLang="en-US" sz="2000" i="1">
-                              <a:latin typeface="Cambria Math" panose="02040503050406030204" pitchFamily="18" charset="0"/>
-                              <a:ea typeface="HGPｺﾞｼｯｸE" panose="020B0900000000000000" pitchFamily="50" charset="-128"/>
-                            </a:rPr>
-                            <m:t>平均</m:t>
-                          </m:r>
-                          <m:r>
-                            <a:rPr lang="ja-JP" altLang="en-US" sz="2000" i="1">
-                              <a:latin typeface="Cambria Math" panose="02040503050406030204" pitchFamily="18" charset="0"/>
-                              <a:ea typeface="HGPｺﾞｼｯｸE" panose="020B0900000000000000" pitchFamily="50" charset="-128"/>
-                            </a:rPr>
-                            <m:t>回答時間</m:t>
+                            <m:t>のブロックごとの平均回答時間</m:t>
                           </m:r>
                         </m:den>
                       </m:f>
@@ -13394,7 +15103,7 @@
             <p:spPr>
               <a:xfrm>
                 <a:off x="119743" y="2023992"/>
-                <a:ext cx="12085950" cy="2912657"/>
+                <a:ext cx="12085950" cy="3405099"/>
               </a:xfrm>
               <a:prstGeom prst="rect">
                 <a:avLst/>
@@ -13402,7 +15111,7 @@
               <a:blipFill>
                 <a:blip r:embed="rId5"/>
                 <a:stretch>
-                  <a:fillRect l="-1312" t="-2720"/>
+                  <a:fillRect l="-1312" t="-2326"/>
                 </a:stretch>
               </a:blipFill>
             </p:spPr>
@@ -13451,6 +15160,337 @@
           <a:chExt cx="0" cy="0"/>
         </a:xfrm>
       </p:grpSpPr>
+      <mc:AlternateContent xmlns:mc="http://schemas.openxmlformats.org/markup-compatibility/2006" xmlns:p14="http://schemas.microsoft.com/office/powerpoint/2010/main">
+        <mc:Choice Requires="p14">
+          <p:contentPart p14:bwMode="auto" r:id="rId3">
+            <p14:nvContentPartPr>
+              <p14:cNvPr id="22" name="インク 21">
+                <a:extLst>
+                  <a:ext uri="{FF2B5EF4-FFF2-40B4-BE49-F238E27FC236}">
+                    <a16:creationId xmlns:a16="http://schemas.microsoft.com/office/drawing/2014/main" id="{D4DA94EC-B5B1-ECB3-5618-933E628EE936}"/>
+                  </a:ext>
+                </a:extLst>
+              </p14:cNvPr>
+              <p14:cNvContentPartPr/>
+              <p14:nvPr/>
+            </p14:nvContentPartPr>
+            <p14:xfrm>
+              <a:off x="-2415388" y="785280"/>
+              <a:ext cx="360" cy="360"/>
+            </p14:xfrm>
+          </p:contentPart>
+        </mc:Choice>
+        <mc:Fallback xmlns="">
+          <p:pic>
+            <p:nvPicPr>
+              <p:cNvPr id="22" name="インク 21">
+                <a:extLst>
+                  <a:ext uri="{FF2B5EF4-FFF2-40B4-BE49-F238E27FC236}">
+                    <a16:creationId xmlns:a16="http://schemas.microsoft.com/office/drawing/2014/main" id="{D4DA94EC-B5B1-ECB3-5618-933E628EE936}"/>
+                  </a:ext>
+                </a:extLst>
+              </p:cNvPr>
+              <p:cNvPicPr/>
+              <p:nvPr/>
+            </p:nvPicPr>
+            <p:blipFill>
+              <a:blip r:embed="rId4"/>
+              <a:stretch>
+                <a:fillRect/>
+              </a:stretch>
+            </p:blipFill>
+            <p:spPr>
+              <a:xfrm>
+                <a:off x="-2424388" y="776280"/>
+                <a:ext cx="18000" cy="18000"/>
+              </a:xfrm>
+              <a:prstGeom prst="rect">
+                <a:avLst/>
+              </a:prstGeom>
+            </p:spPr>
+          </p:pic>
+        </mc:Fallback>
+      </mc:AlternateContent>
+      <mc:AlternateContent xmlns:mc="http://schemas.openxmlformats.org/markup-compatibility/2006">
+        <mc:Choice xmlns:a14="http://schemas.microsoft.com/office/drawing/2010/main" Requires="a14">
+          <p:sp>
+            <p:nvSpPr>
+              <p:cNvPr id="16" name="テキスト ボックス 15">
+                <a:extLst>
+                  <a:ext uri="{FF2B5EF4-FFF2-40B4-BE49-F238E27FC236}">
+                    <a16:creationId xmlns:a16="http://schemas.microsoft.com/office/drawing/2014/main" id="{46F216BF-2A30-6741-3EA5-2EFD1BA1CE4F}"/>
+                  </a:ext>
+                </a:extLst>
+              </p:cNvPr>
+              <p:cNvSpPr txBox="1"/>
+              <p:nvPr/>
+            </p:nvSpPr>
+            <p:spPr>
+              <a:xfrm>
+                <a:off x="119743" y="2023992"/>
+                <a:ext cx="12085950" cy="2173993"/>
+              </a:xfrm>
+              <a:prstGeom prst="rect">
+                <a:avLst/>
+              </a:prstGeom>
+              <a:noFill/>
+            </p:spPr>
+            <p:txBody>
+              <a:bodyPr wrap="square" rtlCol="0">
+                <a:spAutoFit/>
+              </a:bodyPr>
+              <a:lstStyle/>
+              <a:p>
+                <a:endParaRPr lang="en-US" altLang="ja-JP" sz="3200" dirty="0">
+                  <a:latin typeface="HGS創英角ｺﾞｼｯｸUB" panose="020B0900000000000000" pitchFamily="50" charset="-128"/>
+                  <a:ea typeface="HGS創英角ｺﾞｼｯｸUB" panose="020B0900000000000000" pitchFamily="50" charset="-128"/>
+                </a:endParaRPr>
+              </a:p>
+              <a:p>
+                <a:endParaRPr kumimoji="1" lang="en-US" altLang="ja-JP" sz="1050" u="sng" dirty="0">
+                  <a:latin typeface="HGS創英角ｺﾞｼｯｸUB" panose="020B0900000000000000" pitchFamily="50" charset="-128"/>
+                  <a:ea typeface="HGS創英角ｺﾞｼｯｸUB" panose="020B0900000000000000" pitchFamily="50" charset="-128"/>
+                </a:endParaRPr>
+              </a:p>
+              <a:p>
+                <a:pPr/>
+                <a14:m>
+                  <m:oMathPara xmlns:m="http://schemas.openxmlformats.org/officeDocument/2006/math">
+                    <m:oMathParaPr>
+                      <m:jc m:val="centerGroup"/>
+                    </m:oMathParaPr>
+                    <m:oMath xmlns:m="http://schemas.openxmlformats.org/officeDocument/2006/math">
+                      <m:f>
+                        <m:fPr>
+                          <m:ctrlPr>
+                            <a:rPr kumimoji="1" lang="en-US" altLang="ja-JP" sz="2000" i="1" smtClean="0">
+                              <a:latin typeface="Cambria Math" panose="02040503050406030204" pitchFamily="18" charset="0"/>
+                              <a:ea typeface="HGPｺﾞｼｯｸE" panose="020B0900000000000000" pitchFamily="50" charset="-128"/>
+                            </a:rPr>
+                          </m:ctrlPr>
+                        </m:fPr>
+                        <m:num>
+                          <m:r>
+                            <a:rPr lang="ja-JP" altLang="en-US" sz="2000" i="1">
+                              <a:latin typeface="Cambria Math" panose="02040503050406030204" pitchFamily="18" charset="0"/>
+                              <a:ea typeface="HGPｺﾞｼｯｸE" panose="020B0900000000000000" pitchFamily="50" charset="-128"/>
+                            </a:rPr>
+                            <m:t>ブロック</m:t>
+                          </m:r>
+                          <m:r>
+                            <a:rPr lang="ja-JP" altLang="en-US" sz="2000" i="1" smtClean="0">
+                              <a:latin typeface="Cambria Math" panose="02040503050406030204" pitchFamily="18" charset="0"/>
+                              <a:ea typeface="HGPｺﾞｼｯｸE" panose="020B0900000000000000" pitchFamily="50" charset="-128"/>
+                            </a:rPr>
+                            <m:t>の</m:t>
+                          </m:r>
+                          <m:r>
+                            <a:rPr lang="ja-JP" altLang="en-US" sz="2000" i="1">
+                              <a:latin typeface="Cambria Math" panose="02040503050406030204" pitchFamily="18" charset="0"/>
+                              <a:ea typeface="HGPｺﾞｼｯｸE" panose="020B0900000000000000" pitchFamily="50" charset="-128"/>
+                            </a:rPr>
+                            <m:t>正答率</m:t>
+                          </m:r>
+                        </m:num>
+                        <m:den>
+                          <m:r>
+                            <a:rPr lang="ja-JP" altLang="en-US" sz="2000" i="1">
+                              <a:latin typeface="Cambria Math" panose="02040503050406030204" pitchFamily="18" charset="0"/>
+                              <a:ea typeface="HGPｺﾞｼｯｸE" panose="020B0900000000000000" pitchFamily="50" charset="-128"/>
+                            </a:rPr>
+                            <m:t>全体の</m:t>
+                          </m:r>
+                          <m:r>
+                            <a:rPr lang="ja-JP" altLang="en-US" sz="2000" i="1" smtClean="0">
+                              <a:latin typeface="Cambria Math" panose="02040503050406030204" pitchFamily="18" charset="0"/>
+                              <a:ea typeface="HGPｺﾞｼｯｸE" panose="020B0900000000000000" pitchFamily="50" charset="-128"/>
+                            </a:rPr>
+                            <m:t>正答率</m:t>
+                          </m:r>
+                        </m:den>
+                      </m:f>
+                      <m:r>
+                        <a:rPr kumimoji="1" lang="en-US" altLang="ja-JP" sz="2000" i="1" smtClean="0">
+                          <a:latin typeface="Cambria Math" panose="02040503050406030204" pitchFamily="18" charset="0"/>
+                          <a:ea typeface="Cambria Math" panose="02040503050406030204" pitchFamily="18" charset="0"/>
+                        </a:rPr>
+                        <m:t>×</m:t>
+                      </m:r>
+                      <m:f>
+                        <m:fPr>
+                          <m:ctrlPr>
+                            <a:rPr kumimoji="1" lang="en-US" altLang="ja-JP" sz="2000" i="1" smtClean="0">
+                              <a:latin typeface="Cambria Math" panose="02040503050406030204" pitchFamily="18" charset="0"/>
+                              <a:ea typeface="Cambria Math" panose="02040503050406030204" pitchFamily="18" charset="0"/>
+                            </a:rPr>
+                          </m:ctrlPr>
+                        </m:fPr>
+                        <m:num>
+                          <m:r>
+                            <a:rPr lang="ja-JP" altLang="en-US" sz="2000" i="1">
+                              <a:latin typeface="Cambria Math" panose="02040503050406030204" pitchFamily="18" charset="0"/>
+                              <a:ea typeface="HGPｺﾞｼｯｸE" panose="020B0900000000000000" pitchFamily="50" charset="-128"/>
+                            </a:rPr>
+                            <m:t>全体のブロック当たりの平均回答時間</m:t>
+                          </m:r>
+                        </m:num>
+                        <m:den>
+                          <m:r>
+                            <a:rPr lang="ja-JP" altLang="en-US" sz="2000" i="1" smtClean="0">
+                              <a:latin typeface="Cambria Math" panose="02040503050406030204" pitchFamily="18" charset="0"/>
+                              <a:ea typeface="HGPｺﾞｼｯｸE" panose="020B0900000000000000" pitchFamily="50" charset="-128"/>
+                            </a:rPr>
+                            <m:t>ブロックごと</m:t>
+                          </m:r>
+                          <m:r>
+                            <a:rPr lang="ja-JP" altLang="en-US" sz="2000" i="1">
+                              <a:latin typeface="Cambria Math" panose="02040503050406030204" pitchFamily="18" charset="0"/>
+                              <a:ea typeface="HGPｺﾞｼｯｸE" panose="020B0900000000000000" pitchFamily="50" charset="-128"/>
+                            </a:rPr>
+                            <m:t>の</m:t>
+                          </m:r>
+                          <m:r>
+                            <a:rPr lang="ja-JP" altLang="en-US" sz="2000" i="1" smtClean="0">
+                              <a:latin typeface="Cambria Math" panose="02040503050406030204" pitchFamily="18" charset="0"/>
+                              <a:ea typeface="HGPｺﾞｼｯｸE" panose="020B0900000000000000" pitchFamily="50" charset="-128"/>
+                            </a:rPr>
+                            <m:t>平均</m:t>
+                          </m:r>
+                          <m:r>
+                            <a:rPr lang="ja-JP" altLang="en-US" sz="2000" i="1">
+                              <a:latin typeface="Cambria Math" panose="02040503050406030204" pitchFamily="18" charset="0"/>
+                              <a:ea typeface="HGPｺﾞｼｯｸE" panose="020B0900000000000000" pitchFamily="50" charset="-128"/>
+                            </a:rPr>
+                            <m:t>回答時間</m:t>
+                          </m:r>
+                          <m:r>
+                            <a:rPr lang="en-US" altLang="ja-JP" sz="2000" b="0" i="1" smtClean="0">
+                              <a:latin typeface="Cambria Math" panose="02040503050406030204" pitchFamily="18" charset="0"/>
+                              <a:ea typeface="HGPｺﾞｼｯｸE" panose="020B0900000000000000" pitchFamily="50" charset="-128"/>
+                            </a:rPr>
+                            <m:t>/</m:t>
+                          </m:r>
+                          <m:r>
+                            <a:rPr lang="ja-JP" altLang="en-US" sz="2000" i="1">
+                              <a:latin typeface="Cambria Math" panose="02040503050406030204" pitchFamily="18" charset="0"/>
+                              <a:ea typeface="HGPｺﾞｼｯｸE" panose="020B0900000000000000" pitchFamily="50" charset="-128"/>
+                            </a:rPr>
+                            <m:t>対象者</m:t>
+                          </m:r>
+                          <m:r>
+                            <a:rPr lang="ja-JP" altLang="en-US" sz="2000" i="1" smtClean="0">
+                              <a:latin typeface="Cambria Math" panose="02040503050406030204" pitchFamily="18" charset="0"/>
+                              <a:ea typeface="HGPｺﾞｼｯｸE" panose="020B0900000000000000" pitchFamily="50" charset="-128"/>
+                            </a:rPr>
+                            <m:t>全体</m:t>
+                          </m:r>
+                          <m:r>
+                            <a:rPr lang="ja-JP" altLang="en-US" sz="2000" i="1">
+                              <a:latin typeface="Cambria Math" panose="02040503050406030204" pitchFamily="18" charset="0"/>
+                              <a:ea typeface="HGPｺﾞｼｯｸE" panose="020B0900000000000000" pitchFamily="50" charset="-128"/>
+                            </a:rPr>
+                            <m:t>のブロックごとの平均回答時間</m:t>
+                          </m:r>
+                        </m:den>
+                      </m:f>
+                    </m:oMath>
+                  </m:oMathPara>
+                </a14:m>
+                <a:endParaRPr kumimoji="1" lang="en-US" altLang="ja-JP" sz="2000" dirty="0">
+                  <a:latin typeface="HGPｺﾞｼｯｸE" panose="020B0900000000000000" pitchFamily="50" charset="-128"/>
+                  <a:ea typeface="HGPｺﾞｼｯｸE" panose="020B0900000000000000" pitchFamily="50" charset="-128"/>
+                </a:endParaRPr>
+              </a:p>
+              <a:p>
+                <a:endParaRPr kumimoji="1" lang="en-US" altLang="ja-JP" sz="2400" dirty="0">
+                  <a:latin typeface="HGPｺﾞｼｯｸE" panose="020B0900000000000000" pitchFamily="50" charset="-128"/>
+                  <a:ea typeface="HGPｺﾞｼｯｸE" panose="020B0900000000000000" pitchFamily="50" charset="-128"/>
+                </a:endParaRPr>
+              </a:p>
+              <a:p>
+                <a:endParaRPr lang="en-US" altLang="ja-JP" sz="2400" dirty="0">
+                  <a:latin typeface="HGPｺﾞｼｯｸE" panose="020B0900000000000000" pitchFamily="50" charset="-128"/>
+                  <a:ea typeface="HGPｺﾞｼｯｸE" panose="020B0900000000000000" pitchFamily="50" charset="-128"/>
+                </a:endParaRPr>
+              </a:p>
+            </p:txBody>
+          </p:sp>
+        </mc:Choice>
+        <mc:Fallback>
+          <p:sp>
+            <p:nvSpPr>
+              <p:cNvPr id="16" name="テキスト ボックス 15">
+                <a:extLst>
+                  <a:ext uri="{FF2B5EF4-FFF2-40B4-BE49-F238E27FC236}">
+                    <a16:creationId xmlns:a16="http://schemas.microsoft.com/office/drawing/2014/main" id="{46F216BF-2A30-6741-3EA5-2EFD1BA1CE4F}"/>
+                  </a:ext>
+                </a:extLst>
+              </p:cNvPr>
+              <p:cNvSpPr txBox="1">
+                <a:spLocks noRot="1" noChangeAspect="1" noMove="1" noResize="1" noEditPoints="1" noAdjustHandles="1" noChangeArrowheads="1" noChangeShapeType="1" noTextEdit="1"/>
+              </p:cNvSpPr>
+              <p:nvPr/>
+            </p:nvSpPr>
+            <p:spPr>
+              <a:xfrm>
+                <a:off x="119743" y="2023992"/>
+                <a:ext cx="12085950" cy="2173993"/>
+              </a:xfrm>
+              <a:prstGeom prst="rect">
+                <a:avLst/>
+              </a:prstGeom>
+              <a:blipFill>
+                <a:blip r:embed="rId5"/>
+                <a:stretch>
+                  <a:fillRect/>
+                </a:stretch>
+              </a:blipFill>
+            </p:spPr>
+            <p:txBody>
+              <a:bodyPr/>
+              <a:lstStyle/>
+              <a:p>
+                <a:r>
+                  <a:rPr lang="ja-JP" altLang="en-US">
+                    <a:noFill/>
+                  </a:rPr>
+                  <a:t> </a:t>
+                </a:r>
+              </a:p>
+            </p:txBody>
+          </p:sp>
+        </mc:Fallback>
+      </mc:AlternateContent>
+    </p:spTree>
+    <p:extLst>
+      <p:ext uri="{BB962C8B-B14F-4D97-AF65-F5344CB8AC3E}">
+        <p14:creationId xmlns:p14="http://schemas.microsoft.com/office/powerpoint/2010/main" val="818929163"/>
+      </p:ext>
+    </p:extLst>
+  </p:cSld>
+  <p:clrMapOvr>
+    <a:masterClrMapping/>
+  </p:clrMapOvr>
+</p:sld>
+</file>
+
+<file path=ppt/slides/slide9.xml><?xml version="1.0" encoding="utf-8"?>
+<p:sld xmlns:a="http://schemas.openxmlformats.org/drawingml/2006/main" xmlns:r="http://schemas.openxmlformats.org/officeDocument/2006/relationships" xmlns:p="http://schemas.openxmlformats.org/presentationml/2006/main">
+  <p:cSld>
+    <p:spTree>
+      <p:nvGrpSpPr>
+        <p:cNvPr id="1" name=""/>
+        <p:cNvGrpSpPr/>
+        <p:nvPr/>
+      </p:nvGrpSpPr>
+      <p:grpSpPr>
+        <a:xfrm>
+          <a:off x="0" y="0"/>
+          <a:ext cx="0" cy="0"/>
+          <a:chOff x="0" y="0"/>
+          <a:chExt cx="0" cy="0"/>
+        </a:xfrm>
+      </p:grpSpPr>
       <p:sp>
         <p:nvSpPr>
           <p:cNvPr id="4" name="正方形/長方形 3">
@@ -13897,140 +15937,6 @@
           </a:p>
         </p:txBody>
       </p:sp>
-      <p:pic>
-        <p:nvPicPr>
-          <p:cNvPr id="12" name="図 11">
-            <a:extLst>
-              <a:ext uri="{FF2B5EF4-FFF2-40B4-BE49-F238E27FC236}">
-                <a16:creationId xmlns:a16="http://schemas.microsoft.com/office/drawing/2014/main" id="{4F0B40B8-02D4-0052-60BB-E3F5B989E4CD}"/>
-              </a:ext>
-            </a:extLst>
-          </p:cNvPr>
-          <p:cNvPicPr>
-            <a:picLocks noChangeAspect="1"/>
-          </p:cNvPicPr>
-          <p:nvPr/>
-        </p:nvPicPr>
-        <p:blipFill>
-          <a:blip r:embed="rId5"/>
-          <a:stretch>
-            <a:fillRect/>
-          </a:stretch>
-        </p:blipFill>
-        <p:spPr>
-          <a:xfrm>
-            <a:off x="6348481" y="1871353"/>
-            <a:ext cx="4984196" cy="2993172"/>
-          </a:xfrm>
-          <a:prstGeom prst="rect">
-            <a:avLst/>
-          </a:prstGeom>
-        </p:spPr>
-      </p:pic>
-      <p:sp>
-        <p:nvSpPr>
-          <p:cNvPr id="13" name="テキスト ボックス 12">
-            <a:extLst>
-              <a:ext uri="{FF2B5EF4-FFF2-40B4-BE49-F238E27FC236}">
-                <a16:creationId xmlns:a16="http://schemas.microsoft.com/office/drawing/2014/main" id="{874DD2F4-E480-30B1-2074-412D56F0449E}"/>
-              </a:ext>
-            </a:extLst>
-          </p:cNvPr>
-          <p:cNvSpPr txBox="1"/>
-          <p:nvPr/>
-        </p:nvSpPr>
-        <p:spPr>
-          <a:xfrm>
-            <a:off x="6445117" y="2063059"/>
-            <a:ext cx="548548" cy="276999"/>
-          </a:xfrm>
-          <a:prstGeom prst="rect">
-            <a:avLst/>
-          </a:prstGeom>
-          <a:noFill/>
-        </p:spPr>
-        <p:txBody>
-          <a:bodyPr wrap="square" rtlCol="0">
-            <a:spAutoFit/>
-          </a:bodyPr>
-          <a:lstStyle/>
-          <a:p>
-            <a:r>
-              <a:rPr kumimoji="1" lang="en-US" altLang="ja-JP" sz="1200" dirty="0"/>
-              <a:t>(%)</a:t>
-            </a:r>
-            <a:endParaRPr kumimoji="1" lang="ja-JP" altLang="en-US" sz="1200" dirty="0"/>
-          </a:p>
-        </p:txBody>
-      </p:sp>
-      <p:sp>
-        <p:nvSpPr>
-          <p:cNvPr id="14" name="テキスト ボックス 13">
-            <a:extLst>
-              <a:ext uri="{FF2B5EF4-FFF2-40B4-BE49-F238E27FC236}">
-                <a16:creationId xmlns:a16="http://schemas.microsoft.com/office/drawing/2014/main" id="{324CCFA2-628C-265D-26C0-05E581340673}"/>
-              </a:ext>
-            </a:extLst>
-          </p:cNvPr>
-          <p:cNvSpPr txBox="1"/>
-          <p:nvPr/>
-        </p:nvSpPr>
-        <p:spPr>
-          <a:xfrm>
-            <a:off x="6347744" y="4858623"/>
-            <a:ext cx="1569660" cy="1200329"/>
-          </a:xfrm>
-          <a:prstGeom prst="rect">
-            <a:avLst/>
-          </a:prstGeom>
-          <a:noFill/>
-        </p:spPr>
-        <p:txBody>
-          <a:bodyPr wrap="none" rtlCol="0">
-            <a:spAutoFit/>
-          </a:bodyPr>
-          <a:lstStyle/>
-          <a:p>
-            <a:r>
-              <a:rPr lang="ja-JP" altLang="en-US" dirty="0"/>
-              <a:t>進捗表示なし</a:t>
-            </a:r>
-            <a:endParaRPr kumimoji="1" lang="en-US" altLang="ja-JP" dirty="0"/>
-          </a:p>
-          <a:p>
-            <a:r>
-              <a:rPr kumimoji="1" lang="en-US" altLang="ja-JP" dirty="0"/>
-              <a:t>Ave=</a:t>
-            </a:r>
-            <a:r>
-              <a:rPr lang="en-US" altLang="ja-JP" dirty="0"/>
-              <a:t>91.4%</a:t>
-            </a:r>
-            <a:endParaRPr kumimoji="1" lang="en-US" altLang="ja-JP" dirty="0"/>
-          </a:p>
-          <a:p>
-            <a:r>
-              <a:rPr lang="en-US" altLang="ja-JP" dirty="0"/>
-              <a:t>Max=</a:t>
-            </a:r>
-            <a:r>
-              <a:rPr kumimoji="1" lang="en-US" altLang="ja-JP" dirty="0"/>
-              <a:t> 100%</a:t>
-            </a:r>
-            <a:r>
-              <a:rPr lang="en-US" altLang="ja-JP" dirty="0"/>
-              <a:t> </a:t>
-            </a:r>
-          </a:p>
-          <a:p>
-            <a:r>
-              <a:rPr kumimoji="1" lang="en-US" altLang="ja-JP" dirty="0"/>
-              <a:t>Min=80%</a:t>
-            </a:r>
-            <a:endParaRPr kumimoji="1" lang="ja-JP" altLang="en-US" dirty="0"/>
-          </a:p>
-        </p:txBody>
-      </p:sp>
       <p:sp>
         <p:nvSpPr>
           <p:cNvPr id="15" name="テキスト ボックス 14">
@@ -14086,699 +15992,10 @@
           </a:p>
         </p:txBody>
       </p:sp>
-      <p:sp>
-        <p:nvSpPr>
-          <p:cNvPr id="17" name="テキスト ボックス 16">
-            <a:extLst>
-              <a:ext uri="{FF2B5EF4-FFF2-40B4-BE49-F238E27FC236}">
-                <a16:creationId xmlns:a16="http://schemas.microsoft.com/office/drawing/2014/main" id="{64517C10-122E-F8C3-ADD9-6AD202B3C5EE}"/>
-              </a:ext>
-            </a:extLst>
-          </p:cNvPr>
-          <p:cNvSpPr txBox="1"/>
-          <p:nvPr/>
-        </p:nvSpPr>
-        <p:spPr>
-          <a:xfrm>
-            <a:off x="8755664" y="4858623"/>
-            <a:ext cx="1569660" cy="1200329"/>
-          </a:xfrm>
-          <a:prstGeom prst="rect">
-            <a:avLst/>
-          </a:prstGeom>
-          <a:noFill/>
-        </p:spPr>
-        <p:txBody>
-          <a:bodyPr wrap="none" rtlCol="0">
-            <a:spAutoFit/>
-          </a:bodyPr>
-          <a:lstStyle/>
-          <a:p>
-            <a:r>
-              <a:rPr lang="ja-JP" altLang="en-US" dirty="0"/>
-              <a:t>進捗表示あり</a:t>
-            </a:r>
-            <a:endParaRPr kumimoji="1" lang="en-US" altLang="ja-JP" dirty="0"/>
-          </a:p>
-          <a:p>
-            <a:r>
-              <a:rPr kumimoji="1" lang="en-US" altLang="ja-JP" dirty="0"/>
-              <a:t>Ave=</a:t>
-            </a:r>
-            <a:r>
-              <a:rPr lang="en-US" altLang="ja-JP" dirty="0"/>
-              <a:t>92.5%</a:t>
-            </a:r>
-            <a:r>
-              <a:rPr kumimoji="1" lang="en-US" altLang="ja-JP" dirty="0"/>
-              <a:t> </a:t>
-            </a:r>
-          </a:p>
-          <a:p>
-            <a:r>
-              <a:rPr lang="en-US" altLang="ja-JP" dirty="0"/>
-              <a:t>Max=</a:t>
-            </a:r>
-            <a:r>
-              <a:rPr kumimoji="1" lang="en-US" altLang="ja-JP" dirty="0"/>
-              <a:t>100%</a:t>
-            </a:r>
-            <a:endParaRPr lang="en-US" altLang="ja-JP" dirty="0"/>
-          </a:p>
-          <a:p>
-            <a:r>
-              <a:rPr kumimoji="1" lang="en-US" altLang="ja-JP" dirty="0"/>
-              <a:t>Min=80%</a:t>
-            </a:r>
-            <a:endParaRPr kumimoji="1" lang="ja-JP" altLang="en-US" dirty="0"/>
-          </a:p>
-        </p:txBody>
-      </p:sp>
     </p:spTree>
     <p:extLst>
       <p:ext uri="{BB962C8B-B14F-4D97-AF65-F5344CB8AC3E}">
         <p14:creationId xmlns:p14="http://schemas.microsoft.com/office/powerpoint/2010/main" val="3480643350"/>
-      </p:ext>
-    </p:extLst>
-  </p:cSld>
-  <p:clrMapOvr>
-    <a:masterClrMapping/>
-  </p:clrMapOvr>
-</p:sld>
-</file>
-
-<file path=ppt/slides/slide9.xml><?xml version="1.0" encoding="utf-8"?>
-<p:sld xmlns:a="http://schemas.openxmlformats.org/drawingml/2006/main" xmlns:r="http://schemas.openxmlformats.org/officeDocument/2006/relationships" xmlns:p="http://schemas.openxmlformats.org/presentationml/2006/main">
-  <p:cSld>
-    <p:spTree>
-      <p:nvGrpSpPr>
-        <p:cNvPr id="1" name=""/>
-        <p:cNvGrpSpPr/>
-        <p:nvPr/>
-      </p:nvGrpSpPr>
-      <p:grpSpPr>
-        <a:xfrm>
-          <a:off x="0" y="0"/>
-          <a:ext cx="0" cy="0"/>
-          <a:chOff x="0" y="0"/>
-          <a:chExt cx="0" cy="0"/>
-        </a:xfrm>
-      </p:grpSpPr>
-      <p:sp>
-        <p:nvSpPr>
-          <p:cNvPr id="4" name="正方形/長方形 3">
-            <a:extLst>
-              <a:ext uri="{FF2B5EF4-FFF2-40B4-BE49-F238E27FC236}">
-                <a16:creationId xmlns:a16="http://schemas.microsoft.com/office/drawing/2014/main" id="{537B97F4-E983-2356-6027-1540E66EAFCE}"/>
-              </a:ext>
-            </a:extLst>
-          </p:cNvPr>
-          <p:cNvSpPr/>
-          <p:nvPr/>
-        </p:nvSpPr>
-        <p:spPr>
-          <a:xfrm>
-            <a:off x="0" y="0"/>
-            <a:ext cx="12256168" cy="6858000"/>
-          </a:xfrm>
-          <a:prstGeom prst="rect">
-            <a:avLst/>
-          </a:prstGeom>
-          <a:solidFill>
-            <a:schemeClr val="accent2">
-              <a:lumMod val="20000"/>
-              <a:lumOff val="80000"/>
-            </a:schemeClr>
-          </a:solidFill>
-        </p:spPr>
-        <p:style>
-          <a:lnRef idx="2">
-            <a:schemeClr val="accent2">
-              <a:shade val="50000"/>
-            </a:schemeClr>
-          </a:lnRef>
-          <a:fillRef idx="1">
-            <a:schemeClr val="accent2"/>
-          </a:fillRef>
-          <a:effectRef idx="0">
-            <a:schemeClr val="accent2"/>
-          </a:effectRef>
-          <a:fontRef idx="minor">
-            <a:schemeClr val="lt1"/>
-          </a:fontRef>
-        </p:style>
-        <p:txBody>
-          <a:bodyPr rtlCol="0" anchor="ctr"/>
-          <a:lstStyle/>
-          <a:p>
-            <a:pPr algn="ctr"/>
-            <a:endParaRPr lang="ja-JP" altLang="en-US" sz="4800" dirty="0">
-              <a:hlinkClick r:id="rId3"/>
-            </a:endParaRPr>
-          </a:p>
-          <a:p>
-            <a:pPr algn="ctr"/>
-            <a:endParaRPr kumimoji="1" lang="ja-JP" altLang="en-US" sz="4800" b="1" dirty="0">
-              <a:solidFill>
-                <a:schemeClr val="tx1"/>
-              </a:solidFill>
-            </a:endParaRPr>
-          </a:p>
-        </p:txBody>
-      </p:sp>
-      <p:sp>
-        <p:nvSpPr>
-          <p:cNvPr id="5" name="正方形/長方形 4">
-            <a:extLst>
-              <a:ext uri="{FF2B5EF4-FFF2-40B4-BE49-F238E27FC236}">
-                <a16:creationId xmlns:a16="http://schemas.microsoft.com/office/drawing/2014/main" id="{13E2DDFB-DD74-1E35-6872-347ED082CB3D}"/>
-              </a:ext>
-            </a:extLst>
-          </p:cNvPr>
-          <p:cNvSpPr/>
-          <p:nvPr/>
-        </p:nvSpPr>
-        <p:spPr>
-          <a:xfrm>
-            <a:off x="0" y="1634243"/>
-            <a:ext cx="12256168" cy="96253"/>
-          </a:xfrm>
-          <a:prstGeom prst="rect">
-            <a:avLst/>
-          </a:prstGeom>
-          <a:solidFill>
-            <a:schemeClr val="accent2">
-              <a:lumMod val="75000"/>
-            </a:schemeClr>
-          </a:solidFill>
-          <a:ln>
-            <a:noFill/>
-          </a:ln>
-        </p:spPr>
-        <p:style>
-          <a:lnRef idx="2">
-            <a:schemeClr val="accent1">
-              <a:shade val="50000"/>
-            </a:schemeClr>
-          </a:lnRef>
-          <a:fillRef idx="1">
-            <a:schemeClr val="accent1"/>
-          </a:fillRef>
-          <a:effectRef idx="0">
-            <a:schemeClr val="accent1"/>
-          </a:effectRef>
-          <a:fontRef idx="minor">
-            <a:schemeClr val="lt1"/>
-          </a:fontRef>
-        </p:style>
-        <p:txBody>
-          <a:bodyPr rtlCol="0" anchor="ctr"/>
-          <a:lstStyle/>
-          <a:p>
-            <a:pPr algn="ctr"/>
-            <a:endParaRPr kumimoji="1" lang="ja-JP" altLang="en-US"/>
-          </a:p>
-        </p:txBody>
-      </p:sp>
-      <p:sp>
-        <p:nvSpPr>
-          <p:cNvPr id="8" name="正方形/長方形 7">
-            <a:extLst>
-              <a:ext uri="{FF2B5EF4-FFF2-40B4-BE49-F238E27FC236}">
-                <a16:creationId xmlns:a16="http://schemas.microsoft.com/office/drawing/2014/main" id="{9174F777-3707-B77E-F507-44E2665CBD04}"/>
-              </a:ext>
-            </a:extLst>
-          </p:cNvPr>
-          <p:cNvSpPr/>
-          <p:nvPr/>
-        </p:nvSpPr>
-        <p:spPr>
-          <a:xfrm flipH="1">
-            <a:off x="808350" y="489284"/>
-            <a:ext cx="162196" cy="755210"/>
-          </a:xfrm>
-          <a:prstGeom prst="rect">
-            <a:avLst/>
-          </a:prstGeom>
-          <a:solidFill>
-            <a:schemeClr val="accent2">
-              <a:lumMod val="75000"/>
-            </a:schemeClr>
-          </a:solidFill>
-          <a:ln>
-            <a:noFill/>
-          </a:ln>
-        </p:spPr>
-        <p:style>
-          <a:lnRef idx="2">
-            <a:schemeClr val="accent1">
-              <a:shade val="50000"/>
-            </a:schemeClr>
-          </a:lnRef>
-          <a:fillRef idx="1">
-            <a:schemeClr val="accent1"/>
-          </a:fillRef>
-          <a:effectRef idx="0">
-            <a:schemeClr val="accent1"/>
-          </a:effectRef>
-          <a:fontRef idx="minor">
-            <a:schemeClr val="lt1"/>
-          </a:fontRef>
-        </p:style>
-        <p:txBody>
-          <a:bodyPr rtlCol="0" anchor="ctr"/>
-          <a:lstStyle/>
-          <a:p>
-            <a:pPr algn="ctr"/>
-            <a:endParaRPr kumimoji="1" lang="ja-JP" altLang="en-US"/>
-          </a:p>
-        </p:txBody>
-      </p:sp>
-      <p:sp>
-        <p:nvSpPr>
-          <p:cNvPr id="2" name="テキスト ボックス 1">
-            <a:extLst>
-              <a:ext uri="{FF2B5EF4-FFF2-40B4-BE49-F238E27FC236}">
-                <a16:creationId xmlns:a16="http://schemas.microsoft.com/office/drawing/2014/main" id="{FBE8D77F-117D-48DC-A527-1721EC553375}"/>
-              </a:ext>
-            </a:extLst>
-          </p:cNvPr>
-          <p:cNvSpPr txBox="1"/>
-          <p:nvPr/>
-        </p:nvSpPr>
-        <p:spPr>
-          <a:xfrm>
-            <a:off x="1138985" y="325084"/>
-            <a:ext cx="9074863" cy="1015663"/>
-          </a:xfrm>
-          <a:prstGeom prst="rect">
-            <a:avLst/>
-          </a:prstGeom>
-          <a:noFill/>
-        </p:spPr>
-        <p:txBody>
-          <a:bodyPr wrap="square" rtlCol="0">
-            <a:spAutoFit/>
-          </a:bodyPr>
-          <a:lstStyle/>
-          <a:p>
-            <a:r>
-              <a:rPr lang="ja-JP" altLang="en-US" sz="6000" dirty="0">
-                <a:latin typeface="HGS創英角ｺﾞｼｯｸUB" panose="020B0900000000000000" pitchFamily="50" charset="-128"/>
-                <a:ea typeface="HGS創英角ｺﾞｼｯｸUB" panose="020B0900000000000000" pitchFamily="50" charset="-128"/>
-              </a:rPr>
-              <a:t>分析結果</a:t>
-            </a:r>
-            <a:endParaRPr kumimoji="1" lang="ja-JP" altLang="en-US" sz="6000" dirty="0">
-              <a:latin typeface="HGS創英角ｺﾞｼｯｸUB" panose="020B0900000000000000" pitchFamily="50" charset="-128"/>
-              <a:ea typeface="HGS創英角ｺﾞｼｯｸUB" panose="020B0900000000000000" pitchFamily="50" charset="-128"/>
-            </a:endParaRPr>
-          </a:p>
-        </p:txBody>
-      </p:sp>
-      <p:sp>
-        <p:nvSpPr>
-          <p:cNvPr id="16" name="テキスト ボックス 15">
-            <a:extLst>
-              <a:ext uri="{FF2B5EF4-FFF2-40B4-BE49-F238E27FC236}">
-                <a16:creationId xmlns:a16="http://schemas.microsoft.com/office/drawing/2014/main" id="{46F216BF-2A30-6741-3EA5-2EFD1BA1CE4F}"/>
-              </a:ext>
-            </a:extLst>
-          </p:cNvPr>
-          <p:cNvSpPr txBox="1"/>
-          <p:nvPr/>
-        </p:nvSpPr>
-        <p:spPr>
-          <a:xfrm>
-            <a:off x="725132" y="2859613"/>
-            <a:ext cx="11466868" cy="1138773"/>
-          </a:xfrm>
-          <a:prstGeom prst="rect">
-            <a:avLst/>
-          </a:prstGeom>
-          <a:noFill/>
-        </p:spPr>
-        <p:txBody>
-          <a:bodyPr wrap="square" rtlCol="0">
-            <a:spAutoFit/>
-          </a:bodyPr>
-          <a:lstStyle/>
-          <a:p>
-            <a:endParaRPr kumimoji="1" lang="en-US" altLang="ja-JP" sz="3600" dirty="0">
-              <a:latin typeface="HGPｺﾞｼｯｸE" panose="020B0900000000000000" pitchFamily="50" charset="-128"/>
-              <a:ea typeface="HGPｺﾞｼｯｸE" panose="020B0900000000000000" pitchFamily="50" charset="-128"/>
-            </a:endParaRPr>
-          </a:p>
-          <a:p>
-            <a:endParaRPr kumimoji="1" lang="en-US" altLang="ja-JP" sz="3200" dirty="0">
-              <a:latin typeface="HGPｺﾞｼｯｸE" panose="020B0900000000000000" pitchFamily="50" charset="-128"/>
-              <a:ea typeface="HGPｺﾞｼｯｸE" panose="020B0900000000000000" pitchFamily="50" charset="-128"/>
-            </a:endParaRPr>
-          </a:p>
-        </p:txBody>
-      </p:sp>
-      <p:sp>
-        <p:nvSpPr>
-          <p:cNvPr id="7" name="テキスト ボックス 6">
-            <a:extLst>
-              <a:ext uri="{FF2B5EF4-FFF2-40B4-BE49-F238E27FC236}">
-                <a16:creationId xmlns:a16="http://schemas.microsoft.com/office/drawing/2014/main" id="{B08CA7DF-5804-CCFD-78F3-9CD1ED714666}"/>
-              </a:ext>
-            </a:extLst>
-          </p:cNvPr>
-          <p:cNvSpPr txBox="1"/>
-          <p:nvPr/>
-        </p:nvSpPr>
-        <p:spPr>
-          <a:xfrm>
-            <a:off x="5669280" y="3548447"/>
-            <a:ext cx="914400" cy="914400"/>
-          </a:xfrm>
-          <a:prstGeom prst="rect">
-            <a:avLst/>
-          </a:prstGeom>
-          <a:noFill/>
-        </p:spPr>
-        <p:txBody>
-          <a:bodyPr wrap="square" rtlCol="0">
-            <a:spAutoFit/>
-          </a:bodyPr>
-          <a:lstStyle/>
-          <a:p>
-            <a:endParaRPr kumimoji="1" lang="ja-JP" altLang="en-US" dirty="0"/>
-          </a:p>
-        </p:txBody>
-      </p:sp>
-      <p:sp>
-        <p:nvSpPr>
-          <p:cNvPr id="9" name="テキスト ボックス 8">
-            <a:extLst>
-              <a:ext uri="{FF2B5EF4-FFF2-40B4-BE49-F238E27FC236}">
-                <a16:creationId xmlns:a16="http://schemas.microsoft.com/office/drawing/2014/main" id="{33E83734-7F87-2F72-BD6C-E7E609A582F2}"/>
-              </a:ext>
-            </a:extLst>
-          </p:cNvPr>
-          <p:cNvSpPr txBox="1"/>
-          <p:nvPr/>
-        </p:nvSpPr>
-        <p:spPr>
-          <a:xfrm>
-            <a:off x="1242060" y="5663653"/>
-            <a:ext cx="769620" cy="982980"/>
-          </a:xfrm>
-          <a:prstGeom prst="rect">
-            <a:avLst/>
-          </a:prstGeom>
-          <a:noFill/>
-        </p:spPr>
-        <p:txBody>
-          <a:bodyPr wrap="square" rtlCol="0">
-            <a:spAutoFit/>
-          </a:bodyPr>
-          <a:lstStyle/>
-          <a:p>
-            <a:endParaRPr kumimoji="1" lang="ja-JP" altLang="en-US" dirty="0"/>
-          </a:p>
-        </p:txBody>
-      </p:sp>
-      <p:sp>
-        <p:nvSpPr>
-          <p:cNvPr id="10" name="テキスト ボックス 9">
-            <a:extLst>
-              <a:ext uri="{FF2B5EF4-FFF2-40B4-BE49-F238E27FC236}">
-                <a16:creationId xmlns:a16="http://schemas.microsoft.com/office/drawing/2014/main" id="{E446367E-9000-3003-4785-8DCBCAAFEA2A}"/>
-              </a:ext>
-            </a:extLst>
-          </p:cNvPr>
-          <p:cNvSpPr txBox="1"/>
-          <p:nvPr/>
-        </p:nvSpPr>
-        <p:spPr>
-          <a:xfrm>
-            <a:off x="2593687" y="2802229"/>
-            <a:ext cx="1569660" cy="369332"/>
-          </a:xfrm>
-          <a:prstGeom prst="rect">
-            <a:avLst/>
-          </a:prstGeom>
-          <a:noFill/>
-        </p:spPr>
-        <p:txBody>
-          <a:bodyPr wrap="none" rtlCol="0">
-            <a:spAutoFit/>
-          </a:bodyPr>
-          <a:lstStyle/>
-          <a:p>
-            <a:r>
-              <a:rPr lang="ja-JP" altLang="en-US" dirty="0"/>
-              <a:t>進捗表示なし</a:t>
-            </a:r>
-            <a:endParaRPr kumimoji="1" lang="en-US" altLang="ja-JP" dirty="0"/>
-          </a:p>
-        </p:txBody>
-      </p:sp>
-      <p:pic>
-        <p:nvPicPr>
-          <p:cNvPr id="19" name="図 18">
-            <a:extLst>
-              <a:ext uri="{FF2B5EF4-FFF2-40B4-BE49-F238E27FC236}">
-                <a16:creationId xmlns:a16="http://schemas.microsoft.com/office/drawing/2014/main" id="{D479CFC1-C902-0C12-97D4-EAC85495C1CC}"/>
-              </a:ext>
-            </a:extLst>
-          </p:cNvPr>
-          <p:cNvPicPr>
-            <a:picLocks noChangeAspect="1"/>
-          </p:cNvPicPr>
-          <p:nvPr/>
-        </p:nvPicPr>
-        <p:blipFill>
-          <a:blip r:embed="rId4"/>
-          <a:stretch>
-            <a:fillRect/>
-          </a:stretch>
-        </p:blipFill>
-        <p:spPr>
-          <a:xfrm>
-            <a:off x="1087755" y="3293471"/>
-            <a:ext cx="4581525" cy="2752725"/>
-          </a:xfrm>
-          <a:prstGeom prst="rect">
-            <a:avLst/>
-          </a:prstGeom>
-        </p:spPr>
-      </p:pic>
-      <mc:AlternateContent xmlns:mc="http://schemas.openxmlformats.org/markup-compatibility/2006">
-        <mc:Choice xmlns:a14="http://schemas.microsoft.com/office/drawing/2010/main" Requires="a14">
-          <p:sp>
-            <p:nvSpPr>
-              <p:cNvPr id="30" name="テキスト ボックス 29">
-                <a:extLst>
-                  <a:ext uri="{FF2B5EF4-FFF2-40B4-BE49-F238E27FC236}">
-                    <a16:creationId xmlns:a16="http://schemas.microsoft.com/office/drawing/2014/main" id="{744D240A-667B-88B5-B8D3-09228F411F7A}"/>
-                  </a:ext>
-                </a:extLst>
-              </p:cNvPr>
-              <p:cNvSpPr txBox="1"/>
-              <p:nvPr/>
-            </p:nvSpPr>
-            <p:spPr>
-              <a:xfrm>
-                <a:off x="2269759" y="1951433"/>
-                <a:ext cx="8377614" cy="651332"/>
-              </a:xfrm>
-              <a:prstGeom prst="rect">
-                <a:avLst/>
-              </a:prstGeom>
-              <a:noFill/>
-            </p:spPr>
-            <p:txBody>
-              <a:bodyPr wrap="none" rtlCol="0">
-                <a:spAutoFit/>
-              </a:bodyPr>
-              <a:lstStyle/>
-              <a:p>
-                <a:r>
-                  <a:rPr kumimoji="1" lang="ja-JP" altLang="en-US" sz="1800" kern="1200" dirty="0">
-                    <a:solidFill>
-                      <a:srgbClr val="000000"/>
-                    </a:solidFill>
-                    <a:effectLst/>
-                    <a:latin typeface="+mn-ea"/>
-                  </a:rPr>
-                  <a:t>縦軸</a:t>
-                </a:r>
-                <a14:m>
-                  <m:oMath xmlns:m="http://schemas.openxmlformats.org/officeDocument/2006/math">
-                    <m:r>
-                      <a:rPr lang="ja-JP" altLang="en-US" i="1">
-                        <a:solidFill>
-                          <a:srgbClr val="000000"/>
-                        </a:solidFill>
-                        <a:latin typeface="+mn-ea"/>
-                      </a:rPr>
-                      <m:t>：</m:t>
-                    </m:r>
-                    <m:r>
-                      <a:rPr kumimoji="1" lang="ja-JP" altLang="ja-JP" sz="1800" i="1" kern="1200" smtClean="0">
-                        <a:solidFill>
-                          <a:srgbClr val="000000"/>
-                        </a:solidFill>
-                        <a:effectLst/>
-                        <a:latin typeface="+mn-ea"/>
-                      </a:rPr>
-                      <m:t>ブロックごとの平均回答時間</m:t>
-                    </m:r>
-                    <m:r>
-                      <a:rPr kumimoji="1" lang="en-US" altLang="ja-JP" sz="1800" b="0" i="1" kern="1200">
-                        <a:solidFill>
-                          <a:srgbClr val="000000"/>
-                        </a:solidFill>
-                        <a:effectLst/>
-                        <a:latin typeface="+mn-ea"/>
-                      </a:rPr>
-                      <m:t>/</m:t>
-                    </m:r>
-                    <m:r>
-                      <a:rPr kumimoji="1" lang="ja-JP" altLang="ja-JP" sz="1800" i="1" kern="1200">
-                        <a:solidFill>
-                          <a:srgbClr val="000000"/>
-                        </a:solidFill>
-                        <a:effectLst/>
-                        <a:latin typeface="+mn-ea"/>
-                      </a:rPr>
-                      <m:t>対象者全体のブロックごとの平均回答時間</m:t>
-                    </m:r>
-                  </m:oMath>
-                </a14:m>
-                <a:endParaRPr kumimoji="1" lang="en-US" altLang="ja-JP" dirty="0">
-                  <a:latin typeface="+mn-ea"/>
-                </a:endParaRPr>
-              </a:p>
-              <a:p>
-                <a:r>
-                  <a:rPr kumimoji="1" lang="ja-JP" altLang="en-US" dirty="0"/>
-                  <a:t>横軸：ブロック数</a:t>
-                </a:r>
-                <a:endParaRPr kumimoji="1" lang="en-US" altLang="ja-JP" dirty="0"/>
-              </a:p>
-            </p:txBody>
-          </p:sp>
-        </mc:Choice>
-        <mc:Fallback>
-          <p:sp>
-            <p:nvSpPr>
-              <p:cNvPr id="30" name="テキスト ボックス 29">
-                <a:extLst>
-                  <a:ext uri="{FF2B5EF4-FFF2-40B4-BE49-F238E27FC236}">
-                    <a16:creationId xmlns:a16="http://schemas.microsoft.com/office/drawing/2014/main" id="{744D240A-667B-88B5-B8D3-09228F411F7A}"/>
-                  </a:ext>
-                </a:extLst>
-              </p:cNvPr>
-              <p:cNvSpPr txBox="1">
-                <a:spLocks noRot="1" noChangeAspect="1" noMove="1" noResize="1" noEditPoints="1" noAdjustHandles="1" noChangeArrowheads="1" noChangeShapeType="1" noTextEdit="1"/>
-              </p:cNvSpPr>
-              <p:nvPr/>
-            </p:nvSpPr>
-            <p:spPr>
-              <a:xfrm>
-                <a:off x="2269759" y="1951433"/>
-                <a:ext cx="8377614" cy="651332"/>
-              </a:xfrm>
-              <a:prstGeom prst="rect">
-                <a:avLst/>
-              </a:prstGeom>
-              <a:blipFill>
-                <a:blip r:embed="rId5"/>
-                <a:stretch>
-                  <a:fillRect l="-582" t="-2804" b="-14019"/>
-                </a:stretch>
-              </a:blipFill>
-            </p:spPr>
-            <p:txBody>
-              <a:bodyPr/>
-              <a:lstStyle/>
-              <a:p>
-                <a:r>
-                  <a:rPr lang="ja-JP" altLang="en-US">
-                    <a:noFill/>
-                  </a:rPr>
-                  <a:t> </a:t>
-                </a:r>
-              </a:p>
-            </p:txBody>
-          </p:sp>
-        </mc:Fallback>
-      </mc:AlternateContent>
-      <p:sp>
-        <p:nvSpPr>
-          <p:cNvPr id="32" name="テキスト ボックス 31">
-            <a:extLst>
-              <a:ext uri="{FF2B5EF4-FFF2-40B4-BE49-F238E27FC236}">
-                <a16:creationId xmlns:a16="http://schemas.microsoft.com/office/drawing/2014/main" id="{CFD85ED8-F443-005C-9BD2-FF87C49AE1F2}"/>
-              </a:ext>
-            </a:extLst>
-          </p:cNvPr>
-          <p:cNvSpPr txBox="1"/>
-          <p:nvPr/>
-        </p:nvSpPr>
-        <p:spPr>
-          <a:xfrm>
-            <a:off x="8156940" y="2730253"/>
-            <a:ext cx="1569660" cy="369332"/>
-          </a:xfrm>
-          <a:prstGeom prst="rect">
-            <a:avLst/>
-          </a:prstGeom>
-          <a:noFill/>
-        </p:spPr>
-        <p:txBody>
-          <a:bodyPr wrap="none" rtlCol="0">
-            <a:spAutoFit/>
-          </a:bodyPr>
-          <a:lstStyle/>
-          <a:p>
-            <a:r>
-              <a:rPr lang="ja-JP" altLang="en-US" dirty="0"/>
-              <a:t>進捗表示あり</a:t>
-            </a:r>
-            <a:endParaRPr kumimoji="1" lang="en-US" altLang="ja-JP" dirty="0"/>
-          </a:p>
-        </p:txBody>
-      </p:sp>
-      <p:pic>
-        <p:nvPicPr>
-          <p:cNvPr id="33" name="図 32">
-            <a:extLst>
-              <a:ext uri="{FF2B5EF4-FFF2-40B4-BE49-F238E27FC236}">
-                <a16:creationId xmlns:a16="http://schemas.microsoft.com/office/drawing/2014/main" id="{71F718F6-65D1-E794-DDE8-E77BA95915A8}"/>
-              </a:ext>
-            </a:extLst>
-          </p:cNvPr>
-          <p:cNvPicPr>
-            <a:picLocks noChangeAspect="1"/>
-          </p:cNvPicPr>
-          <p:nvPr/>
-        </p:nvPicPr>
-        <p:blipFill>
-          <a:blip r:embed="rId6"/>
-          <a:stretch>
-            <a:fillRect/>
-          </a:stretch>
-        </p:blipFill>
-        <p:spPr>
-          <a:xfrm>
-            <a:off x="6757035" y="3306378"/>
-            <a:ext cx="4584589" cy="2755631"/>
-          </a:xfrm>
-          <a:prstGeom prst="rect">
-            <a:avLst/>
-          </a:prstGeom>
-        </p:spPr>
-      </p:pic>
-    </p:spTree>
-    <p:extLst>
-      <p:ext uri="{BB962C8B-B14F-4D97-AF65-F5344CB8AC3E}">
-        <p14:creationId xmlns:p14="http://schemas.microsoft.com/office/powerpoint/2010/main" val="1466287891"/>
       </p:ext>
     </p:extLst>
   </p:cSld>

--- a/発表_p/20221212_発表.pptx
+++ b/発表_p/20221212_発表.pptx
@@ -5,7 +5,7 @@
     <p:sldMasterId id="2147483684" r:id="rId1"/>
   </p:sldMasterIdLst>
   <p:notesMasterIdLst>
-    <p:notesMasterId r:id="rId18"/>
+    <p:notesMasterId r:id="rId19"/>
   </p:notesMasterIdLst>
   <p:sldIdLst>
     <p:sldId id="260" r:id="rId2"/>
@@ -15,15 +15,16 @@
     <p:sldId id="300" r:id="rId6"/>
     <p:sldId id="287" r:id="rId7"/>
     <p:sldId id="275" r:id="rId8"/>
-    <p:sldId id="309" r:id="rId9"/>
-    <p:sldId id="302" r:id="rId10"/>
-    <p:sldId id="307" r:id="rId11"/>
+    <p:sldId id="302" r:id="rId9"/>
+    <p:sldId id="307" r:id="rId10"/>
+    <p:sldId id="309" r:id="rId11"/>
     <p:sldId id="306" r:id="rId12"/>
-    <p:sldId id="305" r:id="rId13"/>
-    <p:sldId id="271" r:id="rId14"/>
-    <p:sldId id="297" r:id="rId15"/>
-    <p:sldId id="303" r:id="rId16"/>
-    <p:sldId id="278" r:id="rId17"/>
+    <p:sldId id="308" r:id="rId13"/>
+    <p:sldId id="305" r:id="rId14"/>
+    <p:sldId id="271" r:id="rId15"/>
+    <p:sldId id="297" r:id="rId16"/>
+    <p:sldId id="303" r:id="rId17"/>
+    <p:sldId id="278" r:id="rId18"/>
   </p:sldIdLst>
   <p:sldSz cx="12192000" cy="6858000"/>
   <p:notesSz cx="6858000" cy="9144000"/>
@@ -170,33 +171,6 @@
 </file>
 
 <file path=ppt/ink/ink10.xml><?xml version="1.0" encoding="utf-8"?>
-<inkml:ink xmlns:inkml="http://www.w3.org/2003/InkML">
-  <inkml:definitions>
-    <inkml:context xml:id="ctx0">
-      <inkml:inkSource xml:id="inkSrc0">
-        <inkml:traceFormat>
-          <inkml:channel name="X" type="integer" min="-2.14748E9" max="2.14748E9" units="cm"/>
-          <inkml:channel name="Y" type="integer" min="-2.14748E9" max="2.14748E9" units="cm"/>
-          <inkml:channel name="F" type="integer" max="32767" units="dev"/>
-        </inkml:traceFormat>
-        <inkml:channelProperties>
-          <inkml:channelProperty channel="X" name="resolution" value="1000" units="1/cm"/>
-          <inkml:channelProperty channel="Y" name="resolution" value="1000" units="1/cm"/>
-          <inkml:channelProperty channel="F" name="resolution" value="0" units="1/dev"/>
-        </inkml:channelProperties>
-      </inkml:inkSource>
-      <inkml:timestamp xml:id="ts0" timeString="2022-05-22T07:02:51.042"/>
-    </inkml:context>
-    <inkml:brush xml:id="br0">
-      <inkml:brushProperty name="width" value="0.05" units="cm"/>
-      <inkml:brushProperty name="height" value="0.05" units="cm"/>
-    </inkml:brush>
-  </inkml:definitions>
-  <inkml:trace contextRef="#ctx0" brushRef="#br0">0 0 24575</inkml:trace>
-</inkml:ink>
-</file>
-
-<file path=ppt/ink/ink11.xml><?xml version="1.0" encoding="utf-8"?>
 <inkml:ink xmlns:inkml="http://www.w3.org/2003/InkML">
   <inkml:definitions>
     <inkml:context xml:id="ctx0">
@@ -521,7 +495,7 @@
           <a:p>
             <a:fld id="{388AA84C-5962-4688-BDAA-4DF6096806BA}" type="datetimeFigureOut">
               <a:rPr kumimoji="1" lang="ja-JP" altLang="en-US" smtClean="0"/>
-              <a:t>2023/1/6</a:t>
+              <a:t>2023/1/10</a:t>
             </a:fld>
             <a:endParaRPr kumimoji="1" lang="ja-JP" altLang="en-US"/>
           </a:p>
@@ -1087,7 +1061,10 @@
           <a:bodyPr/>
           <a:lstStyle/>
           <a:p>
-            <a:endParaRPr kumimoji="1" lang="ja-JP" altLang="en-US" dirty="0"/>
+            <a:r>
+              <a:rPr kumimoji="1" lang="ja-JP" altLang="en-US" dirty="0"/>
+              <a:t>全体の</a:t>
+            </a:r>
           </a:p>
         </p:txBody>
       </p:sp>
@@ -1108,7 +1085,91 @@
           <a:p>
             <a:fld id="{26A2BD96-0529-4E44-ACAE-85CA89E3EC69}" type="slidenum">
               <a:rPr kumimoji="1" lang="ja-JP" altLang="en-US" smtClean="0"/>
-              <a:t>16</a:t>
+              <a:t>12</a:t>
+            </a:fld>
+            <a:endParaRPr kumimoji="1" lang="ja-JP" altLang="en-US"/>
+          </a:p>
+        </p:txBody>
+      </p:sp>
+    </p:spTree>
+    <p:extLst>
+      <p:ext uri="{BB962C8B-B14F-4D97-AF65-F5344CB8AC3E}">
+        <p14:creationId xmlns:p14="http://schemas.microsoft.com/office/powerpoint/2010/main" val="3183593578"/>
+      </p:ext>
+    </p:extLst>
+  </p:cSld>
+  <p:clrMapOvr>
+    <a:masterClrMapping/>
+  </p:clrMapOvr>
+</p:notes>
+</file>
+
+<file path=ppt/notesSlides/notesSlide12.xml><?xml version="1.0" encoding="utf-8"?>
+<p:notes xmlns:a="http://schemas.openxmlformats.org/drawingml/2006/main" xmlns:r="http://schemas.openxmlformats.org/officeDocument/2006/relationships" xmlns:p="http://schemas.openxmlformats.org/presentationml/2006/main">
+  <p:cSld>
+    <p:spTree>
+      <p:nvGrpSpPr>
+        <p:cNvPr id="1" name=""/>
+        <p:cNvGrpSpPr/>
+        <p:nvPr/>
+      </p:nvGrpSpPr>
+      <p:grpSpPr>
+        <a:xfrm>
+          <a:off x="0" y="0"/>
+          <a:ext cx="0" cy="0"/>
+          <a:chOff x="0" y="0"/>
+          <a:chExt cx="0" cy="0"/>
+        </a:xfrm>
+      </p:grpSpPr>
+      <p:sp>
+        <p:nvSpPr>
+          <p:cNvPr id="2" name="スライド イメージ プレースホルダー 1"/>
+          <p:cNvSpPr>
+            <a:spLocks noGrp="1" noRot="1" noChangeAspect="1"/>
+          </p:cNvSpPr>
+          <p:nvPr>
+            <p:ph type="sldImg"/>
+          </p:nvPr>
+        </p:nvSpPr>
+        <p:spPr/>
+      </p:sp>
+      <p:sp>
+        <p:nvSpPr>
+          <p:cNvPr id="3" name="ノート プレースホルダー 2"/>
+          <p:cNvSpPr>
+            <a:spLocks noGrp="1"/>
+          </p:cNvSpPr>
+          <p:nvPr>
+            <p:ph type="body" idx="1"/>
+          </p:nvPr>
+        </p:nvSpPr>
+        <p:spPr/>
+        <p:txBody>
+          <a:bodyPr/>
+          <a:lstStyle/>
+          <a:p>
+            <a:endParaRPr kumimoji="1" lang="ja-JP" altLang="en-US" dirty="0"/>
+          </a:p>
+        </p:txBody>
+      </p:sp>
+      <p:sp>
+        <p:nvSpPr>
+          <p:cNvPr id="4" name="スライド番号プレースホルダー 3"/>
+          <p:cNvSpPr>
+            <a:spLocks noGrp="1"/>
+          </p:cNvSpPr>
+          <p:nvPr>
+            <p:ph type="sldNum" sz="quarter" idx="5"/>
+          </p:nvPr>
+        </p:nvSpPr>
+        <p:spPr/>
+        <p:txBody>
+          <a:bodyPr/>
+          <a:lstStyle/>
+          <a:p>
+            <a:fld id="{26A2BD96-0529-4E44-ACAE-85CA89E3EC69}" type="slidenum">
+              <a:rPr kumimoji="1" lang="ja-JP" altLang="en-US" smtClean="0"/>
+              <a:t>17</a:t>
             </a:fld>
             <a:endParaRPr kumimoji="1" lang="ja-JP" altLang="en-US"/>
           </a:p>
@@ -2730,145 +2791,28 @@
         </p:nvSpPr>
         <p:spPr/>
       </p:sp>
-      <mc:AlternateContent xmlns:mc="http://schemas.openxmlformats.org/markup-compatibility/2006" xmlns:a14="http://schemas.microsoft.com/office/drawing/2010/main">
-        <mc:Choice Requires="a14">
-          <p:sp>
-            <p:nvSpPr>
-              <p:cNvPr id="3" name="ノート プレースホルダー 2"/>
-              <p:cNvSpPr>
-                <a:spLocks noGrp="1"/>
-              </p:cNvSpPr>
-              <p:nvPr>
-                <p:ph type="body" idx="1"/>
-              </p:nvPr>
-            </p:nvSpPr>
-            <p:spPr/>
-            <p:txBody>
-              <a:bodyPr/>
-              <a:lstStyle/>
-              <a:p>
-                <a14:m>
-                  <m:oMath xmlns:m="http://schemas.openxmlformats.org/officeDocument/2006/math">
-                    <m:r>
-                      <a:rPr lang="ja-JP" altLang="en-US" sz="1200" i="1">
-                        <a:latin typeface="Cambria Math" panose="02040503050406030204" pitchFamily="18" charset="0"/>
-                        <a:ea typeface="HGPｺﾞｼｯｸE" panose="020B0900000000000000" pitchFamily="50" charset="-128"/>
-                      </a:rPr>
-                      <m:t>右側の分母をこのようにしたのは</m:t>
-                    </m:r>
-                  </m:oMath>
-                </a14:m>
-                <a:r>
-                  <a:rPr kumimoji="1" lang="ja-JP" altLang="en-US" dirty="0"/>
-                  <a:t>ブロックごとに問題難易度の差が大きいと判断したため</a:t>
-                </a:r>
-                <a14:m>
-                  <m:oMath xmlns:m="http://schemas.openxmlformats.org/officeDocument/2006/math">
-                    <m:r>
-                      <a:rPr lang="ja-JP" altLang="en-US" sz="1200" i="1" smtClean="0">
-                        <a:latin typeface="Cambria Math" panose="02040503050406030204" pitchFamily="18" charset="0"/>
-                        <a:ea typeface="HGPｺﾞｼｯｸE" panose="020B0900000000000000" pitchFamily="50" charset="-128"/>
-                      </a:rPr>
-                      <m:t>ブロックごと</m:t>
-                    </m:r>
-                    <m:r>
-                      <a:rPr lang="ja-JP" altLang="en-US" sz="1200" i="1">
-                        <a:latin typeface="Cambria Math" panose="02040503050406030204" pitchFamily="18" charset="0"/>
-                        <a:ea typeface="HGPｺﾞｼｯｸE" panose="020B0900000000000000" pitchFamily="50" charset="-128"/>
-                      </a:rPr>
-                      <m:t>の平均回答時間を対象者</m:t>
-                    </m:r>
-                    <m:r>
-                      <a:rPr lang="ja-JP" altLang="en-US" sz="1200" i="1" smtClean="0">
-                        <a:latin typeface="Cambria Math" panose="02040503050406030204" pitchFamily="18" charset="0"/>
-                        <a:ea typeface="HGPｺﾞｼｯｸE" panose="020B0900000000000000" pitchFamily="50" charset="-128"/>
-                      </a:rPr>
-                      <m:t>全体</m:t>
-                    </m:r>
-                    <m:r>
-                      <a:rPr lang="ja-JP" altLang="en-US" sz="1200" i="1">
-                        <a:latin typeface="Cambria Math" panose="02040503050406030204" pitchFamily="18" charset="0"/>
-                        <a:ea typeface="HGPｺﾞｼｯｸE" panose="020B0900000000000000" pitchFamily="50" charset="-128"/>
-                      </a:rPr>
-                      <m:t>のブロックごとの</m:t>
-                    </m:r>
-                    <m:r>
-                      <a:rPr lang="ja-JP" altLang="en-US" sz="1200" i="1" smtClean="0">
-                        <a:latin typeface="Cambria Math" panose="02040503050406030204" pitchFamily="18" charset="0"/>
-                        <a:ea typeface="HGPｺﾞｼｯｸE" panose="020B0900000000000000" pitchFamily="50" charset="-128"/>
-                      </a:rPr>
-                      <m:t>平均</m:t>
-                    </m:r>
-                    <m:r>
-                      <a:rPr lang="ja-JP" altLang="en-US" sz="1200" i="1">
-                        <a:latin typeface="Cambria Math" panose="02040503050406030204" pitchFamily="18" charset="0"/>
-                        <a:ea typeface="HGPｺﾞｼｯｸE" panose="020B0900000000000000" pitchFamily="50" charset="-128"/>
-                      </a:rPr>
-                      <m:t>回答時間</m:t>
-                    </m:r>
-                  </m:oMath>
-                </a14:m>
-                <a:r>
-                  <a:rPr kumimoji="1" lang="ja-JP" altLang="en-US" dirty="0"/>
-                  <a:t>で割ることで問題難易度の差をなくしています。</a:t>
-                </a:r>
-                <a:endParaRPr kumimoji="1" lang="en-US" altLang="ja-JP" dirty="0"/>
-              </a:p>
-              <a:p>
-                <a:endParaRPr kumimoji="1" lang="ja-JP" altLang="en-US" dirty="0"/>
-              </a:p>
-            </p:txBody>
-          </p:sp>
-        </mc:Choice>
-        <mc:Fallback xmlns="">
-          <p:sp>
-            <p:nvSpPr>
-              <p:cNvPr id="3" name="ノート プレースホルダー 2"/>
-              <p:cNvSpPr>
-                <a:spLocks noGrp="1"/>
-              </p:cNvSpPr>
-              <p:nvPr>
-                <p:ph type="body" idx="1"/>
-              </p:nvPr>
-            </p:nvSpPr>
-            <p:spPr/>
-            <p:txBody>
-              <a:bodyPr/>
-              <a:lstStyle/>
-              <a:p>
-                <a:pPr/>
-                <a:r>
-                  <a:rPr lang="ja-JP" altLang="en-US" sz="1200" i="0">
-                    <a:latin typeface="Cambria Math" panose="02040503050406030204" pitchFamily="18" charset="0"/>
-                    <a:ea typeface="HGPｺﾞｼｯｸE" panose="020B0900000000000000" pitchFamily="50" charset="-128"/>
-                  </a:rPr>
-                  <a:t>右側の分母をこのようにしたのは</a:t>
-                </a:r>
-                <a:r>
-                  <a:rPr kumimoji="1" lang="ja-JP" altLang="en-US" dirty="0"/>
-                  <a:t>ブロックごとに問題難易度の差が大きいと判断したため</a:t>
-                </a:r>
-                <a:r>
-                  <a:rPr lang="ja-JP" altLang="en-US" sz="1200" i="0">
-                    <a:latin typeface="Cambria Math" panose="02040503050406030204" pitchFamily="18" charset="0"/>
-                    <a:ea typeface="HGPｺﾞｼｯｸE" panose="020B0900000000000000" pitchFamily="50" charset="-128"/>
-                  </a:rPr>
-                  <a:t>ブロックごとの平均回答時間を対象者全体のブロックごとの平均回答時間</a:t>
-                </a:r>
-                <a:r>
-                  <a:rPr kumimoji="1" lang="ja-JP" altLang="en-US" dirty="0"/>
-                  <a:t>で割ることで問題難易度の差をなくしています。</a:t>
-                </a:r>
-                <a:endParaRPr kumimoji="1" lang="en-US" altLang="ja-JP" dirty="0"/>
-              </a:p>
-              <a:p>
-                <a:pPr/>
-                <a:endParaRPr kumimoji="1" lang="ja-JP" altLang="en-US" dirty="0"/>
-              </a:p>
-            </p:txBody>
-          </p:sp>
-        </mc:Fallback>
-      </mc:AlternateContent>
+      <p:sp>
+        <p:nvSpPr>
+          <p:cNvPr id="3" name="ノート プレースホルダー 2"/>
+          <p:cNvSpPr>
+            <a:spLocks noGrp="1"/>
+          </p:cNvSpPr>
+          <p:nvPr>
+            <p:ph type="body" idx="1"/>
+          </p:nvPr>
+        </p:nvSpPr>
+        <p:spPr/>
+        <p:txBody>
+          <a:bodyPr/>
+          <a:lstStyle/>
+          <a:p>
+            <a:r>
+              <a:rPr kumimoji="1" lang="ja-JP" altLang="en-US" dirty="0"/>
+              <a:t>全体の</a:t>
+            </a:r>
+          </a:p>
+        </p:txBody>
+      </p:sp>
       <p:sp>
         <p:nvSpPr>
           <p:cNvPr id="4" name="スライド番号プレースホルダー 3"/>
@@ -2895,7 +2839,7 @@
     </p:spTree>
     <p:extLst>
       <p:ext uri="{BB962C8B-B14F-4D97-AF65-F5344CB8AC3E}">
-        <p14:creationId xmlns:p14="http://schemas.microsoft.com/office/powerpoint/2010/main" val="4261151074"/>
+        <p14:creationId xmlns:p14="http://schemas.microsoft.com/office/powerpoint/2010/main" val="3136816029"/>
       </p:ext>
     </p:extLst>
   </p:cSld>
@@ -2982,7 +2926,7 @@
     </p:spTree>
     <p:extLst>
       <p:ext uri="{BB962C8B-B14F-4D97-AF65-F5344CB8AC3E}">
-        <p14:creationId xmlns:p14="http://schemas.microsoft.com/office/powerpoint/2010/main" val="3136816029"/>
+        <p14:creationId xmlns:p14="http://schemas.microsoft.com/office/powerpoint/2010/main" val="33955719"/>
       </p:ext>
     </p:extLst>
   </p:cSld>
@@ -3069,7 +3013,7 @@
     </p:spTree>
     <p:extLst>
       <p:ext uri="{BB962C8B-B14F-4D97-AF65-F5344CB8AC3E}">
-        <p14:creationId xmlns:p14="http://schemas.microsoft.com/office/powerpoint/2010/main" val="33955719"/>
+        <p14:creationId xmlns:p14="http://schemas.microsoft.com/office/powerpoint/2010/main" val="3228861990"/>
       </p:ext>
     </p:extLst>
   </p:cSld>
@@ -3226,7 +3170,7 @@
           <a:p>
             <a:fld id="{48A87A34-81AB-432B-8DAE-1953F412C126}" type="datetimeFigureOut">
               <a:rPr lang="en-US" smtClean="0"/>
-              <a:t>1/6/2023</a:t>
+              <a:t>1/10/2023</a:t>
             </a:fld>
             <a:endParaRPr lang="en-US" dirty="0"/>
           </a:p>
@@ -3456,7 +3400,7 @@
           <a:p>
             <a:fld id="{48A87A34-81AB-432B-8DAE-1953F412C126}" type="datetimeFigureOut">
               <a:rPr lang="en-US" smtClean="0"/>
-              <a:t>1/6/2023</a:t>
+              <a:t>1/10/2023</a:t>
             </a:fld>
             <a:endParaRPr lang="en-US" dirty="0"/>
           </a:p>
@@ -3696,7 +3640,7 @@
           <a:p>
             <a:fld id="{48A87A34-81AB-432B-8DAE-1953F412C126}" type="datetimeFigureOut">
               <a:rPr lang="en-US" smtClean="0"/>
-              <a:t>1/6/2023</a:t>
+              <a:t>1/10/2023</a:t>
             </a:fld>
             <a:endParaRPr lang="en-US" dirty="0"/>
           </a:p>
@@ -3926,7 +3870,7 @@
           <a:p>
             <a:fld id="{48A87A34-81AB-432B-8DAE-1953F412C126}" type="datetimeFigureOut">
               <a:rPr lang="en-US" smtClean="0"/>
-              <a:t>1/6/2023</a:t>
+              <a:t>1/10/2023</a:t>
             </a:fld>
             <a:endParaRPr lang="en-US" dirty="0"/>
           </a:p>
@@ -4201,7 +4145,7 @@
           <a:p>
             <a:fld id="{48A87A34-81AB-432B-8DAE-1953F412C126}" type="datetimeFigureOut">
               <a:rPr lang="en-US" smtClean="0"/>
-              <a:t>1/6/2023</a:t>
+              <a:t>1/10/2023</a:t>
             </a:fld>
             <a:endParaRPr lang="en-US" dirty="0"/>
           </a:p>
@@ -4530,7 +4474,7 @@
           <a:p>
             <a:fld id="{48A87A34-81AB-432B-8DAE-1953F412C126}" type="datetimeFigureOut">
               <a:rPr lang="en-US" smtClean="0"/>
-              <a:t>1/6/2023</a:t>
+              <a:t>1/10/2023</a:t>
             </a:fld>
             <a:endParaRPr lang="en-US" dirty="0"/>
           </a:p>
@@ -5006,7 +4950,7 @@
           <a:p>
             <a:fld id="{48A87A34-81AB-432B-8DAE-1953F412C126}" type="datetimeFigureOut">
               <a:rPr lang="en-US" smtClean="0"/>
-              <a:t>1/6/2023</a:t>
+              <a:t>1/10/2023</a:t>
             </a:fld>
             <a:endParaRPr lang="en-US" dirty="0"/>
           </a:p>
@@ -5147,7 +5091,7 @@
           <a:p>
             <a:fld id="{48A87A34-81AB-432B-8DAE-1953F412C126}" type="datetimeFigureOut">
               <a:rPr lang="en-US" smtClean="0"/>
-              <a:t>1/6/2023</a:t>
+              <a:t>1/10/2023</a:t>
             </a:fld>
             <a:endParaRPr lang="en-US" dirty="0"/>
           </a:p>
@@ -5260,7 +5204,7 @@
           <a:p>
             <a:fld id="{48A87A34-81AB-432B-8DAE-1953F412C126}" type="datetimeFigureOut">
               <a:rPr lang="en-US" smtClean="0"/>
-              <a:t>1/6/2023</a:t>
+              <a:t>1/10/2023</a:t>
             </a:fld>
             <a:endParaRPr lang="en-US" dirty="0"/>
           </a:p>
@@ -5603,7 +5547,7 @@
           <a:p>
             <a:fld id="{48A87A34-81AB-432B-8DAE-1953F412C126}" type="datetimeFigureOut">
               <a:rPr lang="en-US" smtClean="0"/>
-              <a:t>1/6/2023</a:t>
+              <a:t>1/10/2023</a:t>
             </a:fld>
             <a:endParaRPr lang="en-US" dirty="0"/>
           </a:p>
@@ -5895,7 +5839,7 @@
             <a:fld id="{48A87A34-81AB-432B-8DAE-1953F412C126}" type="datetimeFigureOut">
               <a:rPr lang="en-US" smtClean="0"/>
               <a:pPr/>
-              <a:t>1/6/2023</a:t>
+              <a:t>1/10/2023</a:t>
             </a:fld>
             <a:endParaRPr lang="en-US" dirty="0"/>
           </a:p>
@@ -6169,7 +6113,7 @@
             <a:fld id="{48A87A34-81AB-432B-8DAE-1953F412C126}" type="datetimeFigureOut">
               <a:rPr lang="en-US" smtClean="0"/>
               <a:pPr/>
-              <a:t>1/6/2023</a:t>
+              <a:t>1/10/2023</a:t>
             </a:fld>
             <a:endParaRPr lang="en-US" dirty="0"/>
           </a:p>
@@ -6871,7 +6815,7 @@
         </p:nvSpPr>
         <p:spPr>
           <a:xfrm>
-            <a:off x="0" y="0"/>
+            <a:off x="0" y="9301"/>
             <a:ext cx="12256168" cy="6858000"/>
           </a:xfrm>
           <a:prstGeom prst="rect">
@@ -7110,12 +7054,76 @@
           </a:p>
         </p:txBody>
       </p:sp>
+      <p:sp>
+        <p:nvSpPr>
+          <p:cNvPr id="7" name="テキスト ボックス 6">
+            <a:extLst>
+              <a:ext uri="{FF2B5EF4-FFF2-40B4-BE49-F238E27FC236}">
+                <a16:creationId xmlns:a16="http://schemas.microsoft.com/office/drawing/2014/main" id="{B08CA7DF-5804-CCFD-78F3-9CD1ED714666}"/>
+              </a:ext>
+            </a:extLst>
+          </p:cNvPr>
+          <p:cNvSpPr txBox="1"/>
+          <p:nvPr/>
+        </p:nvSpPr>
+        <p:spPr>
+          <a:xfrm>
+            <a:off x="5669280" y="2788920"/>
+            <a:ext cx="914400" cy="914400"/>
+          </a:xfrm>
+          <a:prstGeom prst="rect">
+            <a:avLst/>
+          </a:prstGeom>
+          <a:noFill/>
+        </p:spPr>
+        <p:txBody>
+          <a:bodyPr wrap="square" rtlCol="0">
+            <a:spAutoFit/>
+          </a:bodyPr>
+          <a:lstStyle/>
+          <a:p>
+            <a:endParaRPr kumimoji="1" lang="ja-JP" altLang="en-US" dirty="0"/>
+          </a:p>
+        </p:txBody>
+      </p:sp>
+      <p:sp>
+        <p:nvSpPr>
+          <p:cNvPr id="9" name="テキスト ボックス 8">
+            <a:extLst>
+              <a:ext uri="{FF2B5EF4-FFF2-40B4-BE49-F238E27FC236}">
+                <a16:creationId xmlns:a16="http://schemas.microsoft.com/office/drawing/2014/main" id="{33E83734-7F87-2F72-BD6C-E7E609A582F2}"/>
+              </a:ext>
+            </a:extLst>
+          </p:cNvPr>
+          <p:cNvSpPr txBox="1"/>
+          <p:nvPr/>
+        </p:nvSpPr>
+        <p:spPr>
+          <a:xfrm>
+            <a:off x="1242060" y="4904126"/>
+            <a:ext cx="769620" cy="982980"/>
+          </a:xfrm>
+          <a:prstGeom prst="rect">
+            <a:avLst/>
+          </a:prstGeom>
+          <a:noFill/>
+        </p:spPr>
+        <p:txBody>
+          <a:bodyPr wrap="square" rtlCol="0">
+            <a:spAutoFit/>
+          </a:bodyPr>
+          <a:lstStyle/>
+          <a:p>
+            <a:endParaRPr kumimoji="1" lang="ja-JP" altLang="en-US" dirty="0"/>
+          </a:p>
+        </p:txBody>
+      </p:sp>
       <p:pic>
         <p:nvPicPr>
-          <p:cNvPr id="3" name="図 2">
-            <a:extLst>
-              <a:ext uri="{FF2B5EF4-FFF2-40B4-BE49-F238E27FC236}">
-                <a16:creationId xmlns:a16="http://schemas.microsoft.com/office/drawing/2014/main" id="{2E677C3F-FC7F-F270-DF35-36FBCBD42E78}"/>
+          <p:cNvPr id="12" name="図 11">
+            <a:extLst>
+              <a:ext uri="{FF2B5EF4-FFF2-40B4-BE49-F238E27FC236}">
+                <a16:creationId xmlns:a16="http://schemas.microsoft.com/office/drawing/2014/main" id="{4F0B40B8-02D4-0052-60BB-E3F5B989E4CD}"/>
               </a:ext>
             </a:extLst>
           </p:cNvPr>
@@ -7132,8 +7140,8 @@
         </p:blipFill>
         <p:spPr>
           <a:xfrm>
-            <a:off x="725132" y="1864953"/>
-            <a:ext cx="4994853" cy="2999572"/>
+            <a:off x="735715" y="2011334"/>
+            <a:ext cx="4984196" cy="2993172"/>
           </a:xfrm>
           <a:prstGeom prst="rect">
             <a:avLst/>
@@ -7142,10 +7150,10 @@
       </p:pic>
       <p:sp>
         <p:nvSpPr>
-          <p:cNvPr id="6" name="テキスト ボックス 5">
-            <a:extLst>
-              <a:ext uri="{FF2B5EF4-FFF2-40B4-BE49-F238E27FC236}">
-                <a16:creationId xmlns:a16="http://schemas.microsoft.com/office/drawing/2014/main" id="{DB791A46-47C6-59F0-C42B-4B80DBC631FF}"/>
+          <p:cNvPr id="13" name="テキスト ボックス 12">
+            <a:extLst>
+              <a:ext uri="{FF2B5EF4-FFF2-40B4-BE49-F238E27FC236}">
+                <a16:creationId xmlns:a16="http://schemas.microsoft.com/office/drawing/2014/main" id="{874DD2F4-E480-30B1-2074-412D56F0449E}"/>
               </a:ext>
             </a:extLst>
           </p:cNvPr>
@@ -7154,8 +7162,8 @@
         </p:nvSpPr>
         <p:spPr>
           <a:xfrm>
-            <a:off x="889448" y="2060485"/>
-            <a:ext cx="514885" cy="276999"/>
+            <a:off x="836465" y="2197821"/>
+            <a:ext cx="548548" cy="276999"/>
           </a:xfrm>
           <a:prstGeom prst="rect">
             <a:avLst/>
@@ -7163,22 +7171,14 @@
           <a:noFill/>
         </p:spPr>
         <p:txBody>
-          <a:bodyPr wrap="none" rtlCol="0">
+          <a:bodyPr wrap="square" rtlCol="0">
             <a:spAutoFit/>
           </a:bodyPr>
           <a:lstStyle/>
           <a:p>
             <a:r>
               <a:rPr kumimoji="1" lang="en-US" altLang="ja-JP" sz="1200" dirty="0"/>
-              <a:t>(</a:t>
-            </a:r>
-            <a:r>
-              <a:rPr kumimoji="1" lang="en-US" altLang="ja-JP" sz="1200" dirty="0" err="1"/>
-              <a:t>ms</a:t>
-            </a:r>
-            <a:r>
-              <a:rPr kumimoji="1" lang="en-US" altLang="ja-JP" sz="1200" dirty="0"/>
-              <a:t>)</a:t>
+              <a:t>(%)</a:t>
             </a:r>
             <a:endParaRPr kumimoji="1" lang="ja-JP" altLang="en-US" sz="1200" dirty="0"/>
           </a:p>
@@ -7186,10 +7186,10 @@
       </p:sp>
       <p:sp>
         <p:nvSpPr>
-          <p:cNvPr id="7" name="テキスト ボックス 6">
-            <a:extLst>
-              <a:ext uri="{FF2B5EF4-FFF2-40B4-BE49-F238E27FC236}">
-                <a16:creationId xmlns:a16="http://schemas.microsoft.com/office/drawing/2014/main" id="{B08CA7DF-5804-CCFD-78F3-9CD1ED714666}"/>
+          <p:cNvPr id="14" name="テキスト ボックス 13">
+            <a:extLst>
+              <a:ext uri="{FF2B5EF4-FFF2-40B4-BE49-F238E27FC236}">
+                <a16:creationId xmlns:a16="http://schemas.microsoft.com/office/drawing/2014/main" id="{324CCFA2-628C-265D-26C0-05E581340673}"/>
               </a:ext>
             </a:extLst>
           </p:cNvPr>
@@ -7198,8 +7198,8 @@
         </p:nvSpPr>
         <p:spPr>
           <a:xfrm>
-            <a:off x="5669280" y="2788920"/>
-            <a:ext cx="914400" cy="914400"/>
+            <a:off x="987459" y="5016283"/>
+            <a:ext cx="1569660" cy="1200329"/>
           </a:xfrm>
           <a:prstGeom prst="rect">
             <a:avLst/>
@@ -7207,21 +7207,57 @@
           <a:noFill/>
         </p:spPr>
         <p:txBody>
-          <a:bodyPr wrap="square" rtlCol="0">
+          <a:bodyPr wrap="none" rtlCol="0">
             <a:spAutoFit/>
           </a:bodyPr>
           <a:lstStyle/>
           <a:p>
+            <a:r>
+              <a:rPr lang="ja-JP" altLang="en-US" dirty="0"/>
+              <a:t>進捗表示なし</a:t>
+            </a:r>
+            <a:endParaRPr kumimoji="1" lang="en-US" altLang="ja-JP" dirty="0"/>
+          </a:p>
+          <a:p>
+            <a:r>
+              <a:rPr kumimoji="1" lang="en-US" altLang="ja-JP" dirty="0"/>
+              <a:t>Ave=</a:t>
+            </a:r>
+            <a:r>
+              <a:rPr lang="en-US" altLang="ja-JP" dirty="0"/>
+              <a:t>91.4%</a:t>
+            </a:r>
+            <a:endParaRPr kumimoji="1" lang="en-US" altLang="ja-JP" dirty="0"/>
+          </a:p>
+          <a:p>
+            <a:r>
+              <a:rPr lang="en-US" altLang="ja-JP" dirty="0"/>
+              <a:t>Max=</a:t>
+            </a:r>
+            <a:r>
+              <a:rPr kumimoji="1" lang="en-US" altLang="ja-JP" dirty="0"/>
+              <a:t> 100%</a:t>
+            </a:r>
+            <a:r>
+              <a:rPr lang="en-US" altLang="ja-JP" dirty="0"/>
+              <a:t> </a:t>
+            </a:r>
+          </a:p>
+          <a:p>
+            <a:r>
+              <a:rPr kumimoji="1" lang="en-US" altLang="ja-JP" dirty="0"/>
+              <a:t>Min=80%</a:t>
+            </a:r>
             <a:endParaRPr kumimoji="1" lang="ja-JP" altLang="en-US" dirty="0"/>
           </a:p>
         </p:txBody>
       </p:sp>
       <p:sp>
         <p:nvSpPr>
-          <p:cNvPr id="9" name="テキスト ボックス 8">
-            <a:extLst>
-              <a:ext uri="{FF2B5EF4-FFF2-40B4-BE49-F238E27FC236}">
-                <a16:creationId xmlns:a16="http://schemas.microsoft.com/office/drawing/2014/main" id="{33E83734-7F87-2F72-BD6C-E7E609A582F2}"/>
+          <p:cNvPr id="17" name="テキスト ボックス 16">
+            <a:extLst>
+              <a:ext uri="{FF2B5EF4-FFF2-40B4-BE49-F238E27FC236}">
+                <a16:creationId xmlns:a16="http://schemas.microsoft.com/office/drawing/2014/main" id="{64517C10-122E-F8C3-ADD9-6AD202B3C5EE}"/>
               </a:ext>
             </a:extLst>
           </p:cNvPr>
@@ -7230,8 +7266,8 @@
         </p:nvSpPr>
         <p:spPr>
           <a:xfrm>
-            <a:off x="1242060" y="4904126"/>
-            <a:ext cx="769620" cy="982980"/>
+            <a:off x="3395379" y="5016283"/>
+            <a:ext cx="1569660" cy="1200329"/>
           </a:xfrm>
           <a:prstGeom prst="rect">
             <a:avLst/>
@@ -7239,21 +7275,57 @@
           <a:noFill/>
         </p:spPr>
         <p:txBody>
-          <a:bodyPr wrap="square" rtlCol="0">
+          <a:bodyPr wrap="none" rtlCol="0">
             <a:spAutoFit/>
           </a:bodyPr>
           <a:lstStyle/>
           <a:p>
+            <a:r>
+              <a:rPr lang="ja-JP" altLang="en-US" dirty="0"/>
+              <a:t>進捗表示あり</a:t>
+            </a:r>
+            <a:endParaRPr kumimoji="1" lang="en-US" altLang="ja-JP" dirty="0"/>
+          </a:p>
+          <a:p>
+            <a:r>
+              <a:rPr kumimoji="1" lang="en-US" altLang="ja-JP" dirty="0"/>
+              <a:t>Ave=</a:t>
+            </a:r>
+            <a:r>
+              <a:rPr lang="en-US" altLang="ja-JP" dirty="0"/>
+              <a:t>92.5%</a:t>
+            </a:r>
+            <a:r>
+              <a:rPr kumimoji="1" lang="en-US" altLang="ja-JP" dirty="0"/>
+              <a:t> </a:t>
+            </a:r>
+          </a:p>
+          <a:p>
+            <a:r>
+              <a:rPr lang="en-US" altLang="ja-JP" dirty="0"/>
+              <a:t>Max=</a:t>
+            </a:r>
+            <a:r>
+              <a:rPr kumimoji="1" lang="en-US" altLang="ja-JP" dirty="0"/>
+              <a:t>100%</a:t>
+            </a:r>
+            <a:endParaRPr lang="en-US" altLang="ja-JP" dirty="0"/>
+          </a:p>
+          <a:p>
+            <a:r>
+              <a:rPr kumimoji="1" lang="en-US" altLang="ja-JP" dirty="0"/>
+              <a:t>Min=80%</a:t>
+            </a:r>
             <a:endParaRPr kumimoji="1" lang="ja-JP" altLang="en-US" dirty="0"/>
           </a:p>
         </p:txBody>
       </p:sp>
       <p:sp>
         <p:nvSpPr>
-          <p:cNvPr id="10" name="テキスト ボックス 9">
-            <a:extLst>
-              <a:ext uri="{FF2B5EF4-FFF2-40B4-BE49-F238E27FC236}">
-                <a16:creationId xmlns:a16="http://schemas.microsoft.com/office/drawing/2014/main" id="{E446367E-9000-3003-4785-8DCBCAAFEA2A}"/>
+          <p:cNvPr id="11" name="テキスト ボックス 10">
+            <a:extLst>
+              <a:ext uri="{FF2B5EF4-FFF2-40B4-BE49-F238E27FC236}">
+                <a16:creationId xmlns:a16="http://schemas.microsoft.com/office/drawing/2014/main" id="{D77B7505-F2B3-DE35-9981-3AEC307E1B86}"/>
               </a:ext>
             </a:extLst>
           </p:cNvPr>
@@ -7262,8 +7334,8 @@
         </p:nvSpPr>
         <p:spPr>
           <a:xfrm>
-            <a:off x="725132" y="4863770"/>
-            <a:ext cx="2076209" cy="1200329"/>
+            <a:off x="6126480" y="2120245"/>
+            <a:ext cx="5262979" cy="923330"/>
           </a:xfrm>
           <a:prstGeom prst="rect">
             <a:avLst/>
@@ -7277,293 +7349,62 @@
           <a:lstStyle/>
           <a:p>
             <a:r>
+              <a:rPr lang="en-US" altLang="ja-JP" i="1" dirty="0"/>
+              <a:t>t </a:t>
+            </a:r>
+            <a:r>
               <a:rPr lang="ja-JP" altLang="en-US" dirty="0"/>
-              <a:t>進捗表示なし</a:t>
-            </a:r>
-            <a:endParaRPr kumimoji="1" lang="en-US" altLang="ja-JP" dirty="0"/>
-          </a:p>
-          <a:p>
+              <a:t>検定を行った結果、</a:t>
+            </a:r>
+            <a:endParaRPr lang="en-US" altLang="ja-JP" dirty="0"/>
+          </a:p>
+          <a:p>
+            <a:r>
+              <a:rPr lang="ja-JP" altLang="en-US" dirty="0"/>
+              <a:t>進捗表示の有無による平均回答時間に有意な差が</a:t>
+            </a:r>
+            <a:endParaRPr lang="en-US" altLang="ja-JP" dirty="0"/>
+          </a:p>
+          <a:p>
+            <a:r>
+              <a:rPr kumimoji="1" lang="ja-JP" altLang="en-US" dirty="0"/>
+              <a:t>見られなかった</a:t>
+            </a:r>
             <a:r>
               <a:rPr kumimoji="1" lang="en-US" altLang="ja-JP" dirty="0"/>
-              <a:t>Ave=9967.54ms</a:t>
-            </a:r>
-          </a:p>
-          <a:p>
-            <a:r>
-              <a:rPr lang="en-US" altLang="ja-JP" dirty="0"/>
-              <a:t>Max=15700.37ms</a:t>
-            </a:r>
-          </a:p>
-          <a:p>
+              <a:t>(</a:t>
+            </a:r>
+            <a:r>
+              <a:rPr kumimoji="1" lang="en-US" altLang="ja-JP" i="1" dirty="0"/>
+              <a:t>t</a:t>
+            </a:r>
+            <a:r>
+              <a:rPr lang="ja-JP" altLang="en-US" i="1" dirty="0"/>
+              <a:t> </a:t>
+            </a:r>
             <a:r>
               <a:rPr kumimoji="1" lang="en-US" altLang="ja-JP" dirty="0"/>
-              <a:t>Min=5059.07ms</a:t>
-            </a:r>
-            <a:endParaRPr kumimoji="1" lang="ja-JP" altLang="en-US" dirty="0"/>
-          </a:p>
-        </p:txBody>
-      </p:sp>
-      <p:pic>
-        <p:nvPicPr>
-          <p:cNvPr id="12" name="図 11">
-            <a:extLst>
-              <a:ext uri="{FF2B5EF4-FFF2-40B4-BE49-F238E27FC236}">
-                <a16:creationId xmlns:a16="http://schemas.microsoft.com/office/drawing/2014/main" id="{4F0B40B8-02D4-0052-60BB-E3F5B989E4CD}"/>
-              </a:ext>
-            </a:extLst>
-          </p:cNvPr>
-          <p:cNvPicPr>
-            <a:picLocks noChangeAspect="1"/>
-          </p:cNvPicPr>
-          <p:nvPr/>
-        </p:nvPicPr>
-        <p:blipFill>
-          <a:blip r:embed="rId5"/>
-          <a:stretch>
-            <a:fillRect/>
-          </a:stretch>
-        </p:blipFill>
-        <p:spPr>
-          <a:xfrm>
-            <a:off x="6348481" y="1871353"/>
-            <a:ext cx="4984196" cy="2993172"/>
-          </a:xfrm>
-          <a:prstGeom prst="rect">
-            <a:avLst/>
-          </a:prstGeom>
-        </p:spPr>
-      </p:pic>
-      <p:sp>
-        <p:nvSpPr>
-          <p:cNvPr id="13" name="テキスト ボックス 12">
-            <a:extLst>
-              <a:ext uri="{FF2B5EF4-FFF2-40B4-BE49-F238E27FC236}">
-                <a16:creationId xmlns:a16="http://schemas.microsoft.com/office/drawing/2014/main" id="{874DD2F4-E480-30B1-2074-412D56F0449E}"/>
-              </a:ext>
-            </a:extLst>
-          </p:cNvPr>
-          <p:cNvSpPr txBox="1"/>
-          <p:nvPr/>
-        </p:nvSpPr>
-        <p:spPr>
-          <a:xfrm>
-            <a:off x="6445117" y="2063059"/>
-            <a:ext cx="548548" cy="276999"/>
-          </a:xfrm>
-          <a:prstGeom prst="rect">
-            <a:avLst/>
-          </a:prstGeom>
-          <a:noFill/>
-        </p:spPr>
-        <p:txBody>
-          <a:bodyPr wrap="square" rtlCol="0">
-            <a:spAutoFit/>
-          </a:bodyPr>
-          <a:lstStyle/>
-          <a:p>
-            <a:r>
-              <a:rPr kumimoji="1" lang="en-US" altLang="ja-JP" sz="1200" dirty="0"/>
-              <a:t>(%)</a:t>
-            </a:r>
-            <a:endParaRPr kumimoji="1" lang="ja-JP" altLang="en-US" sz="1200" dirty="0"/>
-          </a:p>
-        </p:txBody>
-      </p:sp>
-      <p:sp>
-        <p:nvSpPr>
-          <p:cNvPr id="14" name="テキスト ボックス 13">
-            <a:extLst>
-              <a:ext uri="{FF2B5EF4-FFF2-40B4-BE49-F238E27FC236}">
-                <a16:creationId xmlns:a16="http://schemas.microsoft.com/office/drawing/2014/main" id="{324CCFA2-628C-265D-26C0-05E581340673}"/>
-              </a:ext>
-            </a:extLst>
-          </p:cNvPr>
-          <p:cNvSpPr txBox="1"/>
-          <p:nvPr/>
-        </p:nvSpPr>
-        <p:spPr>
-          <a:xfrm>
-            <a:off x="6347744" y="4858623"/>
-            <a:ext cx="1569660" cy="1200329"/>
-          </a:xfrm>
-          <a:prstGeom prst="rect">
-            <a:avLst/>
-          </a:prstGeom>
-          <a:noFill/>
-        </p:spPr>
-        <p:txBody>
-          <a:bodyPr wrap="none" rtlCol="0">
-            <a:spAutoFit/>
-          </a:bodyPr>
-          <a:lstStyle/>
-          <a:p>
-            <a:r>
-              <a:rPr lang="ja-JP" altLang="en-US" dirty="0"/>
-              <a:t>進捗表示なし</a:t>
-            </a:r>
-            <a:endParaRPr kumimoji="1" lang="en-US" altLang="ja-JP" dirty="0"/>
-          </a:p>
-          <a:p>
+              <a:t>(11)=-1.29, </a:t>
+            </a:r>
+            <a:r>
+              <a:rPr kumimoji="1" lang="en-US" altLang="ja-JP" i="1" dirty="0"/>
+              <a:t>p </a:t>
+            </a:r>
             <a:r>
               <a:rPr kumimoji="1" lang="en-US" altLang="ja-JP" dirty="0"/>
-              <a:t>Ave=</a:t>
-            </a:r>
-            <a:r>
-              <a:rPr lang="en-US" altLang="ja-JP" dirty="0"/>
-              <a:t>91.4%</a:t>
-            </a:r>
-            <a:endParaRPr kumimoji="1" lang="en-US" altLang="ja-JP" dirty="0"/>
-          </a:p>
-          <a:p>
-            <a:r>
-              <a:rPr lang="en-US" altLang="ja-JP" dirty="0"/>
-              <a:t>Max=</a:t>
-            </a:r>
-            <a:r>
-              <a:rPr kumimoji="1" lang="en-US" altLang="ja-JP" dirty="0"/>
-              <a:t> 100%</a:t>
-            </a:r>
-            <a:r>
-              <a:rPr lang="en-US" altLang="ja-JP" dirty="0"/>
-              <a:t> </a:t>
-            </a:r>
-          </a:p>
-          <a:p>
-            <a:r>
-              <a:rPr kumimoji="1" lang="en-US" altLang="ja-JP" dirty="0"/>
-              <a:t>Min=80%</a:t>
-            </a:r>
-            <a:endParaRPr kumimoji="1" lang="ja-JP" altLang="en-US" dirty="0"/>
-          </a:p>
-        </p:txBody>
-      </p:sp>
-      <p:sp>
-        <p:nvSpPr>
-          <p:cNvPr id="15" name="テキスト ボックス 14">
-            <a:extLst>
-              <a:ext uri="{FF2B5EF4-FFF2-40B4-BE49-F238E27FC236}">
-                <a16:creationId xmlns:a16="http://schemas.microsoft.com/office/drawing/2014/main" id="{4CCDF32D-394E-64EE-B5DE-5BE4C1FA3C59}"/>
-              </a:ext>
-            </a:extLst>
-          </p:cNvPr>
-          <p:cNvSpPr txBox="1"/>
-          <p:nvPr/>
-        </p:nvSpPr>
-        <p:spPr>
-          <a:xfrm>
-            <a:off x="3072092" y="4858624"/>
-            <a:ext cx="2076209" cy="1200329"/>
-          </a:xfrm>
-          <a:prstGeom prst="rect">
-            <a:avLst/>
-          </a:prstGeom>
-          <a:noFill/>
-        </p:spPr>
-        <p:txBody>
-          <a:bodyPr wrap="none" rtlCol="0">
-            <a:spAutoFit/>
-          </a:bodyPr>
-          <a:lstStyle/>
-          <a:p>
-            <a:r>
-              <a:rPr lang="ja-JP" altLang="en-US" dirty="0"/>
-              <a:t>進捗表示あり</a:t>
-            </a:r>
-            <a:endParaRPr kumimoji="1" lang="en-US" altLang="ja-JP" dirty="0"/>
-          </a:p>
-          <a:p>
-            <a:r>
-              <a:rPr kumimoji="1" lang="en-US" altLang="ja-JP" dirty="0"/>
-              <a:t>Ave=7496.75ms</a:t>
-            </a:r>
-          </a:p>
-          <a:p>
-            <a:r>
-              <a:rPr lang="en-US" altLang="ja-JP" dirty="0"/>
-              <a:t>Max=11118.63ms</a:t>
-            </a:r>
-          </a:p>
-          <a:p>
-            <a:r>
-              <a:rPr kumimoji="1" lang="en-US" altLang="ja-JP" dirty="0"/>
-              <a:t>Min=4934.66ms</a:t>
-            </a:r>
-            <a:endParaRPr kumimoji="1" lang="ja-JP" altLang="en-US" dirty="0"/>
-          </a:p>
-        </p:txBody>
-      </p:sp>
-      <p:sp>
-        <p:nvSpPr>
-          <p:cNvPr id="17" name="テキスト ボックス 16">
-            <a:extLst>
-              <a:ext uri="{FF2B5EF4-FFF2-40B4-BE49-F238E27FC236}">
-                <a16:creationId xmlns:a16="http://schemas.microsoft.com/office/drawing/2014/main" id="{64517C10-122E-F8C3-ADD9-6AD202B3C5EE}"/>
-              </a:ext>
-            </a:extLst>
-          </p:cNvPr>
-          <p:cNvSpPr txBox="1"/>
-          <p:nvPr/>
-        </p:nvSpPr>
-        <p:spPr>
-          <a:xfrm>
-            <a:off x="8755664" y="4858623"/>
-            <a:ext cx="1569660" cy="1200329"/>
-          </a:xfrm>
-          <a:prstGeom prst="rect">
-            <a:avLst/>
-          </a:prstGeom>
-          <a:noFill/>
-        </p:spPr>
-        <p:txBody>
-          <a:bodyPr wrap="none" rtlCol="0">
-            <a:spAutoFit/>
-          </a:bodyPr>
-          <a:lstStyle/>
-          <a:p>
-            <a:r>
-              <a:rPr lang="ja-JP" altLang="en-US" dirty="0"/>
-              <a:t>進捗表示あり</a:t>
-            </a:r>
-            <a:endParaRPr kumimoji="1" lang="en-US" altLang="ja-JP" dirty="0"/>
-          </a:p>
-          <a:p>
-            <a:r>
-              <a:rPr kumimoji="1" lang="en-US" altLang="ja-JP" dirty="0"/>
-              <a:t>Ave=</a:t>
-            </a:r>
-            <a:r>
-              <a:rPr lang="en-US" altLang="ja-JP" dirty="0"/>
-              <a:t>92.5%</a:t>
-            </a:r>
-            <a:r>
-              <a:rPr kumimoji="1" lang="en-US" altLang="ja-JP" dirty="0"/>
-              <a:t> </a:t>
-            </a:r>
-          </a:p>
-          <a:p>
-            <a:r>
-              <a:rPr lang="en-US" altLang="ja-JP" dirty="0"/>
-              <a:t>Max=</a:t>
-            </a:r>
-            <a:r>
-              <a:rPr kumimoji="1" lang="en-US" altLang="ja-JP" dirty="0"/>
-              <a:t>100%</a:t>
-            </a:r>
-            <a:endParaRPr lang="en-US" altLang="ja-JP" dirty="0"/>
-          </a:p>
-          <a:p>
-            <a:r>
-              <a:rPr kumimoji="1" lang="en-US" altLang="ja-JP" dirty="0"/>
-              <a:t>Min=80%</a:t>
-            </a:r>
-            <a:endParaRPr kumimoji="1" lang="ja-JP" altLang="en-US" dirty="0"/>
+              <a:t>&lt;.05)</a:t>
+            </a:r>
+            <a:r>
+              <a:rPr kumimoji="1" lang="ja-JP" altLang="en-US" dirty="0"/>
+              <a:t>。</a:t>
+            </a:r>
           </a:p>
         </p:txBody>
       </p:sp>
     </p:spTree>
     <p:extLst>
       <p:ext uri="{BB962C8B-B14F-4D97-AF65-F5344CB8AC3E}">
-        <p14:creationId xmlns:p14="http://schemas.microsoft.com/office/powerpoint/2010/main" val="1438447707"/>
+        <p14:creationId xmlns:p14="http://schemas.microsoft.com/office/powerpoint/2010/main" val="2942680912"/>
       </p:ext>
     </p:extLst>
   </p:cSld>
@@ -7574,7 +7415,7 @@
 </file>
 
 <file path=ppt/slides/slide11.xml><?xml version="1.0" encoding="utf-8"?>
-<p:sld xmlns:a="http://schemas.openxmlformats.org/drawingml/2006/main" xmlns:r="http://schemas.openxmlformats.org/officeDocument/2006/relationships" xmlns:p="http://schemas.openxmlformats.org/presentationml/2006/main">
+<p:sld xmlns:a="http://schemas.openxmlformats.org/drawingml/2006/main" xmlns:r="http://schemas.openxmlformats.org/officeDocument/2006/relationships" xmlns:p="http://schemas.openxmlformats.org/presentationml/2006/main" show="0">
   <p:cSld>
     <p:spTree>
       <p:nvGrpSpPr>
@@ -7816,7 +7657,7 @@
         </p:nvSpPr>
         <p:spPr>
           <a:xfrm>
-            <a:off x="725132" y="2859613"/>
+            <a:off x="-64154" y="3048271"/>
             <a:ext cx="11466868" cy="1138773"/>
           </a:xfrm>
           <a:prstGeom prst="rect">
@@ -7921,8 +7762,8 @@
         </p:nvSpPr>
         <p:spPr>
           <a:xfrm>
-            <a:off x="2593687" y="2802229"/>
-            <a:ext cx="1569660" cy="369332"/>
+            <a:off x="1579572" y="2828235"/>
+            <a:ext cx="1569660" cy="276999"/>
           </a:xfrm>
           <a:prstGeom prst="rect">
             <a:avLst/>
@@ -7930,16 +7771,16 @@
           <a:noFill/>
         </p:spPr>
         <p:txBody>
-          <a:bodyPr wrap="none" rtlCol="0">
+          <a:bodyPr wrap="square" rtlCol="0">
             <a:spAutoFit/>
           </a:bodyPr>
           <a:lstStyle/>
           <a:p>
             <a:r>
-              <a:rPr lang="ja-JP" altLang="en-US" dirty="0"/>
+              <a:rPr lang="ja-JP" altLang="en-US" sz="1200" dirty="0"/>
               <a:t>進捗表示なし</a:t>
             </a:r>
-            <a:endParaRPr kumimoji="1" lang="en-US" altLang="ja-JP" dirty="0"/>
+            <a:endParaRPr kumimoji="1" lang="en-US" altLang="ja-JP" sz="1200" dirty="0"/>
           </a:p>
         </p:txBody>
       </p:sp>
@@ -7965,16 +7806,16 @@
         </p:blipFill>
         <p:spPr>
           <a:xfrm>
-            <a:off x="1087755" y="3293471"/>
-            <a:ext cx="4581525" cy="2752725"/>
+            <a:off x="263422" y="3166981"/>
+            <a:ext cx="3593045" cy="2158815"/>
           </a:xfrm>
           <a:prstGeom prst="rect">
             <a:avLst/>
           </a:prstGeom>
         </p:spPr>
       </p:pic>
-      <mc:AlternateContent xmlns:mc="http://schemas.openxmlformats.org/markup-compatibility/2006" xmlns:a14="http://schemas.microsoft.com/office/drawing/2010/main">
-        <mc:Choice Requires="a14">
+      <mc:AlternateContent xmlns:mc="http://schemas.openxmlformats.org/markup-compatibility/2006">
+        <mc:Choice xmlns:a14="http://schemas.microsoft.com/office/drawing/2010/main" Requires="a14">
           <p:sp>
             <p:nvSpPr>
               <p:cNvPr id="30" name="テキスト ボックス 29">
@@ -7989,8 +7830,8 @@
             </p:nvSpPr>
             <p:spPr>
               <a:xfrm>
-                <a:off x="2269759" y="1951433"/>
-                <a:ext cx="8377614" cy="651332"/>
+                <a:off x="293454" y="2076413"/>
+                <a:ext cx="8377614" cy="527067"/>
               </a:xfrm>
               <a:prstGeom prst="rect">
                 <a:avLst/>
@@ -7998,13 +7839,13 @@
               <a:noFill/>
             </p:spPr>
             <p:txBody>
-              <a:bodyPr wrap="none" rtlCol="0">
+              <a:bodyPr wrap="square" rtlCol="0">
                 <a:spAutoFit/>
               </a:bodyPr>
               <a:lstStyle/>
               <a:p>
                 <a:r>
-                  <a:rPr kumimoji="1" lang="ja-JP" altLang="en-US" sz="1800" kern="1200" dirty="0">
+                  <a:rPr kumimoji="1" lang="ja-JP" altLang="en-US" sz="1400" kern="1200" dirty="0">
                     <a:solidFill>
                       <a:srgbClr val="000000"/>
                     </a:solidFill>
@@ -8016,7 +7857,7 @@
                 <a14:m>
                   <m:oMath xmlns:m="http://schemas.openxmlformats.org/officeDocument/2006/math">
                     <m:r>
-                      <a:rPr lang="ja-JP" altLang="en-US" i="1">
+                      <a:rPr lang="ja-JP" altLang="en-US" sz="1400" i="1">
                         <a:solidFill>
                           <a:srgbClr val="000000"/>
                         </a:solidFill>
@@ -8025,7 +7866,7 @@
                       <m:t>：</m:t>
                     </m:r>
                     <m:r>
-                      <a:rPr kumimoji="1" lang="ja-JP" altLang="ja-JP" sz="1800" i="1" kern="1200" smtClean="0">
+                      <a:rPr kumimoji="1" lang="ja-JP" altLang="ja-JP" sz="1400" i="1" kern="1200" smtClean="0">
                         <a:solidFill>
                           <a:srgbClr val="000000"/>
                         </a:solidFill>
@@ -8034,43 +7875,27 @@
                       </a:rPr>
                       <m:t>ブロックごとの平均回答時間</m:t>
                     </m:r>
-                    <m:r>
-                      <a:rPr kumimoji="1" lang="en-US" altLang="ja-JP" sz="1800" b="0" i="1" kern="1200">
-                        <a:solidFill>
-                          <a:srgbClr val="000000"/>
-                        </a:solidFill>
-                        <a:effectLst/>
-                        <a:latin typeface="Cambria Math" panose="02040503050406030204" pitchFamily="18" charset="0"/>
-                      </a:rPr>
-                      <m:t>/</m:t>
-                    </m:r>
-                    <m:r>
-                      <a:rPr kumimoji="1" lang="ja-JP" altLang="ja-JP" sz="1800" i="1" kern="1200">
-                        <a:solidFill>
-                          <a:srgbClr val="000000"/>
-                        </a:solidFill>
-                        <a:effectLst/>
-                        <a:latin typeface="Cambria Math" panose="02040503050406030204" pitchFamily="18" charset="0"/>
-                      </a:rPr>
-                      <m:t>対象者全体のブロックごとの平均回答時間</m:t>
-                    </m:r>
                   </m:oMath>
                 </a14:m>
-                <a:endParaRPr kumimoji="1" lang="en-US" altLang="ja-JP" dirty="0">
+                <a:endParaRPr kumimoji="1" lang="en-US" altLang="ja-JP" sz="1400" kern="1200" dirty="0">
+                  <a:solidFill>
+                    <a:srgbClr val="000000"/>
+                  </a:solidFill>
+                  <a:effectLst/>
                   <a:latin typeface="+mn-ea"/>
                 </a:endParaRPr>
               </a:p>
               <a:p>
                 <a:r>
-                  <a:rPr kumimoji="1" lang="ja-JP" altLang="en-US" dirty="0"/>
+                  <a:rPr kumimoji="1" lang="ja-JP" altLang="en-US" sz="1400" dirty="0"/>
                   <a:t>横軸：ブロック数</a:t>
                 </a:r>
-                <a:endParaRPr kumimoji="1" lang="en-US" altLang="ja-JP" dirty="0"/>
+                <a:endParaRPr kumimoji="1" lang="en-US" altLang="ja-JP" sz="1400" dirty="0"/>
               </a:p>
             </p:txBody>
           </p:sp>
         </mc:Choice>
-        <mc:Fallback xmlns="">
+        <mc:Fallback>
           <p:sp>
             <p:nvSpPr>
               <p:cNvPr id="30" name="テキスト ボックス 29">
@@ -8087,8 +7912,8 @@
             </p:nvSpPr>
             <p:spPr>
               <a:xfrm>
-                <a:off x="2269759" y="1951433"/>
-                <a:ext cx="8377614" cy="651332"/>
+                <a:off x="293454" y="2076413"/>
+                <a:ext cx="8377614" cy="527067"/>
               </a:xfrm>
               <a:prstGeom prst="rect">
                 <a:avLst/>
@@ -8096,7 +7921,7 @@
               <a:blipFill>
                 <a:blip r:embed="rId5"/>
                 <a:stretch>
-                  <a:fillRect l="-582" t="-2804" b="-14019"/>
+                  <a:fillRect l="-218" t="-1163" b="-10465"/>
                 </a:stretch>
               </a:blipFill>
             </p:spPr>
@@ -8129,8 +7954,8 @@
         </p:nvSpPr>
         <p:spPr>
           <a:xfrm>
-            <a:off x="8156940" y="2730253"/>
-            <a:ext cx="1569660" cy="369332"/>
+            <a:off x="5638579" y="2799754"/>
+            <a:ext cx="1569660" cy="276999"/>
           </a:xfrm>
           <a:prstGeom prst="rect">
             <a:avLst/>
@@ -8138,16 +7963,16 @@
           <a:noFill/>
         </p:spPr>
         <p:txBody>
-          <a:bodyPr wrap="none" rtlCol="0">
+          <a:bodyPr wrap="square" rtlCol="0">
             <a:spAutoFit/>
           </a:bodyPr>
           <a:lstStyle/>
           <a:p>
             <a:r>
-              <a:rPr lang="ja-JP" altLang="en-US" dirty="0"/>
+              <a:rPr lang="ja-JP" altLang="en-US" sz="1200" dirty="0"/>
               <a:t>進捗表示あり</a:t>
             </a:r>
-            <a:endParaRPr kumimoji="1" lang="en-US" altLang="ja-JP" dirty="0"/>
+            <a:endParaRPr kumimoji="1" lang="en-US" altLang="ja-JP" sz="1200" dirty="0"/>
           </a:p>
         </p:txBody>
       </p:sp>
@@ -8173,8 +7998,8 @@
         </p:blipFill>
         <p:spPr>
           <a:xfrm>
-            <a:off x="6757035" y="3306378"/>
-            <a:ext cx="4584589" cy="2755631"/>
+            <a:off x="4310908" y="3179888"/>
+            <a:ext cx="3570183" cy="2145908"/>
           </a:xfrm>
           <a:prstGeom prst="rect">
             <a:avLst/>
@@ -8260,7 +8085,7 @@
           <a:p>
             <a:pPr algn="ctr"/>
             <a:endParaRPr lang="ja-JP" altLang="en-US" sz="4800" dirty="0">
-              <a:hlinkClick r:id="rId2"/>
+              <a:hlinkClick r:id="rId3"/>
             </a:endParaRPr>
           </a:p>
           <a:p>
@@ -8410,6 +8235,590 @@
           <a:lstStyle/>
           <a:p>
             <a:r>
+              <a:rPr lang="ja-JP" altLang="en-US" sz="6000" dirty="0">
+                <a:latin typeface="HGS創英角ｺﾞｼｯｸUB" panose="020B0900000000000000" pitchFamily="50" charset="-128"/>
+                <a:ea typeface="HGS創英角ｺﾞｼｯｸUB" panose="020B0900000000000000" pitchFamily="50" charset="-128"/>
+              </a:rPr>
+              <a:t>分析結果</a:t>
+            </a:r>
+            <a:endParaRPr kumimoji="1" lang="ja-JP" altLang="en-US" sz="6000" dirty="0">
+              <a:latin typeface="HGS創英角ｺﾞｼｯｸUB" panose="020B0900000000000000" pitchFamily="50" charset="-128"/>
+              <a:ea typeface="HGS創英角ｺﾞｼｯｸUB" panose="020B0900000000000000" pitchFamily="50" charset="-128"/>
+            </a:endParaRPr>
+          </a:p>
+        </p:txBody>
+      </p:sp>
+      <p:sp>
+        <p:nvSpPr>
+          <p:cNvPr id="16" name="テキスト ボックス 15">
+            <a:extLst>
+              <a:ext uri="{FF2B5EF4-FFF2-40B4-BE49-F238E27FC236}">
+                <a16:creationId xmlns:a16="http://schemas.microsoft.com/office/drawing/2014/main" id="{46F216BF-2A30-6741-3EA5-2EFD1BA1CE4F}"/>
+              </a:ext>
+            </a:extLst>
+          </p:cNvPr>
+          <p:cNvSpPr txBox="1"/>
+          <p:nvPr/>
+        </p:nvSpPr>
+        <p:spPr>
+          <a:xfrm>
+            <a:off x="725132" y="2100086"/>
+            <a:ext cx="11466868" cy="1138773"/>
+          </a:xfrm>
+          <a:prstGeom prst="rect">
+            <a:avLst/>
+          </a:prstGeom>
+          <a:noFill/>
+        </p:spPr>
+        <p:txBody>
+          <a:bodyPr wrap="square" rtlCol="0">
+            <a:spAutoFit/>
+          </a:bodyPr>
+          <a:lstStyle/>
+          <a:p>
+            <a:endParaRPr kumimoji="1" lang="en-US" altLang="ja-JP" sz="3600" dirty="0">
+              <a:latin typeface="HGPｺﾞｼｯｸE" panose="020B0900000000000000" pitchFamily="50" charset="-128"/>
+              <a:ea typeface="HGPｺﾞｼｯｸE" panose="020B0900000000000000" pitchFamily="50" charset="-128"/>
+            </a:endParaRPr>
+          </a:p>
+          <a:p>
+            <a:endParaRPr kumimoji="1" lang="en-US" altLang="ja-JP" sz="3200" dirty="0">
+              <a:latin typeface="HGPｺﾞｼｯｸE" panose="020B0900000000000000" pitchFamily="50" charset="-128"/>
+              <a:ea typeface="HGPｺﾞｼｯｸE" panose="020B0900000000000000" pitchFamily="50" charset="-128"/>
+            </a:endParaRPr>
+          </a:p>
+        </p:txBody>
+      </p:sp>
+      <p:sp>
+        <p:nvSpPr>
+          <p:cNvPr id="7" name="テキスト ボックス 6">
+            <a:extLst>
+              <a:ext uri="{FF2B5EF4-FFF2-40B4-BE49-F238E27FC236}">
+                <a16:creationId xmlns:a16="http://schemas.microsoft.com/office/drawing/2014/main" id="{B08CA7DF-5804-CCFD-78F3-9CD1ED714666}"/>
+              </a:ext>
+            </a:extLst>
+          </p:cNvPr>
+          <p:cNvSpPr txBox="1"/>
+          <p:nvPr/>
+        </p:nvSpPr>
+        <p:spPr>
+          <a:xfrm>
+            <a:off x="5669280" y="2788920"/>
+            <a:ext cx="914400" cy="914400"/>
+          </a:xfrm>
+          <a:prstGeom prst="rect">
+            <a:avLst/>
+          </a:prstGeom>
+          <a:noFill/>
+        </p:spPr>
+        <p:txBody>
+          <a:bodyPr wrap="square" rtlCol="0">
+            <a:spAutoFit/>
+          </a:bodyPr>
+          <a:lstStyle/>
+          <a:p>
+            <a:endParaRPr kumimoji="1" lang="ja-JP" altLang="en-US" dirty="0"/>
+          </a:p>
+        </p:txBody>
+      </p:sp>
+      <p:sp>
+        <p:nvSpPr>
+          <p:cNvPr id="9" name="テキスト ボックス 8">
+            <a:extLst>
+              <a:ext uri="{FF2B5EF4-FFF2-40B4-BE49-F238E27FC236}">
+                <a16:creationId xmlns:a16="http://schemas.microsoft.com/office/drawing/2014/main" id="{33E83734-7F87-2F72-BD6C-E7E609A582F2}"/>
+              </a:ext>
+            </a:extLst>
+          </p:cNvPr>
+          <p:cNvSpPr txBox="1"/>
+          <p:nvPr/>
+        </p:nvSpPr>
+        <p:spPr>
+          <a:xfrm>
+            <a:off x="1242060" y="4904126"/>
+            <a:ext cx="769620" cy="982980"/>
+          </a:xfrm>
+          <a:prstGeom prst="rect">
+            <a:avLst/>
+          </a:prstGeom>
+          <a:noFill/>
+        </p:spPr>
+        <p:txBody>
+          <a:bodyPr wrap="square" rtlCol="0">
+            <a:spAutoFit/>
+          </a:bodyPr>
+          <a:lstStyle/>
+          <a:p>
+            <a:endParaRPr kumimoji="1" lang="ja-JP" altLang="en-US" dirty="0"/>
+          </a:p>
+        </p:txBody>
+      </p:sp>
+      <p:sp>
+        <p:nvSpPr>
+          <p:cNvPr id="18" name="テキスト ボックス 17">
+            <a:extLst>
+              <a:ext uri="{FF2B5EF4-FFF2-40B4-BE49-F238E27FC236}">
+                <a16:creationId xmlns:a16="http://schemas.microsoft.com/office/drawing/2014/main" id="{2867884E-ECEC-6062-B054-9EDAA6D4A98B}"/>
+              </a:ext>
+            </a:extLst>
+          </p:cNvPr>
+          <p:cNvSpPr txBox="1"/>
+          <p:nvPr/>
+        </p:nvSpPr>
+        <p:spPr>
+          <a:xfrm>
+            <a:off x="808350" y="5018192"/>
+            <a:ext cx="1569660" cy="1200329"/>
+          </a:xfrm>
+          <a:prstGeom prst="rect">
+            <a:avLst/>
+          </a:prstGeom>
+          <a:noFill/>
+        </p:spPr>
+        <p:txBody>
+          <a:bodyPr wrap="none" rtlCol="0">
+            <a:spAutoFit/>
+          </a:bodyPr>
+          <a:lstStyle/>
+          <a:p>
+            <a:r>
+              <a:rPr lang="ja-JP" altLang="en-US" dirty="0"/>
+              <a:t>進捗表示なし</a:t>
+            </a:r>
+            <a:endParaRPr kumimoji="1" lang="en-US" altLang="ja-JP" dirty="0"/>
+          </a:p>
+          <a:p>
+            <a:r>
+              <a:rPr kumimoji="1" lang="en-US" altLang="ja-JP" dirty="0"/>
+              <a:t>Ave=0.94</a:t>
+            </a:r>
+          </a:p>
+          <a:p>
+            <a:r>
+              <a:rPr lang="en-US" altLang="ja-JP" dirty="0"/>
+              <a:t>Max=</a:t>
+            </a:r>
+            <a:r>
+              <a:rPr kumimoji="1" lang="en-US" altLang="ja-JP" dirty="0"/>
+              <a:t> </a:t>
+            </a:r>
+            <a:r>
+              <a:rPr lang="en-US" altLang="ja-JP" dirty="0"/>
+              <a:t>1.04</a:t>
+            </a:r>
+          </a:p>
+          <a:p>
+            <a:r>
+              <a:rPr kumimoji="1" lang="en-US" altLang="ja-JP" dirty="0"/>
+              <a:t>Min=</a:t>
+            </a:r>
+            <a:r>
+              <a:rPr lang="en-US" altLang="ja-JP" dirty="0"/>
+              <a:t>0.81</a:t>
+            </a:r>
+            <a:endParaRPr kumimoji="1" lang="ja-JP" altLang="en-US" dirty="0"/>
+          </a:p>
+        </p:txBody>
+      </p:sp>
+      <p:sp>
+        <p:nvSpPr>
+          <p:cNvPr id="20" name="テキスト ボックス 19">
+            <a:extLst>
+              <a:ext uri="{FF2B5EF4-FFF2-40B4-BE49-F238E27FC236}">
+                <a16:creationId xmlns:a16="http://schemas.microsoft.com/office/drawing/2014/main" id="{769C0A06-EEAD-636E-DC07-F1164BFE33D0}"/>
+              </a:ext>
+            </a:extLst>
+          </p:cNvPr>
+          <p:cNvSpPr txBox="1"/>
+          <p:nvPr/>
+        </p:nvSpPr>
+        <p:spPr>
+          <a:xfrm>
+            <a:off x="2872199" y="5018191"/>
+            <a:ext cx="1569660" cy="1200329"/>
+          </a:xfrm>
+          <a:prstGeom prst="rect">
+            <a:avLst/>
+          </a:prstGeom>
+          <a:noFill/>
+        </p:spPr>
+        <p:txBody>
+          <a:bodyPr wrap="none" rtlCol="0">
+            <a:spAutoFit/>
+          </a:bodyPr>
+          <a:lstStyle/>
+          <a:p>
+            <a:r>
+              <a:rPr lang="ja-JP" altLang="en-US" dirty="0"/>
+              <a:t>進捗表示あり</a:t>
+            </a:r>
+            <a:endParaRPr kumimoji="1" lang="en-US" altLang="ja-JP" dirty="0"/>
+          </a:p>
+          <a:p>
+            <a:r>
+              <a:rPr kumimoji="1" lang="en-US" altLang="ja-JP" dirty="0"/>
+              <a:t>Ave=0.97</a:t>
+            </a:r>
+          </a:p>
+          <a:p>
+            <a:r>
+              <a:rPr lang="en-US" altLang="ja-JP" dirty="0"/>
+              <a:t>Max= 1.04</a:t>
+            </a:r>
+          </a:p>
+          <a:p>
+            <a:r>
+              <a:rPr kumimoji="1" lang="en-US" altLang="ja-JP" dirty="0"/>
+              <a:t>Min=</a:t>
+            </a:r>
+            <a:r>
+              <a:rPr lang="en-US" altLang="ja-JP" dirty="0"/>
+              <a:t>0.83</a:t>
+            </a:r>
+            <a:endParaRPr kumimoji="1" lang="ja-JP" altLang="en-US" dirty="0"/>
+          </a:p>
+        </p:txBody>
+      </p:sp>
+      <p:pic>
+        <p:nvPicPr>
+          <p:cNvPr id="22" name="図 21">
+            <a:extLst>
+              <a:ext uri="{FF2B5EF4-FFF2-40B4-BE49-F238E27FC236}">
+                <a16:creationId xmlns:a16="http://schemas.microsoft.com/office/drawing/2014/main" id="{E495227A-6D83-5ADE-98AA-39C4AA0B0E9E}"/>
+              </a:ext>
+            </a:extLst>
+          </p:cNvPr>
+          <p:cNvPicPr>
+            <a:picLocks noChangeAspect="1"/>
+          </p:cNvPicPr>
+          <p:nvPr/>
+        </p:nvPicPr>
+        <p:blipFill>
+          <a:blip r:embed="rId4"/>
+          <a:stretch>
+            <a:fillRect/>
+          </a:stretch>
+        </p:blipFill>
+        <p:spPr>
+          <a:xfrm>
+            <a:off x="734102" y="2145443"/>
+            <a:ext cx="4572612" cy="2758683"/>
+          </a:xfrm>
+          <a:prstGeom prst="rect">
+            <a:avLst/>
+          </a:prstGeom>
+        </p:spPr>
+      </p:pic>
+      <p:sp>
+        <p:nvSpPr>
+          <p:cNvPr id="23" name="テキスト ボックス 22">
+            <a:extLst>
+              <a:ext uri="{FF2B5EF4-FFF2-40B4-BE49-F238E27FC236}">
+                <a16:creationId xmlns:a16="http://schemas.microsoft.com/office/drawing/2014/main" id="{C7E2F5C5-7432-7003-DD78-3AB7DBF97A43}"/>
+              </a:ext>
+            </a:extLst>
+          </p:cNvPr>
+          <p:cNvSpPr txBox="1"/>
+          <p:nvPr/>
+        </p:nvSpPr>
+        <p:spPr>
+          <a:xfrm>
+            <a:off x="6096000" y="2155071"/>
+            <a:ext cx="5262979" cy="923330"/>
+          </a:xfrm>
+          <a:prstGeom prst="rect">
+            <a:avLst/>
+          </a:prstGeom>
+          <a:noFill/>
+        </p:spPr>
+        <p:txBody>
+          <a:bodyPr wrap="none" rtlCol="0">
+            <a:spAutoFit/>
+          </a:bodyPr>
+          <a:lstStyle/>
+          <a:p>
+            <a:r>
+              <a:rPr lang="en-US" altLang="ja-JP" i="1" dirty="0"/>
+              <a:t>t </a:t>
+            </a:r>
+            <a:r>
+              <a:rPr lang="ja-JP" altLang="en-US" dirty="0"/>
+              <a:t>検定を行った結果、</a:t>
+            </a:r>
+            <a:endParaRPr lang="en-US" altLang="ja-JP" dirty="0"/>
+          </a:p>
+          <a:p>
+            <a:r>
+              <a:rPr lang="ja-JP" altLang="en-US" dirty="0"/>
+              <a:t>進捗表示の有無による平均回答時間に有意な差が</a:t>
+            </a:r>
+            <a:endParaRPr lang="en-US" altLang="ja-JP" dirty="0"/>
+          </a:p>
+          <a:p>
+            <a:r>
+              <a:rPr kumimoji="1" lang="ja-JP" altLang="en-US" dirty="0"/>
+              <a:t>見られなかった</a:t>
+            </a:r>
+            <a:r>
+              <a:rPr kumimoji="1" lang="en-US" altLang="ja-JP" dirty="0"/>
+              <a:t>(</a:t>
+            </a:r>
+            <a:r>
+              <a:rPr kumimoji="1" lang="en-US" altLang="ja-JP" i="1" dirty="0"/>
+              <a:t>t</a:t>
+            </a:r>
+            <a:r>
+              <a:rPr lang="ja-JP" altLang="en-US" i="1" dirty="0"/>
+              <a:t> </a:t>
+            </a:r>
+            <a:r>
+              <a:rPr kumimoji="1" lang="en-US" altLang="ja-JP" dirty="0"/>
+              <a:t>(11)=-1.69, </a:t>
+            </a:r>
+            <a:r>
+              <a:rPr kumimoji="1" lang="en-US" altLang="ja-JP" i="1" dirty="0"/>
+              <a:t>p </a:t>
+            </a:r>
+            <a:r>
+              <a:rPr kumimoji="1" lang="en-US" altLang="ja-JP" dirty="0"/>
+              <a:t>&lt;.05)</a:t>
+            </a:r>
+            <a:r>
+              <a:rPr kumimoji="1" lang="ja-JP" altLang="en-US" dirty="0"/>
+              <a:t>。</a:t>
+            </a:r>
+          </a:p>
+        </p:txBody>
+      </p:sp>
+    </p:spTree>
+    <p:extLst>
+      <p:ext uri="{BB962C8B-B14F-4D97-AF65-F5344CB8AC3E}">
+        <p14:creationId xmlns:p14="http://schemas.microsoft.com/office/powerpoint/2010/main" val="3999639256"/>
+      </p:ext>
+    </p:extLst>
+  </p:cSld>
+  <p:clrMapOvr>
+    <a:masterClrMapping/>
+  </p:clrMapOvr>
+</p:sld>
+</file>
+
+<file path=ppt/slides/slide13.xml><?xml version="1.0" encoding="utf-8"?>
+<p:sld xmlns:a="http://schemas.openxmlformats.org/drawingml/2006/main" xmlns:r="http://schemas.openxmlformats.org/officeDocument/2006/relationships" xmlns:p="http://schemas.openxmlformats.org/presentationml/2006/main">
+  <p:cSld>
+    <p:spTree>
+      <p:nvGrpSpPr>
+        <p:cNvPr id="1" name=""/>
+        <p:cNvGrpSpPr/>
+        <p:nvPr/>
+      </p:nvGrpSpPr>
+      <p:grpSpPr>
+        <a:xfrm>
+          <a:off x="0" y="0"/>
+          <a:ext cx="0" cy="0"/>
+          <a:chOff x="0" y="0"/>
+          <a:chExt cx="0" cy="0"/>
+        </a:xfrm>
+      </p:grpSpPr>
+      <p:sp>
+        <p:nvSpPr>
+          <p:cNvPr id="4" name="正方形/長方形 3">
+            <a:extLst>
+              <a:ext uri="{FF2B5EF4-FFF2-40B4-BE49-F238E27FC236}">
+                <a16:creationId xmlns:a16="http://schemas.microsoft.com/office/drawing/2014/main" id="{537B97F4-E983-2356-6027-1540E66EAFCE}"/>
+              </a:ext>
+            </a:extLst>
+          </p:cNvPr>
+          <p:cNvSpPr/>
+          <p:nvPr/>
+        </p:nvSpPr>
+        <p:spPr>
+          <a:xfrm>
+            <a:off x="0" y="0"/>
+            <a:ext cx="12256168" cy="6858000"/>
+          </a:xfrm>
+          <a:prstGeom prst="rect">
+            <a:avLst/>
+          </a:prstGeom>
+          <a:solidFill>
+            <a:schemeClr val="accent2">
+              <a:lumMod val="20000"/>
+              <a:lumOff val="80000"/>
+            </a:schemeClr>
+          </a:solidFill>
+        </p:spPr>
+        <p:style>
+          <a:lnRef idx="2">
+            <a:schemeClr val="accent2">
+              <a:shade val="50000"/>
+            </a:schemeClr>
+          </a:lnRef>
+          <a:fillRef idx="1">
+            <a:schemeClr val="accent2"/>
+          </a:fillRef>
+          <a:effectRef idx="0">
+            <a:schemeClr val="accent2"/>
+          </a:effectRef>
+          <a:fontRef idx="minor">
+            <a:schemeClr val="lt1"/>
+          </a:fontRef>
+        </p:style>
+        <p:txBody>
+          <a:bodyPr rtlCol="0" anchor="ctr"/>
+          <a:lstStyle/>
+          <a:p>
+            <a:pPr algn="ctr"/>
+            <a:endParaRPr lang="ja-JP" altLang="en-US" sz="4800" dirty="0">
+              <a:hlinkClick r:id="rId2"/>
+            </a:endParaRPr>
+          </a:p>
+          <a:p>
+            <a:pPr algn="ctr"/>
+            <a:endParaRPr kumimoji="1" lang="ja-JP" altLang="en-US" sz="4800" b="1" dirty="0">
+              <a:solidFill>
+                <a:schemeClr val="tx1"/>
+              </a:solidFill>
+            </a:endParaRPr>
+          </a:p>
+        </p:txBody>
+      </p:sp>
+      <p:sp>
+        <p:nvSpPr>
+          <p:cNvPr id="5" name="正方形/長方形 4">
+            <a:extLst>
+              <a:ext uri="{FF2B5EF4-FFF2-40B4-BE49-F238E27FC236}">
+                <a16:creationId xmlns:a16="http://schemas.microsoft.com/office/drawing/2014/main" id="{13E2DDFB-DD74-1E35-6872-347ED082CB3D}"/>
+              </a:ext>
+            </a:extLst>
+          </p:cNvPr>
+          <p:cNvSpPr/>
+          <p:nvPr/>
+        </p:nvSpPr>
+        <p:spPr>
+          <a:xfrm>
+            <a:off x="0" y="1634243"/>
+            <a:ext cx="12256168" cy="96253"/>
+          </a:xfrm>
+          <a:prstGeom prst="rect">
+            <a:avLst/>
+          </a:prstGeom>
+          <a:solidFill>
+            <a:schemeClr val="accent2">
+              <a:lumMod val="75000"/>
+            </a:schemeClr>
+          </a:solidFill>
+          <a:ln>
+            <a:noFill/>
+          </a:ln>
+        </p:spPr>
+        <p:style>
+          <a:lnRef idx="2">
+            <a:schemeClr val="accent1">
+              <a:shade val="50000"/>
+            </a:schemeClr>
+          </a:lnRef>
+          <a:fillRef idx="1">
+            <a:schemeClr val="accent1"/>
+          </a:fillRef>
+          <a:effectRef idx="0">
+            <a:schemeClr val="accent1"/>
+          </a:effectRef>
+          <a:fontRef idx="minor">
+            <a:schemeClr val="lt1"/>
+          </a:fontRef>
+        </p:style>
+        <p:txBody>
+          <a:bodyPr rtlCol="0" anchor="ctr"/>
+          <a:lstStyle/>
+          <a:p>
+            <a:pPr algn="ctr"/>
+            <a:endParaRPr kumimoji="1" lang="ja-JP" altLang="en-US"/>
+          </a:p>
+        </p:txBody>
+      </p:sp>
+      <p:sp>
+        <p:nvSpPr>
+          <p:cNvPr id="8" name="正方形/長方形 7">
+            <a:extLst>
+              <a:ext uri="{FF2B5EF4-FFF2-40B4-BE49-F238E27FC236}">
+                <a16:creationId xmlns:a16="http://schemas.microsoft.com/office/drawing/2014/main" id="{9174F777-3707-B77E-F507-44E2665CBD04}"/>
+              </a:ext>
+            </a:extLst>
+          </p:cNvPr>
+          <p:cNvSpPr/>
+          <p:nvPr/>
+        </p:nvSpPr>
+        <p:spPr>
+          <a:xfrm flipH="1">
+            <a:off x="808350" y="489284"/>
+            <a:ext cx="162196" cy="755210"/>
+          </a:xfrm>
+          <a:prstGeom prst="rect">
+            <a:avLst/>
+          </a:prstGeom>
+          <a:solidFill>
+            <a:schemeClr val="accent2">
+              <a:lumMod val="75000"/>
+            </a:schemeClr>
+          </a:solidFill>
+          <a:ln>
+            <a:noFill/>
+          </a:ln>
+        </p:spPr>
+        <p:style>
+          <a:lnRef idx="2">
+            <a:schemeClr val="accent1">
+              <a:shade val="50000"/>
+            </a:schemeClr>
+          </a:lnRef>
+          <a:fillRef idx="1">
+            <a:schemeClr val="accent1"/>
+          </a:fillRef>
+          <a:effectRef idx="0">
+            <a:schemeClr val="accent1"/>
+          </a:effectRef>
+          <a:fontRef idx="minor">
+            <a:schemeClr val="lt1"/>
+          </a:fontRef>
+        </p:style>
+        <p:txBody>
+          <a:bodyPr rtlCol="0" anchor="ctr"/>
+          <a:lstStyle/>
+          <a:p>
+            <a:pPr algn="ctr"/>
+            <a:endParaRPr kumimoji="1" lang="ja-JP" altLang="en-US"/>
+          </a:p>
+        </p:txBody>
+      </p:sp>
+      <p:sp>
+        <p:nvSpPr>
+          <p:cNvPr id="2" name="テキスト ボックス 1">
+            <a:extLst>
+              <a:ext uri="{FF2B5EF4-FFF2-40B4-BE49-F238E27FC236}">
+                <a16:creationId xmlns:a16="http://schemas.microsoft.com/office/drawing/2014/main" id="{FBE8D77F-117D-48DC-A527-1721EC553375}"/>
+              </a:ext>
+            </a:extLst>
+          </p:cNvPr>
+          <p:cNvSpPr txBox="1"/>
+          <p:nvPr/>
+        </p:nvSpPr>
+        <p:spPr>
+          <a:xfrm>
+            <a:off x="1138985" y="325084"/>
+            <a:ext cx="9074863" cy="1015663"/>
+          </a:xfrm>
+          <a:prstGeom prst="rect">
+            <a:avLst/>
+          </a:prstGeom>
+          <a:noFill/>
+        </p:spPr>
+        <p:txBody>
+          <a:bodyPr wrap="square" rtlCol="0">
+            <a:spAutoFit/>
+          </a:bodyPr>
+          <a:lstStyle/>
+          <a:p>
+            <a:r>
               <a:rPr kumimoji="1" lang="ja-JP" altLang="en-US" sz="6000" dirty="0">
                 <a:latin typeface="HGS創英角ｺﾞｼｯｸUB" panose="020B0900000000000000" pitchFamily="50" charset="-128"/>
                 <a:ea typeface="HGS創英角ｺﾞｼｯｸUB" panose="020B0900000000000000" pitchFamily="50" charset="-128"/>
@@ -8513,7 +8922,7 @@
 </p:sld>
 </file>
 
-<file path=ppt/slides/slide13.xml><?xml version="1.0" encoding="utf-8"?>
+<file path=ppt/slides/slide14.xml><?xml version="1.0" encoding="utf-8"?>
 <p:sld xmlns:a="http://schemas.openxmlformats.org/drawingml/2006/main" xmlns:r="http://schemas.openxmlformats.org/officeDocument/2006/relationships" xmlns:p="http://schemas.openxmlformats.org/presentationml/2006/main">
   <p:cSld>
     <p:spTree>
@@ -8883,7 +9292,7 @@
 </p:sld>
 </file>
 
-<file path=ppt/slides/slide14.xml><?xml version="1.0" encoding="utf-8"?>
+<file path=ppt/slides/slide15.xml><?xml version="1.0" encoding="utf-8"?>
 <p:sld xmlns:a="http://schemas.openxmlformats.org/drawingml/2006/main" xmlns:r="http://schemas.openxmlformats.org/officeDocument/2006/relationships" xmlns:p="http://schemas.openxmlformats.org/presentationml/2006/main">
   <p:cSld>
     <p:spTree>
@@ -9249,7 +9658,7 @@
 </p:sld>
 </file>
 
-<file path=ppt/slides/slide15.xml><?xml version="1.0" encoding="utf-8"?>
+<file path=ppt/slides/slide16.xml><?xml version="1.0" encoding="utf-8"?>
 <p:sld xmlns:a="http://schemas.openxmlformats.org/drawingml/2006/main" xmlns:r="http://schemas.openxmlformats.org/officeDocument/2006/relationships" xmlns:p="http://schemas.openxmlformats.org/presentationml/2006/main">
   <p:cSld>
     <p:spTree>
@@ -9802,7 +10211,7 @@
 </p:sld>
 </file>
 
-<file path=ppt/slides/slide16.xml><?xml version="1.0" encoding="utf-8"?>
+<file path=ppt/slides/slide17.xml><?xml version="1.0" encoding="utf-8"?>
 <p:sld xmlns:a="http://schemas.openxmlformats.org/drawingml/2006/main" xmlns:r="http://schemas.openxmlformats.org/officeDocument/2006/relationships" xmlns:p="http://schemas.openxmlformats.org/presentationml/2006/main">
   <p:cSld>
     <p:spTree>
@@ -14932,7 +15341,7 @@
                               <a:latin typeface="Cambria Math" panose="02040503050406030204" pitchFamily="18" charset="0"/>
                               <a:ea typeface="HGPｺﾞｼｯｸE" panose="020B0900000000000000" pitchFamily="50" charset="-128"/>
                             </a:rPr>
-                            <m:t>正答率</m:t>
+                            <m:t>正答数</m:t>
                           </m:r>
                         </m:num>
                         <m:den>
@@ -14941,14 +15350,14 @@
                               <a:latin typeface="Cambria Math" panose="02040503050406030204" pitchFamily="18" charset="0"/>
                               <a:ea typeface="HGPｺﾞｼｯｸE" panose="020B0900000000000000" pitchFamily="50" charset="-128"/>
                             </a:rPr>
-                            <m:t>全体の</m:t>
+                            <m:t>ブロックの</m:t>
                           </m:r>
                           <m:r>
-                            <a:rPr lang="ja-JP" altLang="en-US" sz="2000" i="1" smtClean="0">
+                            <a:rPr lang="ja-JP" altLang="en-US" sz="2000" i="1">
                               <a:latin typeface="Cambria Math" panose="02040503050406030204" pitchFamily="18" charset="0"/>
                               <a:ea typeface="HGPｺﾞｼｯｸE" panose="020B0900000000000000" pitchFamily="50" charset="-128"/>
                             </a:rPr>
-                            <m:t>正答率</m:t>
+                            <m:t>問題数</m:t>
                           </m:r>
                         </m:den>
                       </m:f>
@@ -15005,34 +15414,6 @@
                               <a:ea typeface="HGPｺﾞｼｯｸE" panose="020B0900000000000000" pitchFamily="50" charset="-128"/>
                             </a:rPr>
                             <m:t>回答時間</m:t>
-                          </m:r>
-                          <m:r>
-                            <a:rPr lang="en-US" altLang="ja-JP" sz="2000" b="0" i="1" smtClean="0">
-                              <a:latin typeface="Cambria Math" panose="02040503050406030204" pitchFamily="18" charset="0"/>
-                              <a:ea typeface="HGPｺﾞｼｯｸE" panose="020B0900000000000000" pitchFamily="50" charset="-128"/>
-                            </a:rPr>
-                            <m:t>/</m:t>
-                          </m:r>
-                          <m:r>
-                            <a:rPr lang="ja-JP" altLang="en-US" sz="2000" i="1">
-                              <a:latin typeface="Cambria Math" panose="02040503050406030204" pitchFamily="18" charset="0"/>
-                              <a:ea typeface="HGPｺﾞｼｯｸE" panose="020B0900000000000000" pitchFamily="50" charset="-128"/>
-                            </a:rPr>
-                            <m:t>対象者</m:t>
-                          </m:r>
-                          <m:r>
-                            <a:rPr lang="ja-JP" altLang="en-US" sz="2000" i="1" smtClean="0">
-                              <a:latin typeface="Cambria Math" panose="02040503050406030204" pitchFamily="18" charset="0"/>
-                              <a:ea typeface="HGPｺﾞｼｯｸE" panose="020B0900000000000000" pitchFamily="50" charset="-128"/>
-                            </a:rPr>
-                            <m:t>全体</m:t>
-                          </m:r>
-                          <m:r>
-                            <a:rPr lang="ja-JP" altLang="en-US" sz="2000" i="1">
-                              <a:latin typeface="Cambria Math" panose="02040503050406030204" pitchFamily="18" charset="0"/>
-                              <a:ea typeface="HGPｺﾞｼｯｸE" panose="020B0900000000000000" pitchFamily="50" charset="-128"/>
-                            </a:rPr>
-                            <m:t>のブロックごとの平均回答時間</m:t>
                           </m:r>
                         </m:den>
                       </m:f>
@@ -15160,311 +15541,592 @@
           <a:chExt cx="0" cy="0"/>
         </a:xfrm>
       </p:grpSpPr>
-      <mc:AlternateContent xmlns:mc="http://schemas.openxmlformats.org/markup-compatibility/2006" xmlns:p14="http://schemas.microsoft.com/office/powerpoint/2010/main">
-        <mc:Choice Requires="p14">
-          <p:contentPart p14:bwMode="auto" r:id="rId3">
-            <p14:nvContentPartPr>
-              <p14:cNvPr id="22" name="インク 21">
-                <a:extLst>
-                  <a:ext uri="{FF2B5EF4-FFF2-40B4-BE49-F238E27FC236}">
-                    <a16:creationId xmlns:a16="http://schemas.microsoft.com/office/drawing/2014/main" id="{D4DA94EC-B5B1-ECB3-5618-933E628EE936}"/>
-                  </a:ext>
-                </a:extLst>
-              </p14:cNvPr>
-              <p14:cNvContentPartPr/>
-              <p14:nvPr/>
-            </p14:nvContentPartPr>
-            <p14:xfrm>
-              <a:off x="-2415388" y="785280"/>
-              <a:ext cx="360" cy="360"/>
-            </p14:xfrm>
-          </p:contentPart>
-        </mc:Choice>
-        <mc:Fallback xmlns="">
-          <p:pic>
-            <p:nvPicPr>
-              <p:cNvPr id="22" name="インク 21">
-                <a:extLst>
-                  <a:ext uri="{FF2B5EF4-FFF2-40B4-BE49-F238E27FC236}">
-                    <a16:creationId xmlns:a16="http://schemas.microsoft.com/office/drawing/2014/main" id="{D4DA94EC-B5B1-ECB3-5618-933E628EE936}"/>
-                  </a:ext>
-                </a:extLst>
-              </p:cNvPr>
-              <p:cNvPicPr/>
-              <p:nvPr/>
-            </p:nvPicPr>
-            <p:blipFill>
-              <a:blip r:embed="rId4"/>
-              <a:stretch>
-                <a:fillRect/>
-              </a:stretch>
-            </p:blipFill>
-            <p:spPr>
-              <a:xfrm>
-                <a:off x="-2424388" y="776280"/>
-                <a:ext cx="18000" cy="18000"/>
-              </a:xfrm>
-              <a:prstGeom prst="rect">
-                <a:avLst/>
-              </a:prstGeom>
-            </p:spPr>
-          </p:pic>
-        </mc:Fallback>
-      </mc:AlternateContent>
-      <mc:AlternateContent xmlns:mc="http://schemas.openxmlformats.org/markup-compatibility/2006">
-        <mc:Choice xmlns:a14="http://schemas.microsoft.com/office/drawing/2010/main" Requires="a14">
-          <p:sp>
-            <p:nvSpPr>
-              <p:cNvPr id="16" name="テキスト ボックス 15">
-                <a:extLst>
-                  <a:ext uri="{FF2B5EF4-FFF2-40B4-BE49-F238E27FC236}">
-                    <a16:creationId xmlns:a16="http://schemas.microsoft.com/office/drawing/2014/main" id="{46F216BF-2A30-6741-3EA5-2EFD1BA1CE4F}"/>
-                  </a:ext>
-                </a:extLst>
-              </p:cNvPr>
-              <p:cNvSpPr txBox="1"/>
-              <p:nvPr/>
-            </p:nvSpPr>
-            <p:spPr>
-              <a:xfrm>
-                <a:off x="119743" y="2023992"/>
-                <a:ext cx="12085950" cy="2173993"/>
-              </a:xfrm>
-              <a:prstGeom prst="rect">
-                <a:avLst/>
-              </a:prstGeom>
-              <a:noFill/>
-            </p:spPr>
-            <p:txBody>
-              <a:bodyPr wrap="square" rtlCol="0">
-                <a:spAutoFit/>
-              </a:bodyPr>
-              <a:lstStyle/>
-              <a:p>
-                <a:endParaRPr lang="en-US" altLang="ja-JP" sz="3200" dirty="0">
-                  <a:latin typeface="HGS創英角ｺﾞｼｯｸUB" panose="020B0900000000000000" pitchFamily="50" charset="-128"/>
-                  <a:ea typeface="HGS創英角ｺﾞｼｯｸUB" panose="020B0900000000000000" pitchFamily="50" charset="-128"/>
-                </a:endParaRPr>
-              </a:p>
-              <a:p>
-                <a:endParaRPr kumimoji="1" lang="en-US" altLang="ja-JP" sz="1050" u="sng" dirty="0">
-                  <a:latin typeface="HGS創英角ｺﾞｼｯｸUB" panose="020B0900000000000000" pitchFamily="50" charset="-128"/>
-                  <a:ea typeface="HGS創英角ｺﾞｼｯｸUB" panose="020B0900000000000000" pitchFamily="50" charset="-128"/>
-                </a:endParaRPr>
-              </a:p>
-              <a:p>
-                <a:pPr/>
-                <a14:m>
-                  <m:oMathPara xmlns:m="http://schemas.openxmlformats.org/officeDocument/2006/math">
-                    <m:oMathParaPr>
-                      <m:jc m:val="centerGroup"/>
-                    </m:oMathParaPr>
-                    <m:oMath xmlns:m="http://schemas.openxmlformats.org/officeDocument/2006/math">
-                      <m:f>
-                        <m:fPr>
-                          <m:ctrlPr>
-                            <a:rPr kumimoji="1" lang="en-US" altLang="ja-JP" sz="2000" i="1" smtClean="0">
-                              <a:latin typeface="Cambria Math" panose="02040503050406030204" pitchFamily="18" charset="0"/>
-                              <a:ea typeface="HGPｺﾞｼｯｸE" panose="020B0900000000000000" pitchFamily="50" charset="-128"/>
-                            </a:rPr>
-                          </m:ctrlPr>
-                        </m:fPr>
-                        <m:num>
-                          <m:r>
-                            <a:rPr lang="ja-JP" altLang="en-US" sz="2000" i="1">
-                              <a:latin typeface="Cambria Math" panose="02040503050406030204" pitchFamily="18" charset="0"/>
-                              <a:ea typeface="HGPｺﾞｼｯｸE" panose="020B0900000000000000" pitchFamily="50" charset="-128"/>
-                            </a:rPr>
-                            <m:t>ブロック</m:t>
-                          </m:r>
-                          <m:r>
-                            <a:rPr lang="ja-JP" altLang="en-US" sz="2000" i="1" smtClean="0">
-                              <a:latin typeface="Cambria Math" panose="02040503050406030204" pitchFamily="18" charset="0"/>
-                              <a:ea typeface="HGPｺﾞｼｯｸE" panose="020B0900000000000000" pitchFamily="50" charset="-128"/>
-                            </a:rPr>
-                            <m:t>の</m:t>
-                          </m:r>
-                          <m:r>
-                            <a:rPr lang="ja-JP" altLang="en-US" sz="2000" i="1">
-                              <a:latin typeface="Cambria Math" panose="02040503050406030204" pitchFamily="18" charset="0"/>
-                              <a:ea typeface="HGPｺﾞｼｯｸE" panose="020B0900000000000000" pitchFamily="50" charset="-128"/>
-                            </a:rPr>
-                            <m:t>正答率</m:t>
-                          </m:r>
-                        </m:num>
-                        <m:den>
-                          <m:r>
-                            <a:rPr lang="ja-JP" altLang="en-US" sz="2000" i="1">
-                              <a:latin typeface="Cambria Math" panose="02040503050406030204" pitchFamily="18" charset="0"/>
-                              <a:ea typeface="HGPｺﾞｼｯｸE" panose="020B0900000000000000" pitchFamily="50" charset="-128"/>
-                            </a:rPr>
-                            <m:t>全体の</m:t>
-                          </m:r>
-                          <m:r>
-                            <a:rPr lang="ja-JP" altLang="en-US" sz="2000" i="1" smtClean="0">
-                              <a:latin typeface="Cambria Math" panose="02040503050406030204" pitchFamily="18" charset="0"/>
-                              <a:ea typeface="HGPｺﾞｼｯｸE" panose="020B0900000000000000" pitchFamily="50" charset="-128"/>
-                            </a:rPr>
-                            <m:t>正答率</m:t>
-                          </m:r>
-                        </m:den>
-                      </m:f>
-                      <m:r>
-                        <a:rPr kumimoji="1" lang="en-US" altLang="ja-JP" sz="2000" i="1" smtClean="0">
-                          <a:latin typeface="Cambria Math" panose="02040503050406030204" pitchFamily="18" charset="0"/>
-                          <a:ea typeface="Cambria Math" panose="02040503050406030204" pitchFamily="18" charset="0"/>
-                        </a:rPr>
-                        <m:t>×</m:t>
-                      </m:r>
-                      <m:f>
-                        <m:fPr>
-                          <m:ctrlPr>
-                            <a:rPr kumimoji="1" lang="en-US" altLang="ja-JP" sz="2000" i="1" smtClean="0">
-                              <a:latin typeface="Cambria Math" panose="02040503050406030204" pitchFamily="18" charset="0"/>
-                              <a:ea typeface="Cambria Math" panose="02040503050406030204" pitchFamily="18" charset="0"/>
-                            </a:rPr>
-                          </m:ctrlPr>
-                        </m:fPr>
-                        <m:num>
-                          <m:r>
-                            <a:rPr lang="ja-JP" altLang="en-US" sz="2000" i="1">
-                              <a:latin typeface="Cambria Math" panose="02040503050406030204" pitchFamily="18" charset="0"/>
-                              <a:ea typeface="HGPｺﾞｼｯｸE" panose="020B0900000000000000" pitchFamily="50" charset="-128"/>
-                            </a:rPr>
-                            <m:t>全体のブロック当たりの平均回答時間</m:t>
-                          </m:r>
-                        </m:num>
-                        <m:den>
-                          <m:r>
-                            <a:rPr lang="ja-JP" altLang="en-US" sz="2000" i="1" smtClean="0">
-                              <a:latin typeface="Cambria Math" panose="02040503050406030204" pitchFamily="18" charset="0"/>
-                              <a:ea typeface="HGPｺﾞｼｯｸE" panose="020B0900000000000000" pitchFamily="50" charset="-128"/>
-                            </a:rPr>
-                            <m:t>ブロックごと</m:t>
-                          </m:r>
-                          <m:r>
-                            <a:rPr lang="ja-JP" altLang="en-US" sz="2000" i="1">
-                              <a:latin typeface="Cambria Math" panose="02040503050406030204" pitchFamily="18" charset="0"/>
-                              <a:ea typeface="HGPｺﾞｼｯｸE" panose="020B0900000000000000" pitchFamily="50" charset="-128"/>
-                            </a:rPr>
-                            <m:t>の</m:t>
-                          </m:r>
-                          <m:r>
-                            <a:rPr lang="ja-JP" altLang="en-US" sz="2000" i="1" smtClean="0">
-                              <a:latin typeface="Cambria Math" panose="02040503050406030204" pitchFamily="18" charset="0"/>
-                              <a:ea typeface="HGPｺﾞｼｯｸE" panose="020B0900000000000000" pitchFamily="50" charset="-128"/>
-                            </a:rPr>
-                            <m:t>平均</m:t>
-                          </m:r>
-                          <m:r>
-                            <a:rPr lang="ja-JP" altLang="en-US" sz="2000" i="1">
-                              <a:latin typeface="Cambria Math" panose="02040503050406030204" pitchFamily="18" charset="0"/>
-                              <a:ea typeface="HGPｺﾞｼｯｸE" panose="020B0900000000000000" pitchFamily="50" charset="-128"/>
-                            </a:rPr>
-                            <m:t>回答時間</m:t>
-                          </m:r>
-                          <m:r>
-                            <a:rPr lang="en-US" altLang="ja-JP" sz="2000" b="0" i="1" smtClean="0">
-                              <a:latin typeface="Cambria Math" panose="02040503050406030204" pitchFamily="18" charset="0"/>
-                              <a:ea typeface="HGPｺﾞｼｯｸE" panose="020B0900000000000000" pitchFamily="50" charset="-128"/>
-                            </a:rPr>
-                            <m:t>/</m:t>
-                          </m:r>
-                          <m:r>
-                            <a:rPr lang="ja-JP" altLang="en-US" sz="2000" i="1">
-                              <a:latin typeface="Cambria Math" panose="02040503050406030204" pitchFamily="18" charset="0"/>
-                              <a:ea typeface="HGPｺﾞｼｯｸE" panose="020B0900000000000000" pitchFamily="50" charset="-128"/>
-                            </a:rPr>
-                            <m:t>対象者</m:t>
-                          </m:r>
-                          <m:r>
-                            <a:rPr lang="ja-JP" altLang="en-US" sz="2000" i="1" smtClean="0">
-                              <a:latin typeface="Cambria Math" panose="02040503050406030204" pitchFamily="18" charset="0"/>
-                              <a:ea typeface="HGPｺﾞｼｯｸE" panose="020B0900000000000000" pitchFamily="50" charset="-128"/>
-                            </a:rPr>
-                            <m:t>全体</m:t>
-                          </m:r>
-                          <m:r>
-                            <a:rPr lang="ja-JP" altLang="en-US" sz="2000" i="1">
-                              <a:latin typeface="Cambria Math" panose="02040503050406030204" pitchFamily="18" charset="0"/>
-                              <a:ea typeface="HGPｺﾞｼｯｸE" panose="020B0900000000000000" pitchFamily="50" charset="-128"/>
-                            </a:rPr>
-                            <m:t>のブロックごとの平均回答時間</m:t>
-                          </m:r>
-                        </m:den>
-                      </m:f>
-                    </m:oMath>
-                  </m:oMathPara>
-                </a14:m>
-                <a:endParaRPr kumimoji="1" lang="en-US" altLang="ja-JP" sz="2000" dirty="0">
-                  <a:latin typeface="HGPｺﾞｼｯｸE" panose="020B0900000000000000" pitchFamily="50" charset="-128"/>
-                  <a:ea typeface="HGPｺﾞｼｯｸE" panose="020B0900000000000000" pitchFamily="50" charset="-128"/>
-                </a:endParaRPr>
-              </a:p>
-              <a:p>
-                <a:endParaRPr kumimoji="1" lang="en-US" altLang="ja-JP" sz="2400" dirty="0">
-                  <a:latin typeface="HGPｺﾞｼｯｸE" panose="020B0900000000000000" pitchFamily="50" charset="-128"/>
-                  <a:ea typeface="HGPｺﾞｼｯｸE" panose="020B0900000000000000" pitchFamily="50" charset="-128"/>
-                </a:endParaRPr>
-              </a:p>
-              <a:p>
-                <a:endParaRPr lang="en-US" altLang="ja-JP" sz="2400" dirty="0">
-                  <a:latin typeface="HGPｺﾞｼｯｸE" panose="020B0900000000000000" pitchFamily="50" charset="-128"/>
-                  <a:ea typeface="HGPｺﾞｼｯｸE" panose="020B0900000000000000" pitchFamily="50" charset="-128"/>
-                </a:endParaRPr>
-              </a:p>
-            </p:txBody>
-          </p:sp>
-        </mc:Choice>
-        <mc:Fallback>
-          <p:sp>
-            <p:nvSpPr>
-              <p:cNvPr id="16" name="テキスト ボックス 15">
-                <a:extLst>
-                  <a:ext uri="{FF2B5EF4-FFF2-40B4-BE49-F238E27FC236}">
-                    <a16:creationId xmlns:a16="http://schemas.microsoft.com/office/drawing/2014/main" id="{46F216BF-2A30-6741-3EA5-2EFD1BA1CE4F}"/>
-                  </a:ext>
-                </a:extLst>
-              </p:cNvPr>
-              <p:cNvSpPr txBox="1">
-                <a:spLocks noRot="1" noChangeAspect="1" noMove="1" noResize="1" noEditPoints="1" noAdjustHandles="1" noChangeArrowheads="1" noChangeShapeType="1" noTextEdit="1"/>
-              </p:cNvSpPr>
-              <p:nvPr/>
-            </p:nvSpPr>
-            <p:spPr>
-              <a:xfrm>
-                <a:off x="119743" y="2023992"/>
-                <a:ext cx="12085950" cy="2173993"/>
-              </a:xfrm>
-              <a:prstGeom prst="rect">
-                <a:avLst/>
-              </a:prstGeom>
-              <a:blipFill>
-                <a:blip r:embed="rId5"/>
-                <a:stretch>
-                  <a:fillRect/>
-                </a:stretch>
-              </a:blipFill>
-            </p:spPr>
-            <p:txBody>
-              <a:bodyPr/>
-              <a:lstStyle/>
-              <a:p>
-                <a:r>
-                  <a:rPr lang="ja-JP" altLang="en-US">
-                    <a:noFill/>
-                  </a:rPr>
-                  <a:t> </a:t>
-                </a:r>
-              </a:p>
-            </p:txBody>
-          </p:sp>
-        </mc:Fallback>
-      </mc:AlternateContent>
+      <p:sp>
+        <p:nvSpPr>
+          <p:cNvPr id="4" name="正方形/長方形 3">
+            <a:extLst>
+              <a:ext uri="{FF2B5EF4-FFF2-40B4-BE49-F238E27FC236}">
+                <a16:creationId xmlns:a16="http://schemas.microsoft.com/office/drawing/2014/main" id="{537B97F4-E983-2356-6027-1540E66EAFCE}"/>
+              </a:ext>
+            </a:extLst>
+          </p:cNvPr>
+          <p:cNvSpPr/>
+          <p:nvPr/>
+        </p:nvSpPr>
+        <p:spPr>
+          <a:xfrm>
+            <a:off x="0" y="0"/>
+            <a:ext cx="12256168" cy="6858000"/>
+          </a:xfrm>
+          <a:prstGeom prst="rect">
+            <a:avLst/>
+          </a:prstGeom>
+          <a:solidFill>
+            <a:schemeClr val="accent2">
+              <a:lumMod val="20000"/>
+              <a:lumOff val="80000"/>
+            </a:schemeClr>
+          </a:solidFill>
+        </p:spPr>
+        <p:style>
+          <a:lnRef idx="2">
+            <a:schemeClr val="accent2">
+              <a:shade val="50000"/>
+            </a:schemeClr>
+          </a:lnRef>
+          <a:fillRef idx="1">
+            <a:schemeClr val="accent2"/>
+          </a:fillRef>
+          <a:effectRef idx="0">
+            <a:schemeClr val="accent2"/>
+          </a:effectRef>
+          <a:fontRef idx="minor">
+            <a:schemeClr val="lt1"/>
+          </a:fontRef>
+        </p:style>
+        <p:txBody>
+          <a:bodyPr rtlCol="0" anchor="ctr"/>
+          <a:lstStyle/>
+          <a:p>
+            <a:pPr algn="ctr"/>
+            <a:endParaRPr lang="ja-JP" altLang="en-US" sz="4800" dirty="0">
+              <a:hlinkClick r:id="rId3"/>
+            </a:endParaRPr>
+          </a:p>
+          <a:p>
+            <a:pPr algn="ctr"/>
+            <a:endParaRPr kumimoji="1" lang="ja-JP" altLang="en-US" sz="4800" b="1" dirty="0">
+              <a:solidFill>
+                <a:schemeClr val="tx1"/>
+              </a:solidFill>
+            </a:endParaRPr>
+          </a:p>
+        </p:txBody>
+      </p:sp>
+      <p:sp>
+        <p:nvSpPr>
+          <p:cNvPr id="5" name="正方形/長方形 4">
+            <a:extLst>
+              <a:ext uri="{FF2B5EF4-FFF2-40B4-BE49-F238E27FC236}">
+                <a16:creationId xmlns:a16="http://schemas.microsoft.com/office/drawing/2014/main" id="{13E2DDFB-DD74-1E35-6872-347ED082CB3D}"/>
+              </a:ext>
+            </a:extLst>
+          </p:cNvPr>
+          <p:cNvSpPr/>
+          <p:nvPr/>
+        </p:nvSpPr>
+        <p:spPr>
+          <a:xfrm>
+            <a:off x="0" y="1634243"/>
+            <a:ext cx="12256168" cy="96253"/>
+          </a:xfrm>
+          <a:prstGeom prst="rect">
+            <a:avLst/>
+          </a:prstGeom>
+          <a:solidFill>
+            <a:schemeClr val="accent2">
+              <a:lumMod val="75000"/>
+            </a:schemeClr>
+          </a:solidFill>
+          <a:ln>
+            <a:noFill/>
+          </a:ln>
+        </p:spPr>
+        <p:style>
+          <a:lnRef idx="2">
+            <a:schemeClr val="accent1">
+              <a:shade val="50000"/>
+            </a:schemeClr>
+          </a:lnRef>
+          <a:fillRef idx="1">
+            <a:schemeClr val="accent1"/>
+          </a:fillRef>
+          <a:effectRef idx="0">
+            <a:schemeClr val="accent1"/>
+          </a:effectRef>
+          <a:fontRef idx="minor">
+            <a:schemeClr val="lt1"/>
+          </a:fontRef>
+        </p:style>
+        <p:txBody>
+          <a:bodyPr rtlCol="0" anchor="ctr"/>
+          <a:lstStyle/>
+          <a:p>
+            <a:pPr algn="ctr"/>
+            <a:endParaRPr kumimoji="1" lang="ja-JP" altLang="en-US"/>
+          </a:p>
+        </p:txBody>
+      </p:sp>
+      <p:sp>
+        <p:nvSpPr>
+          <p:cNvPr id="8" name="正方形/長方形 7">
+            <a:extLst>
+              <a:ext uri="{FF2B5EF4-FFF2-40B4-BE49-F238E27FC236}">
+                <a16:creationId xmlns:a16="http://schemas.microsoft.com/office/drawing/2014/main" id="{9174F777-3707-B77E-F507-44E2665CBD04}"/>
+              </a:ext>
+            </a:extLst>
+          </p:cNvPr>
+          <p:cNvSpPr/>
+          <p:nvPr/>
+        </p:nvSpPr>
+        <p:spPr>
+          <a:xfrm flipH="1">
+            <a:off x="808350" y="489284"/>
+            <a:ext cx="162196" cy="755210"/>
+          </a:xfrm>
+          <a:prstGeom prst="rect">
+            <a:avLst/>
+          </a:prstGeom>
+          <a:solidFill>
+            <a:schemeClr val="accent2">
+              <a:lumMod val="75000"/>
+            </a:schemeClr>
+          </a:solidFill>
+          <a:ln>
+            <a:noFill/>
+          </a:ln>
+        </p:spPr>
+        <p:style>
+          <a:lnRef idx="2">
+            <a:schemeClr val="accent1">
+              <a:shade val="50000"/>
+            </a:schemeClr>
+          </a:lnRef>
+          <a:fillRef idx="1">
+            <a:schemeClr val="accent1"/>
+          </a:fillRef>
+          <a:effectRef idx="0">
+            <a:schemeClr val="accent1"/>
+          </a:effectRef>
+          <a:fontRef idx="minor">
+            <a:schemeClr val="lt1"/>
+          </a:fontRef>
+        </p:style>
+        <p:txBody>
+          <a:bodyPr rtlCol="0" anchor="ctr"/>
+          <a:lstStyle/>
+          <a:p>
+            <a:pPr algn="ctr"/>
+            <a:endParaRPr kumimoji="1" lang="ja-JP" altLang="en-US"/>
+          </a:p>
+        </p:txBody>
+      </p:sp>
+      <p:sp>
+        <p:nvSpPr>
+          <p:cNvPr id="2" name="テキスト ボックス 1">
+            <a:extLst>
+              <a:ext uri="{FF2B5EF4-FFF2-40B4-BE49-F238E27FC236}">
+                <a16:creationId xmlns:a16="http://schemas.microsoft.com/office/drawing/2014/main" id="{FBE8D77F-117D-48DC-A527-1721EC553375}"/>
+              </a:ext>
+            </a:extLst>
+          </p:cNvPr>
+          <p:cNvSpPr txBox="1"/>
+          <p:nvPr/>
+        </p:nvSpPr>
+        <p:spPr>
+          <a:xfrm>
+            <a:off x="1138985" y="325084"/>
+            <a:ext cx="9074863" cy="1015663"/>
+          </a:xfrm>
+          <a:prstGeom prst="rect">
+            <a:avLst/>
+          </a:prstGeom>
+          <a:noFill/>
+        </p:spPr>
+        <p:txBody>
+          <a:bodyPr wrap="square" rtlCol="0">
+            <a:spAutoFit/>
+          </a:bodyPr>
+          <a:lstStyle/>
+          <a:p>
+            <a:r>
+              <a:rPr lang="ja-JP" altLang="en-US" sz="6000" dirty="0">
+                <a:latin typeface="HGS創英角ｺﾞｼｯｸUB" panose="020B0900000000000000" pitchFamily="50" charset="-128"/>
+                <a:ea typeface="HGS創英角ｺﾞｼｯｸUB" panose="020B0900000000000000" pitchFamily="50" charset="-128"/>
+              </a:rPr>
+              <a:t>分析結果</a:t>
+            </a:r>
+            <a:endParaRPr kumimoji="1" lang="ja-JP" altLang="en-US" sz="6000" dirty="0">
+              <a:latin typeface="HGS創英角ｺﾞｼｯｸUB" panose="020B0900000000000000" pitchFamily="50" charset="-128"/>
+              <a:ea typeface="HGS創英角ｺﾞｼｯｸUB" panose="020B0900000000000000" pitchFamily="50" charset="-128"/>
+            </a:endParaRPr>
+          </a:p>
+        </p:txBody>
+      </p:sp>
+      <p:sp>
+        <p:nvSpPr>
+          <p:cNvPr id="16" name="テキスト ボックス 15">
+            <a:extLst>
+              <a:ext uri="{FF2B5EF4-FFF2-40B4-BE49-F238E27FC236}">
+                <a16:creationId xmlns:a16="http://schemas.microsoft.com/office/drawing/2014/main" id="{46F216BF-2A30-6741-3EA5-2EFD1BA1CE4F}"/>
+              </a:ext>
+            </a:extLst>
+          </p:cNvPr>
+          <p:cNvSpPr txBox="1"/>
+          <p:nvPr/>
+        </p:nvSpPr>
+        <p:spPr>
+          <a:xfrm>
+            <a:off x="725132" y="2100086"/>
+            <a:ext cx="11466868" cy="1138773"/>
+          </a:xfrm>
+          <a:prstGeom prst="rect">
+            <a:avLst/>
+          </a:prstGeom>
+          <a:noFill/>
+        </p:spPr>
+        <p:txBody>
+          <a:bodyPr wrap="square" rtlCol="0">
+            <a:spAutoFit/>
+          </a:bodyPr>
+          <a:lstStyle/>
+          <a:p>
+            <a:endParaRPr kumimoji="1" lang="en-US" altLang="ja-JP" sz="3600" dirty="0">
+              <a:latin typeface="HGPｺﾞｼｯｸE" panose="020B0900000000000000" pitchFamily="50" charset="-128"/>
+              <a:ea typeface="HGPｺﾞｼｯｸE" panose="020B0900000000000000" pitchFamily="50" charset="-128"/>
+            </a:endParaRPr>
+          </a:p>
+          <a:p>
+            <a:endParaRPr kumimoji="1" lang="en-US" altLang="ja-JP" sz="3200" dirty="0">
+              <a:latin typeface="HGPｺﾞｼｯｸE" panose="020B0900000000000000" pitchFamily="50" charset="-128"/>
+              <a:ea typeface="HGPｺﾞｼｯｸE" panose="020B0900000000000000" pitchFamily="50" charset="-128"/>
+            </a:endParaRPr>
+          </a:p>
+        </p:txBody>
+      </p:sp>
+      <p:pic>
+        <p:nvPicPr>
+          <p:cNvPr id="3" name="図 2">
+            <a:extLst>
+              <a:ext uri="{FF2B5EF4-FFF2-40B4-BE49-F238E27FC236}">
+                <a16:creationId xmlns:a16="http://schemas.microsoft.com/office/drawing/2014/main" id="{2E677C3F-FC7F-F270-DF35-36FBCBD42E78}"/>
+              </a:ext>
+            </a:extLst>
+          </p:cNvPr>
+          <p:cNvPicPr>
+            <a:picLocks noChangeAspect="1"/>
+          </p:cNvPicPr>
+          <p:nvPr/>
+        </p:nvPicPr>
+        <p:blipFill>
+          <a:blip r:embed="rId4"/>
+          <a:stretch>
+            <a:fillRect/>
+          </a:stretch>
+        </p:blipFill>
+        <p:spPr>
+          <a:xfrm>
+            <a:off x="725132" y="1864953"/>
+            <a:ext cx="4994853" cy="2999572"/>
+          </a:xfrm>
+          <a:prstGeom prst="rect">
+            <a:avLst/>
+          </a:prstGeom>
+        </p:spPr>
+      </p:pic>
+      <p:sp>
+        <p:nvSpPr>
+          <p:cNvPr id="6" name="テキスト ボックス 5">
+            <a:extLst>
+              <a:ext uri="{FF2B5EF4-FFF2-40B4-BE49-F238E27FC236}">
+                <a16:creationId xmlns:a16="http://schemas.microsoft.com/office/drawing/2014/main" id="{DB791A46-47C6-59F0-C42B-4B80DBC631FF}"/>
+              </a:ext>
+            </a:extLst>
+          </p:cNvPr>
+          <p:cNvSpPr txBox="1"/>
+          <p:nvPr/>
+        </p:nvSpPr>
+        <p:spPr>
+          <a:xfrm>
+            <a:off x="889448" y="2060485"/>
+            <a:ext cx="514885" cy="276999"/>
+          </a:xfrm>
+          <a:prstGeom prst="rect">
+            <a:avLst/>
+          </a:prstGeom>
+          <a:noFill/>
+        </p:spPr>
+        <p:txBody>
+          <a:bodyPr wrap="none" rtlCol="0">
+            <a:spAutoFit/>
+          </a:bodyPr>
+          <a:lstStyle/>
+          <a:p>
+            <a:r>
+              <a:rPr kumimoji="1" lang="en-US" altLang="ja-JP" sz="1200" dirty="0"/>
+              <a:t>(</a:t>
+            </a:r>
+            <a:r>
+              <a:rPr kumimoji="1" lang="en-US" altLang="ja-JP" sz="1200" dirty="0" err="1"/>
+              <a:t>ms</a:t>
+            </a:r>
+            <a:r>
+              <a:rPr kumimoji="1" lang="en-US" altLang="ja-JP" sz="1200" dirty="0"/>
+              <a:t>)</a:t>
+            </a:r>
+            <a:endParaRPr kumimoji="1" lang="ja-JP" altLang="en-US" sz="1200" dirty="0"/>
+          </a:p>
+        </p:txBody>
+      </p:sp>
+      <p:sp>
+        <p:nvSpPr>
+          <p:cNvPr id="7" name="テキスト ボックス 6">
+            <a:extLst>
+              <a:ext uri="{FF2B5EF4-FFF2-40B4-BE49-F238E27FC236}">
+                <a16:creationId xmlns:a16="http://schemas.microsoft.com/office/drawing/2014/main" id="{B08CA7DF-5804-CCFD-78F3-9CD1ED714666}"/>
+              </a:ext>
+            </a:extLst>
+          </p:cNvPr>
+          <p:cNvSpPr txBox="1"/>
+          <p:nvPr/>
+        </p:nvSpPr>
+        <p:spPr>
+          <a:xfrm>
+            <a:off x="5669280" y="2788920"/>
+            <a:ext cx="914400" cy="914400"/>
+          </a:xfrm>
+          <a:prstGeom prst="rect">
+            <a:avLst/>
+          </a:prstGeom>
+          <a:noFill/>
+        </p:spPr>
+        <p:txBody>
+          <a:bodyPr wrap="square" rtlCol="0">
+            <a:spAutoFit/>
+          </a:bodyPr>
+          <a:lstStyle/>
+          <a:p>
+            <a:endParaRPr kumimoji="1" lang="ja-JP" altLang="en-US" dirty="0"/>
+          </a:p>
+        </p:txBody>
+      </p:sp>
+      <p:sp>
+        <p:nvSpPr>
+          <p:cNvPr id="9" name="テキスト ボックス 8">
+            <a:extLst>
+              <a:ext uri="{FF2B5EF4-FFF2-40B4-BE49-F238E27FC236}">
+                <a16:creationId xmlns:a16="http://schemas.microsoft.com/office/drawing/2014/main" id="{33E83734-7F87-2F72-BD6C-E7E609A582F2}"/>
+              </a:ext>
+            </a:extLst>
+          </p:cNvPr>
+          <p:cNvSpPr txBox="1"/>
+          <p:nvPr/>
+        </p:nvSpPr>
+        <p:spPr>
+          <a:xfrm>
+            <a:off x="1242060" y="4904126"/>
+            <a:ext cx="769620" cy="982980"/>
+          </a:xfrm>
+          <a:prstGeom prst="rect">
+            <a:avLst/>
+          </a:prstGeom>
+          <a:noFill/>
+        </p:spPr>
+        <p:txBody>
+          <a:bodyPr wrap="square" rtlCol="0">
+            <a:spAutoFit/>
+          </a:bodyPr>
+          <a:lstStyle/>
+          <a:p>
+            <a:endParaRPr kumimoji="1" lang="ja-JP" altLang="en-US" dirty="0"/>
+          </a:p>
+        </p:txBody>
+      </p:sp>
+      <p:sp>
+        <p:nvSpPr>
+          <p:cNvPr id="10" name="テキスト ボックス 9">
+            <a:extLst>
+              <a:ext uri="{FF2B5EF4-FFF2-40B4-BE49-F238E27FC236}">
+                <a16:creationId xmlns:a16="http://schemas.microsoft.com/office/drawing/2014/main" id="{E446367E-9000-3003-4785-8DCBCAAFEA2A}"/>
+              </a:ext>
+            </a:extLst>
+          </p:cNvPr>
+          <p:cNvSpPr txBox="1"/>
+          <p:nvPr/>
+        </p:nvSpPr>
+        <p:spPr>
+          <a:xfrm>
+            <a:off x="725132" y="4863770"/>
+            <a:ext cx="2076209" cy="1200329"/>
+          </a:xfrm>
+          <a:prstGeom prst="rect">
+            <a:avLst/>
+          </a:prstGeom>
+          <a:noFill/>
+        </p:spPr>
+        <p:txBody>
+          <a:bodyPr wrap="none" rtlCol="0">
+            <a:spAutoFit/>
+          </a:bodyPr>
+          <a:lstStyle/>
+          <a:p>
+            <a:r>
+              <a:rPr lang="ja-JP" altLang="en-US" dirty="0"/>
+              <a:t>進捗表示なし</a:t>
+            </a:r>
+            <a:endParaRPr kumimoji="1" lang="en-US" altLang="ja-JP" dirty="0"/>
+          </a:p>
+          <a:p>
+            <a:r>
+              <a:rPr kumimoji="1" lang="en-US" altLang="ja-JP" dirty="0"/>
+              <a:t>Ave=9967.54ms</a:t>
+            </a:r>
+          </a:p>
+          <a:p>
+            <a:r>
+              <a:rPr lang="en-US" altLang="ja-JP" dirty="0"/>
+              <a:t>Max=15700.37ms</a:t>
+            </a:r>
+          </a:p>
+          <a:p>
+            <a:r>
+              <a:rPr kumimoji="1" lang="en-US" altLang="ja-JP" dirty="0"/>
+              <a:t>Min=5059.07ms</a:t>
+            </a:r>
+            <a:endParaRPr kumimoji="1" lang="ja-JP" altLang="en-US" dirty="0"/>
+          </a:p>
+        </p:txBody>
+      </p:sp>
+      <p:sp>
+        <p:nvSpPr>
+          <p:cNvPr id="15" name="テキスト ボックス 14">
+            <a:extLst>
+              <a:ext uri="{FF2B5EF4-FFF2-40B4-BE49-F238E27FC236}">
+                <a16:creationId xmlns:a16="http://schemas.microsoft.com/office/drawing/2014/main" id="{4CCDF32D-394E-64EE-B5DE-5BE4C1FA3C59}"/>
+              </a:ext>
+            </a:extLst>
+          </p:cNvPr>
+          <p:cNvSpPr txBox="1"/>
+          <p:nvPr/>
+        </p:nvSpPr>
+        <p:spPr>
+          <a:xfrm>
+            <a:off x="3072092" y="4858624"/>
+            <a:ext cx="2076209" cy="1200329"/>
+          </a:xfrm>
+          <a:prstGeom prst="rect">
+            <a:avLst/>
+          </a:prstGeom>
+          <a:noFill/>
+        </p:spPr>
+        <p:txBody>
+          <a:bodyPr wrap="none" rtlCol="0">
+            <a:spAutoFit/>
+          </a:bodyPr>
+          <a:lstStyle/>
+          <a:p>
+            <a:r>
+              <a:rPr lang="ja-JP" altLang="en-US" dirty="0"/>
+              <a:t>進捗表示あり</a:t>
+            </a:r>
+            <a:endParaRPr kumimoji="1" lang="en-US" altLang="ja-JP" dirty="0"/>
+          </a:p>
+          <a:p>
+            <a:r>
+              <a:rPr kumimoji="1" lang="en-US" altLang="ja-JP" dirty="0"/>
+              <a:t>Ave=7496.75ms</a:t>
+            </a:r>
+          </a:p>
+          <a:p>
+            <a:r>
+              <a:rPr lang="en-US" altLang="ja-JP" dirty="0"/>
+              <a:t>Max=11118.63ms</a:t>
+            </a:r>
+          </a:p>
+          <a:p>
+            <a:r>
+              <a:rPr kumimoji="1" lang="en-US" altLang="ja-JP" dirty="0"/>
+              <a:t>Min=4934.66ms</a:t>
+            </a:r>
+            <a:endParaRPr kumimoji="1" lang="ja-JP" altLang="en-US" dirty="0"/>
+          </a:p>
+        </p:txBody>
+      </p:sp>
+      <p:sp>
+        <p:nvSpPr>
+          <p:cNvPr id="11" name="テキスト ボックス 10">
+            <a:extLst>
+              <a:ext uri="{FF2B5EF4-FFF2-40B4-BE49-F238E27FC236}">
+                <a16:creationId xmlns:a16="http://schemas.microsoft.com/office/drawing/2014/main" id="{5A75F381-EE3C-B0C5-530F-986AC0664721}"/>
+              </a:ext>
+            </a:extLst>
+          </p:cNvPr>
+          <p:cNvSpPr txBox="1"/>
+          <p:nvPr/>
+        </p:nvSpPr>
+        <p:spPr>
+          <a:xfrm>
+            <a:off x="6126480" y="1937887"/>
+            <a:ext cx="5262979" cy="923330"/>
+          </a:xfrm>
+          <a:prstGeom prst="rect">
+            <a:avLst/>
+          </a:prstGeom>
+          <a:noFill/>
+        </p:spPr>
+        <p:txBody>
+          <a:bodyPr wrap="none" rtlCol="0">
+            <a:spAutoFit/>
+          </a:bodyPr>
+          <a:lstStyle/>
+          <a:p>
+            <a:r>
+              <a:rPr lang="en-US" altLang="ja-JP" i="1" dirty="0"/>
+              <a:t>t </a:t>
+            </a:r>
+            <a:r>
+              <a:rPr lang="ja-JP" altLang="en-US" dirty="0"/>
+              <a:t>検定を行った結果、</a:t>
+            </a:r>
+            <a:endParaRPr lang="en-US" altLang="ja-JP" dirty="0"/>
+          </a:p>
+          <a:p>
+            <a:r>
+              <a:rPr lang="ja-JP" altLang="en-US" dirty="0"/>
+              <a:t>進捗表示の有無による平均回答時間に有意な差が</a:t>
+            </a:r>
+            <a:endParaRPr lang="en-US" altLang="ja-JP" dirty="0"/>
+          </a:p>
+          <a:p>
+            <a:r>
+              <a:rPr kumimoji="1" lang="ja-JP" altLang="en-US" dirty="0"/>
+              <a:t>見られた</a:t>
+            </a:r>
+            <a:r>
+              <a:rPr kumimoji="1" lang="en-US" altLang="ja-JP" dirty="0"/>
+              <a:t>(</a:t>
+            </a:r>
+            <a:r>
+              <a:rPr kumimoji="1" lang="en-US" altLang="ja-JP" i="1" dirty="0"/>
+              <a:t>t</a:t>
+            </a:r>
+            <a:r>
+              <a:rPr lang="ja-JP" altLang="en-US" i="1" dirty="0"/>
+              <a:t> </a:t>
+            </a:r>
+            <a:r>
+              <a:rPr kumimoji="1" lang="en-US" altLang="ja-JP" dirty="0"/>
+              <a:t>(11)=4.51, </a:t>
+            </a:r>
+            <a:r>
+              <a:rPr kumimoji="1" lang="en-US" altLang="ja-JP" i="1" dirty="0"/>
+              <a:t>p </a:t>
+            </a:r>
+            <a:r>
+              <a:rPr kumimoji="1" lang="en-US" altLang="ja-JP" dirty="0"/>
+              <a:t>&lt;.05)</a:t>
+            </a:r>
+            <a:r>
+              <a:rPr kumimoji="1" lang="ja-JP" altLang="en-US" dirty="0"/>
+              <a:t>。</a:t>
+            </a:r>
+          </a:p>
+        </p:txBody>
+      </p:sp>
     </p:spTree>
     <p:extLst>
       <p:ext uri="{BB962C8B-B14F-4D97-AF65-F5344CB8AC3E}">
-        <p14:creationId xmlns:p14="http://schemas.microsoft.com/office/powerpoint/2010/main" val="818929163"/>
+        <p14:creationId xmlns:p14="http://schemas.microsoft.com/office/powerpoint/2010/main" val="3480643350"/>
       </p:ext>
     </p:extLst>
   </p:cSld>
@@ -15505,7 +16167,7 @@
         </p:nvSpPr>
         <p:spPr>
           <a:xfrm>
-            <a:off x="0" y="0"/>
+            <a:off x="0" y="9301"/>
             <a:ext cx="12256168" cy="6858000"/>
           </a:xfrm>
           <a:prstGeom prst="rect">
@@ -15744,12 +16406,76 @@
           </a:p>
         </p:txBody>
       </p:sp>
+      <p:sp>
+        <p:nvSpPr>
+          <p:cNvPr id="7" name="テキスト ボックス 6">
+            <a:extLst>
+              <a:ext uri="{FF2B5EF4-FFF2-40B4-BE49-F238E27FC236}">
+                <a16:creationId xmlns:a16="http://schemas.microsoft.com/office/drawing/2014/main" id="{B08CA7DF-5804-CCFD-78F3-9CD1ED714666}"/>
+              </a:ext>
+            </a:extLst>
+          </p:cNvPr>
+          <p:cNvSpPr txBox="1"/>
+          <p:nvPr/>
+        </p:nvSpPr>
+        <p:spPr>
+          <a:xfrm>
+            <a:off x="5669280" y="2788920"/>
+            <a:ext cx="914400" cy="914400"/>
+          </a:xfrm>
+          <a:prstGeom prst="rect">
+            <a:avLst/>
+          </a:prstGeom>
+          <a:noFill/>
+        </p:spPr>
+        <p:txBody>
+          <a:bodyPr wrap="square" rtlCol="0">
+            <a:spAutoFit/>
+          </a:bodyPr>
+          <a:lstStyle/>
+          <a:p>
+            <a:endParaRPr kumimoji="1" lang="ja-JP" altLang="en-US" dirty="0"/>
+          </a:p>
+        </p:txBody>
+      </p:sp>
+      <p:sp>
+        <p:nvSpPr>
+          <p:cNvPr id="9" name="テキスト ボックス 8">
+            <a:extLst>
+              <a:ext uri="{FF2B5EF4-FFF2-40B4-BE49-F238E27FC236}">
+                <a16:creationId xmlns:a16="http://schemas.microsoft.com/office/drawing/2014/main" id="{33E83734-7F87-2F72-BD6C-E7E609A582F2}"/>
+              </a:ext>
+            </a:extLst>
+          </p:cNvPr>
+          <p:cNvSpPr txBox="1"/>
+          <p:nvPr/>
+        </p:nvSpPr>
+        <p:spPr>
+          <a:xfrm>
+            <a:off x="1242060" y="4904126"/>
+            <a:ext cx="769620" cy="982980"/>
+          </a:xfrm>
+          <a:prstGeom prst="rect">
+            <a:avLst/>
+          </a:prstGeom>
+          <a:noFill/>
+        </p:spPr>
+        <p:txBody>
+          <a:bodyPr wrap="square" rtlCol="0">
+            <a:spAutoFit/>
+          </a:bodyPr>
+          <a:lstStyle/>
+          <a:p>
+            <a:endParaRPr kumimoji="1" lang="ja-JP" altLang="en-US" dirty="0"/>
+          </a:p>
+        </p:txBody>
+      </p:sp>
       <p:pic>
         <p:nvPicPr>
-          <p:cNvPr id="3" name="図 2">
-            <a:extLst>
-              <a:ext uri="{FF2B5EF4-FFF2-40B4-BE49-F238E27FC236}">
-                <a16:creationId xmlns:a16="http://schemas.microsoft.com/office/drawing/2014/main" id="{2E677C3F-FC7F-F270-DF35-36FBCBD42E78}"/>
+          <p:cNvPr id="12" name="図 11">
+            <a:extLst>
+              <a:ext uri="{FF2B5EF4-FFF2-40B4-BE49-F238E27FC236}">
+                <a16:creationId xmlns:a16="http://schemas.microsoft.com/office/drawing/2014/main" id="{4F0B40B8-02D4-0052-60BB-E3F5B989E4CD}"/>
               </a:ext>
             </a:extLst>
           </p:cNvPr>
@@ -15766,8 +16492,8 @@
         </p:blipFill>
         <p:spPr>
           <a:xfrm>
-            <a:off x="725132" y="1864953"/>
-            <a:ext cx="4994853" cy="2999572"/>
+            <a:off x="735715" y="2011334"/>
+            <a:ext cx="4984196" cy="2993172"/>
           </a:xfrm>
           <a:prstGeom prst="rect">
             <a:avLst/>
@@ -15776,10 +16502,10 @@
       </p:pic>
       <p:sp>
         <p:nvSpPr>
-          <p:cNvPr id="6" name="テキスト ボックス 5">
-            <a:extLst>
-              <a:ext uri="{FF2B5EF4-FFF2-40B4-BE49-F238E27FC236}">
-                <a16:creationId xmlns:a16="http://schemas.microsoft.com/office/drawing/2014/main" id="{DB791A46-47C6-59F0-C42B-4B80DBC631FF}"/>
+          <p:cNvPr id="13" name="テキスト ボックス 12">
+            <a:extLst>
+              <a:ext uri="{FF2B5EF4-FFF2-40B4-BE49-F238E27FC236}">
+                <a16:creationId xmlns:a16="http://schemas.microsoft.com/office/drawing/2014/main" id="{874DD2F4-E480-30B1-2074-412D56F0449E}"/>
               </a:ext>
             </a:extLst>
           </p:cNvPr>
@@ -15788,8 +16514,8 @@
         </p:nvSpPr>
         <p:spPr>
           <a:xfrm>
-            <a:off x="889448" y="2060485"/>
-            <a:ext cx="514885" cy="276999"/>
+            <a:off x="836465" y="2197821"/>
+            <a:ext cx="548548" cy="276999"/>
           </a:xfrm>
           <a:prstGeom prst="rect">
             <a:avLst/>
@@ -15797,22 +16523,14 @@
           <a:noFill/>
         </p:spPr>
         <p:txBody>
-          <a:bodyPr wrap="none" rtlCol="0">
+          <a:bodyPr wrap="square" rtlCol="0">
             <a:spAutoFit/>
           </a:bodyPr>
           <a:lstStyle/>
           <a:p>
             <a:r>
               <a:rPr kumimoji="1" lang="en-US" altLang="ja-JP" sz="1200" dirty="0"/>
-              <a:t>(</a:t>
-            </a:r>
-            <a:r>
-              <a:rPr kumimoji="1" lang="en-US" altLang="ja-JP" sz="1200" dirty="0" err="1"/>
-              <a:t>ms</a:t>
-            </a:r>
-            <a:r>
-              <a:rPr kumimoji="1" lang="en-US" altLang="ja-JP" sz="1200" dirty="0"/>
-              <a:t>)</a:t>
+              <a:t>(%)</a:t>
             </a:r>
             <a:endParaRPr kumimoji="1" lang="ja-JP" altLang="en-US" sz="1200" dirty="0"/>
           </a:p>
@@ -15820,10 +16538,10 @@
       </p:sp>
       <p:sp>
         <p:nvSpPr>
-          <p:cNvPr id="7" name="テキスト ボックス 6">
-            <a:extLst>
-              <a:ext uri="{FF2B5EF4-FFF2-40B4-BE49-F238E27FC236}">
-                <a16:creationId xmlns:a16="http://schemas.microsoft.com/office/drawing/2014/main" id="{B08CA7DF-5804-CCFD-78F3-9CD1ED714666}"/>
+          <p:cNvPr id="14" name="テキスト ボックス 13">
+            <a:extLst>
+              <a:ext uri="{FF2B5EF4-FFF2-40B4-BE49-F238E27FC236}">
+                <a16:creationId xmlns:a16="http://schemas.microsoft.com/office/drawing/2014/main" id="{324CCFA2-628C-265D-26C0-05E581340673}"/>
               </a:ext>
             </a:extLst>
           </p:cNvPr>
@@ -15832,8 +16550,8 @@
         </p:nvSpPr>
         <p:spPr>
           <a:xfrm>
-            <a:off x="5669280" y="2788920"/>
-            <a:ext cx="914400" cy="914400"/>
+            <a:off x="987459" y="5016283"/>
+            <a:ext cx="1569660" cy="1200329"/>
           </a:xfrm>
           <a:prstGeom prst="rect">
             <a:avLst/>
@@ -15841,21 +16559,57 @@
           <a:noFill/>
         </p:spPr>
         <p:txBody>
-          <a:bodyPr wrap="square" rtlCol="0">
+          <a:bodyPr wrap="none" rtlCol="0">
             <a:spAutoFit/>
           </a:bodyPr>
           <a:lstStyle/>
           <a:p>
+            <a:r>
+              <a:rPr lang="ja-JP" altLang="en-US" dirty="0"/>
+              <a:t>進捗表示なし</a:t>
+            </a:r>
+            <a:endParaRPr kumimoji="1" lang="en-US" altLang="ja-JP" dirty="0"/>
+          </a:p>
+          <a:p>
+            <a:r>
+              <a:rPr kumimoji="1" lang="en-US" altLang="ja-JP" dirty="0"/>
+              <a:t>Ave=</a:t>
+            </a:r>
+            <a:r>
+              <a:rPr lang="en-US" altLang="ja-JP" dirty="0"/>
+              <a:t>91.4%</a:t>
+            </a:r>
+            <a:endParaRPr kumimoji="1" lang="en-US" altLang="ja-JP" dirty="0"/>
+          </a:p>
+          <a:p>
+            <a:r>
+              <a:rPr lang="en-US" altLang="ja-JP" dirty="0"/>
+              <a:t>Max=</a:t>
+            </a:r>
+            <a:r>
+              <a:rPr kumimoji="1" lang="en-US" altLang="ja-JP" dirty="0"/>
+              <a:t> 100%</a:t>
+            </a:r>
+            <a:r>
+              <a:rPr lang="en-US" altLang="ja-JP" dirty="0"/>
+              <a:t> </a:t>
+            </a:r>
+          </a:p>
+          <a:p>
+            <a:r>
+              <a:rPr kumimoji="1" lang="en-US" altLang="ja-JP" dirty="0"/>
+              <a:t>Min=80%</a:t>
+            </a:r>
             <a:endParaRPr kumimoji="1" lang="ja-JP" altLang="en-US" dirty="0"/>
           </a:p>
         </p:txBody>
       </p:sp>
       <p:sp>
         <p:nvSpPr>
-          <p:cNvPr id="9" name="テキスト ボックス 8">
-            <a:extLst>
-              <a:ext uri="{FF2B5EF4-FFF2-40B4-BE49-F238E27FC236}">
-                <a16:creationId xmlns:a16="http://schemas.microsoft.com/office/drawing/2014/main" id="{33E83734-7F87-2F72-BD6C-E7E609A582F2}"/>
+          <p:cNvPr id="17" name="テキスト ボックス 16">
+            <a:extLst>
+              <a:ext uri="{FF2B5EF4-FFF2-40B4-BE49-F238E27FC236}">
+                <a16:creationId xmlns:a16="http://schemas.microsoft.com/office/drawing/2014/main" id="{64517C10-122E-F8C3-ADD9-6AD202B3C5EE}"/>
               </a:ext>
             </a:extLst>
           </p:cNvPr>
@@ -15864,8 +16618,8 @@
         </p:nvSpPr>
         <p:spPr>
           <a:xfrm>
-            <a:off x="1242060" y="4904126"/>
-            <a:ext cx="769620" cy="982980"/>
+            <a:off x="3395379" y="5016283"/>
+            <a:ext cx="1569660" cy="1200329"/>
           </a:xfrm>
           <a:prstGeom prst="rect">
             <a:avLst/>
@@ -15873,21 +16627,57 @@
           <a:noFill/>
         </p:spPr>
         <p:txBody>
-          <a:bodyPr wrap="square" rtlCol="0">
+          <a:bodyPr wrap="none" rtlCol="0">
             <a:spAutoFit/>
           </a:bodyPr>
           <a:lstStyle/>
           <a:p>
+            <a:r>
+              <a:rPr lang="ja-JP" altLang="en-US" dirty="0"/>
+              <a:t>進捗表示あり</a:t>
+            </a:r>
+            <a:endParaRPr kumimoji="1" lang="en-US" altLang="ja-JP" dirty="0"/>
+          </a:p>
+          <a:p>
+            <a:r>
+              <a:rPr kumimoji="1" lang="en-US" altLang="ja-JP" dirty="0"/>
+              <a:t>Ave=</a:t>
+            </a:r>
+            <a:r>
+              <a:rPr lang="en-US" altLang="ja-JP" dirty="0"/>
+              <a:t>92.5%</a:t>
+            </a:r>
+            <a:r>
+              <a:rPr kumimoji="1" lang="en-US" altLang="ja-JP" dirty="0"/>
+              <a:t> </a:t>
+            </a:r>
+          </a:p>
+          <a:p>
+            <a:r>
+              <a:rPr lang="en-US" altLang="ja-JP" dirty="0"/>
+              <a:t>Max=</a:t>
+            </a:r>
+            <a:r>
+              <a:rPr kumimoji="1" lang="en-US" altLang="ja-JP" dirty="0"/>
+              <a:t>100%</a:t>
+            </a:r>
+            <a:endParaRPr lang="en-US" altLang="ja-JP" dirty="0"/>
+          </a:p>
+          <a:p>
+            <a:r>
+              <a:rPr kumimoji="1" lang="en-US" altLang="ja-JP" dirty="0"/>
+              <a:t>Min=80%</a:t>
+            </a:r>
             <a:endParaRPr kumimoji="1" lang="ja-JP" altLang="en-US" dirty="0"/>
           </a:p>
         </p:txBody>
       </p:sp>
       <p:sp>
         <p:nvSpPr>
-          <p:cNvPr id="10" name="テキスト ボックス 9">
-            <a:extLst>
-              <a:ext uri="{FF2B5EF4-FFF2-40B4-BE49-F238E27FC236}">
-                <a16:creationId xmlns:a16="http://schemas.microsoft.com/office/drawing/2014/main" id="{E446367E-9000-3003-4785-8DCBCAAFEA2A}"/>
+          <p:cNvPr id="11" name="テキスト ボックス 10">
+            <a:extLst>
+              <a:ext uri="{FF2B5EF4-FFF2-40B4-BE49-F238E27FC236}">
+                <a16:creationId xmlns:a16="http://schemas.microsoft.com/office/drawing/2014/main" id="{D77B7505-F2B3-DE35-9981-3AEC307E1B86}"/>
               </a:ext>
             </a:extLst>
           </p:cNvPr>
@@ -15896,8 +16686,8 @@
         </p:nvSpPr>
         <p:spPr>
           <a:xfrm>
-            <a:off x="725132" y="4863770"/>
-            <a:ext cx="2076209" cy="1200329"/>
+            <a:off x="6126480" y="2120245"/>
+            <a:ext cx="5262979" cy="923330"/>
           </a:xfrm>
           <a:prstGeom prst="rect">
             <a:avLst/>
@@ -15911,91 +16701,62 @@
           <a:lstStyle/>
           <a:p>
             <a:r>
+              <a:rPr lang="en-US" altLang="ja-JP" i="1" dirty="0"/>
+              <a:t>t </a:t>
+            </a:r>
+            <a:r>
               <a:rPr lang="ja-JP" altLang="en-US" dirty="0"/>
-              <a:t>進捗表示なし</a:t>
-            </a:r>
-            <a:endParaRPr kumimoji="1" lang="en-US" altLang="ja-JP" dirty="0"/>
-          </a:p>
-          <a:p>
+              <a:t>検定を行った結果、</a:t>
+            </a:r>
+            <a:endParaRPr lang="en-US" altLang="ja-JP" dirty="0"/>
+          </a:p>
+          <a:p>
+            <a:r>
+              <a:rPr lang="ja-JP" altLang="en-US" dirty="0"/>
+              <a:t>進捗表示の有無による平均回答時間に有意な差が</a:t>
+            </a:r>
+            <a:endParaRPr lang="en-US" altLang="ja-JP" dirty="0"/>
+          </a:p>
+          <a:p>
+            <a:r>
+              <a:rPr kumimoji="1" lang="ja-JP" altLang="en-US" dirty="0"/>
+              <a:t>見られなかった</a:t>
+            </a:r>
             <a:r>
               <a:rPr kumimoji="1" lang="en-US" altLang="ja-JP" dirty="0"/>
-              <a:t>Ave=9967.54ms</a:t>
-            </a:r>
-          </a:p>
-          <a:p>
-            <a:r>
-              <a:rPr lang="en-US" altLang="ja-JP" dirty="0"/>
-              <a:t>Max=15700.37ms</a:t>
-            </a:r>
-          </a:p>
-          <a:p>
+              <a:t>(</a:t>
+            </a:r>
+            <a:r>
+              <a:rPr kumimoji="1" lang="en-US" altLang="ja-JP" i="1" dirty="0"/>
+              <a:t>t</a:t>
+            </a:r>
+            <a:r>
+              <a:rPr lang="ja-JP" altLang="en-US" i="1" dirty="0"/>
+              <a:t> </a:t>
+            </a:r>
             <a:r>
               <a:rPr kumimoji="1" lang="en-US" altLang="ja-JP" dirty="0"/>
-              <a:t>Min=5059.07ms</a:t>
-            </a:r>
-            <a:endParaRPr kumimoji="1" lang="ja-JP" altLang="en-US" dirty="0"/>
-          </a:p>
-        </p:txBody>
-      </p:sp>
-      <p:sp>
-        <p:nvSpPr>
-          <p:cNvPr id="15" name="テキスト ボックス 14">
-            <a:extLst>
-              <a:ext uri="{FF2B5EF4-FFF2-40B4-BE49-F238E27FC236}">
-                <a16:creationId xmlns:a16="http://schemas.microsoft.com/office/drawing/2014/main" id="{4CCDF32D-394E-64EE-B5DE-5BE4C1FA3C59}"/>
-              </a:ext>
-            </a:extLst>
-          </p:cNvPr>
-          <p:cNvSpPr txBox="1"/>
-          <p:nvPr/>
-        </p:nvSpPr>
-        <p:spPr>
-          <a:xfrm>
-            <a:off x="3072092" y="4858624"/>
-            <a:ext cx="2076209" cy="1200329"/>
-          </a:xfrm>
-          <a:prstGeom prst="rect">
-            <a:avLst/>
-          </a:prstGeom>
-          <a:noFill/>
-        </p:spPr>
-        <p:txBody>
-          <a:bodyPr wrap="none" rtlCol="0">
-            <a:spAutoFit/>
-          </a:bodyPr>
-          <a:lstStyle/>
-          <a:p>
-            <a:r>
-              <a:rPr lang="ja-JP" altLang="en-US" dirty="0"/>
-              <a:t>進捗表示あり</a:t>
-            </a:r>
-            <a:endParaRPr kumimoji="1" lang="en-US" altLang="ja-JP" dirty="0"/>
-          </a:p>
-          <a:p>
+              <a:t>(11)=-1.29, </a:t>
+            </a:r>
+            <a:r>
+              <a:rPr kumimoji="1" lang="en-US" altLang="ja-JP" i="1" dirty="0"/>
+              <a:t>p </a:t>
+            </a:r>
             <a:r>
               <a:rPr kumimoji="1" lang="en-US" altLang="ja-JP" dirty="0"/>
-              <a:t>Ave=7496.75ms</a:t>
-            </a:r>
-          </a:p>
-          <a:p>
-            <a:r>
-              <a:rPr lang="en-US" altLang="ja-JP" dirty="0"/>
-              <a:t>Max=11118.63ms</a:t>
-            </a:r>
-          </a:p>
-          <a:p>
-            <a:r>
-              <a:rPr kumimoji="1" lang="en-US" altLang="ja-JP" dirty="0"/>
-              <a:t>Min=4934.66ms</a:t>
-            </a:r>
-            <a:endParaRPr kumimoji="1" lang="ja-JP" altLang="en-US" dirty="0"/>
+              <a:t>&lt;.05)</a:t>
+            </a:r>
+            <a:r>
+              <a:rPr kumimoji="1" lang="ja-JP" altLang="en-US" dirty="0"/>
+              <a:t>。</a:t>
+            </a:r>
           </a:p>
         </p:txBody>
       </p:sp>
     </p:spTree>
     <p:extLst>
       <p:ext uri="{BB962C8B-B14F-4D97-AF65-F5344CB8AC3E}">
-        <p14:creationId xmlns:p14="http://schemas.microsoft.com/office/powerpoint/2010/main" val="3480643350"/>
+        <p14:creationId xmlns:p14="http://schemas.microsoft.com/office/powerpoint/2010/main" val="1438447707"/>
       </p:ext>
     </p:extLst>
   </p:cSld>

--- a/発表_p/20221212_発表.pptx
+++ b/発表_p/20221212_発表.pptx
@@ -9852,7 +9852,7 @@
           <a:p>
             <a:fld id="{388AA84C-5962-4688-BDAA-4DF6096806BA}" type="datetimeFigureOut">
               <a:rPr kumimoji="1" lang="ja-JP" altLang="en-US" smtClean="0"/>
-              <a:t>2023/1/29</a:t>
+              <a:t>2023/1/31</a:t>
             </a:fld>
             <a:endParaRPr kumimoji="1" lang="ja-JP" altLang="en-US"/>
           </a:p>
@@ -10853,6 +10853,13 @@
             </a:endParaRPr>
           </a:p>
           <a:p>
+            <a:r>
+              <a:rPr lang="ja-JP" altLang="en-US" sz="1200" b="1" dirty="0">
+                <a:latin typeface="HGS創英角ｺﾞｼｯｸUB" panose="020B0900000000000000" pitchFamily="50" charset="-128"/>
+                <a:ea typeface="HGS創英角ｺﾞｼｯｸUB" panose="020B0900000000000000" pitchFamily="50" charset="-128"/>
+              </a:rPr>
+              <a:t>しかしそれらの作業の集中力の維持は難しく長く続かないといえます</a:t>
+            </a:r>
             <a:endParaRPr lang="en-US" altLang="ja-JP" sz="1200" b="1" dirty="0">
               <a:latin typeface="HGS創英角ｺﾞｼｯｸUB" panose="020B0900000000000000" pitchFamily="50" charset="-128"/>
               <a:ea typeface="HGS創英角ｺﾞｼｯｸUB" panose="020B0900000000000000" pitchFamily="50" charset="-128"/>
@@ -12243,6 +12250,75 @@
               </a:rPr>
               <a:t>分の休憩を取ってもらってから後半を開始するようにしました。後半も前半と同じ実験の条件にするために同じく練習問題を解いてもらい、実際の計算タスクをやってもらいました。</a:t>
             </a:r>
+            <a:endParaRPr lang="en-US" altLang="ja-JP" sz="1200" b="1" dirty="0">
+              <a:latin typeface="HGS創英角ｺﾞｼｯｸUB" panose="020B0900000000000000" pitchFamily="50" charset="-128"/>
+              <a:ea typeface="HGS創英角ｺﾞｼｯｸUB" panose="020B0900000000000000" pitchFamily="50" charset="-128"/>
+            </a:endParaRPr>
+          </a:p>
+          <a:p>
+            <a:pPr>
+              <a:lnSpc>
+                <a:spcPct val="150000"/>
+              </a:lnSpc>
+            </a:pPr>
+            <a:r>
+              <a:rPr lang="ja-JP" altLang="en-US" sz="1200" b="1" dirty="0">
+                <a:latin typeface="HGS創英角ｺﾞｼｯｸUB" panose="020B0900000000000000" pitchFamily="50" charset="-128"/>
+                <a:ea typeface="HGS創英角ｺﾞｼｯｸUB" panose="020B0900000000000000" pitchFamily="50" charset="-128"/>
+              </a:rPr>
+              <a:t>このタスクから</a:t>
+            </a:r>
+            <a:r>
+              <a:rPr kumimoji="1" lang="ja-JP" altLang="en-US" sz="1200" b="1" dirty="0">
+                <a:solidFill>
+                  <a:schemeClr val="bg1"/>
+                </a:solidFill>
+              </a:rPr>
+              <a:t>一問当たりの平均回答時間、正答率、</a:t>
+            </a:r>
+            <a:endParaRPr kumimoji="1" lang="en-US" altLang="ja-JP" sz="1200" b="1" dirty="0">
+              <a:solidFill>
+                <a:schemeClr val="bg1"/>
+              </a:solidFill>
+            </a:endParaRPr>
+          </a:p>
+          <a:p>
+            <a:pPr>
+              <a:lnSpc>
+                <a:spcPct val="150000"/>
+              </a:lnSpc>
+            </a:pPr>
+            <a:r>
+              <a:rPr kumimoji="1" lang="ja-JP" altLang="en-US" sz="1200" b="1" dirty="0">
+                <a:solidFill>
+                  <a:schemeClr val="bg1"/>
+                </a:solidFill>
+              </a:rPr>
+              <a:t>集中度合いの</a:t>
+            </a:r>
+            <a:r>
+              <a:rPr kumimoji="1" lang="en-US" altLang="ja-JP" sz="1200" b="1" dirty="0">
+                <a:solidFill>
+                  <a:schemeClr val="bg1"/>
+                </a:solidFill>
+              </a:rPr>
+              <a:t>3</a:t>
+            </a:r>
+            <a:r>
+              <a:rPr kumimoji="1" lang="ja-JP" altLang="en-US" sz="1200" b="1" dirty="0">
+                <a:solidFill>
+                  <a:schemeClr val="bg1"/>
+                </a:solidFill>
+              </a:rPr>
+              <a:t>つを算出し、進捗を表示することによるタスクへの影響を調べました</a:t>
+            </a:r>
+            <a:endParaRPr kumimoji="1" lang="ja-JP" altLang="en-US" b="1" dirty="0">
+              <a:solidFill>
+                <a:schemeClr val="bg1"/>
+              </a:solidFill>
+            </a:endParaRPr>
+          </a:p>
+          <a:p>
             <a:endParaRPr lang="en-US" altLang="ja-JP" sz="1200" b="1" dirty="0">
               <a:latin typeface="HGS創英角ｺﾞｼｯｸUB" panose="020B0900000000000000" pitchFamily="50" charset="-128"/>
               <a:ea typeface="HGS創英角ｺﾞｼｯｸUB" panose="020B0900000000000000" pitchFamily="50" charset="-128"/>
@@ -12531,6 +12607,120 @@
               <a:cs typeface="Times New Roman" panose="02020603050405020304" pitchFamily="18" charset="0"/>
             </a:endParaRPr>
           </a:p>
+          <a:p>
+            <a:endParaRPr lang="en-US" altLang="ja-JP" sz="1800" dirty="0">
+              <a:effectLst/>
+              <a:ea typeface="游明朝" panose="02020400000000000000" pitchFamily="18" charset="-128"/>
+              <a:cs typeface="Times New Roman" panose="02020603050405020304" pitchFamily="18" charset="0"/>
+            </a:endParaRPr>
+          </a:p>
+          <a:p>
+            <a:pPr marL="0" marR="0" lvl="0" indent="0" algn="l" defTabSz="914400" rtl="0" eaLnBrk="1" fontAlgn="auto" latinLnBrk="0" hangingPunct="1">
+              <a:lnSpc>
+                <a:spcPct val="100000"/>
+              </a:lnSpc>
+              <a:spcBef>
+                <a:spcPts val="0"/>
+              </a:spcBef>
+              <a:spcAft>
+                <a:spcPts val="0"/>
+              </a:spcAft>
+              <a:buClrTx/>
+              <a:buSzTx/>
+              <a:buFontTx/>
+              <a:buNone/>
+              <a:tabLst/>
+              <a:defRPr/>
+            </a:pPr>
+            <a:r>
+              <a:rPr lang="ja-JP" altLang="ja-JP" sz="1800" kern="100" dirty="0">
+                <a:effectLst/>
+                <a:latin typeface="游明朝" panose="02020400000000000000" pitchFamily="18" charset="-128"/>
+                <a:ea typeface="游明朝" panose="02020400000000000000" pitchFamily="18" charset="-128"/>
+                <a:cs typeface="Times New Roman" panose="02020603050405020304" pitchFamily="18" charset="0"/>
+              </a:rPr>
+              <a:t>　正答率は進捗表示の有無で有意差は認められないという結果になった。良くなったのは</a:t>
+            </a:r>
+            <a:r>
+              <a:rPr lang="en-US" altLang="ja-JP" sz="1800" kern="100" dirty="0">
+                <a:effectLst/>
+                <a:latin typeface="游明朝" panose="02020400000000000000" pitchFamily="18" charset="-128"/>
+                <a:ea typeface="游明朝" panose="02020400000000000000" pitchFamily="18" charset="-128"/>
+                <a:cs typeface="Times New Roman" panose="02020603050405020304" pitchFamily="18" charset="0"/>
+              </a:rPr>
+              <a:t>12</a:t>
+            </a:r>
+            <a:r>
+              <a:rPr lang="ja-JP" altLang="ja-JP" sz="1800" kern="100" dirty="0">
+                <a:effectLst/>
+                <a:latin typeface="游明朝" panose="02020400000000000000" pitchFamily="18" charset="-128"/>
+                <a:ea typeface="游明朝" panose="02020400000000000000" pitchFamily="18" charset="-128"/>
+                <a:cs typeface="Times New Roman" panose="02020603050405020304" pitchFamily="18" charset="0"/>
+              </a:rPr>
+              <a:t>人中</a:t>
+            </a:r>
+            <a:r>
+              <a:rPr lang="en-US" altLang="ja-JP" sz="1800" kern="100" dirty="0">
+                <a:effectLst/>
+                <a:latin typeface="游明朝" panose="02020400000000000000" pitchFamily="18" charset="-128"/>
+                <a:ea typeface="游明朝" panose="02020400000000000000" pitchFamily="18" charset="-128"/>
+                <a:cs typeface="Times New Roman" panose="02020603050405020304" pitchFamily="18" charset="0"/>
+              </a:rPr>
+              <a:t>5</a:t>
+            </a:r>
+            <a:r>
+              <a:rPr lang="ja-JP" altLang="ja-JP" sz="1800" kern="100" dirty="0">
+                <a:effectLst/>
+                <a:latin typeface="游明朝" panose="02020400000000000000" pitchFamily="18" charset="-128"/>
+                <a:ea typeface="游明朝" panose="02020400000000000000" pitchFamily="18" charset="-128"/>
+                <a:cs typeface="Times New Roman" panose="02020603050405020304" pitchFamily="18" charset="0"/>
+              </a:rPr>
+              <a:t>人だった。これはどのくらいか終わっているのかわかることで終わりが見え、急いで回答してしまい回答率が落ちてしまうパターンと逆に終わっているタスクの量を確認して安心して正確に解こうとし正答率が上がったが回答時間が伸びてしまったパターン、進捗を見ることで回答時間が短くなり正答率が上がったという</a:t>
+            </a:r>
+            <a:r>
+              <a:rPr lang="en-US" altLang="ja-JP" sz="1800" kern="100" dirty="0">
+                <a:effectLst/>
+                <a:latin typeface="游明朝" panose="02020400000000000000" pitchFamily="18" charset="-128"/>
+                <a:ea typeface="游明朝" panose="02020400000000000000" pitchFamily="18" charset="-128"/>
+                <a:cs typeface="Times New Roman" panose="02020603050405020304" pitchFamily="18" charset="0"/>
+              </a:rPr>
+              <a:t>3</a:t>
+            </a:r>
+            <a:r>
+              <a:rPr lang="ja-JP" altLang="ja-JP" sz="1800" kern="100" dirty="0">
+                <a:effectLst/>
+                <a:latin typeface="游明朝" panose="02020400000000000000" pitchFamily="18" charset="-128"/>
+                <a:ea typeface="游明朝" panose="02020400000000000000" pitchFamily="18" charset="-128"/>
+                <a:cs typeface="Times New Roman" panose="02020603050405020304" pitchFamily="18" charset="0"/>
+              </a:rPr>
+              <a:t>パターンに分けられるという結果になる。その中でも一番多いのは進捗を見て、急いで回答してしまい回答率が落ちてしまうパターンだった。このように進捗を表示することは回答率</a:t>
+            </a:r>
+            <a:r>
+              <a:rPr lang="en-US" altLang="ja-JP" sz="1800" kern="100" dirty="0">
+                <a:effectLst/>
+                <a:latin typeface="游明朝" panose="02020400000000000000" pitchFamily="18" charset="-128"/>
+                <a:ea typeface="游明朝" panose="02020400000000000000" pitchFamily="18" charset="-128"/>
+                <a:cs typeface="Times New Roman" panose="02020603050405020304" pitchFamily="18" charset="0"/>
+              </a:rPr>
+              <a:t>,</a:t>
+            </a:r>
+            <a:r>
+              <a:rPr lang="ja-JP" altLang="ja-JP" sz="1800" kern="100" dirty="0">
+                <a:effectLst/>
+                <a:latin typeface="游明朝" panose="02020400000000000000" pitchFamily="18" charset="-128"/>
+                <a:ea typeface="游明朝" panose="02020400000000000000" pitchFamily="18" charset="-128"/>
+                <a:cs typeface="Times New Roman" panose="02020603050405020304" pitchFamily="18" charset="0"/>
+              </a:rPr>
+              <a:t>回答時間が必ずしもいい方向に働くとは言えない結果になった。</a:t>
+            </a:r>
+          </a:p>
+          <a:p>
+            <a:endParaRPr lang="en-US" altLang="ja-JP" sz="1800" dirty="0">
+              <a:effectLst/>
+              <a:ea typeface="游明朝" panose="02020400000000000000" pitchFamily="18" charset="-128"/>
+              <a:cs typeface="Times New Roman" panose="02020603050405020304" pitchFamily="18" charset="0"/>
+            </a:endParaRPr>
+          </a:p>
         </p:txBody>
       </p:sp>
       <p:sp>
@@ -12936,7 +13126,7 @@
           <a:p>
             <a:fld id="{48A87A34-81AB-432B-8DAE-1953F412C126}" type="datetimeFigureOut">
               <a:rPr lang="en-US" smtClean="0"/>
-              <a:t>1/29/2023</a:t>
+              <a:t>1/31/2023</a:t>
             </a:fld>
             <a:endParaRPr lang="en-US" dirty="0"/>
           </a:p>
@@ -13166,7 +13356,7 @@
           <a:p>
             <a:fld id="{48A87A34-81AB-432B-8DAE-1953F412C126}" type="datetimeFigureOut">
               <a:rPr lang="en-US" smtClean="0"/>
-              <a:t>1/29/2023</a:t>
+              <a:t>1/31/2023</a:t>
             </a:fld>
             <a:endParaRPr lang="en-US" dirty="0"/>
           </a:p>
@@ -13406,7 +13596,7 @@
           <a:p>
             <a:fld id="{48A87A34-81AB-432B-8DAE-1953F412C126}" type="datetimeFigureOut">
               <a:rPr lang="en-US" smtClean="0"/>
-              <a:t>1/29/2023</a:t>
+              <a:t>1/31/2023</a:t>
             </a:fld>
             <a:endParaRPr lang="en-US" dirty="0"/>
           </a:p>
@@ -13636,7 +13826,7 @@
           <a:p>
             <a:fld id="{48A87A34-81AB-432B-8DAE-1953F412C126}" type="datetimeFigureOut">
               <a:rPr lang="en-US" smtClean="0"/>
-              <a:t>1/29/2023</a:t>
+              <a:t>1/31/2023</a:t>
             </a:fld>
             <a:endParaRPr lang="en-US" dirty="0"/>
           </a:p>
@@ -13911,7 +14101,7 @@
           <a:p>
             <a:fld id="{48A87A34-81AB-432B-8DAE-1953F412C126}" type="datetimeFigureOut">
               <a:rPr lang="en-US" smtClean="0"/>
-              <a:t>1/29/2023</a:t>
+              <a:t>1/31/2023</a:t>
             </a:fld>
             <a:endParaRPr lang="en-US" dirty="0"/>
           </a:p>
@@ -14240,7 +14430,7 @@
           <a:p>
             <a:fld id="{48A87A34-81AB-432B-8DAE-1953F412C126}" type="datetimeFigureOut">
               <a:rPr lang="en-US" smtClean="0"/>
-              <a:t>1/29/2023</a:t>
+              <a:t>1/31/2023</a:t>
             </a:fld>
             <a:endParaRPr lang="en-US" dirty="0"/>
           </a:p>
@@ -14716,7 +14906,7 @@
           <a:p>
             <a:fld id="{48A87A34-81AB-432B-8DAE-1953F412C126}" type="datetimeFigureOut">
               <a:rPr lang="en-US" smtClean="0"/>
-              <a:t>1/29/2023</a:t>
+              <a:t>1/31/2023</a:t>
             </a:fld>
             <a:endParaRPr lang="en-US" dirty="0"/>
           </a:p>
@@ -14857,7 +15047,7 @@
           <a:p>
             <a:fld id="{48A87A34-81AB-432B-8DAE-1953F412C126}" type="datetimeFigureOut">
               <a:rPr lang="en-US" smtClean="0"/>
-              <a:t>1/29/2023</a:t>
+              <a:t>1/31/2023</a:t>
             </a:fld>
             <a:endParaRPr lang="en-US" dirty="0"/>
           </a:p>
@@ -14970,7 +15160,7 @@
           <a:p>
             <a:fld id="{48A87A34-81AB-432B-8DAE-1953F412C126}" type="datetimeFigureOut">
               <a:rPr lang="en-US" smtClean="0"/>
-              <a:t>1/29/2023</a:t>
+              <a:t>1/31/2023</a:t>
             </a:fld>
             <a:endParaRPr lang="en-US" dirty="0"/>
           </a:p>
@@ -15313,7 +15503,7 @@
           <a:p>
             <a:fld id="{48A87A34-81AB-432B-8DAE-1953F412C126}" type="datetimeFigureOut">
               <a:rPr lang="en-US" smtClean="0"/>
-              <a:t>1/29/2023</a:t>
+              <a:t>1/31/2023</a:t>
             </a:fld>
             <a:endParaRPr lang="en-US" dirty="0"/>
           </a:p>
@@ -15605,7 +15795,7 @@
             <a:fld id="{48A87A34-81AB-432B-8DAE-1953F412C126}" type="datetimeFigureOut">
               <a:rPr lang="en-US" smtClean="0"/>
               <a:pPr/>
-              <a:t>1/29/2023</a:t>
+              <a:t>1/31/2023</a:t>
             </a:fld>
             <a:endParaRPr lang="en-US" dirty="0"/>
           </a:p>
@@ -15879,7 +16069,7 @@
             <a:fld id="{48A87A34-81AB-432B-8DAE-1953F412C126}" type="datetimeFigureOut">
               <a:rPr lang="en-US" smtClean="0"/>
               <a:pPr/>
-              <a:t>1/29/2023</a:t>
+              <a:t>1/31/2023</a:t>
             </a:fld>
             <a:endParaRPr lang="en-US" dirty="0"/>
           </a:p>
@@ -24284,13 +24474,13 @@
           <p:nvPr>
             <p:extLst>
               <p:ext uri="{D42A27DB-BD31-4B8C-83A1-F6EECF244321}">
-                <p14:modId xmlns:p14="http://schemas.microsoft.com/office/powerpoint/2010/main" val="4278761129"/>
+                <p14:modId xmlns:p14="http://schemas.microsoft.com/office/powerpoint/2010/main" val="3865962409"/>
               </p:ext>
             </p:extLst>
           </p:nvPr>
         </p:nvGraphicFramePr>
         <p:xfrm>
-          <a:off x="584392" y="2637406"/>
+          <a:off x="584392" y="1825748"/>
           <a:ext cx="11049283" cy="2586351"/>
         </p:xfrm>
         <a:graphic>
@@ -24299,6 +24489,165 @@
           </a:graphicData>
         </a:graphic>
       </p:graphicFrame>
+      <p:pic>
+        <p:nvPicPr>
+          <p:cNvPr id="7" name="図 6">
+            <a:extLst>
+              <a:ext uri="{FF2B5EF4-FFF2-40B4-BE49-F238E27FC236}">
+                <a16:creationId xmlns:a16="http://schemas.microsoft.com/office/drawing/2014/main" id="{D4BD7647-697E-A5AB-6342-904945178F74}"/>
+              </a:ext>
+            </a:extLst>
+          </p:cNvPr>
+          <p:cNvPicPr>
+            <a:picLocks noChangeAspect="1"/>
+          </p:cNvPicPr>
+          <p:nvPr/>
+        </p:nvPicPr>
+        <p:blipFill>
+          <a:blip r:embed="rId10"/>
+          <a:stretch>
+            <a:fillRect/>
+          </a:stretch>
+        </p:blipFill>
+        <p:spPr>
+          <a:xfrm rot="5400000" flipV="1">
+            <a:off x="5892605" y="3976953"/>
+            <a:ext cx="432854" cy="530398"/>
+          </a:xfrm>
+          <a:prstGeom prst="rect">
+            <a:avLst/>
+          </a:prstGeom>
+        </p:spPr>
+      </p:pic>
+      <p:sp>
+        <p:nvSpPr>
+          <p:cNvPr id="9" name="四角形: 角を丸くする 8">
+            <a:extLst>
+              <a:ext uri="{FF2B5EF4-FFF2-40B4-BE49-F238E27FC236}">
+                <a16:creationId xmlns:a16="http://schemas.microsoft.com/office/drawing/2014/main" id="{7D61133E-69CF-9F03-FA0F-A70D7DC382F8}"/>
+              </a:ext>
+            </a:extLst>
+          </p:cNvPr>
+          <p:cNvSpPr/>
+          <p:nvPr/>
+        </p:nvSpPr>
+        <p:spPr>
+          <a:xfrm>
+            <a:off x="1690071" y="4507351"/>
+            <a:ext cx="9368319" cy="2151205"/>
+          </a:xfrm>
+          <a:prstGeom prst="roundRect">
+            <a:avLst/>
+          </a:prstGeom>
+        </p:spPr>
+        <p:style>
+          <a:lnRef idx="0">
+            <a:schemeClr val="accent5"/>
+          </a:lnRef>
+          <a:fillRef idx="3">
+            <a:schemeClr val="accent5"/>
+          </a:fillRef>
+          <a:effectRef idx="3">
+            <a:schemeClr val="accent5"/>
+          </a:effectRef>
+          <a:fontRef idx="minor">
+            <a:schemeClr val="lt1"/>
+          </a:fontRef>
+        </p:style>
+        <p:txBody>
+          <a:bodyPr rtlCol="0" anchor="ctr"/>
+          <a:lstStyle/>
+          <a:p>
+            <a:pPr algn="ctr"/>
+            <a:endParaRPr kumimoji="1" lang="ja-JP" altLang="en-US"/>
+          </a:p>
+        </p:txBody>
+      </p:sp>
+      <p:sp>
+        <p:nvSpPr>
+          <p:cNvPr id="4" name="テキスト ボックス 3">
+            <a:extLst>
+              <a:ext uri="{FF2B5EF4-FFF2-40B4-BE49-F238E27FC236}">
+                <a16:creationId xmlns:a16="http://schemas.microsoft.com/office/drawing/2014/main" id="{320ED23F-32D8-355D-F8FF-DA9A45489CEF}"/>
+              </a:ext>
+            </a:extLst>
+          </p:cNvPr>
+          <p:cNvSpPr txBox="1"/>
+          <p:nvPr/>
+        </p:nvSpPr>
+        <p:spPr>
+          <a:xfrm>
+            <a:off x="2185348" y="4841508"/>
+            <a:ext cx="8694984" cy="1323439"/>
+          </a:xfrm>
+          <a:prstGeom prst="rect">
+            <a:avLst/>
+          </a:prstGeom>
+          <a:noFill/>
+        </p:spPr>
+        <p:txBody>
+          <a:bodyPr wrap="square" rtlCol="0">
+            <a:spAutoFit/>
+          </a:bodyPr>
+          <a:lstStyle/>
+          <a:p>
+            <a:pPr>
+              <a:lnSpc>
+                <a:spcPct val="150000"/>
+              </a:lnSpc>
+            </a:pPr>
+            <a:r>
+              <a:rPr kumimoji="1" lang="ja-JP" altLang="en-US" sz="2800" b="1" dirty="0">
+                <a:solidFill>
+                  <a:schemeClr val="bg1"/>
+                </a:solidFill>
+              </a:rPr>
+              <a:t>このタスクから一問当たりの平均回答時間、正答率、</a:t>
+            </a:r>
+            <a:endParaRPr kumimoji="1" lang="en-US" altLang="ja-JP" sz="2800" b="1" dirty="0">
+              <a:solidFill>
+                <a:schemeClr val="bg1"/>
+              </a:solidFill>
+            </a:endParaRPr>
+          </a:p>
+          <a:p>
+            <a:pPr>
+              <a:lnSpc>
+                <a:spcPct val="150000"/>
+              </a:lnSpc>
+            </a:pPr>
+            <a:r>
+              <a:rPr kumimoji="1" lang="ja-JP" altLang="en-US" sz="2800" b="1" dirty="0">
+                <a:solidFill>
+                  <a:schemeClr val="bg1"/>
+                </a:solidFill>
+              </a:rPr>
+              <a:t>集中度合いの</a:t>
+            </a:r>
+            <a:r>
+              <a:rPr kumimoji="1" lang="en-US" altLang="ja-JP" sz="2800" b="1" dirty="0">
+                <a:solidFill>
+                  <a:schemeClr val="bg1"/>
+                </a:solidFill>
+              </a:rPr>
+              <a:t>3</a:t>
+            </a:r>
+            <a:r>
+              <a:rPr kumimoji="1" lang="ja-JP" altLang="en-US" sz="2800" b="1" dirty="0">
+                <a:solidFill>
+                  <a:schemeClr val="bg1"/>
+                </a:solidFill>
+              </a:rPr>
+              <a:t>つを算出し、進捗表示の影響を調べる</a:t>
+            </a:r>
+            <a:endParaRPr kumimoji="1" lang="ja-JP" altLang="en-US" b="1" dirty="0">
+              <a:solidFill>
+                <a:schemeClr val="bg1"/>
+              </a:solidFill>
+            </a:endParaRPr>
+          </a:p>
+        </p:txBody>
+      </p:sp>
     </p:spTree>
     <p:extLst>
       <p:ext uri="{BB962C8B-B14F-4D97-AF65-F5344CB8AC3E}">

--- a/発表_p/20221212_発表.pptx
+++ b/発表_p/20221212_発表.pptx
@@ -140,6 +140,556 @@
 </file>
 
 <file path=ppt/charts/chart1.xml><?xml version="1.0" encoding="utf-8"?>
+<c:chartSpace xmlns:c="http://schemas.openxmlformats.org/drawingml/2006/chart" xmlns:a="http://schemas.openxmlformats.org/drawingml/2006/main" xmlns:r="http://schemas.openxmlformats.org/officeDocument/2006/relationships" xmlns:c16r2="http://schemas.microsoft.com/office/drawing/2015/06/chart">
+  <c:date1904 val="0"/>
+  <c:lang val="ja-JP"/>
+  <c:roundedCorners val="0"/>
+  <mc:AlternateContent xmlns:mc="http://schemas.openxmlformats.org/markup-compatibility/2006">
+    <mc:Choice xmlns:c14="http://schemas.microsoft.com/office/drawing/2007/8/2/chart" Requires="c14">
+      <c14:style val="102"/>
+    </mc:Choice>
+    <mc:Fallback>
+      <c:style val="2"/>
+    </mc:Fallback>
+  </mc:AlternateContent>
+  <c:clrMapOvr bg1="lt1" tx1="dk1" bg2="lt2" tx2="dk2" accent1="accent1" accent2="accent2" accent3="accent3" accent4="accent4" accent5="accent5" accent6="accent6" hlink="hlink" folHlink="folHlink"/>
+  <c:chart>
+    <c:autoTitleDeleted val="1"/>
+    <c:plotArea>
+      <c:layout/>
+      <c:barChart>
+        <c:barDir val="col"/>
+        <c:grouping val="clustered"/>
+        <c:varyColors val="0"/>
+        <c:ser>
+          <c:idx val="0"/>
+          <c:order val="0"/>
+          <c:spPr>
+            <a:solidFill>
+              <a:schemeClr val="accent1"/>
+            </a:solidFill>
+            <a:ln>
+              <a:noFill/>
+            </a:ln>
+            <a:effectLst/>
+          </c:spPr>
+          <c:invertIfNegative val="0"/>
+          <c:errBars>
+            <c:errBarType val="both"/>
+            <c:errValType val="cust"/>
+            <c:noEndCap val="0"/>
+            <c:plus>
+              <c:numRef>
+                <c:f>'12member(自動回復済み)'!$AK$15</c:f>
+                <c:numCache>
+                  <c:formatCode>General</c:formatCode>
+                  <c:ptCount val="1"/>
+                  <c:pt idx="0">
+                    <c:v>2421.4199573751971</c:v>
+                  </c:pt>
+                </c:numCache>
+              </c:numRef>
+            </c:plus>
+            <c:minus>
+              <c:numRef>
+                <c:f>'12member(自動回復済み)'!$AK$31</c:f>
+                <c:numCache>
+                  <c:formatCode>General</c:formatCode>
+                  <c:ptCount val="1"/>
+                  <c:pt idx="0">
+                    <c:v>2000.6941529329879</c:v>
+                  </c:pt>
+                </c:numCache>
+              </c:numRef>
+            </c:minus>
+            <c:spPr>
+              <a:noFill/>
+              <a:ln w="9525" cap="flat" cmpd="sng" algn="ctr">
+                <a:solidFill>
+                  <a:schemeClr val="tx1">
+                    <a:lumMod val="65000"/>
+                    <a:lumOff val="35000"/>
+                  </a:schemeClr>
+                </a:solidFill>
+                <a:round/>
+              </a:ln>
+              <a:effectLst/>
+            </c:spPr>
+          </c:errBars>
+          <c:cat>
+            <c:strRef>
+              <c:f>'12member(自動回復済み)'!$Y$30:$Z$30</c:f>
+              <c:strCache>
+                <c:ptCount val="2"/>
+                <c:pt idx="0">
+                  <c:v>進捗表示なし</c:v>
+                </c:pt>
+                <c:pt idx="1">
+                  <c:v>進捗表示あり</c:v>
+                </c:pt>
+              </c:strCache>
+            </c:strRef>
+          </c:cat>
+          <c:val>
+            <c:numRef>
+              <c:f>('12member(自動回復済み)'!$AK$14,'12member(自動回復済み)'!$AK$30)</c:f>
+              <c:numCache>
+                <c:formatCode>General</c:formatCode>
+                <c:ptCount val="2"/>
+                <c:pt idx="0">
+                  <c:v>9385.7263888888901</c:v>
+                </c:pt>
+                <c:pt idx="1">
+                  <c:v>8177.2555555555555</c:v>
+                </c:pt>
+              </c:numCache>
+            </c:numRef>
+          </c:val>
+          <c:extLst>
+            <c:ext xmlns:c16="http://schemas.microsoft.com/office/drawing/2014/chart" uri="{C3380CC4-5D6E-409C-BE32-E72D297353CC}">
+              <c16:uniqueId val="{00000000-D19A-40F4-AEF8-6123DCB3E466}"/>
+            </c:ext>
+          </c:extLst>
+        </c:ser>
+        <c:dLbls>
+          <c:showLegendKey val="0"/>
+          <c:showVal val="0"/>
+          <c:showCatName val="0"/>
+          <c:showSerName val="0"/>
+          <c:showPercent val="0"/>
+          <c:showBubbleSize val="0"/>
+        </c:dLbls>
+        <c:gapWidth val="219"/>
+        <c:overlap val="-27"/>
+        <c:axId val="534356576"/>
+        <c:axId val="534353624"/>
+      </c:barChart>
+      <c:catAx>
+        <c:axId val="534356576"/>
+        <c:scaling>
+          <c:orientation val="minMax"/>
+        </c:scaling>
+        <c:delete val="0"/>
+        <c:axPos val="b"/>
+        <c:numFmt formatCode="General" sourceLinked="1"/>
+        <c:majorTickMark val="in"/>
+        <c:minorTickMark val="in"/>
+        <c:tickLblPos val="nextTo"/>
+        <c:spPr>
+          <a:noFill/>
+          <a:ln w="9525" cap="flat" cmpd="sng" algn="ctr">
+            <a:solidFill>
+              <a:schemeClr val="tx1"/>
+            </a:solidFill>
+            <a:round/>
+          </a:ln>
+          <a:effectLst/>
+        </c:spPr>
+        <c:txPr>
+          <a:bodyPr rot="-60000000" spcFirstLastPara="1" vertOverflow="ellipsis" vert="horz" wrap="square" anchor="ctr" anchorCtr="1"/>
+          <a:lstStyle/>
+          <a:p>
+            <a:pPr>
+              <a:defRPr sz="900" b="0" i="0" u="none" strike="noStrike" kern="1200" baseline="0">
+                <a:solidFill>
+                  <a:schemeClr val="tx1">
+                    <a:lumMod val="65000"/>
+                    <a:lumOff val="35000"/>
+                  </a:schemeClr>
+                </a:solidFill>
+                <a:latin typeface="+mn-lt"/>
+                <a:ea typeface="+mn-ea"/>
+                <a:cs typeface="+mn-cs"/>
+              </a:defRPr>
+            </a:pPr>
+            <a:endParaRPr lang="ja-JP"/>
+          </a:p>
+        </c:txPr>
+        <c:crossAx val="534353624"/>
+        <c:crosses val="autoZero"/>
+        <c:auto val="1"/>
+        <c:lblAlgn val="ctr"/>
+        <c:lblOffset val="100"/>
+        <c:noMultiLvlLbl val="0"/>
+      </c:catAx>
+      <c:valAx>
+        <c:axId val="534353624"/>
+        <c:scaling>
+          <c:orientation val="minMax"/>
+          <c:max val="14000"/>
+          <c:min val="0"/>
+        </c:scaling>
+        <c:delete val="0"/>
+        <c:axPos val="l"/>
+        <c:majorGridlines>
+          <c:spPr>
+            <a:ln w="9525" cap="flat" cmpd="sng" algn="ctr">
+              <a:solidFill>
+                <a:schemeClr val="tx1">
+                  <a:lumMod val="15000"/>
+                  <a:lumOff val="85000"/>
+                </a:schemeClr>
+              </a:solidFill>
+              <a:round/>
+            </a:ln>
+            <a:effectLst/>
+          </c:spPr>
+        </c:majorGridlines>
+        <c:numFmt formatCode="General" sourceLinked="1"/>
+        <c:majorTickMark val="in"/>
+        <c:minorTickMark val="none"/>
+        <c:tickLblPos val="nextTo"/>
+        <c:spPr>
+          <a:noFill/>
+          <a:ln>
+            <a:solidFill>
+              <a:schemeClr val="accent1"/>
+            </a:solidFill>
+          </a:ln>
+          <a:effectLst/>
+        </c:spPr>
+        <c:txPr>
+          <a:bodyPr rot="-60000000" spcFirstLastPara="1" vertOverflow="ellipsis" vert="horz" wrap="square" anchor="ctr" anchorCtr="1"/>
+          <a:lstStyle/>
+          <a:p>
+            <a:pPr>
+              <a:defRPr sz="900" b="0" i="0" u="none" strike="noStrike" kern="1200" baseline="0">
+                <a:solidFill>
+                  <a:schemeClr val="tx1">
+                    <a:lumMod val="65000"/>
+                    <a:lumOff val="35000"/>
+                  </a:schemeClr>
+                </a:solidFill>
+                <a:latin typeface="+mn-lt"/>
+                <a:ea typeface="+mn-ea"/>
+                <a:cs typeface="+mn-cs"/>
+              </a:defRPr>
+            </a:pPr>
+            <a:endParaRPr lang="ja-JP"/>
+          </a:p>
+        </c:txPr>
+        <c:crossAx val="534356576"/>
+        <c:crosses val="autoZero"/>
+        <c:crossBetween val="between"/>
+      </c:valAx>
+      <c:spPr>
+        <a:noFill/>
+        <a:ln>
+          <a:noFill/>
+        </a:ln>
+        <a:effectLst/>
+      </c:spPr>
+    </c:plotArea>
+    <c:plotVisOnly val="1"/>
+    <c:dispBlanksAs val="gap"/>
+    <c:extLst>
+      <c:ext xmlns:c16r3="http://schemas.microsoft.com/office/drawing/2017/03/chart" uri="{56B9EC1D-385E-4148-901F-78D8002777C0}">
+        <c16r3:dataDisplayOptions16>
+          <c16r3:dispNaAsBlank val="1"/>
+        </c16r3:dataDisplayOptions16>
+      </c:ext>
+    </c:extLst>
+    <c:showDLblsOverMax val="0"/>
+  </c:chart>
+  <c:spPr>
+    <a:noFill/>
+    <a:ln>
+      <a:noFill/>
+    </a:ln>
+    <a:effectLst/>
+  </c:spPr>
+  <c:txPr>
+    <a:bodyPr/>
+    <a:lstStyle/>
+    <a:p>
+      <a:pPr>
+        <a:defRPr/>
+      </a:pPr>
+      <a:endParaRPr lang="ja-JP"/>
+    </a:p>
+  </c:txPr>
+  <c:externalData r:id="rId4">
+    <c:autoUpdate val="0"/>
+  </c:externalData>
+</c:chartSpace>
+</file>
+
+<file path=ppt/charts/chart2.xml><?xml version="1.0" encoding="utf-8"?>
+<c:chartSpace xmlns:c="http://schemas.openxmlformats.org/drawingml/2006/chart" xmlns:a="http://schemas.openxmlformats.org/drawingml/2006/main" xmlns:r="http://schemas.openxmlformats.org/officeDocument/2006/relationships" xmlns:c16r2="http://schemas.microsoft.com/office/drawing/2015/06/chart">
+  <c:date1904 val="0"/>
+  <c:lang val="ja-JP"/>
+  <c:roundedCorners val="0"/>
+  <mc:AlternateContent xmlns:mc="http://schemas.openxmlformats.org/markup-compatibility/2006">
+    <mc:Choice xmlns:c14="http://schemas.microsoft.com/office/drawing/2007/8/2/chart" Requires="c14">
+      <c14:style val="102"/>
+    </mc:Choice>
+    <mc:Fallback>
+      <c:style val="2"/>
+    </mc:Fallback>
+  </mc:AlternateContent>
+  <c:clrMapOvr bg1="lt1" tx1="dk1" bg2="lt2" tx2="dk2" accent1="accent1" accent2="accent2" accent3="accent3" accent4="accent4" accent5="accent5" accent6="accent6" hlink="hlink" folHlink="folHlink"/>
+  <c:chart>
+    <c:autoTitleDeleted val="1"/>
+    <c:plotArea>
+      <c:layout/>
+      <c:barChart>
+        <c:barDir val="col"/>
+        <c:grouping val="clustered"/>
+        <c:varyColors val="0"/>
+        <c:ser>
+          <c:idx val="0"/>
+          <c:order val="0"/>
+          <c:spPr>
+            <a:solidFill>
+              <a:schemeClr val="accent1"/>
+            </a:solidFill>
+            <a:ln>
+              <a:noFill/>
+            </a:ln>
+            <a:effectLst/>
+          </c:spPr>
+          <c:invertIfNegative val="0"/>
+          <c:errBars>
+            <c:errBarType val="both"/>
+            <c:errValType val="cust"/>
+            <c:noEndCap val="0"/>
+            <c:plus>
+              <c:numRef>
+                <c:f>'12member(自動回復済み)'!$AK$50</c:f>
+                <c:numCache>
+                  <c:formatCode>General</c:formatCode>
+                  <c:ptCount val="1"/>
+                  <c:pt idx="0">
+                    <c:v>6.7300230219920654E-2</c:v>
+                  </c:pt>
+                </c:numCache>
+              </c:numRef>
+            </c:plus>
+            <c:minus>
+              <c:numRef>
+                <c:f>'12member(自動回復済み)'!$AK$65</c:f>
+                <c:numCache>
+                  <c:formatCode>General</c:formatCode>
+                  <c:ptCount val="1"/>
+                  <c:pt idx="0">
+                    <c:v>5.4148857471160924E-2</c:v>
+                  </c:pt>
+                </c:numCache>
+              </c:numRef>
+            </c:minus>
+            <c:spPr>
+              <a:noFill/>
+              <a:ln w="9525" cap="flat" cmpd="sng" algn="ctr">
+                <a:solidFill>
+                  <a:schemeClr val="tx1">
+                    <a:lumMod val="65000"/>
+                    <a:lumOff val="35000"/>
+                  </a:schemeClr>
+                </a:solidFill>
+                <a:round/>
+              </a:ln>
+              <a:effectLst/>
+            </c:spPr>
+          </c:errBars>
+          <c:cat>
+            <c:strRef>
+              <c:f>'12member(自動回復済み)'!$Y$30:$Z$30</c:f>
+              <c:strCache>
+                <c:ptCount val="2"/>
+                <c:pt idx="0">
+                  <c:v>進捗表示なし</c:v>
+                </c:pt>
+                <c:pt idx="1">
+                  <c:v>進捗表示あり</c:v>
+                </c:pt>
+              </c:strCache>
+            </c:strRef>
+          </c:cat>
+          <c:val>
+            <c:numRef>
+              <c:f>('12member(自動回復済み)'!$AK$51,'12member(自動回復済み)'!$AK$66)</c:f>
+              <c:numCache>
+                <c:formatCode>General</c:formatCode>
+                <c:ptCount val="2"/>
+                <c:pt idx="0">
+                  <c:v>0.91388888888888886</c:v>
+                </c:pt>
+                <c:pt idx="1">
+                  <c:v>0.93888888888888899</c:v>
+                </c:pt>
+              </c:numCache>
+            </c:numRef>
+          </c:val>
+          <c:extLst>
+            <c:ext xmlns:c16="http://schemas.microsoft.com/office/drawing/2014/chart" uri="{C3380CC4-5D6E-409C-BE32-E72D297353CC}">
+              <c16:uniqueId val="{00000000-1627-4C32-A59F-F76B7F01F9EE}"/>
+            </c:ext>
+          </c:extLst>
+        </c:ser>
+        <c:dLbls>
+          <c:showLegendKey val="0"/>
+          <c:showVal val="0"/>
+          <c:showCatName val="0"/>
+          <c:showSerName val="0"/>
+          <c:showPercent val="0"/>
+          <c:showBubbleSize val="0"/>
+        </c:dLbls>
+        <c:gapWidth val="219"/>
+        <c:overlap val="-27"/>
+        <c:axId val="683821856"/>
+        <c:axId val="683823824"/>
+      </c:barChart>
+      <c:catAx>
+        <c:axId val="683821856"/>
+        <c:scaling>
+          <c:orientation val="minMax"/>
+        </c:scaling>
+        <c:delete val="0"/>
+        <c:axPos val="b"/>
+        <c:numFmt formatCode="General" sourceLinked="1"/>
+        <c:majorTickMark val="in"/>
+        <c:minorTickMark val="none"/>
+        <c:tickLblPos val="nextTo"/>
+        <c:spPr>
+          <a:noFill/>
+          <a:ln w="9525" cap="flat" cmpd="sng" algn="ctr">
+            <a:solidFill>
+              <a:schemeClr val="tx1"/>
+            </a:solidFill>
+            <a:round/>
+          </a:ln>
+          <a:effectLst/>
+        </c:spPr>
+        <c:txPr>
+          <a:bodyPr rot="-60000000" spcFirstLastPara="1" vertOverflow="ellipsis" vert="horz" wrap="square" anchor="ctr" anchorCtr="1"/>
+          <a:lstStyle/>
+          <a:p>
+            <a:pPr>
+              <a:defRPr sz="900" b="0" i="0" u="none" strike="noStrike" kern="1200" baseline="0">
+                <a:solidFill>
+                  <a:schemeClr val="tx1">
+                    <a:lumMod val="65000"/>
+                    <a:lumOff val="35000"/>
+                  </a:schemeClr>
+                </a:solidFill>
+                <a:latin typeface="+mn-lt"/>
+                <a:ea typeface="+mn-ea"/>
+                <a:cs typeface="+mn-cs"/>
+              </a:defRPr>
+            </a:pPr>
+            <a:endParaRPr lang="ja-JP"/>
+          </a:p>
+        </c:txPr>
+        <c:crossAx val="683823824"/>
+        <c:crosses val="autoZero"/>
+        <c:auto val="1"/>
+        <c:lblAlgn val="ctr"/>
+        <c:lblOffset val="100"/>
+        <c:noMultiLvlLbl val="0"/>
+      </c:catAx>
+      <c:valAx>
+        <c:axId val="683823824"/>
+        <c:scaling>
+          <c:orientation val="minMax"/>
+          <c:max val="1.3"/>
+          <c:min val="0"/>
+        </c:scaling>
+        <c:delete val="0"/>
+        <c:axPos val="l"/>
+        <c:majorGridlines>
+          <c:spPr>
+            <a:ln w="9525" cap="flat" cmpd="sng" algn="ctr">
+              <a:solidFill>
+                <a:schemeClr val="tx1">
+                  <a:lumMod val="15000"/>
+                  <a:lumOff val="85000"/>
+                </a:schemeClr>
+              </a:solidFill>
+              <a:round/>
+            </a:ln>
+            <a:effectLst/>
+          </c:spPr>
+        </c:majorGridlines>
+        <c:numFmt formatCode="General" sourceLinked="1"/>
+        <c:majorTickMark val="in"/>
+        <c:minorTickMark val="none"/>
+        <c:tickLblPos val="nextTo"/>
+        <c:spPr>
+          <a:noFill/>
+          <a:ln>
+            <a:solidFill>
+              <a:schemeClr val="tx1"/>
+            </a:solidFill>
+          </a:ln>
+          <a:effectLst/>
+        </c:spPr>
+        <c:txPr>
+          <a:bodyPr rot="-60000000" spcFirstLastPara="1" vertOverflow="ellipsis" vert="horz" wrap="square" anchor="ctr" anchorCtr="1"/>
+          <a:lstStyle/>
+          <a:p>
+            <a:pPr>
+              <a:defRPr sz="900" b="0" i="0" u="none" strike="noStrike" kern="1200" baseline="0">
+                <a:solidFill>
+                  <a:schemeClr val="tx1">
+                    <a:lumMod val="65000"/>
+                    <a:lumOff val="35000"/>
+                  </a:schemeClr>
+                </a:solidFill>
+                <a:latin typeface="+mn-lt"/>
+                <a:ea typeface="+mn-ea"/>
+                <a:cs typeface="+mn-cs"/>
+              </a:defRPr>
+            </a:pPr>
+            <a:endParaRPr lang="ja-JP"/>
+          </a:p>
+        </c:txPr>
+        <c:crossAx val="683821856"/>
+        <c:crosses val="autoZero"/>
+        <c:crossBetween val="between"/>
+      </c:valAx>
+      <c:spPr>
+        <a:noFill/>
+        <a:ln>
+          <a:noFill/>
+        </a:ln>
+        <a:effectLst/>
+      </c:spPr>
+    </c:plotArea>
+    <c:plotVisOnly val="1"/>
+    <c:dispBlanksAs val="gap"/>
+    <c:extLst>
+      <c:ext xmlns:c16r3="http://schemas.microsoft.com/office/drawing/2017/03/chart" uri="{56B9EC1D-385E-4148-901F-78D8002777C0}">
+        <c16r3:dataDisplayOptions16>
+          <c16r3:dispNaAsBlank val="1"/>
+        </c16r3:dataDisplayOptions16>
+      </c:ext>
+    </c:extLst>
+    <c:showDLblsOverMax val="0"/>
+  </c:chart>
+  <c:spPr>
+    <a:noFill/>
+    <a:ln>
+      <a:noFill/>
+    </a:ln>
+    <a:effectLst/>
+  </c:spPr>
+  <c:txPr>
+    <a:bodyPr/>
+    <a:lstStyle/>
+    <a:p>
+      <a:pPr>
+        <a:defRPr/>
+      </a:pPr>
+      <a:endParaRPr lang="ja-JP"/>
+    </a:p>
+  </c:txPr>
+  <c:externalData r:id="rId4">
+    <c:autoUpdate val="0"/>
+  </c:externalData>
+</c:chartSpace>
+</file>
+
+<file path=ppt/charts/chart3.xml><?xml version="1.0" encoding="utf-8"?>
 <c:chartSpace xmlns:c="http://schemas.openxmlformats.org/drawingml/2006/chart" xmlns:a="http://schemas.openxmlformats.org/drawingml/2006/main" xmlns:r="http://schemas.openxmlformats.org/officeDocument/2006/relationships" xmlns:c16r2="http://schemas.microsoft.com/office/drawing/2015/06/chart">
   <c:date1904 val="0"/>
   <c:lang val="ja-JP"/>
@@ -618,7 +1168,1093 @@
 </cs:colorStyle>
 </file>
 
+<file path=ppt/charts/colors2.xml><?xml version="1.0" encoding="utf-8"?>
+<cs:colorStyle xmlns:cs="http://schemas.microsoft.com/office/drawing/2012/chartStyle" xmlns:a="http://schemas.openxmlformats.org/drawingml/2006/main" meth="cycle" id="10">
+  <a:schemeClr val="accent1"/>
+  <a:schemeClr val="accent2"/>
+  <a:schemeClr val="accent3"/>
+  <a:schemeClr val="accent4"/>
+  <a:schemeClr val="accent5"/>
+  <a:schemeClr val="accent6"/>
+  <cs:variation/>
+  <cs:variation>
+    <a:lumMod val="60000"/>
+  </cs:variation>
+  <cs:variation>
+    <a:lumMod val="80000"/>
+    <a:lumOff val="20000"/>
+  </cs:variation>
+  <cs:variation>
+    <a:lumMod val="80000"/>
+  </cs:variation>
+  <cs:variation>
+    <a:lumMod val="60000"/>
+    <a:lumOff val="40000"/>
+  </cs:variation>
+  <cs:variation>
+    <a:lumMod val="50000"/>
+  </cs:variation>
+  <cs:variation>
+    <a:lumMod val="70000"/>
+    <a:lumOff val="30000"/>
+  </cs:variation>
+  <cs:variation>
+    <a:lumMod val="70000"/>
+  </cs:variation>
+  <cs:variation>
+    <a:lumMod val="50000"/>
+    <a:lumOff val="50000"/>
+  </cs:variation>
+</cs:colorStyle>
+</file>
+
+<file path=ppt/charts/colors3.xml><?xml version="1.0" encoding="utf-8"?>
+<cs:colorStyle xmlns:cs="http://schemas.microsoft.com/office/drawing/2012/chartStyle" xmlns:a="http://schemas.openxmlformats.org/drawingml/2006/main" meth="cycle" id="10">
+  <a:schemeClr val="accent1"/>
+  <a:schemeClr val="accent2"/>
+  <a:schemeClr val="accent3"/>
+  <a:schemeClr val="accent4"/>
+  <a:schemeClr val="accent5"/>
+  <a:schemeClr val="accent6"/>
+  <cs:variation/>
+  <cs:variation>
+    <a:lumMod val="60000"/>
+  </cs:variation>
+  <cs:variation>
+    <a:lumMod val="80000"/>
+    <a:lumOff val="20000"/>
+  </cs:variation>
+  <cs:variation>
+    <a:lumMod val="80000"/>
+  </cs:variation>
+  <cs:variation>
+    <a:lumMod val="60000"/>
+    <a:lumOff val="40000"/>
+  </cs:variation>
+  <cs:variation>
+    <a:lumMod val="50000"/>
+  </cs:variation>
+  <cs:variation>
+    <a:lumMod val="70000"/>
+    <a:lumOff val="30000"/>
+  </cs:variation>
+  <cs:variation>
+    <a:lumMod val="70000"/>
+  </cs:variation>
+  <cs:variation>
+    <a:lumMod val="50000"/>
+    <a:lumOff val="50000"/>
+  </cs:variation>
+</cs:colorStyle>
+</file>
+
 <file path=ppt/charts/style1.xml><?xml version="1.0" encoding="utf-8"?>
+<cs:chartStyle xmlns:cs="http://schemas.microsoft.com/office/drawing/2012/chartStyle" xmlns:a="http://schemas.openxmlformats.org/drawingml/2006/main" id="201">
+  <cs:axisTitle>
+    <cs:lnRef idx="0"/>
+    <cs:fillRef idx="0"/>
+    <cs:effectRef idx="0"/>
+    <cs:fontRef idx="minor">
+      <a:schemeClr val="tx1">
+        <a:lumMod val="65000"/>
+        <a:lumOff val="35000"/>
+      </a:schemeClr>
+    </cs:fontRef>
+    <cs:defRPr sz="1000" kern="1200"/>
+  </cs:axisTitle>
+  <cs:categoryAxis>
+    <cs:lnRef idx="0"/>
+    <cs:fillRef idx="0"/>
+    <cs:effectRef idx="0"/>
+    <cs:fontRef idx="minor">
+      <a:schemeClr val="tx1">
+        <a:lumMod val="65000"/>
+        <a:lumOff val="35000"/>
+      </a:schemeClr>
+    </cs:fontRef>
+    <cs:spPr>
+      <a:ln w="9525" cap="flat" cmpd="sng" algn="ctr">
+        <a:solidFill>
+          <a:schemeClr val="tx1">
+            <a:lumMod val="15000"/>
+            <a:lumOff val="85000"/>
+          </a:schemeClr>
+        </a:solidFill>
+        <a:round/>
+      </a:ln>
+    </cs:spPr>
+    <cs:defRPr sz="900" kern="1200"/>
+  </cs:categoryAxis>
+  <cs:chartArea mods="allowNoFillOverride allowNoLineOverride">
+    <cs:lnRef idx="0"/>
+    <cs:fillRef idx="0"/>
+    <cs:effectRef idx="0"/>
+    <cs:fontRef idx="minor">
+      <a:schemeClr val="tx1"/>
+    </cs:fontRef>
+    <cs:spPr>
+      <a:solidFill>
+        <a:schemeClr val="bg1"/>
+      </a:solidFill>
+      <a:ln w="9525" cap="flat" cmpd="sng" algn="ctr">
+        <a:solidFill>
+          <a:schemeClr val="tx1">
+            <a:lumMod val="15000"/>
+            <a:lumOff val="85000"/>
+          </a:schemeClr>
+        </a:solidFill>
+        <a:round/>
+      </a:ln>
+    </cs:spPr>
+    <cs:defRPr sz="1000" kern="1200"/>
+  </cs:chartArea>
+  <cs:dataLabel>
+    <cs:lnRef idx="0"/>
+    <cs:fillRef idx="0"/>
+    <cs:effectRef idx="0"/>
+    <cs:fontRef idx="minor">
+      <a:schemeClr val="tx1">
+        <a:lumMod val="75000"/>
+        <a:lumOff val="25000"/>
+      </a:schemeClr>
+    </cs:fontRef>
+    <cs:defRPr sz="900" kern="1200"/>
+  </cs:dataLabel>
+  <cs:dataLabelCallout>
+    <cs:lnRef idx="0"/>
+    <cs:fillRef idx="0"/>
+    <cs:effectRef idx="0"/>
+    <cs:fontRef idx="minor">
+      <a:schemeClr val="dk1">
+        <a:lumMod val="65000"/>
+        <a:lumOff val="35000"/>
+      </a:schemeClr>
+    </cs:fontRef>
+    <cs:spPr>
+      <a:solidFill>
+        <a:schemeClr val="lt1"/>
+      </a:solidFill>
+      <a:ln>
+        <a:solidFill>
+          <a:schemeClr val="dk1">
+            <a:lumMod val="25000"/>
+            <a:lumOff val="75000"/>
+          </a:schemeClr>
+        </a:solidFill>
+      </a:ln>
+    </cs:spPr>
+    <cs:defRPr sz="900" kern="1200"/>
+    <cs:bodyPr rot="0" spcFirstLastPara="1" vertOverflow="clip" horzOverflow="clip" vert="horz" wrap="square" lIns="36576" tIns="18288" rIns="36576" bIns="18288" anchor="ctr" anchorCtr="1">
+      <a:spAutoFit/>
+    </cs:bodyPr>
+  </cs:dataLabelCallout>
+  <cs:dataPoint>
+    <cs:lnRef idx="0"/>
+    <cs:fillRef idx="1">
+      <cs:styleClr val="auto"/>
+    </cs:fillRef>
+    <cs:effectRef idx="0"/>
+    <cs:fontRef idx="minor">
+      <a:schemeClr val="tx1"/>
+    </cs:fontRef>
+  </cs:dataPoint>
+  <cs:dataPoint3D>
+    <cs:lnRef idx="0"/>
+    <cs:fillRef idx="1">
+      <cs:styleClr val="auto"/>
+    </cs:fillRef>
+    <cs:effectRef idx="0"/>
+    <cs:fontRef idx="minor">
+      <a:schemeClr val="tx1"/>
+    </cs:fontRef>
+  </cs:dataPoint3D>
+  <cs:dataPointLine>
+    <cs:lnRef idx="0">
+      <cs:styleClr val="auto"/>
+    </cs:lnRef>
+    <cs:fillRef idx="1"/>
+    <cs:effectRef idx="0"/>
+    <cs:fontRef idx="minor">
+      <a:schemeClr val="tx1"/>
+    </cs:fontRef>
+    <cs:spPr>
+      <a:ln w="28575" cap="rnd">
+        <a:solidFill>
+          <a:schemeClr val="phClr"/>
+        </a:solidFill>
+        <a:round/>
+      </a:ln>
+    </cs:spPr>
+  </cs:dataPointLine>
+  <cs:dataPointMarker>
+    <cs:lnRef idx="0">
+      <cs:styleClr val="auto"/>
+    </cs:lnRef>
+    <cs:fillRef idx="1">
+      <cs:styleClr val="auto"/>
+    </cs:fillRef>
+    <cs:effectRef idx="0"/>
+    <cs:fontRef idx="minor">
+      <a:schemeClr val="tx1"/>
+    </cs:fontRef>
+    <cs:spPr>
+      <a:ln w="9525">
+        <a:solidFill>
+          <a:schemeClr val="phClr"/>
+        </a:solidFill>
+      </a:ln>
+    </cs:spPr>
+  </cs:dataPointMarker>
+  <cs:dataPointMarkerLayout symbol="circle" size="5"/>
+  <cs:dataPointWireframe>
+    <cs:lnRef idx="0">
+      <cs:styleClr val="auto"/>
+    </cs:lnRef>
+    <cs:fillRef idx="1"/>
+    <cs:effectRef idx="0"/>
+    <cs:fontRef idx="minor">
+      <a:schemeClr val="tx1"/>
+    </cs:fontRef>
+    <cs:spPr>
+      <a:ln w="9525" cap="rnd">
+        <a:solidFill>
+          <a:schemeClr val="phClr"/>
+        </a:solidFill>
+        <a:round/>
+      </a:ln>
+    </cs:spPr>
+  </cs:dataPointWireframe>
+  <cs:dataTable>
+    <cs:lnRef idx="0"/>
+    <cs:fillRef idx="0"/>
+    <cs:effectRef idx="0"/>
+    <cs:fontRef idx="minor">
+      <a:schemeClr val="tx1">
+        <a:lumMod val="65000"/>
+        <a:lumOff val="35000"/>
+      </a:schemeClr>
+    </cs:fontRef>
+    <cs:spPr>
+      <a:noFill/>
+      <a:ln w="9525" cap="flat" cmpd="sng" algn="ctr">
+        <a:solidFill>
+          <a:schemeClr val="tx1">
+            <a:lumMod val="15000"/>
+            <a:lumOff val="85000"/>
+          </a:schemeClr>
+        </a:solidFill>
+        <a:round/>
+      </a:ln>
+    </cs:spPr>
+    <cs:defRPr sz="900" kern="1200"/>
+  </cs:dataTable>
+  <cs:downBar>
+    <cs:lnRef idx="0"/>
+    <cs:fillRef idx="0"/>
+    <cs:effectRef idx="0"/>
+    <cs:fontRef idx="minor">
+      <a:schemeClr val="dk1"/>
+    </cs:fontRef>
+    <cs:spPr>
+      <a:solidFill>
+        <a:schemeClr val="dk1">
+          <a:lumMod val="65000"/>
+          <a:lumOff val="35000"/>
+        </a:schemeClr>
+      </a:solidFill>
+      <a:ln w="9525">
+        <a:solidFill>
+          <a:schemeClr val="tx1">
+            <a:lumMod val="65000"/>
+            <a:lumOff val="35000"/>
+          </a:schemeClr>
+        </a:solidFill>
+      </a:ln>
+    </cs:spPr>
+  </cs:downBar>
+  <cs:dropLine>
+    <cs:lnRef idx="0"/>
+    <cs:fillRef idx="0"/>
+    <cs:effectRef idx="0"/>
+    <cs:fontRef idx="minor">
+      <a:schemeClr val="tx1"/>
+    </cs:fontRef>
+    <cs:spPr>
+      <a:ln w="9525" cap="flat" cmpd="sng" algn="ctr">
+        <a:solidFill>
+          <a:schemeClr val="tx1">
+            <a:lumMod val="35000"/>
+            <a:lumOff val="65000"/>
+          </a:schemeClr>
+        </a:solidFill>
+        <a:round/>
+      </a:ln>
+    </cs:spPr>
+  </cs:dropLine>
+  <cs:errorBar>
+    <cs:lnRef idx="0"/>
+    <cs:fillRef idx="0"/>
+    <cs:effectRef idx="0"/>
+    <cs:fontRef idx="minor">
+      <a:schemeClr val="tx1"/>
+    </cs:fontRef>
+    <cs:spPr>
+      <a:ln w="9525" cap="flat" cmpd="sng" algn="ctr">
+        <a:solidFill>
+          <a:schemeClr val="tx1">
+            <a:lumMod val="65000"/>
+            <a:lumOff val="35000"/>
+          </a:schemeClr>
+        </a:solidFill>
+        <a:round/>
+      </a:ln>
+    </cs:spPr>
+  </cs:errorBar>
+  <cs:floor>
+    <cs:lnRef idx="0"/>
+    <cs:fillRef idx="0"/>
+    <cs:effectRef idx="0"/>
+    <cs:fontRef idx="minor">
+      <a:schemeClr val="tx1"/>
+    </cs:fontRef>
+    <cs:spPr>
+      <a:noFill/>
+      <a:ln>
+        <a:noFill/>
+      </a:ln>
+    </cs:spPr>
+  </cs:floor>
+  <cs:gridlineMajor>
+    <cs:lnRef idx="0"/>
+    <cs:fillRef idx="0"/>
+    <cs:effectRef idx="0"/>
+    <cs:fontRef idx="minor">
+      <a:schemeClr val="tx1"/>
+    </cs:fontRef>
+    <cs:spPr>
+      <a:ln w="9525" cap="flat" cmpd="sng" algn="ctr">
+        <a:solidFill>
+          <a:schemeClr val="tx1">
+            <a:lumMod val="15000"/>
+            <a:lumOff val="85000"/>
+          </a:schemeClr>
+        </a:solidFill>
+        <a:round/>
+      </a:ln>
+    </cs:spPr>
+  </cs:gridlineMajor>
+  <cs:gridlineMinor>
+    <cs:lnRef idx="0"/>
+    <cs:fillRef idx="0"/>
+    <cs:effectRef idx="0"/>
+    <cs:fontRef idx="minor">
+      <a:schemeClr val="tx1"/>
+    </cs:fontRef>
+    <cs:spPr>
+      <a:ln w="9525" cap="flat" cmpd="sng" algn="ctr">
+        <a:solidFill>
+          <a:schemeClr val="tx1">
+            <a:lumMod val="5000"/>
+            <a:lumOff val="95000"/>
+          </a:schemeClr>
+        </a:solidFill>
+        <a:round/>
+      </a:ln>
+    </cs:spPr>
+  </cs:gridlineMinor>
+  <cs:hiLoLine>
+    <cs:lnRef idx="0"/>
+    <cs:fillRef idx="0"/>
+    <cs:effectRef idx="0"/>
+    <cs:fontRef idx="minor">
+      <a:schemeClr val="tx1"/>
+    </cs:fontRef>
+    <cs:spPr>
+      <a:ln w="9525" cap="flat" cmpd="sng" algn="ctr">
+        <a:solidFill>
+          <a:schemeClr val="tx1">
+            <a:lumMod val="75000"/>
+            <a:lumOff val="25000"/>
+          </a:schemeClr>
+        </a:solidFill>
+        <a:round/>
+      </a:ln>
+    </cs:spPr>
+  </cs:hiLoLine>
+  <cs:leaderLine>
+    <cs:lnRef idx="0"/>
+    <cs:fillRef idx="0"/>
+    <cs:effectRef idx="0"/>
+    <cs:fontRef idx="minor">
+      <a:schemeClr val="tx1"/>
+    </cs:fontRef>
+    <cs:spPr>
+      <a:ln w="9525" cap="flat" cmpd="sng" algn="ctr">
+        <a:solidFill>
+          <a:schemeClr val="tx1">
+            <a:lumMod val="35000"/>
+            <a:lumOff val="65000"/>
+          </a:schemeClr>
+        </a:solidFill>
+        <a:round/>
+      </a:ln>
+    </cs:spPr>
+  </cs:leaderLine>
+  <cs:legend>
+    <cs:lnRef idx="0"/>
+    <cs:fillRef idx="0"/>
+    <cs:effectRef idx="0"/>
+    <cs:fontRef idx="minor">
+      <a:schemeClr val="tx1">
+        <a:lumMod val="65000"/>
+        <a:lumOff val="35000"/>
+      </a:schemeClr>
+    </cs:fontRef>
+    <cs:defRPr sz="900" kern="1200"/>
+  </cs:legend>
+  <cs:plotArea mods="allowNoFillOverride allowNoLineOverride">
+    <cs:lnRef idx="0"/>
+    <cs:fillRef idx="0"/>
+    <cs:effectRef idx="0"/>
+    <cs:fontRef idx="minor">
+      <a:schemeClr val="tx1"/>
+    </cs:fontRef>
+  </cs:plotArea>
+  <cs:plotArea3D mods="allowNoFillOverride allowNoLineOverride">
+    <cs:lnRef idx="0"/>
+    <cs:fillRef idx="0"/>
+    <cs:effectRef idx="0"/>
+    <cs:fontRef idx="minor">
+      <a:schemeClr val="tx1"/>
+    </cs:fontRef>
+  </cs:plotArea3D>
+  <cs:seriesAxis>
+    <cs:lnRef idx="0"/>
+    <cs:fillRef idx="0"/>
+    <cs:effectRef idx="0"/>
+    <cs:fontRef idx="minor">
+      <a:schemeClr val="tx1">
+        <a:lumMod val="65000"/>
+        <a:lumOff val="35000"/>
+      </a:schemeClr>
+    </cs:fontRef>
+    <cs:defRPr sz="900" kern="1200"/>
+  </cs:seriesAxis>
+  <cs:seriesLine>
+    <cs:lnRef idx="0"/>
+    <cs:fillRef idx="0"/>
+    <cs:effectRef idx="0"/>
+    <cs:fontRef idx="minor">
+      <a:schemeClr val="tx1"/>
+    </cs:fontRef>
+    <cs:spPr>
+      <a:ln w="9525" cap="flat" cmpd="sng" algn="ctr">
+        <a:solidFill>
+          <a:schemeClr val="tx1">
+            <a:lumMod val="35000"/>
+            <a:lumOff val="65000"/>
+          </a:schemeClr>
+        </a:solidFill>
+        <a:round/>
+      </a:ln>
+    </cs:spPr>
+  </cs:seriesLine>
+  <cs:title>
+    <cs:lnRef idx="0"/>
+    <cs:fillRef idx="0"/>
+    <cs:effectRef idx="0"/>
+    <cs:fontRef idx="minor">
+      <a:schemeClr val="tx1">
+        <a:lumMod val="65000"/>
+        <a:lumOff val="35000"/>
+      </a:schemeClr>
+    </cs:fontRef>
+    <cs:defRPr sz="1400" b="0" kern="1200" spc="0" baseline="0"/>
+  </cs:title>
+  <cs:trendline>
+    <cs:lnRef idx="0">
+      <cs:styleClr val="auto"/>
+    </cs:lnRef>
+    <cs:fillRef idx="0"/>
+    <cs:effectRef idx="0"/>
+    <cs:fontRef idx="minor">
+      <a:schemeClr val="tx1"/>
+    </cs:fontRef>
+    <cs:spPr>
+      <a:ln w="19050" cap="rnd">
+        <a:solidFill>
+          <a:schemeClr val="phClr"/>
+        </a:solidFill>
+        <a:prstDash val="sysDot"/>
+      </a:ln>
+    </cs:spPr>
+  </cs:trendline>
+  <cs:trendlineLabel>
+    <cs:lnRef idx="0"/>
+    <cs:fillRef idx="0"/>
+    <cs:effectRef idx="0"/>
+    <cs:fontRef idx="minor">
+      <a:schemeClr val="tx1">
+        <a:lumMod val="65000"/>
+        <a:lumOff val="35000"/>
+      </a:schemeClr>
+    </cs:fontRef>
+    <cs:defRPr sz="900" kern="1200"/>
+  </cs:trendlineLabel>
+  <cs:upBar>
+    <cs:lnRef idx="0"/>
+    <cs:fillRef idx="0"/>
+    <cs:effectRef idx="0"/>
+    <cs:fontRef idx="minor">
+      <a:schemeClr val="dk1"/>
+    </cs:fontRef>
+    <cs:spPr>
+      <a:solidFill>
+        <a:schemeClr val="lt1"/>
+      </a:solidFill>
+      <a:ln w="9525">
+        <a:solidFill>
+          <a:schemeClr val="tx1">
+            <a:lumMod val="15000"/>
+            <a:lumOff val="85000"/>
+          </a:schemeClr>
+        </a:solidFill>
+      </a:ln>
+    </cs:spPr>
+  </cs:upBar>
+  <cs:valueAxis>
+    <cs:lnRef idx="0"/>
+    <cs:fillRef idx="0"/>
+    <cs:effectRef idx="0"/>
+    <cs:fontRef idx="minor">
+      <a:schemeClr val="tx1">
+        <a:lumMod val="65000"/>
+        <a:lumOff val="35000"/>
+      </a:schemeClr>
+    </cs:fontRef>
+    <cs:defRPr sz="900" kern="1200"/>
+  </cs:valueAxis>
+  <cs:wall>
+    <cs:lnRef idx="0"/>
+    <cs:fillRef idx="0"/>
+    <cs:effectRef idx="0"/>
+    <cs:fontRef idx="minor">
+      <a:schemeClr val="tx1"/>
+    </cs:fontRef>
+    <cs:spPr>
+      <a:noFill/>
+      <a:ln>
+        <a:noFill/>
+      </a:ln>
+    </cs:spPr>
+  </cs:wall>
+</cs:chartStyle>
+</file>
+
+<file path=ppt/charts/style2.xml><?xml version="1.0" encoding="utf-8"?>
+<cs:chartStyle xmlns:cs="http://schemas.microsoft.com/office/drawing/2012/chartStyle" xmlns:a="http://schemas.openxmlformats.org/drawingml/2006/main" id="201">
+  <cs:axisTitle>
+    <cs:lnRef idx="0"/>
+    <cs:fillRef idx="0"/>
+    <cs:effectRef idx="0"/>
+    <cs:fontRef idx="minor">
+      <a:schemeClr val="tx1">
+        <a:lumMod val="65000"/>
+        <a:lumOff val="35000"/>
+      </a:schemeClr>
+    </cs:fontRef>
+    <cs:defRPr sz="1000" kern="1200"/>
+  </cs:axisTitle>
+  <cs:categoryAxis>
+    <cs:lnRef idx="0"/>
+    <cs:fillRef idx="0"/>
+    <cs:effectRef idx="0"/>
+    <cs:fontRef idx="minor">
+      <a:schemeClr val="tx1">
+        <a:lumMod val="65000"/>
+        <a:lumOff val="35000"/>
+      </a:schemeClr>
+    </cs:fontRef>
+    <cs:spPr>
+      <a:ln w="9525" cap="flat" cmpd="sng" algn="ctr">
+        <a:solidFill>
+          <a:schemeClr val="tx1">
+            <a:lumMod val="15000"/>
+            <a:lumOff val="85000"/>
+          </a:schemeClr>
+        </a:solidFill>
+        <a:round/>
+      </a:ln>
+    </cs:spPr>
+    <cs:defRPr sz="900" kern="1200"/>
+  </cs:categoryAxis>
+  <cs:chartArea mods="allowNoFillOverride allowNoLineOverride">
+    <cs:lnRef idx="0"/>
+    <cs:fillRef idx="0"/>
+    <cs:effectRef idx="0"/>
+    <cs:fontRef idx="minor">
+      <a:schemeClr val="tx1"/>
+    </cs:fontRef>
+    <cs:spPr>
+      <a:solidFill>
+        <a:schemeClr val="bg1"/>
+      </a:solidFill>
+      <a:ln w="9525" cap="flat" cmpd="sng" algn="ctr">
+        <a:solidFill>
+          <a:schemeClr val="tx1">
+            <a:lumMod val="15000"/>
+            <a:lumOff val="85000"/>
+          </a:schemeClr>
+        </a:solidFill>
+        <a:round/>
+      </a:ln>
+    </cs:spPr>
+    <cs:defRPr sz="1000" kern="1200"/>
+  </cs:chartArea>
+  <cs:dataLabel>
+    <cs:lnRef idx="0"/>
+    <cs:fillRef idx="0"/>
+    <cs:effectRef idx="0"/>
+    <cs:fontRef idx="minor">
+      <a:schemeClr val="tx1">
+        <a:lumMod val="75000"/>
+        <a:lumOff val="25000"/>
+      </a:schemeClr>
+    </cs:fontRef>
+    <cs:defRPr sz="900" kern="1200"/>
+  </cs:dataLabel>
+  <cs:dataLabelCallout>
+    <cs:lnRef idx="0"/>
+    <cs:fillRef idx="0"/>
+    <cs:effectRef idx="0"/>
+    <cs:fontRef idx="minor">
+      <a:schemeClr val="dk1">
+        <a:lumMod val="65000"/>
+        <a:lumOff val="35000"/>
+      </a:schemeClr>
+    </cs:fontRef>
+    <cs:spPr>
+      <a:solidFill>
+        <a:schemeClr val="lt1"/>
+      </a:solidFill>
+      <a:ln>
+        <a:solidFill>
+          <a:schemeClr val="dk1">
+            <a:lumMod val="25000"/>
+            <a:lumOff val="75000"/>
+          </a:schemeClr>
+        </a:solidFill>
+      </a:ln>
+    </cs:spPr>
+    <cs:defRPr sz="900" kern="1200"/>
+    <cs:bodyPr rot="0" spcFirstLastPara="1" vertOverflow="clip" horzOverflow="clip" vert="horz" wrap="square" lIns="36576" tIns="18288" rIns="36576" bIns="18288" anchor="ctr" anchorCtr="1">
+      <a:spAutoFit/>
+    </cs:bodyPr>
+  </cs:dataLabelCallout>
+  <cs:dataPoint>
+    <cs:lnRef idx="0"/>
+    <cs:fillRef idx="1">
+      <cs:styleClr val="auto"/>
+    </cs:fillRef>
+    <cs:effectRef idx="0"/>
+    <cs:fontRef idx="minor">
+      <a:schemeClr val="tx1"/>
+    </cs:fontRef>
+  </cs:dataPoint>
+  <cs:dataPoint3D>
+    <cs:lnRef idx="0"/>
+    <cs:fillRef idx="1">
+      <cs:styleClr val="auto"/>
+    </cs:fillRef>
+    <cs:effectRef idx="0"/>
+    <cs:fontRef idx="minor">
+      <a:schemeClr val="tx1"/>
+    </cs:fontRef>
+  </cs:dataPoint3D>
+  <cs:dataPointLine>
+    <cs:lnRef idx="0">
+      <cs:styleClr val="auto"/>
+    </cs:lnRef>
+    <cs:fillRef idx="1"/>
+    <cs:effectRef idx="0"/>
+    <cs:fontRef idx="minor">
+      <a:schemeClr val="tx1"/>
+    </cs:fontRef>
+    <cs:spPr>
+      <a:ln w="28575" cap="rnd">
+        <a:solidFill>
+          <a:schemeClr val="phClr"/>
+        </a:solidFill>
+        <a:round/>
+      </a:ln>
+    </cs:spPr>
+  </cs:dataPointLine>
+  <cs:dataPointMarker>
+    <cs:lnRef idx="0">
+      <cs:styleClr val="auto"/>
+    </cs:lnRef>
+    <cs:fillRef idx="1">
+      <cs:styleClr val="auto"/>
+    </cs:fillRef>
+    <cs:effectRef idx="0"/>
+    <cs:fontRef idx="minor">
+      <a:schemeClr val="tx1"/>
+    </cs:fontRef>
+    <cs:spPr>
+      <a:ln w="9525">
+        <a:solidFill>
+          <a:schemeClr val="phClr"/>
+        </a:solidFill>
+      </a:ln>
+    </cs:spPr>
+  </cs:dataPointMarker>
+  <cs:dataPointMarkerLayout symbol="circle" size="5"/>
+  <cs:dataPointWireframe>
+    <cs:lnRef idx="0">
+      <cs:styleClr val="auto"/>
+    </cs:lnRef>
+    <cs:fillRef idx="1"/>
+    <cs:effectRef idx="0"/>
+    <cs:fontRef idx="minor">
+      <a:schemeClr val="tx1"/>
+    </cs:fontRef>
+    <cs:spPr>
+      <a:ln w="9525" cap="rnd">
+        <a:solidFill>
+          <a:schemeClr val="phClr"/>
+        </a:solidFill>
+        <a:round/>
+      </a:ln>
+    </cs:spPr>
+  </cs:dataPointWireframe>
+  <cs:dataTable>
+    <cs:lnRef idx="0"/>
+    <cs:fillRef idx="0"/>
+    <cs:effectRef idx="0"/>
+    <cs:fontRef idx="minor">
+      <a:schemeClr val="tx1">
+        <a:lumMod val="65000"/>
+        <a:lumOff val="35000"/>
+      </a:schemeClr>
+    </cs:fontRef>
+    <cs:spPr>
+      <a:noFill/>
+      <a:ln w="9525" cap="flat" cmpd="sng" algn="ctr">
+        <a:solidFill>
+          <a:schemeClr val="tx1">
+            <a:lumMod val="15000"/>
+            <a:lumOff val="85000"/>
+          </a:schemeClr>
+        </a:solidFill>
+        <a:round/>
+      </a:ln>
+    </cs:spPr>
+    <cs:defRPr sz="900" kern="1200"/>
+  </cs:dataTable>
+  <cs:downBar>
+    <cs:lnRef idx="0"/>
+    <cs:fillRef idx="0"/>
+    <cs:effectRef idx="0"/>
+    <cs:fontRef idx="minor">
+      <a:schemeClr val="dk1"/>
+    </cs:fontRef>
+    <cs:spPr>
+      <a:solidFill>
+        <a:schemeClr val="dk1">
+          <a:lumMod val="65000"/>
+          <a:lumOff val="35000"/>
+        </a:schemeClr>
+      </a:solidFill>
+      <a:ln w="9525">
+        <a:solidFill>
+          <a:schemeClr val="tx1">
+            <a:lumMod val="65000"/>
+            <a:lumOff val="35000"/>
+          </a:schemeClr>
+        </a:solidFill>
+      </a:ln>
+    </cs:spPr>
+  </cs:downBar>
+  <cs:dropLine>
+    <cs:lnRef idx="0"/>
+    <cs:fillRef idx="0"/>
+    <cs:effectRef idx="0"/>
+    <cs:fontRef idx="minor">
+      <a:schemeClr val="tx1"/>
+    </cs:fontRef>
+    <cs:spPr>
+      <a:ln w="9525" cap="flat" cmpd="sng" algn="ctr">
+        <a:solidFill>
+          <a:schemeClr val="tx1">
+            <a:lumMod val="35000"/>
+            <a:lumOff val="65000"/>
+          </a:schemeClr>
+        </a:solidFill>
+        <a:round/>
+      </a:ln>
+    </cs:spPr>
+  </cs:dropLine>
+  <cs:errorBar>
+    <cs:lnRef idx="0"/>
+    <cs:fillRef idx="0"/>
+    <cs:effectRef idx="0"/>
+    <cs:fontRef idx="minor">
+      <a:schemeClr val="tx1"/>
+    </cs:fontRef>
+    <cs:spPr>
+      <a:ln w="9525" cap="flat" cmpd="sng" algn="ctr">
+        <a:solidFill>
+          <a:schemeClr val="tx1">
+            <a:lumMod val="65000"/>
+            <a:lumOff val="35000"/>
+          </a:schemeClr>
+        </a:solidFill>
+        <a:round/>
+      </a:ln>
+    </cs:spPr>
+  </cs:errorBar>
+  <cs:floor>
+    <cs:lnRef idx="0"/>
+    <cs:fillRef idx="0"/>
+    <cs:effectRef idx="0"/>
+    <cs:fontRef idx="minor">
+      <a:schemeClr val="tx1"/>
+    </cs:fontRef>
+    <cs:spPr>
+      <a:noFill/>
+      <a:ln>
+        <a:noFill/>
+      </a:ln>
+    </cs:spPr>
+  </cs:floor>
+  <cs:gridlineMajor>
+    <cs:lnRef idx="0"/>
+    <cs:fillRef idx="0"/>
+    <cs:effectRef idx="0"/>
+    <cs:fontRef idx="minor">
+      <a:schemeClr val="tx1"/>
+    </cs:fontRef>
+    <cs:spPr>
+      <a:ln w="9525" cap="flat" cmpd="sng" algn="ctr">
+        <a:solidFill>
+          <a:schemeClr val="tx1">
+            <a:lumMod val="15000"/>
+            <a:lumOff val="85000"/>
+          </a:schemeClr>
+        </a:solidFill>
+        <a:round/>
+      </a:ln>
+    </cs:spPr>
+  </cs:gridlineMajor>
+  <cs:gridlineMinor>
+    <cs:lnRef idx="0"/>
+    <cs:fillRef idx="0"/>
+    <cs:effectRef idx="0"/>
+    <cs:fontRef idx="minor">
+      <a:schemeClr val="tx1"/>
+    </cs:fontRef>
+    <cs:spPr>
+      <a:ln w="9525" cap="flat" cmpd="sng" algn="ctr">
+        <a:solidFill>
+          <a:schemeClr val="tx1">
+            <a:lumMod val="5000"/>
+            <a:lumOff val="95000"/>
+          </a:schemeClr>
+        </a:solidFill>
+        <a:round/>
+      </a:ln>
+    </cs:spPr>
+  </cs:gridlineMinor>
+  <cs:hiLoLine>
+    <cs:lnRef idx="0"/>
+    <cs:fillRef idx="0"/>
+    <cs:effectRef idx="0"/>
+    <cs:fontRef idx="minor">
+      <a:schemeClr val="tx1"/>
+    </cs:fontRef>
+    <cs:spPr>
+      <a:ln w="9525" cap="flat" cmpd="sng" algn="ctr">
+        <a:solidFill>
+          <a:schemeClr val="tx1">
+            <a:lumMod val="75000"/>
+            <a:lumOff val="25000"/>
+          </a:schemeClr>
+        </a:solidFill>
+        <a:round/>
+      </a:ln>
+    </cs:spPr>
+  </cs:hiLoLine>
+  <cs:leaderLine>
+    <cs:lnRef idx="0"/>
+    <cs:fillRef idx="0"/>
+    <cs:effectRef idx="0"/>
+    <cs:fontRef idx="minor">
+      <a:schemeClr val="tx1"/>
+    </cs:fontRef>
+    <cs:spPr>
+      <a:ln w="9525" cap="flat" cmpd="sng" algn="ctr">
+        <a:solidFill>
+          <a:schemeClr val="tx1">
+            <a:lumMod val="35000"/>
+            <a:lumOff val="65000"/>
+          </a:schemeClr>
+        </a:solidFill>
+        <a:round/>
+      </a:ln>
+    </cs:spPr>
+  </cs:leaderLine>
+  <cs:legend>
+    <cs:lnRef idx="0"/>
+    <cs:fillRef idx="0"/>
+    <cs:effectRef idx="0"/>
+    <cs:fontRef idx="minor">
+      <a:schemeClr val="tx1">
+        <a:lumMod val="65000"/>
+        <a:lumOff val="35000"/>
+      </a:schemeClr>
+    </cs:fontRef>
+    <cs:defRPr sz="900" kern="1200"/>
+  </cs:legend>
+  <cs:plotArea mods="allowNoFillOverride allowNoLineOverride">
+    <cs:lnRef idx="0"/>
+    <cs:fillRef idx="0"/>
+    <cs:effectRef idx="0"/>
+    <cs:fontRef idx="minor">
+      <a:schemeClr val="tx1"/>
+    </cs:fontRef>
+  </cs:plotArea>
+  <cs:plotArea3D mods="allowNoFillOverride allowNoLineOverride">
+    <cs:lnRef idx="0"/>
+    <cs:fillRef idx="0"/>
+    <cs:effectRef idx="0"/>
+    <cs:fontRef idx="minor">
+      <a:schemeClr val="tx1"/>
+    </cs:fontRef>
+  </cs:plotArea3D>
+  <cs:seriesAxis>
+    <cs:lnRef idx="0"/>
+    <cs:fillRef idx="0"/>
+    <cs:effectRef idx="0"/>
+    <cs:fontRef idx="minor">
+      <a:schemeClr val="tx1">
+        <a:lumMod val="65000"/>
+        <a:lumOff val="35000"/>
+      </a:schemeClr>
+    </cs:fontRef>
+    <cs:defRPr sz="900" kern="1200"/>
+  </cs:seriesAxis>
+  <cs:seriesLine>
+    <cs:lnRef idx="0"/>
+    <cs:fillRef idx="0"/>
+    <cs:effectRef idx="0"/>
+    <cs:fontRef idx="minor">
+      <a:schemeClr val="tx1"/>
+    </cs:fontRef>
+    <cs:spPr>
+      <a:ln w="9525" cap="flat" cmpd="sng" algn="ctr">
+        <a:solidFill>
+          <a:schemeClr val="tx1">
+            <a:lumMod val="35000"/>
+            <a:lumOff val="65000"/>
+          </a:schemeClr>
+        </a:solidFill>
+        <a:round/>
+      </a:ln>
+    </cs:spPr>
+  </cs:seriesLine>
+  <cs:title>
+    <cs:lnRef idx="0"/>
+    <cs:fillRef idx="0"/>
+    <cs:effectRef idx="0"/>
+    <cs:fontRef idx="minor">
+      <a:schemeClr val="tx1">
+        <a:lumMod val="65000"/>
+        <a:lumOff val="35000"/>
+      </a:schemeClr>
+    </cs:fontRef>
+    <cs:defRPr sz="1400" b="0" kern="1200" spc="0" baseline="0"/>
+  </cs:title>
+  <cs:trendline>
+    <cs:lnRef idx="0">
+      <cs:styleClr val="auto"/>
+    </cs:lnRef>
+    <cs:fillRef idx="0"/>
+    <cs:effectRef idx="0"/>
+    <cs:fontRef idx="minor">
+      <a:schemeClr val="tx1"/>
+    </cs:fontRef>
+    <cs:spPr>
+      <a:ln w="19050" cap="rnd">
+        <a:solidFill>
+          <a:schemeClr val="phClr"/>
+        </a:solidFill>
+        <a:prstDash val="sysDot"/>
+      </a:ln>
+    </cs:spPr>
+  </cs:trendline>
+  <cs:trendlineLabel>
+    <cs:lnRef idx="0"/>
+    <cs:fillRef idx="0"/>
+    <cs:effectRef idx="0"/>
+    <cs:fontRef idx="minor">
+      <a:schemeClr val="tx1">
+        <a:lumMod val="65000"/>
+        <a:lumOff val="35000"/>
+      </a:schemeClr>
+    </cs:fontRef>
+    <cs:defRPr sz="900" kern="1200"/>
+  </cs:trendlineLabel>
+  <cs:upBar>
+    <cs:lnRef idx="0"/>
+    <cs:fillRef idx="0"/>
+    <cs:effectRef idx="0"/>
+    <cs:fontRef idx="minor">
+      <a:schemeClr val="dk1"/>
+    </cs:fontRef>
+    <cs:spPr>
+      <a:solidFill>
+        <a:schemeClr val="lt1"/>
+      </a:solidFill>
+      <a:ln w="9525">
+        <a:solidFill>
+          <a:schemeClr val="tx1">
+            <a:lumMod val="15000"/>
+            <a:lumOff val="85000"/>
+          </a:schemeClr>
+        </a:solidFill>
+      </a:ln>
+    </cs:spPr>
+  </cs:upBar>
+  <cs:valueAxis>
+    <cs:lnRef idx="0"/>
+    <cs:fillRef idx="0"/>
+    <cs:effectRef idx="0"/>
+    <cs:fontRef idx="minor">
+      <a:schemeClr val="tx1">
+        <a:lumMod val="65000"/>
+        <a:lumOff val="35000"/>
+      </a:schemeClr>
+    </cs:fontRef>
+    <cs:defRPr sz="900" kern="1200"/>
+  </cs:valueAxis>
+  <cs:wall>
+    <cs:lnRef idx="0"/>
+    <cs:fillRef idx="0"/>
+    <cs:effectRef idx="0"/>
+    <cs:fontRef idx="minor">
+      <a:schemeClr val="tx1"/>
+    </cs:fontRef>
+    <cs:spPr>
+      <a:noFill/>
+      <a:ln>
+        <a:noFill/>
+      </a:ln>
+    </cs:spPr>
+  </cs:wall>
+</cs:chartStyle>
+</file>
+
+<file path=ppt/charts/style3.xml><?xml version="1.0" encoding="utf-8"?>
 <cs:chartStyle xmlns:cs="http://schemas.microsoft.com/office/drawing/2012/chartStyle" xmlns:a="http://schemas.openxmlformats.org/drawingml/2006/main" id="227">
   <cs:axisTitle>
     <cs:lnRef idx="0"/>
@@ -9852,7 +11488,7 @@
           <a:p>
             <a:fld id="{388AA84C-5962-4688-BDAA-4DF6096806BA}" type="datetimeFigureOut">
               <a:rPr kumimoji="1" lang="ja-JP" altLang="en-US" smtClean="0"/>
-              <a:t>2023/1/31</a:t>
+              <a:t>2023/2/5</a:t>
             </a:fld>
             <a:endParaRPr kumimoji="1" lang="ja-JP" altLang="en-US"/>
           </a:p>
@@ -10339,7 +11975,48 @@
                 <a:ea typeface="游明朝" panose="02020400000000000000" pitchFamily="18" charset="-128"/>
                 <a:cs typeface="Times New Roman" panose="02020603050405020304" pitchFamily="18" charset="0"/>
               </a:rPr>
-              <a:t>、正答率は</a:t>
+              <a:t>、</a:t>
+            </a:r>
+            <a:r>
+              <a:rPr lang="ja-JP" altLang="ja-JP" sz="1200" dirty="0">
+                <a:effectLst/>
+                <a:ea typeface="游明朝" panose="02020400000000000000" pitchFamily="18" charset="-128"/>
+                <a:cs typeface="Times New Roman" panose="02020603050405020304" pitchFamily="18" charset="0"/>
+              </a:rPr>
+              <a:t>この理由として挙げられるのが進捗を表示しない時よりも表示したときの方がタスクに対して焦りが出て高速に処理しようとするのではないかと考えられる。回答時間が短くなっていない人ももちろんいてそこは個人の性格の差が出ていたのではないかと考えられる。</a:t>
+            </a:r>
+            <a:endParaRPr lang="en-US" altLang="ja-JP" sz="1200" dirty="0">
+              <a:effectLst/>
+              <a:ea typeface="游明朝" panose="02020400000000000000" pitchFamily="18" charset="-128"/>
+              <a:cs typeface="Times New Roman" panose="02020603050405020304" pitchFamily="18" charset="0"/>
+            </a:endParaRPr>
+          </a:p>
+          <a:p>
+            <a:pPr marL="0" marR="0" lvl="0" indent="0" algn="l" defTabSz="914400" rtl="0" eaLnBrk="1" fontAlgn="auto" latinLnBrk="0" hangingPunct="1">
+              <a:lnSpc>
+                <a:spcPct val="100000"/>
+              </a:lnSpc>
+              <a:spcBef>
+                <a:spcPts val="0"/>
+              </a:spcBef>
+              <a:spcAft>
+                <a:spcPts val="0"/>
+              </a:spcAft>
+              <a:buClrTx/>
+              <a:buSzTx/>
+              <a:buFontTx/>
+              <a:buNone/>
+              <a:tabLst/>
+              <a:defRPr/>
+            </a:pPr>
+            <a:r>
+              <a:rPr lang="ja-JP" altLang="en-US" sz="1200" kern="100" dirty="0">
+                <a:effectLst/>
+                <a:latin typeface="游明朝" panose="02020400000000000000" pitchFamily="18" charset="-128"/>
+                <a:ea typeface="游明朝" panose="02020400000000000000" pitchFamily="18" charset="-128"/>
+                <a:cs typeface="Times New Roman" panose="02020603050405020304" pitchFamily="18" charset="0"/>
+              </a:rPr>
+              <a:t>正答率は</a:t>
             </a:r>
             <a:r>
               <a:rPr lang="ja-JP" altLang="ja-JP" sz="1200" kern="100" dirty="0">
@@ -10375,7 +12052,86 @@
                 <a:ea typeface="游明朝" panose="02020400000000000000" pitchFamily="18" charset="-128"/>
                 <a:cs typeface="Times New Roman" panose="02020603050405020304" pitchFamily="18" charset="0"/>
               </a:rPr>
-              <a:t>、集中力は</a:t>
+              <a:t>、</a:t>
+            </a:r>
+            <a:r>
+              <a:rPr lang="ja-JP" altLang="ja-JP" sz="1200" kern="100" dirty="0">
+                <a:effectLst/>
+                <a:latin typeface="游明朝" panose="02020400000000000000" pitchFamily="18" charset="-128"/>
+                <a:ea typeface="游明朝" panose="02020400000000000000" pitchFamily="18" charset="-128"/>
+                <a:cs typeface="Times New Roman" panose="02020603050405020304" pitchFamily="18" charset="0"/>
+              </a:rPr>
+              <a:t>これはどのくらいか終わっているのかわかることで終わりが見え、急いで回答してしまい回答率が落ちてしまうパターン</a:t>
+            </a:r>
+            <a:r>
+              <a:rPr lang="en-US" altLang="ja-JP" sz="1200" kern="100" dirty="0">
+                <a:effectLst/>
+                <a:latin typeface="游明朝" panose="02020400000000000000" pitchFamily="18" charset="-128"/>
+                <a:ea typeface="游明朝" panose="02020400000000000000" pitchFamily="18" charset="-128"/>
+                <a:cs typeface="Times New Roman" panose="02020603050405020304" pitchFamily="18" charset="0"/>
+              </a:rPr>
+              <a:t>,</a:t>
+            </a:r>
+            <a:r>
+              <a:rPr lang="ja-JP" altLang="ja-JP" sz="1200" kern="100" dirty="0">
+                <a:effectLst/>
+                <a:latin typeface="游明朝" panose="02020400000000000000" pitchFamily="18" charset="-128"/>
+                <a:ea typeface="游明朝" panose="02020400000000000000" pitchFamily="18" charset="-128"/>
+                <a:cs typeface="Times New Roman" panose="02020603050405020304" pitchFamily="18" charset="0"/>
+              </a:rPr>
+              <a:t>進捗を見ることで回答時間が短くなり正答率が上がったという</a:t>
+            </a:r>
+            <a:r>
+              <a:rPr lang="en-US" altLang="ja-JP" sz="1200" kern="100" dirty="0">
+                <a:effectLst/>
+                <a:latin typeface="游明朝" panose="02020400000000000000" pitchFamily="18" charset="-128"/>
+                <a:ea typeface="游明朝" panose="02020400000000000000" pitchFamily="18" charset="-128"/>
+                <a:cs typeface="Times New Roman" panose="02020603050405020304" pitchFamily="18" charset="0"/>
+              </a:rPr>
+              <a:t>2</a:t>
+            </a:r>
+            <a:r>
+              <a:rPr lang="ja-JP" altLang="ja-JP" sz="1200" kern="100" dirty="0">
+                <a:effectLst/>
+                <a:latin typeface="游明朝" panose="02020400000000000000" pitchFamily="18" charset="-128"/>
+                <a:ea typeface="游明朝" panose="02020400000000000000" pitchFamily="18" charset="-128"/>
+                <a:cs typeface="Times New Roman" panose="02020603050405020304" pitchFamily="18" charset="0"/>
+              </a:rPr>
+              <a:t>パターンに分けられるという結果になる。</a:t>
+            </a:r>
+            <a:endParaRPr lang="en-US" altLang="ja-JP" sz="1200" kern="100" dirty="0">
+              <a:effectLst/>
+              <a:latin typeface="游明朝" panose="02020400000000000000" pitchFamily="18" charset="-128"/>
+              <a:ea typeface="游明朝" panose="02020400000000000000" pitchFamily="18" charset="-128"/>
+              <a:cs typeface="Times New Roman" panose="02020603050405020304" pitchFamily="18" charset="0"/>
+            </a:endParaRPr>
+          </a:p>
+          <a:p>
+            <a:pPr marL="0" marR="0" lvl="0" indent="0" algn="l" defTabSz="914400" rtl="0" eaLnBrk="1" fontAlgn="auto" latinLnBrk="0" hangingPunct="1">
+              <a:lnSpc>
+                <a:spcPct val="100000"/>
+              </a:lnSpc>
+              <a:spcBef>
+                <a:spcPts val="0"/>
+              </a:spcBef>
+              <a:spcAft>
+                <a:spcPts val="0"/>
+              </a:spcAft>
+              <a:buClrTx/>
+              <a:buSzTx/>
+              <a:buFontTx/>
+              <a:buNone/>
+              <a:tabLst/>
+              <a:defRPr/>
+            </a:pPr>
+            <a:r>
+              <a:rPr lang="ja-JP" altLang="en-US" sz="1200" kern="100" dirty="0">
+                <a:effectLst/>
+                <a:latin typeface="游明朝" panose="02020400000000000000" pitchFamily="18" charset="-128"/>
+                <a:ea typeface="游明朝" panose="02020400000000000000" pitchFamily="18" charset="-128"/>
+                <a:cs typeface="Times New Roman" panose="02020603050405020304" pitchFamily="18" charset="0"/>
+              </a:rPr>
+              <a:t>集中力は</a:t>
             </a:r>
             <a:r>
               <a:rPr lang="ja-JP" altLang="ja-JP" sz="1200" kern="100" dirty="0">
@@ -10402,43 +12158,7 @@
                 <a:ea typeface="游明朝" panose="02020400000000000000" pitchFamily="18" charset="-128"/>
                 <a:cs typeface="Times New Roman" panose="02020603050405020304" pitchFamily="18" charset="0"/>
               </a:rPr>
-              <a:t>。この原因として上の正答率</a:t>
-            </a:r>
-            <a:r>
-              <a:rPr lang="ja-JP" altLang="en-US" sz="1200" kern="100" dirty="0">
-                <a:effectLst/>
-                <a:latin typeface="游明朝" panose="02020400000000000000" pitchFamily="18" charset="-128"/>
-                <a:ea typeface="游明朝" panose="02020400000000000000" pitchFamily="18" charset="-128"/>
-                <a:cs typeface="Times New Roman" panose="02020603050405020304" pitchFamily="18" charset="0"/>
-              </a:rPr>
-              <a:t>が下がった被験者は全員平均回答時間が短くなっており</a:t>
-            </a:r>
-            <a:r>
-              <a:rPr lang="ja-JP" altLang="ja-JP" sz="1200" kern="100" dirty="0">
-                <a:effectLst/>
-                <a:latin typeface="游明朝" panose="02020400000000000000" pitchFamily="18" charset="-128"/>
-                <a:ea typeface="游明朝" panose="02020400000000000000" pitchFamily="18" charset="-128"/>
-                <a:cs typeface="Times New Roman" panose="02020603050405020304" pitchFamily="18" charset="0"/>
-              </a:rPr>
-              <a:t>、</a:t>
-            </a:r>
-            <a:r>
-              <a:rPr lang="ja-JP" altLang="en-US" sz="1200" kern="100" dirty="0">
-                <a:effectLst/>
-                <a:latin typeface="游明朝" panose="02020400000000000000" pitchFamily="18" charset="-128"/>
-                <a:ea typeface="游明朝" panose="02020400000000000000" pitchFamily="18" charset="-128"/>
-                <a:cs typeface="Times New Roman" panose="02020603050405020304" pitchFamily="18" charset="0"/>
-              </a:rPr>
-              <a:t>逆に一部の平均回答時間が進捗表示によって遅くなったものは正答率が上がった。</a:t>
-            </a:r>
-            <a:r>
-              <a:rPr lang="ja-JP" altLang="ja-JP" sz="1200" kern="100" dirty="0">
-                <a:effectLst/>
-                <a:latin typeface="游明朝" panose="02020400000000000000" pitchFamily="18" charset="-128"/>
-                <a:ea typeface="游明朝" panose="02020400000000000000" pitchFamily="18" charset="-128"/>
-                <a:cs typeface="Times New Roman" panose="02020603050405020304" pitchFamily="18" charset="0"/>
-              </a:rPr>
-              <a:t>またはどちらも良い結果になった等の様々なパターンがあるため平均回答時間が短く、正答率が高いと高くなる集中力は個人によってパターンで出る数字にばらつきが出てしまったのではないかと考える。これらのことからリアルタイムな進捗表示は</a:t>
+              <a:t>。この原因として上の正答率と回答時間がどちらかが伸びている、またはどちらも良い結果になった等の様々なパターンがあるため平均回答時間が短く、正答率が高いと高くなる集中力は個人によってパターンで出る数字にばらつきが出てしまったのではないかと考える。これらのことからリアルタイムな進捗表示は</a:t>
             </a:r>
             <a:r>
               <a:rPr lang="en-US" altLang="ja-JP" sz="1200" kern="100" dirty="0">
@@ -10458,6 +12178,12 @@
               </a:rPr>
               <a:t>タスクを効率的に行うことはできるが正確さは失われる可能性があると考えられる。</a:t>
             </a:r>
+            <a:endParaRPr lang="en-US" altLang="ja-JP" sz="1200" kern="100" dirty="0">
+              <a:effectLst/>
+              <a:latin typeface="游明朝" panose="02020400000000000000" pitchFamily="18" charset="-128"/>
+              <a:ea typeface="游明朝" panose="02020400000000000000" pitchFamily="18" charset="-128"/>
+              <a:cs typeface="Times New Roman" panose="02020603050405020304" pitchFamily="18" charset="0"/>
+            </a:endParaRPr>
           </a:p>
           <a:p>
             <a:endParaRPr kumimoji="1" lang="ja-JP" altLang="en-US" dirty="0"/>
@@ -10544,7 +12270,7 @@
           <a:bodyPr/>
           <a:lstStyle/>
           <a:p>
-            <a:pPr indent="133350" algn="l"/>
+            <a:pPr algn="just"/>
             <a:r>
               <a:rPr lang="ja-JP" altLang="ja-JP" sz="1800" kern="100" dirty="0">
                 <a:effectLst/>
@@ -10579,7 +12305,23 @@
                 <a:ea typeface="游明朝" panose="02020400000000000000" pitchFamily="18" charset="-128"/>
                 <a:cs typeface="Times New Roman" panose="02020603050405020304" pitchFamily="18" charset="0"/>
               </a:rPr>
-              <a:t>った</a:t>
+              <a:t>り、</a:t>
+            </a:r>
+            <a:r>
+              <a:rPr lang="ja-JP" altLang="en-US" sz="2800" b="1" dirty="0"/>
+              <a:t>タスクに対して</a:t>
+            </a:r>
+            <a:r>
+              <a:rPr lang="ja-JP" altLang="en-US" sz="2800" b="1" dirty="0">
+                <a:solidFill>
+                  <a:srgbClr val="FF0000"/>
+                </a:solidFill>
+              </a:rPr>
+              <a:t>急いで解くよう</a:t>
+            </a:r>
+            <a:r>
+              <a:rPr lang="ja-JP" altLang="en-US" sz="2800" b="1" dirty="0"/>
+              <a:t>に仕向けることができた</a:t>
             </a:r>
             <a:r>
               <a:rPr lang="ja-JP" altLang="ja-JP" sz="1800" kern="100" dirty="0">
@@ -10588,11 +12330,36 @@
                 <a:ea typeface="游明朝" panose="02020400000000000000" pitchFamily="18" charset="-128"/>
                 <a:cs typeface="Times New Roman" panose="02020603050405020304" pitchFamily="18" charset="0"/>
               </a:rPr>
-              <a:t>。また正答率についてはリアルタイムな進捗を表示の有無では有意差は認められなかった。しかし平均回答時間が長くなった被験者は全員正答率が上昇していた。一部の被験者にはリアルタイムな進捗を表示することで慎重にタスクに対して取り組むようになりミスが減る可能性が明らかになった。平均回答時間が短く被験者群では正答率が大幅に減少したものも多く、高速に処理するようになっても急ぐだけになってしまうパターンも多かった。</a:t>
-            </a:r>
-          </a:p>
-          <a:p>
-            <a:pPr indent="133350" algn="l"/>
+              <a:t>。</a:t>
+            </a:r>
+            <a:r>
+              <a:rPr kumimoji="1" lang="ja-JP" altLang="en-US" sz="2800" b="1" dirty="0"/>
+              <a:t>正答率では個人によって差がでてタスクを急いで解いてしまい</a:t>
+            </a:r>
+            <a:r>
+              <a:rPr kumimoji="1" lang="ja-JP" altLang="en-US" sz="2800" b="1" dirty="0">
+                <a:solidFill>
+                  <a:srgbClr val="FF0000"/>
+                </a:solidFill>
+              </a:rPr>
+              <a:t>正答率が下がるパターン</a:t>
+            </a:r>
+            <a:r>
+              <a:rPr kumimoji="1" lang="ja-JP" altLang="en-US" sz="2800" b="1" dirty="0"/>
+              <a:t>、</a:t>
+            </a:r>
+            <a:r>
+              <a:rPr lang="ja-JP" altLang="en-US" sz="2800" b="1" dirty="0">
+                <a:solidFill>
+                  <a:srgbClr val="FF0000"/>
+                </a:solidFill>
+              </a:rPr>
+              <a:t>回答時間も正答率も伸びたパターン</a:t>
+            </a:r>
+            <a:r>
+              <a:rPr lang="ja-JP" altLang="en-US" sz="2800" b="1" dirty="0"/>
+              <a:t>が存在し一概に正答率を良くすることはできなかった。</a:t>
+            </a:r>
             <a:r>
               <a:rPr lang="ja-JP" altLang="ja-JP" sz="1800" kern="100" dirty="0">
                 <a:effectLst/>
@@ -10600,8 +12367,43 @@
                 <a:ea typeface="游明朝" panose="02020400000000000000" pitchFamily="18" charset="-128"/>
                 <a:cs typeface="Times New Roman" panose="02020603050405020304" pitchFamily="18" charset="0"/>
               </a:rPr>
-              <a:t>集中力については正答率と同じく有意な差が認められなかった。集中力は平均回答時間が短く、正答率が高いと高くなる指標であり被験者によって進捗表示の有無で正答率が大きく変わってしまったので集中力に差は見られなかったのではと考察する。これらのことからリアルタイムな進捗を表示することが集中力に与える影響は人それぞれであると感じる。</a:t>
-            </a:r>
+              <a:t>集中力については正答率と同じく有意な差が認められなかった。集中力は平均回答時間が短く、正答率が高いと高くなる指標であり被験者によって進捗表示の有無で正答率が大きく変わってしまったので集中力に差は見られなかったのではと考察する。これらのことからリアルタイムな進捗を表示することが集中力に与える影響は人それぞれであると</a:t>
+            </a:r>
+            <a:r>
+              <a:rPr lang="ja-JP" altLang="en-US" sz="1800" kern="100" dirty="0">
+                <a:effectLst/>
+                <a:latin typeface="游明朝" panose="02020400000000000000" pitchFamily="18" charset="-128"/>
+                <a:ea typeface="游明朝" panose="02020400000000000000" pitchFamily="18" charset="-128"/>
+                <a:cs typeface="Times New Roman" panose="02020603050405020304" pitchFamily="18" charset="0"/>
+              </a:rPr>
+              <a:t>考えます。</a:t>
+            </a:r>
+            <a:r>
+              <a:rPr kumimoji="1" lang="ja-JP" altLang="en-US" sz="2800" b="1" dirty="0"/>
+              <a:t>高速に処理しなければいけなく、ミスの恐れのないタスクには使用できる、</a:t>
+            </a:r>
+            <a:r>
+              <a:rPr lang="ja-JP" altLang="en-US" sz="2800" b="1" dirty="0"/>
+              <a:t>もしくはミスしても後からチェックしてくれる課題には使用できるのではないか。たとえば</a:t>
+            </a:r>
+            <a:r>
+              <a:rPr lang="en-US" altLang="ja-JP" sz="2800" b="1" dirty="0"/>
+              <a:t>word</a:t>
+            </a:r>
+            <a:r>
+              <a:rPr lang="ja-JP" altLang="en-US" sz="2800" b="1" dirty="0"/>
+              <a:t>の文法チェック機能などがあればその際使用できたりするのではないかとかんがえました</a:t>
+            </a:r>
+            <a:endParaRPr kumimoji="1" lang="en-US" altLang="ja-JP" sz="2800" b="1" dirty="0"/>
+          </a:p>
+          <a:p>
+            <a:pPr algn="just"/>
+            <a:endParaRPr lang="ja-JP" altLang="ja-JP" sz="1800" kern="100" dirty="0">
+              <a:effectLst/>
+              <a:latin typeface="游明朝" panose="02020400000000000000" pitchFamily="18" charset="-128"/>
+              <a:ea typeface="游明朝" panose="02020400000000000000" pitchFamily="18" charset="-128"/>
+              <a:cs typeface="Times New Roman" panose="02020603050405020304" pitchFamily="18" charset="0"/>
+            </a:endParaRPr>
           </a:p>
           <a:p>
             <a:endParaRPr kumimoji="1" lang="ja-JP" altLang="en-US" dirty="0"/>
@@ -12599,15 +14401,8 @@
                 <a:ea typeface="游明朝" panose="02020400000000000000" pitchFamily="18" charset="-128"/>
                 <a:cs typeface="Times New Roman" panose="02020603050405020304" pitchFamily="18" charset="0"/>
               </a:rPr>
-              <a:t>人回答時間が短くなっている。この理由として挙げられるのが進捗を表示しない時よりも表示したときの方がタスクに対して焦りが出て高速に処理しようとするのではないかと考えられる。回答時間が短くなっていない人ももちろんいてそこは個人の性格の差が出ていたのではないかと考えられる。</a:t>
-            </a:r>
-            <a:endParaRPr lang="en-US" altLang="ja-JP" sz="1800" dirty="0">
-              <a:effectLst/>
-              <a:ea typeface="游明朝" panose="02020400000000000000" pitchFamily="18" charset="-128"/>
-              <a:cs typeface="Times New Roman" panose="02020603050405020304" pitchFamily="18" charset="0"/>
-            </a:endParaRPr>
-          </a:p>
-          <a:p>
+              <a:t>人回答時間が短くなっている。</a:t>
+            </a:r>
             <a:endParaRPr lang="en-US" altLang="ja-JP" sz="1800" dirty="0">
               <a:effectLst/>
               <a:ea typeface="游明朝" panose="02020400000000000000" pitchFamily="18" charset="-128"/>
@@ -12675,25 +14470,7 @@
                 <a:ea typeface="游明朝" panose="02020400000000000000" pitchFamily="18" charset="-128"/>
                 <a:cs typeface="Times New Roman" panose="02020603050405020304" pitchFamily="18" charset="0"/>
               </a:rPr>
-              <a:t>人だった。これはどのくらいか終わっているのかわかることで終わりが見え、急いで回答してしまい回答率が落ちてしまうパターンと逆に終わっているタスクの量を確認して安心して正確に解こうとし正答率が上がったが回答時間が伸びてしまったパターン、進捗を見ることで回答時間が短くなり正答率が上がったという</a:t>
-            </a:r>
-            <a:r>
-              <a:rPr lang="en-US" altLang="ja-JP" sz="1800" kern="100" dirty="0">
-                <a:effectLst/>
-                <a:latin typeface="游明朝" panose="02020400000000000000" pitchFamily="18" charset="-128"/>
-                <a:ea typeface="游明朝" panose="02020400000000000000" pitchFamily="18" charset="-128"/>
-                <a:cs typeface="Times New Roman" panose="02020603050405020304" pitchFamily="18" charset="0"/>
-              </a:rPr>
-              <a:t>3</a:t>
-            </a:r>
-            <a:r>
-              <a:rPr lang="ja-JP" altLang="ja-JP" sz="1800" kern="100" dirty="0">
-                <a:effectLst/>
-                <a:latin typeface="游明朝" panose="02020400000000000000" pitchFamily="18" charset="-128"/>
-                <a:ea typeface="游明朝" panose="02020400000000000000" pitchFamily="18" charset="-128"/>
-                <a:cs typeface="Times New Roman" panose="02020603050405020304" pitchFamily="18" charset="0"/>
-              </a:rPr>
-              <a:t>パターンに分けられるという結果になる。その中でも一番多いのは進捗を見て、急いで回答してしまい回答率が落ちてしまうパターンだった。このように進捗を表示することは回答率</a:t>
+              <a:t>人だった。その中でも一番多いのは進捗を見て、急いで回答してしまい回答率が落ちてしまうパターンだった。このように進捗を表示することは回答率</a:t>
             </a:r>
             <a:r>
               <a:rPr lang="en-US" altLang="ja-JP" sz="1800" kern="100" dirty="0">
@@ -12852,16 +14629,16 @@
                 <a:ea typeface="游明朝" panose="02020400000000000000" pitchFamily="18" charset="-128"/>
                 <a:cs typeface="Times New Roman" panose="02020603050405020304" pitchFamily="18" charset="0"/>
               </a:rPr>
-              <a:t>最後に集中力についての考察だが進捗表示の有無で有意差は認められないという結果になった。この原因として上の正答率と回答時間がどちらかが伸びている、またはどちらも良い結果になった等の様々なパターンがあるため平均回答時間が短く、正答率が高いと高くなる集中力は個人によってパターンで出る数字にばらつきが出てしまったのではないかと考える。これらのことからリアルタイムな進捗表示は</a:t>
-            </a:r>
-            <a:r>
-              <a:rPr lang="en-US" altLang="ja-JP" sz="1800" kern="100" dirty="0">
+              <a:t>最後に集中力について</a:t>
+            </a:r>
+            <a:r>
+              <a:rPr lang="ja-JP" altLang="en-US" sz="1800" kern="100" dirty="0">
                 <a:effectLst/>
                 <a:latin typeface="游明朝" panose="02020400000000000000" pitchFamily="18" charset="-128"/>
                 <a:ea typeface="游明朝" panose="02020400000000000000" pitchFamily="18" charset="-128"/>
                 <a:cs typeface="Times New Roman" panose="02020603050405020304" pitchFamily="18" charset="0"/>
               </a:rPr>
-              <a:t>PC</a:t>
+              <a:t>です。結果はこのようになりました。集中力は</a:t>
             </a:r>
             <a:r>
               <a:rPr lang="ja-JP" altLang="ja-JP" sz="1800" kern="100" dirty="0">
@@ -12870,7 +14647,7 @@
                 <a:ea typeface="游明朝" panose="02020400000000000000" pitchFamily="18" charset="-128"/>
                 <a:cs typeface="Times New Roman" panose="02020603050405020304" pitchFamily="18" charset="0"/>
               </a:rPr>
-              <a:t>タスクを効率的に行うことはできるが正確さは失われる可能性があると考えられる。</a:t>
+              <a:t>進捗表示の有無で有意差は認められないという結果になった。</a:t>
             </a:r>
             <a:endParaRPr lang="en-US" altLang="ja-JP" sz="1800" kern="100" dirty="0">
               <a:effectLst/>
@@ -13126,7 +14903,7 @@
           <a:p>
             <a:fld id="{48A87A34-81AB-432B-8DAE-1953F412C126}" type="datetimeFigureOut">
               <a:rPr lang="en-US" smtClean="0"/>
-              <a:t>1/31/2023</a:t>
+              <a:t>2/5/2023</a:t>
             </a:fld>
             <a:endParaRPr lang="en-US" dirty="0"/>
           </a:p>
@@ -13356,7 +15133,7 @@
           <a:p>
             <a:fld id="{48A87A34-81AB-432B-8DAE-1953F412C126}" type="datetimeFigureOut">
               <a:rPr lang="en-US" smtClean="0"/>
-              <a:t>1/31/2023</a:t>
+              <a:t>2/5/2023</a:t>
             </a:fld>
             <a:endParaRPr lang="en-US" dirty="0"/>
           </a:p>
@@ -13596,7 +15373,7 @@
           <a:p>
             <a:fld id="{48A87A34-81AB-432B-8DAE-1953F412C126}" type="datetimeFigureOut">
               <a:rPr lang="en-US" smtClean="0"/>
-              <a:t>1/31/2023</a:t>
+              <a:t>2/5/2023</a:t>
             </a:fld>
             <a:endParaRPr lang="en-US" dirty="0"/>
           </a:p>
@@ -13826,7 +15603,7 @@
           <a:p>
             <a:fld id="{48A87A34-81AB-432B-8DAE-1953F412C126}" type="datetimeFigureOut">
               <a:rPr lang="en-US" smtClean="0"/>
-              <a:t>1/31/2023</a:t>
+              <a:t>2/5/2023</a:t>
             </a:fld>
             <a:endParaRPr lang="en-US" dirty="0"/>
           </a:p>
@@ -14101,7 +15878,7 @@
           <a:p>
             <a:fld id="{48A87A34-81AB-432B-8DAE-1953F412C126}" type="datetimeFigureOut">
               <a:rPr lang="en-US" smtClean="0"/>
-              <a:t>1/31/2023</a:t>
+              <a:t>2/5/2023</a:t>
             </a:fld>
             <a:endParaRPr lang="en-US" dirty="0"/>
           </a:p>
@@ -14430,7 +16207,7 @@
           <a:p>
             <a:fld id="{48A87A34-81AB-432B-8DAE-1953F412C126}" type="datetimeFigureOut">
               <a:rPr lang="en-US" smtClean="0"/>
-              <a:t>1/31/2023</a:t>
+              <a:t>2/5/2023</a:t>
             </a:fld>
             <a:endParaRPr lang="en-US" dirty="0"/>
           </a:p>
@@ -14906,7 +16683,7 @@
           <a:p>
             <a:fld id="{48A87A34-81AB-432B-8DAE-1953F412C126}" type="datetimeFigureOut">
               <a:rPr lang="en-US" smtClean="0"/>
-              <a:t>1/31/2023</a:t>
+              <a:t>2/5/2023</a:t>
             </a:fld>
             <a:endParaRPr lang="en-US" dirty="0"/>
           </a:p>
@@ -15047,7 +16824,7 @@
           <a:p>
             <a:fld id="{48A87A34-81AB-432B-8DAE-1953F412C126}" type="datetimeFigureOut">
               <a:rPr lang="en-US" smtClean="0"/>
-              <a:t>1/31/2023</a:t>
+              <a:t>2/5/2023</a:t>
             </a:fld>
             <a:endParaRPr lang="en-US" dirty="0"/>
           </a:p>
@@ -15160,7 +16937,7 @@
           <a:p>
             <a:fld id="{48A87A34-81AB-432B-8DAE-1953F412C126}" type="datetimeFigureOut">
               <a:rPr lang="en-US" smtClean="0"/>
-              <a:t>1/31/2023</a:t>
+              <a:t>2/5/2023</a:t>
             </a:fld>
             <a:endParaRPr lang="en-US" dirty="0"/>
           </a:p>
@@ -15503,7 +17280,7 @@
           <a:p>
             <a:fld id="{48A87A34-81AB-432B-8DAE-1953F412C126}" type="datetimeFigureOut">
               <a:rPr lang="en-US" smtClean="0"/>
-              <a:t>1/31/2023</a:t>
+              <a:t>2/5/2023</a:t>
             </a:fld>
             <a:endParaRPr lang="en-US" dirty="0"/>
           </a:p>
@@ -15795,7 +17572,7 @@
             <a:fld id="{48A87A34-81AB-432B-8DAE-1953F412C126}" type="datetimeFigureOut">
               <a:rPr lang="en-US" smtClean="0"/>
               <a:pPr/>
-              <a:t>1/31/2023</a:t>
+              <a:t>2/5/2023</a:t>
             </a:fld>
             <a:endParaRPr lang="en-US" dirty="0"/>
           </a:p>
@@ -16069,7 +17846,7 @@
             <a:fld id="{48A87A34-81AB-432B-8DAE-1953F412C126}" type="datetimeFigureOut">
               <a:rPr lang="en-US" smtClean="0"/>
               <a:pPr/>
-              <a:t>1/31/2023</a:t>
+              <a:t>2/5/2023</a:t>
             </a:fld>
             <a:endParaRPr lang="en-US" dirty="0"/>
           </a:p>
@@ -18483,7 +20260,7 @@
         </p:nvSpPr>
         <p:spPr>
           <a:xfrm>
-            <a:off x="960386" y="4084320"/>
+            <a:off x="879288" y="4123431"/>
             <a:ext cx="8032968" cy="646331"/>
           </a:xfrm>
           <a:prstGeom prst="rect">
@@ -18573,7 +20350,7 @@
             </a:r>
             <a:r>
               <a:rPr lang="ja-JP" altLang="en-US" b="1" dirty="0"/>
-              <a:t>が存在し一概に正答率に傾向を見つけられなかった。</a:t>
+              <a:t>が存在し一概に正答率を良くすることはできなかった。</a:t>
             </a:r>
             <a:endParaRPr kumimoji="1" lang="ja-JP" altLang="en-US" b="1" dirty="0"/>
           </a:p>
@@ -18594,6 +20371,105 @@
         <p:spPr>
           <a:xfrm>
             <a:off x="620390" y="4084320"/>
+            <a:ext cx="45719" cy="724555"/>
+          </a:xfrm>
+          <a:prstGeom prst="rect">
+            <a:avLst/>
+          </a:prstGeom>
+          <a:solidFill>
+            <a:schemeClr val="accent2">
+              <a:lumMod val="75000"/>
+            </a:schemeClr>
+          </a:solidFill>
+          <a:ln>
+            <a:noFill/>
+          </a:ln>
+        </p:spPr>
+        <p:style>
+          <a:lnRef idx="2">
+            <a:schemeClr val="accent1">
+              <a:shade val="50000"/>
+            </a:schemeClr>
+          </a:lnRef>
+          <a:fillRef idx="1">
+            <a:schemeClr val="accent1"/>
+          </a:fillRef>
+          <a:effectRef idx="0">
+            <a:schemeClr val="accent1"/>
+          </a:effectRef>
+          <a:fontRef idx="minor">
+            <a:schemeClr val="lt1"/>
+          </a:fontRef>
+        </p:style>
+        <p:txBody>
+          <a:bodyPr rtlCol="0" anchor="ctr"/>
+          <a:lstStyle/>
+          <a:p>
+            <a:pPr algn="ctr"/>
+            <a:endParaRPr kumimoji="1" lang="ja-JP" altLang="en-US"/>
+          </a:p>
+        </p:txBody>
+      </p:sp>
+      <p:sp>
+        <p:nvSpPr>
+          <p:cNvPr id="9" name="テキスト ボックス 8">
+            <a:extLst>
+              <a:ext uri="{FF2B5EF4-FFF2-40B4-BE49-F238E27FC236}">
+                <a16:creationId xmlns:a16="http://schemas.microsoft.com/office/drawing/2014/main" id="{21C97E8F-A373-FB5D-5971-3AE70D29D4C8}"/>
+              </a:ext>
+            </a:extLst>
+          </p:cNvPr>
+          <p:cNvSpPr txBox="1"/>
+          <p:nvPr/>
+        </p:nvSpPr>
+        <p:spPr>
+          <a:xfrm>
+            <a:off x="960386" y="4900591"/>
+            <a:ext cx="8725466" cy="646331"/>
+          </a:xfrm>
+          <a:prstGeom prst="rect">
+            <a:avLst/>
+          </a:prstGeom>
+          <a:noFill/>
+        </p:spPr>
+        <p:txBody>
+          <a:bodyPr wrap="none" rtlCol="0">
+            <a:spAutoFit/>
+          </a:bodyPr>
+          <a:lstStyle/>
+          <a:p>
+            <a:pPr algn="just"/>
+            <a:r>
+              <a:rPr kumimoji="1" lang="ja-JP" altLang="en-US" b="1" dirty="0"/>
+              <a:t>高速に処理しなければいけなく、ミスの恐れのないタスクには使用できる</a:t>
+            </a:r>
+            <a:endParaRPr kumimoji="1" lang="en-US" altLang="ja-JP" b="1" dirty="0"/>
+          </a:p>
+          <a:p>
+            <a:pPr algn="just"/>
+            <a:r>
+              <a:rPr lang="ja-JP" altLang="en-US" b="1" dirty="0"/>
+              <a:t>もしくはミスしても後からチェックしてくれる課題には使用できるのではないか</a:t>
+            </a:r>
+            <a:endParaRPr kumimoji="1" lang="en-US" altLang="ja-JP" b="1" dirty="0"/>
+          </a:p>
+        </p:txBody>
+      </p:sp>
+      <p:sp>
+        <p:nvSpPr>
+          <p:cNvPr id="10" name="正方形/長方形 9">
+            <a:extLst>
+              <a:ext uri="{FF2B5EF4-FFF2-40B4-BE49-F238E27FC236}">
+                <a16:creationId xmlns:a16="http://schemas.microsoft.com/office/drawing/2014/main" id="{C1F2BDB2-0F61-4DAA-38B5-054708108B2C}"/>
+              </a:ext>
+            </a:extLst>
+          </p:cNvPr>
+          <p:cNvSpPr/>
+          <p:nvPr/>
+        </p:nvSpPr>
+        <p:spPr>
+          <a:xfrm>
+            <a:off x="620390" y="4942185"/>
             <a:ext cx="45719" cy="724555"/>
           </a:xfrm>
           <a:prstGeom prst="rect">
@@ -25325,77 +27201,6 @@
       </p:sp>
       <p:sp>
         <p:nvSpPr>
-          <p:cNvPr id="16" name="テキスト ボックス 15">
-            <a:extLst>
-              <a:ext uri="{FF2B5EF4-FFF2-40B4-BE49-F238E27FC236}">
-                <a16:creationId xmlns:a16="http://schemas.microsoft.com/office/drawing/2014/main" id="{46F216BF-2A30-6741-3EA5-2EFD1BA1CE4F}"/>
-              </a:ext>
-            </a:extLst>
-          </p:cNvPr>
-          <p:cNvSpPr txBox="1"/>
-          <p:nvPr/>
-        </p:nvSpPr>
-        <p:spPr>
-          <a:xfrm>
-            <a:off x="725132" y="2100086"/>
-            <a:ext cx="11466868" cy="1138773"/>
-          </a:xfrm>
-          <a:prstGeom prst="rect">
-            <a:avLst/>
-          </a:prstGeom>
-          <a:noFill/>
-        </p:spPr>
-        <p:txBody>
-          <a:bodyPr wrap="square" rtlCol="0">
-            <a:spAutoFit/>
-          </a:bodyPr>
-          <a:lstStyle/>
-          <a:p>
-            <a:endParaRPr kumimoji="1" lang="en-US" altLang="ja-JP" sz="3600" dirty="0">
-              <a:latin typeface="HGPｺﾞｼｯｸE" panose="020B0900000000000000" pitchFamily="50" charset="-128"/>
-              <a:ea typeface="HGPｺﾞｼｯｸE" panose="020B0900000000000000" pitchFamily="50" charset="-128"/>
-            </a:endParaRPr>
-          </a:p>
-          <a:p>
-            <a:endParaRPr kumimoji="1" lang="en-US" altLang="ja-JP" sz="3200" dirty="0">
-              <a:latin typeface="HGPｺﾞｼｯｸE" panose="020B0900000000000000" pitchFamily="50" charset="-128"/>
-              <a:ea typeface="HGPｺﾞｼｯｸE" panose="020B0900000000000000" pitchFamily="50" charset="-128"/>
-            </a:endParaRPr>
-          </a:p>
-        </p:txBody>
-      </p:sp>
-      <p:pic>
-        <p:nvPicPr>
-          <p:cNvPr id="3" name="図 2">
-            <a:extLst>
-              <a:ext uri="{FF2B5EF4-FFF2-40B4-BE49-F238E27FC236}">
-                <a16:creationId xmlns:a16="http://schemas.microsoft.com/office/drawing/2014/main" id="{2E677C3F-FC7F-F270-DF35-36FBCBD42E78}"/>
-              </a:ext>
-            </a:extLst>
-          </p:cNvPr>
-          <p:cNvPicPr>
-            <a:picLocks noChangeAspect="1"/>
-          </p:cNvPicPr>
-          <p:nvPr/>
-        </p:nvPicPr>
-        <p:blipFill>
-          <a:blip r:embed="rId3"/>
-          <a:stretch>
-            <a:fillRect/>
-          </a:stretch>
-        </p:blipFill>
-        <p:spPr>
-          <a:xfrm>
-            <a:off x="300591" y="1904554"/>
-            <a:ext cx="4727664" cy="2816678"/>
-          </a:xfrm>
-          <a:prstGeom prst="rect">
-            <a:avLst/>
-          </a:prstGeom>
-        </p:spPr>
-      </p:pic>
-      <p:sp>
-        <p:nvSpPr>
           <p:cNvPr id="6" name="テキスト ボックス 5">
             <a:extLst>
               <a:ext uri="{FF2B5EF4-FFF2-40B4-BE49-F238E27FC236}">
@@ -25408,7 +27213,7 @@
         </p:nvSpPr>
         <p:spPr>
           <a:xfrm>
-            <a:off x="500023" y="1985942"/>
+            <a:off x="160909" y="1799097"/>
             <a:ext cx="514885" cy="276999"/>
           </a:xfrm>
           <a:prstGeom prst="rect">
@@ -25920,71 +27725,6 @@
           </a:graphicData>
         </a:graphic>
       </p:graphicFrame>
-      <p:pic>
-        <p:nvPicPr>
-          <p:cNvPr id="13" name="図 12">
-            <a:extLst>
-              <a:ext uri="{FF2B5EF4-FFF2-40B4-BE49-F238E27FC236}">
-                <a16:creationId xmlns:a16="http://schemas.microsoft.com/office/drawing/2014/main" id="{AB5D3773-F01C-4F70-8BCD-4A1559E3F6F8}"/>
-              </a:ext>
-            </a:extLst>
-          </p:cNvPr>
-          <p:cNvPicPr>
-            <a:picLocks noChangeAspect="1"/>
-          </p:cNvPicPr>
-          <p:nvPr/>
-        </p:nvPicPr>
-        <p:blipFill rotWithShape="1">
-          <a:blip r:embed="rId4"/>
-          <a:srcRect l="1457" t="423" r="1016" b="3354"/>
-          <a:stretch/>
-        </p:blipFill>
-        <p:spPr>
-          <a:xfrm>
-            <a:off x="5584381" y="1798954"/>
-            <a:ext cx="4727664" cy="2801173"/>
-          </a:xfrm>
-          <a:prstGeom prst="rect">
-            <a:avLst/>
-          </a:prstGeom>
-        </p:spPr>
-      </p:pic>
-      <p:sp>
-        <p:nvSpPr>
-          <p:cNvPr id="14" name="テキスト ボックス 13">
-            <a:extLst>
-              <a:ext uri="{FF2B5EF4-FFF2-40B4-BE49-F238E27FC236}">
-                <a16:creationId xmlns:a16="http://schemas.microsoft.com/office/drawing/2014/main" id="{B419EFEC-B6E3-F943-7B86-810A8232AB15}"/>
-              </a:ext>
-            </a:extLst>
-          </p:cNvPr>
-          <p:cNvSpPr txBox="1"/>
-          <p:nvPr/>
-        </p:nvSpPr>
-        <p:spPr>
-          <a:xfrm>
-            <a:off x="5647946" y="2006924"/>
-            <a:ext cx="533509" cy="276999"/>
-          </a:xfrm>
-          <a:prstGeom prst="rect">
-            <a:avLst/>
-          </a:prstGeom>
-          <a:noFill/>
-        </p:spPr>
-        <p:txBody>
-          <a:bodyPr wrap="square" rtlCol="0">
-            <a:spAutoFit/>
-          </a:bodyPr>
-          <a:lstStyle/>
-          <a:p>
-            <a:r>
-              <a:rPr kumimoji="1" lang="en-US" altLang="ja-JP" sz="1200" dirty="0"/>
-              <a:t>(%)</a:t>
-            </a:r>
-            <a:endParaRPr kumimoji="1" lang="ja-JP" altLang="en-US" sz="1200" dirty="0"/>
-          </a:p>
-        </p:txBody>
-      </p:sp>
       <p:graphicFrame>
         <p:nvGraphicFramePr>
           <p:cNvPr id="17" name="表 12">
@@ -26393,6 +28133,368 @@
               <a:t>。</a:t>
             </a:r>
             <a:endParaRPr kumimoji="1" lang="en-US" altLang="ja-JP" sz="1100" dirty="0"/>
+          </a:p>
+        </p:txBody>
+      </p:sp>
+      <p:graphicFrame>
+        <p:nvGraphicFramePr>
+          <p:cNvPr id="7" name="グラフ 6">
+            <a:extLst>
+              <a:ext uri="{FF2B5EF4-FFF2-40B4-BE49-F238E27FC236}">
+                <a16:creationId xmlns:a16="http://schemas.microsoft.com/office/drawing/2014/main" id="{8C3C24D8-55A3-2094-5E7B-ABF79370886A}"/>
+              </a:ext>
+            </a:extLst>
+          </p:cNvPr>
+          <p:cNvGraphicFramePr>
+            <a:graphicFrameLocks/>
+          </p:cNvGraphicFramePr>
+          <p:nvPr>
+            <p:extLst>
+              <p:ext uri="{D42A27DB-BD31-4B8C-83A1-F6EECF244321}">
+                <p14:modId xmlns:p14="http://schemas.microsoft.com/office/powerpoint/2010/main" val="1013573764"/>
+              </p:ext>
+            </p:extLst>
+          </p:nvPr>
+        </p:nvGraphicFramePr>
+        <p:xfrm>
+          <a:off x="160909" y="2003499"/>
+          <a:ext cx="4394461" cy="2580124"/>
+        </p:xfrm>
+        <a:graphic>
+          <a:graphicData uri="http://schemas.openxmlformats.org/drawingml/2006/chart">
+            <c:chart xmlns:c="http://schemas.openxmlformats.org/drawingml/2006/chart" xmlns:r="http://schemas.openxmlformats.org/officeDocument/2006/relationships" r:id="rId3"/>
+          </a:graphicData>
+        </a:graphic>
+      </p:graphicFrame>
+      <p:cxnSp>
+        <p:nvCxnSpPr>
+          <p:cNvPr id="15" name="直線コネクタ 14">
+            <a:extLst>
+              <a:ext uri="{FF2B5EF4-FFF2-40B4-BE49-F238E27FC236}">
+                <a16:creationId xmlns:a16="http://schemas.microsoft.com/office/drawing/2014/main" id="{AFEEBAC5-FDFA-8ADF-9E11-C4E55119122E}"/>
+              </a:ext>
+            </a:extLst>
+          </p:cNvPr>
+          <p:cNvCxnSpPr/>
+          <p:nvPr/>
+        </p:nvCxnSpPr>
+        <p:spPr>
+          <a:xfrm flipV="1">
+            <a:off x="1574800" y="2094939"/>
+            <a:ext cx="0" cy="353621"/>
+          </a:xfrm>
+          <a:prstGeom prst="line">
+            <a:avLst/>
+          </a:prstGeom>
+          <a:ln w="19050"/>
+        </p:spPr>
+        <p:style>
+          <a:lnRef idx="1">
+            <a:schemeClr val="dk1"/>
+          </a:lnRef>
+          <a:fillRef idx="0">
+            <a:schemeClr val="dk1"/>
+          </a:fillRef>
+          <a:effectRef idx="0">
+            <a:schemeClr val="dk1"/>
+          </a:effectRef>
+          <a:fontRef idx="minor">
+            <a:schemeClr val="tx1"/>
+          </a:fontRef>
+        </p:style>
+      </p:cxnSp>
+      <p:graphicFrame>
+        <p:nvGraphicFramePr>
+          <p:cNvPr id="18" name="グラフ 17">
+            <a:extLst>
+              <a:ext uri="{FF2B5EF4-FFF2-40B4-BE49-F238E27FC236}">
+                <a16:creationId xmlns:a16="http://schemas.microsoft.com/office/drawing/2014/main" id="{94A136F8-56F5-86BF-E547-85D83572F46B}"/>
+              </a:ext>
+            </a:extLst>
+          </p:cNvPr>
+          <p:cNvGraphicFramePr>
+            <a:graphicFrameLocks/>
+          </p:cNvGraphicFramePr>
+          <p:nvPr>
+            <p:extLst>
+              <p:ext uri="{D42A27DB-BD31-4B8C-83A1-F6EECF244321}">
+                <p14:modId xmlns:p14="http://schemas.microsoft.com/office/powerpoint/2010/main" val="2992653914"/>
+              </p:ext>
+            </p:extLst>
+          </p:nvPr>
+        </p:nvGraphicFramePr>
+        <p:xfrm>
+          <a:off x="5413348" y="1978324"/>
+          <a:ext cx="4446568" cy="2630473"/>
+        </p:xfrm>
+        <a:graphic>
+          <a:graphicData uri="http://schemas.openxmlformats.org/drawingml/2006/chart">
+            <c:chart xmlns:c="http://schemas.openxmlformats.org/drawingml/2006/chart" xmlns:r="http://schemas.openxmlformats.org/officeDocument/2006/relationships" r:id="rId4"/>
+          </a:graphicData>
+        </a:graphic>
+      </p:graphicFrame>
+      <p:cxnSp>
+        <p:nvCxnSpPr>
+          <p:cNvPr id="19" name="直線コネクタ 18">
+            <a:extLst>
+              <a:ext uri="{FF2B5EF4-FFF2-40B4-BE49-F238E27FC236}">
+                <a16:creationId xmlns:a16="http://schemas.microsoft.com/office/drawing/2014/main" id="{F5B4ACD8-6CFC-45D6-5F03-D15B387D24AF}"/>
+              </a:ext>
+            </a:extLst>
+          </p:cNvPr>
+          <p:cNvCxnSpPr>
+            <a:cxnSpLocks/>
+          </p:cNvCxnSpPr>
+          <p:nvPr/>
+        </p:nvCxnSpPr>
+        <p:spPr>
+          <a:xfrm>
+            <a:off x="1574800" y="2094939"/>
+            <a:ext cx="1903730" cy="0"/>
+          </a:xfrm>
+          <a:prstGeom prst="line">
+            <a:avLst/>
+          </a:prstGeom>
+          <a:ln w="19050"/>
+        </p:spPr>
+        <p:style>
+          <a:lnRef idx="1">
+            <a:schemeClr val="dk1"/>
+          </a:lnRef>
+          <a:fillRef idx="0">
+            <a:schemeClr val="dk1"/>
+          </a:fillRef>
+          <a:effectRef idx="0">
+            <a:schemeClr val="dk1"/>
+          </a:effectRef>
+          <a:fontRef idx="minor">
+            <a:schemeClr val="tx1"/>
+          </a:fontRef>
+        </p:style>
+      </p:cxnSp>
+      <p:cxnSp>
+        <p:nvCxnSpPr>
+          <p:cNvPr id="23" name="直線コネクタ 22">
+            <a:extLst>
+              <a:ext uri="{FF2B5EF4-FFF2-40B4-BE49-F238E27FC236}">
+                <a16:creationId xmlns:a16="http://schemas.microsoft.com/office/drawing/2014/main" id="{C8E6B113-3313-E10A-8300-3823A5C14DFC}"/>
+              </a:ext>
+            </a:extLst>
+          </p:cNvPr>
+          <p:cNvCxnSpPr/>
+          <p:nvPr/>
+        </p:nvCxnSpPr>
+        <p:spPr>
+          <a:xfrm flipV="1">
+            <a:off x="3478530" y="2094938"/>
+            <a:ext cx="0" cy="353621"/>
+          </a:xfrm>
+          <a:prstGeom prst="line">
+            <a:avLst/>
+          </a:prstGeom>
+          <a:ln w="19050"/>
+        </p:spPr>
+        <p:style>
+          <a:lnRef idx="1">
+            <a:schemeClr val="dk1"/>
+          </a:lnRef>
+          <a:fillRef idx="0">
+            <a:schemeClr val="dk1"/>
+          </a:fillRef>
+          <a:effectRef idx="0">
+            <a:schemeClr val="dk1"/>
+          </a:effectRef>
+          <a:fontRef idx="minor">
+            <a:schemeClr val="tx1"/>
+          </a:fontRef>
+        </p:style>
+      </p:cxnSp>
+      <p:cxnSp>
+        <p:nvCxnSpPr>
+          <p:cNvPr id="24" name="直線コネクタ 23">
+            <a:extLst>
+              <a:ext uri="{FF2B5EF4-FFF2-40B4-BE49-F238E27FC236}">
+                <a16:creationId xmlns:a16="http://schemas.microsoft.com/office/drawing/2014/main" id="{41FA2007-7C14-84E4-BDFF-853816DBE37D}"/>
+              </a:ext>
+            </a:extLst>
+          </p:cNvPr>
+          <p:cNvCxnSpPr/>
+          <p:nvPr/>
+        </p:nvCxnSpPr>
+        <p:spPr>
+          <a:xfrm flipV="1">
+            <a:off x="6742684" y="2201619"/>
+            <a:ext cx="0" cy="353621"/>
+          </a:xfrm>
+          <a:prstGeom prst="line">
+            <a:avLst/>
+          </a:prstGeom>
+          <a:ln w="15875"/>
+        </p:spPr>
+        <p:style>
+          <a:lnRef idx="1">
+            <a:schemeClr val="dk1"/>
+          </a:lnRef>
+          <a:fillRef idx="0">
+            <a:schemeClr val="dk1"/>
+          </a:fillRef>
+          <a:effectRef idx="0">
+            <a:schemeClr val="dk1"/>
+          </a:effectRef>
+          <a:fontRef idx="minor">
+            <a:schemeClr val="tx1"/>
+          </a:fontRef>
+        </p:style>
+      </p:cxnSp>
+      <p:cxnSp>
+        <p:nvCxnSpPr>
+          <p:cNvPr id="25" name="直線コネクタ 24">
+            <a:extLst>
+              <a:ext uri="{FF2B5EF4-FFF2-40B4-BE49-F238E27FC236}">
+                <a16:creationId xmlns:a16="http://schemas.microsoft.com/office/drawing/2014/main" id="{0A44EE1A-3EF5-27B4-170C-7BCF006D440C}"/>
+              </a:ext>
+            </a:extLst>
+          </p:cNvPr>
+          <p:cNvCxnSpPr>
+            <a:cxnSpLocks/>
+          </p:cNvCxnSpPr>
+          <p:nvPr/>
+        </p:nvCxnSpPr>
+        <p:spPr>
+          <a:xfrm flipV="1">
+            <a:off x="6742684" y="2196511"/>
+            <a:ext cx="1980692" cy="5108"/>
+          </a:xfrm>
+          <a:prstGeom prst="line">
+            <a:avLst/>
+          </a:prstGeom>
+          <a:ln w="15875"/>
+        </p:spPr>
+        <p:style>
+          <a:lnRef idx="1">
+            <a:schemeClr val="dk1"/>
+          </a:lnRef>
+          <a:fillRef idx="0">
+            <a:schemeClr val="dk1"/>
+          </a:fillRef>
+          <a:effectRef idx="0">
+            <a:schemeClr val="dk1"/>
+          </a:effectRef>
+          <a:fontRef idx="minor">
+            <a:schemeClr val="tx1"/>
+          </a:fontRef>
+        </p:style>
+      </p:cxnSp>
+      <p:cxnSp>
+        <p:nvCxnSpPr>
+          <p:cNvPr id="26" name="直線コネクタ 25">
+            <a:extLst>
+              <a:ext uri="{FF2B5EF4-FFF2-40B4-BE49-F238E27FC236}">
+                <a16:creationId xmlns:a16="http://schemas.microsoft.com/office/drawing/2014/main" id="{46D1A564-ECE3-CA20-0F34-92EE5F578B4F}"/>
+              </a:ext>
+            </a:extLst>
+          </p:cNvPr>
+          <p:cNvCxnSpPr/>
+          <p:nvPr/>
+        </p:nvCxnSpPr>
+        <p:spPr>
+          <a:xfrm flipV="1">
+            <a:off x="8723376" y="2196511"/>
+            <a:ext cx="0" cy="353621"/>
+          </a:xfrm>
+          <a:prstGeom prst="line">
+            <a:avLst/>
+          </a:prstGeom>
+          <a:ln w="15875"/>
+        </p:spPr>
+        <p:style>
+          <a:lnRef idx="1">
+            <a:schemeClr val="dk1"/>
+          </a:lnRef>
+          <a:fillRef idx="0">
+            <a:schemeClr val="dk1"/>
+          </a:fillRef>
+          <a:effectRef idx="0">
+            <a:schemeClr val="dk1"/>
+          </a:effectRef>
+          <a:fontRef idx="minor">
+            <a:schemeClr val="tx1"/>
+          </a:fontRef>
+        </p:style>
+      </p:cxnSp>
+      <p:sp>
+        <p:nvSpPr>
+          <p:cNvPr id="27" name="テキスト ボックス 26">
+            <a:extLst>
+              <a:ext uri="{FF2B5EF4-FFF2-40B4-BE49-F238E27FC236}">
+                <a16:creationId xmlns:a16="http://schemas.microsoft.com/office/drawing/2014/main" id="{887672ED-8406-5A0A-439D-6916D8F615CD}"/>
+              </a:ext>
+            </a:extLst>
+          </p:cNvPr>
+          <p:cNvSpPr txBox="1"/>
+          <p:nvPr/>
+        </p:nvSpPr>
+        <p:spPr>
+          <a:xfrm>
+            <a:off x="2401691" y="1862766"/>
+            <a:ext cx="295274" cy="369332"/>
+          </a:xfrm>
+          <a:prstGeom prst="rect">
+            <a:avLst/>
+          </a:prstGeom>
+          <a:noFill/>
+        </p:spPr>
+        <p:txBody>
+          <a:bodyPr wrap="none" rtlCol="0">
+            <a:spAutoFit/>
+          </a:bodyPr>
+          <a:lstStyle/>
+          <a:p>
+            <a:r>
+              <a:rPr kumimoji="1" lang="en-US" altLang="ja-JP" dirty="0"/>
+              <a:t>*</a:t>
+            </a:r>
+            <a:endParaRPr kumimoji="1" lang="ja-JP" altLang="en-US" dirty="0"/>
+          </a:p>
+        </p:txBody>
+      </p:sp>
+      <p:sp>
+        <p:nvSpPr>
+          <p:cNvPr id="30" name="テキスト ボックス 29">
+            <a:extLst>
+              <a:ext uri="{FF2B5EF4-FFF2-40B4-BE49-F238E27FC236}">
+                <a16:creationId xmlns:a16="http://schemas.microsoft.com/office/drawing/2014/main" id="{4A8CEC60-BC78-5F36-0F44-62E4E2E72982}"/>
+              </a:ext>
+            </a:extLst>
+          </p:cNvPr>
+          <p:cNvSpPr txBox="1"/>
+          <p:nvPr/>
+        </p:nvSpPr>
+        <p:spPr>
+          <a:xfrm>
+            <a:off x="7636632" y="1916624"/>
+            <a:ext cx="554960" cy="369332"/>
+          </a:xfrm>
+          <a:prstGeom prst="rect">
+            <a:avLst/>
+          </a:prstGeom>
+          <a:noFill/>
+        </p:spPr>
+        <p:txBody>
+          <a:bodyPr wrap="none" rtlCol="0">
+            <a:spAutoFit/>
+          </a:bodyPr>
+          <a:lstStyle/>
+          <a:p>
+            <a:r>
+              <a:rPr kumimoji="1" lang="en-US" altLang="ja-JP" dirty="0" err="1"/>
+              <a:t>n.s</a:t>
+            </a:r>
+            <a:r>
+              <a:rPr kumimoji="1" lang="en-US" altLang="ja-JP"/>
+              <a:t>.</a:t>
+            </a:r>
+            <a:endParaRPr kumimoji="1" lang="ja-JP" altLang="en-US" dirty="0"/>
           </a:p>
         </p:txBody>
       </p:sp>
@@ -26997,4 +29099,576 @@
     </a:ext>
   </a:extLst>
 </a:theme>
+</file>
+
+<file path=ppt/theme/themeOverride1.xml><?xml version="1.0" encoding="utf-8"?>
+<a:themeOverride xmlns:a="http://schemas.openxmlformats.org/drawingml/2006/main">
+  <a:clrScheme name="Office">
+    <a:dk1>
+      <a:sysClr val="windowText" lastClr="000000"/>
+    </a:dk1>
+    <a:lt1>
+      <a:sysClr val="window" lastClr="FFFFFF"/>
+    </a:lt1>
+    <a:dk2>
+      <a:srgbClr val="44546A"/>
+    </a:dk2>
+    <a:lt2>
+      <a:srgbClr val="E7E6E6"/>
+    </a:lt2>
+    <a:accent1>
+      <a:srgbClr val="4472C4"/>
+    </a:accent1>
+    <a:accent2>
+      <a:srgbClr val="ED7D31"/>
+    </a:accent2>
+    <a:accent3>
+      <a:srgbClr val="A5A5A5"/>
+    </a:accent3>
+    <a:accent4>
+      <a:srgbClr val="FFC000"/>
+    </a:accent4>
+    <a:accent5>
+      <a:srgbClr val="5B9BD5"/>
+    </a:accent5>
+    <a:accent6>
+      <a:srgbClr val="70AD47"/>
+    </a:accent6>
+    <a:hlink>
+      <a:srgbClr val="0563C1"/>
+    </a:hlink>
+    <a:folHlink>
+      <a:srgbClr val="954F72"/>
+    </a:folHlink>
+  </a:clrScheme>
+  <a:fontScheme name="Office">
+    <a:majorFont>
+      <a:latin typeface="Calibri Light" panose="020F0302020204030204"/>
+      <a:ea typeface=""/>
+      <a:cs typeface=""/>
+      <a:font script="Jpan" typeface="游ゴシック Light"/>
+      <a:font script="Hang" typeface="맑은 고딕"/>
+      <a:font script="Hans" typeface="等线 Light"/>
+      <a:font script="Hant" typeface="新細明體"/>
+      <a:font script="Arab" typeface="Times New Roman"/>
+      <a:font script="Hebr" typeface="Times New Roman"/>
+      <a:font script="Thai" typeface="Tahoma"/>
+      <a:font script="Ethi" typeface="Nyala"/>
+      <a:font script="Beng" typeface="Vrinda"/>
+      <a:font script="Gujr" typeface="Shruti"/>
+      <a:font script="Khmr" typeface="MoolBoran"/>
+      <a:font script="Knda" typeface="Tunga"/>
+      <a:font script="Guru" typeface="Raavi"/>
+      <a:font script="Cans" typeface="Euphemia"/>
+      <a:font script="Cher" typeface="Plantagenet Cherokee"/>
+      <a:font script="Yiii" typeface="Microsoft Yi Baiti"/>
+      <a:font script="Tibt" typeface="Microsoft Himalaya"/>
+      <a:font script="Thaa" typeface="MV Boli"/>
+      <a:font script="Deva" typeface="Mangal"/>
+      <a:font script="Telu" typeface="Gautami"/>
+      <a:font script="Taml" typeface="Latha"/>
+      <a:font script="Syrc" typeface="Estrangelo Edessa"/>
+      <a:font script="Orya" typeface="Kalinga"/>
+      <a:font script="Mlym" typeface="Kartika"/>
+      <a:font script="Laoo" typeface="DokChampa"/>
+      <a:font script="Sinh" typeface="Iskoola Pota"/>
+      <a:font script="Mong" typeface="Mongolian Baiti"/>
+      <a:font script="Viet" typeface="Times New Roman"/>
+      <a:font script="Uigh" typeface="Microsoft Uighur"/>
+      <a:font script="Geor" typeface="Sylfaen"/>
+      <a:font script="Armn" typeface="Arial"/>
+      <a:font script="Bugi" typeface="Leelawadee UI"/>
+      <a:font script="Bopo" typeface="Microsoft JhengHei"/>
+      <a:font script="Java" typeface="Javanese Text"/>
+      <a:font script="Lisu" typeface="Segoe UI"/>
+      <a:font script="Mymr" typeface="Myanmar Text"/>
+      <a:font script="Nkoo" typeface="Ebrima"/>
+      <a:font script="Olck" typeface="Nirmala UI"/>
+      <a:font script="Osma" typeface="Ebrima"/>
+      <a:font script="Phag" typeface="Phagspa"/>
+      <a:font script="Syrn" typeface="Estrangelo Edessa"/>
+      <a:font script="Syrj" typeface="Estrangelo Edessa"/>
+      <a:font script="Syre" typeface="Estrangelo Edessa"/>
+      <a:font script="Sora" typeface="Nirmala UI"/>
+      <a:font script="Tale" typeface="Microsoft Tai Le"/>
+      <a:font script="Talu" typeface="Microsoft New Tai Lue"/>
+      <a:font script="Tfng" typeface="Ebrima"/>
+    </a:majorFont>
+    <a:minorFont>
+      <a:latin typeface="Calibri" panose="020F0502020204030204"/>
+      <a:ea typeface=""/>
+      <a:cs typeface=""/>
+      <a:font script="Jpan" typeface="游ゴシック"/>
+      <a:font script="Hang" typeface="맑은 고딕"/>
+      <a:font script="Hans" typeface="等线"/>
+      <a:font script="Hant" typeface="新細明體"/>
+      <a:font script="Arab" typeface="Arial"/>
+      <a:font script="Hebr" typeface="Arial"/>
+      <a:font script="Thai" typeface="Tahoma"/>
+      <a:font script="Ethi" typeface="Nyala"/>
+      <a:font script="Beng" typeface="Vrinda"/>
+      <a:font script="Gujr" typeface="Shruti"/>
+      <a:font script="Khmr" typeface="DaunPenh"/>
+      <a:font script="Knda" typeface="Tunga"/>
+      <a:font script="Guru" typeface="Raavi"/>
+      <a:font script="Cans" typeface="Euphemia"/>
+      <a:font script="Cher" typeface="Plantagenet Cherokee"/>
+      <a:font script="Yiii" typeface="Microsoft Yi Baiti"/>
+      <a:font script="Tibt" typeface="Microsoft Himalaya"/>
+      <a:font script="Thaa" typeface="MV Boli"/>
+      <a:font script="Deva" typeface="Mangal"/>
+      <a:font script="Telu" typeface="Gautami"/>
+      <a:font script="Taml" typeface="Latha"/>
+      <a:font script="Syrc" typeface="Estrangelo Edessa"/>
+      <a:font script="Orya" typeface="Kalinga"/>
+      <a:font script="Mlym" typeface="Kartika"/>
+      <a:font script="Laoo" typeface="DokChampa"/>
+      <a:font script="Sinh" typeface="Iskoola Pota"/>
+      <a:font script="Mong" typeface="Mongolian Baiti"/>
+      <a:font script="Viet" typeface="Arial"/>
+      <a:font script="Uigh" typeface="Microsoft Uighur"/>
+      <a:font script="Geor" typeface="Sylfaen"/>
+      <a:font script="Armn" typeface="Arial"/>
+      <a:font script="Bugi" typeface="Leelawadee UI"/>
+      <a:font script="Bopo" typeface="Microsoft JhengHei"/>
+      <a:font script="Java" typeface="Javanese Text"/>
+      <a:font script="Lisu" typeface="Segoe UI"/>
+      <a:font script="Mymr" typeface="Myanmar Text"/>
+      <a:font script="Nkoo" typeface="Ebrima"/>
+      <a:font script="Olck" typeface="Nirmala UI"/>
+      <a:font script="Osma" typeface="Ebrima"/>
+      <a:font script="Phag" typeface="Phagspa"/>
+      <a:font script="Syrn" typeface="Estrangelo Edessa"/>
+      <a:font script="Syrj" typeface="Estrangelo Edessa"/>
+      <a:font script="Syre" typeface="Estrangelo Edessa"/>
+      <a:font script="Sora" typeface="Nirmala UI"/>
+      <a:font script="Tale" typeface="Microsoft Tai Le"/>
+      <a:font script="Talu" typeface="Microsoft New Tai Lue"/>
+      <a:font script="Tfng" typeface="Ebrima"/>
+    </a:minorFont>
+  </a:fontScheme>
+  <a:fmtScheme name="Office">
+    <a:fillStyleLst>
+      <a:solidFill>
+        <a:schemeClr val="phClr"/>
+      </a:solidFill>
+      <a:gradFill rotWithShape="1">
+        <a:gsLst>
+          <a:gs pos="0">
+            <a:schemeClr val="phClr">
+              <a:lumMod val="110000"/>
+              <a:satMod val="105000"/>
+              <a:tint val="67000"/>
+            </a:schemeClr>
+          </a:gs>
+          <a:gs pos="50000">
+            <a:schemeClr val="phClr">
+              <a:lumMod val="105000"/>
+              <a:satMod val="103000"/>
+              <a:tint val="73000"/>
+            </a:schemeClr>
+          </a:gs>
+          <a:gs pos="100000">
+            <a:schemeClr val="phClr">
+              <a:lumMod val="105000"/>
+              <a:satMod val="109000"/>
+              <a:tint val="81000"/>
+            </a:schemeClr>
+          </a:gs>
+        </a:gsLst>
+        <a:lin ang="5400000" scaled="0"/>
+      </a:gradFill>
+      <a:gradFill rotWithShape="1">
+        <a:gsLst>
+          <a:gs pos="0">
+            <a:schemeClr val="phClr">
+              <a:satMod val="103000"/>
+              <a:lumMod val="102000"/>
+              <a:tint val="94000"/>
+            </a:schemeClr>
+          </a:gs>
+          <a:gs pos="50000">
+            <a:schemeClr val="phClr">
+              <a:satMod val="110000"/>
+              <a:lumMod val="100000"/>
+              <a:shade val="100000"/>
+            </a:schemeClr>
+          </a:gs>
+          <a:gs pos="100000">
+            <a:schemeClr val="phClr">
+              <a:lumMod val="99000"/>
+              <a:satMod val="120000"/>
+              <a:shade val="78000"/>
+            </a:schemeClr>
+          </a:gs>
+        </a:gsLst>
+        <a:lin ang="5400000" scaled="0"/>
+      </a:gradFill>
+    </a:fillStyleLst>
+    <a:lnStyleLst>
+      <a:ln w="6350" cap="flat" cmpd="sng" algn="ctr">
+        <a:solidFill>
+          <a:schemeClr val="phClr"/>
+        </a:solidFill>
+        <a:prstDash val="solid"/>
+        <a:miter lim="800000"/>
+      </a:ln>
+      <a:ln w="12700" cap="flat" cmpd="sng" algn="ctr">
+        <a:solidFill>
+          <a:schemeClr val="phClr"/>
+        </a:solidFill>
+        <a:prstDash val="solid"/>
+        <a:miter lim="800000"/>
+      </a:ln>
+      <a:ln w="19050" cap="flat" cmpd="sng" algn="ctr">
+        <a:solidFill>
+          <a:schemeClr val="phClr"/>
+        </a:solidFill>
+        <a:prstDash val="solid"/>
+        <a:miter lim="800000"/>
+      </a:ln>
+    </a:lnStyleLst>
+    <a:effectStyleLst>
+      <a:effectStyle>
+        <a:effectLst/>
+      </a:effectStyle>
+      <a:effectStyle>
+        <a:effectLst/>
+      </a:effectStyle>
+      <a:effectStyle>
+        <a:effectLst>
+          <a:outerShdw blurRad="57150" dist="19050" dir="5400000" algn="ctr" rotWithShape="0">
+            <a:srgbClr val="000000">
+              <a:alpha val="63000"/>
+            </a:srgbClr>
+          </a:outerShdw>
+        </a:effectLst>
+      </a:effectStyle>
+    </a:effectStyleLst>
+    <a:bgFillStyleLst>
+      <a:solidFill>
+        <a:schemeClr val="phClr"/>
+      </a:solidFill>
+      <a:solidFill>
+        <a:schemeClr val="phClr">
+          <a:tint val="95000"/>
+          <a:satMod val="170000"/>
+        </a:schemeClr>
+      </a:solidFill>
+      <a:gradFill rotWithShape="1">
+        <a:gsLst>
+          <a:gs pos="0">
+            <a:schemeClr val="phClr">
+              <a:tint val="93000"/>
+              <a:satMod val="150000"/>
+              <a:shade val="98000"/>
+              <a:lumMod val="102000"/>
+            </a:schemeClr>
+          </a:gs>
+          <a:gs pos="50000">
+            <a:schemeClr val="phClr">
+              <a:tint val="98000"/>
+              <a:satMod val="130000"/>
+              <a:shade val="90000"/>
+              <a:lumMod val="103000"/>
+            </a:schemeClr>
+          </a:gs>
+          <a:gs pos="100000">
+            <a:schemeClr val="phClr">
+              <a:shade val="63000"/>
+              <a:satMod val="120000"/>
+            </a:schemeClr>
+          </a:gs>
+        </a:gsLst>
+        <a:lin ang="5400000" scaled="0"/>
+      </a:gradFill>
+    </a:bgFillStyleLst>
+  </a:fmtScheme>
+</a:themeOverride>
+</file>
+
+<file path=ppt/theme/themeOverride2.xml><?xml version="1.0" encoding="utf-8"?>
+<a:themeOverride xmlns:a="http://schemas.openxmlformats.org/drawingml/2006/main">
+  <a:clrScheme name="Office">
+    <a:dk1>
+      <a:sysClr val="windowText" lastClr="000000"/>
+    </a:dk1>
+    <a:lt1>
+      <a:sysClr val="window" lastClr="FFFFFF"/>
+    </a:lt1>
+    <a:dk2>
+      <a:srgbClr val="44546A"/>
+    </a:dk2>
+    <a:lt2>
+      <a:srgbClr val="E7E6E6"/>
+    </a:lt2>
+    <a:accent1>
+      <a:srgbClr val="4472C4"/>
+    </a:accent1>
+    <a:accent2>
+      <a:srgbClr val="ED7D31"/>
+    </a:accent2>
+    <a:accent3>
+      <a:srgbClr val="A5A5A5"/>
+    </a:accent3>
+    <a:accent4>
+      <a:srgbClr val="FFC000"/>
+    </a:accent4>
+    <a:accent5>
+      <a:srgbClr val="5B9BD5"/>
+    </a:accent5>
+    <a:accent6>
+      <a:srgbClr val="70AD47"/>
+    </a:accent6>
+    <a:hlink>
+      <a:srgbClr val="0563C1"/>
+    </a:hlink>
+    <a:folHlink>
+      <a:srgbClr val="954F72"/>
+    </a:folHlink>
+  </a:clrScheme>
+  <a:fontScheme name="Office">
+    <a:majorFont>
+      <a:latin typeface="Calibri Light" panose="020F0302020204030204"/>
+      <a:ea typeface=""/>
+      <a:cs typeface=""/>
+      <a:font script="Jpan" typeface="游ゴシック Light"/>
+      <a:font script="Hang" typeface="맑은 고딕"/>
+      <a:font script="Hans" typeface="等线 Light"/>
+      <a:font script="Hant" typeface="新細明體"/>
+      <a:font script="Arab" typeface="Times New Roman"/>
+      <a:font script="Hebr" typeface="Times New Roman"/>
+      <a:font script="Thai" typeface="Tahoma"/>
+      <a:font script="Ethi" typeface="Nyala"/>
+      <a:font script="Beng" typeface="Vrinda"/>
+      <a:font script="Gujr" typeface="Shruti"/>
+      <a:font script="Khmr" typeface="MoolBoran"/>
+      <a:font script="Knda" typeface="Tunga"/>
+      <a:font script="Guru" typeface="Raavi"/>
+      <a:font script="Cans" typeface="Euphemia"/>
+      <a:font script="Cher" typeface="Plantagenet Cherokee"/>
+      <a:font script="Yiii" typeface="Microsoft Yi Baiti"/>
+      <a:font script="Tibt" typeface="Microsoft Himalaya"/>
+      <a:font script="Thaa" typeface="MV Boli"/>
+      <a:font script="Deva" typeface="Mangal"/>
+      <a:font script="Telu" typeface="Gautami"/>
+      <a:font script="Taml" typeface="Latha"/>
+      <a:font script="Syrc" typeface="Estrangelo Edessa"/>
+      <a:font script="Orya" typeface="Kalinga"/>
+      <a:font script="Mlym" typeface="Kartika"/>
+      <a:font script="Laoo" typeface="DokChampa"/>
+      <a:font script="Sinh" typeface="Iskoola Pota"/>
+      <a:font script="Mong" typeface="Mongolian Baiti"/>
+      <a:font script="Viet" typeface="Times New Roman"/>
+      <a:font script="Uigh" typeface="Microsoft Uighur"/>
+      <a:font script="Geor" typeface="Sylfaen"/>
+      <a:font script="Armn" typeface="Arial"/>
+      <a:font script="Bugi" typeface="Leelawadee UI"/>
+      <a:font script="Bopo" typeface="Microsoft JhengHei"/>
+      <a:font script="Java" typeface="Javanese Text"/>
+      <a:font script="Lisu" typeface="Segoe UI"/>
+      <a:font script="Mymr" typeface="Myanmar Text"/>
+      <a:font script="Nkoo" typeface="Ebrima"/>
+      <a:font script="Olck" typeface="Nirmala UI"/>
+      <a:font script="Osma" typeface="Ebrima"/>
+      <a:font script="Phag" typeface="Phagspa"/>
+      <a:font script="Syrn" typeface="Estrangelo Edessa"/>
+      <a:font script="Syrj" typeface="Estrangelo Edessa"/>
+      <a:font script="Syre" typeface="Estrangelo Edessa"/>
+      <a:font script="Sora" typeface="Nirmala UI"/>
+      <a:font script="Tale" typeface="Microsoft Tai Le"/>
+      <a:font script="Talu" typeface="Microsoft New Tai Lue"/>
+      <a:font script="Tfng" typeface="Ebrima"/>
+    </a:majorFont>
+    <a:minorFont>
+      <a:latin typeface="Calibri" panose="020F0502020204030204"/>
+      <a:ea typeface=""/>
+      <a:cs typeface=""/>
+      <a:font script="Jpan" typeface="游ゴシック"/>
+      <a:font script="Hang" typeface="맑은 고딕"/>
+      <a:font script="Hans" typeface="等线"/>
+      <a:font script="Hant" typeface="新細明體"/>
+      <a:font script="Arab" typeface="Arial"/>
+      <a:font script="Hebr" typeface="Arial"/>
+      <a:font script="Thai" typeface="Tahoma"/>
+      <a:font script="Ethi" typeface="Nyala"/>
+      <a:font script="Beng" typeface="Vrinda"/>
+      <a:font script="Gujr" typeface="Shruti"/>
+      <a:font script="Khmr" typeface="DaunPenh"/>
+      <a:font script="Knda" typeface="Tunga"/>
+      <a:font script="Guru" typeface="Raavi"/>
+      <a:font script="Cans" typeface="Euphemia"/>
+      <a:font script="Cher" typeface="Plantagenet Cherokee"/>
+      <a:font script="Yiii" typeface="Microsoft Yi Baiti"/>
+      <a:font script="Tibt" typeface="Microsoft Himalaya"/>
+      <a:font script="Thaa" typeface="MV Boli"/>
+      <a:font script="Deva" typeface="Mangal"/>
+      <a:font script="Telu" typeface="Gautami"/>
+      <a:font script="Taml" typeface="Latha"/>
+      <a:font script="Syrc" typeface="Estrangelo Edessa"/>
+      <a:font script="Orya" typeface="Kalinga"/>
+      <a:font script="Mlym" typeface="Kartika"/>
+      <a:font script="Laoo" typeface="DokChampa"/>
+      <a:font script="Sinh" typeface="Iskoola Pota"/>
+      <a:font script="Mong" typeface="Mongolian Baiti"/>
+      <a:font script="Viet" typeface="Arial"/>
+      <a:font script="Uigh" typeface="Microsoft Uighur"/>
+      <a:font script="Geor" typeface="Sylfaen"/>
+      <a:font script="Armn" typeface="Arial"/>
+      <a:font script="Bugi" typeface="Leelawadee UI"/>
+      <a:font script="Bopo" typeface="Microsoft JhengHei"/>
+      <a:font script="Java" typeface="Javanese Text"/>
+      <a:font script="Lisu" typeface="Segoe UI"/>
+      <a:font script="Mymr" typeface="Myanmar Text"/>
+      <a:font script="Nkoo" typeface="Ebrima"/>
+      <a:font script="Olck" typeface="Nirmala UI"/>
+      <a:font script="Osma" typeface="Ebrima"/>
+      <a:font script="Phag" typeface="Phagspa"/>
+      <a:font script="Syrn" typeface="Estrangelo Edessa"/>
+      <a:font script="Syrj" typeface="Estrangelo Edessa"/>
+      <a:font script="Syre" typeface="Estrangelo Edessa"/>
+      <a:font script="Sora" typeface="Nirmala UI"/>
+      <a:font script="Tale" typeface="Microsoft Tai Le"/>
+      <a:font script="Talu" typeface="Microsoft New Tai Lue"/>
+      <a:font script="Tfng" typeface="Ebrima"/>
+    </a:minorFont>
+  </a:fontScheme>
+  <a:fmtScheme name="Office">
+    <a:fillStyleLst>
+      <a:solidFill>
+        <a:schemeClr val="phClr"/>
+      </a:solidFill>
+      <a:gradFill rotWithShape="1">
+        <a:gsLst>
+          <a:gs pos="0">
+            <a:schemeClr val="phClr">
+              <a:lumMod val="110000"/>
+              <a:satMod val="105000"/>
+              <a:tint val="67000"/>
+            </a:schemeClr>
+          </a:gs>
+          <a:gs pos="50000">
+            <a:schemeClr val="phClr">
+              <a:lumMod val="105000"/>
+              <a:satMod val="103000"/>
+              <a:tint val="73000"/>
+            </a:schemeClr>
+          </a:gs>
+          <a:gs pos="100000">
+            <a:schemeClr val="phClr">
+              <a:lumMod val="105000"/>
+              <a:satMod val="109000"/>
+              <a:tint val="81000"/>
+            </a:schemeClr>
+          </a:gs>
+        </a:gsLst>
+        <a:lin ang="5400000" scaled="0"/>
+      </a:gradFill>
+      <a:gradFill rotWithShape="1">
+        <a:gsLst>
+          <a:gs pos="0">
+            <a:schemeClr val="phClr">
+              <a:satMod val="103000"/>
+              <a:lumMod val="102000"/>
+              <a:tint val="94000"/>
+            </a:schemeClr>
+          </a:gs>
+          <a:gs pos="50000">
+            <a:schemeClr val="phClr">
+              <a:satMod val="110000"/>
+              <a:lumMod val="100000"/>
+              <a:shade val="100000"/>
+            </a:schemeClr>
+          </a:gs>
+          <a:gs pos="100000">
+            <a:schemeClr val="phClr">
+              <a:lumMod val="99000"/>
+              <a:satMod val="120000"/>
+              <a:shade val="78000"/>
+            </a:schemeClr>
+          </a:gs>
+        </a:gsLst>
+        <a:lin ang="5400000" scaled="0"/>
+      </a:gradFill>
+    </a:fillStyleLst>
+    <a:lnStyleLst>
+      <a:ln w="6350" cap="flat" cmpd="sng" algn="ctr">
+        <a:solidFill>
+          <a:schemeClr val="phClr"/>
+        </a:solidFill>
+        <a:prstDash val="solid"/>
+        <a:miter lim="800000"/>
+      </a:ln>
+      <a:ln w="12700" cap="flat" cmpd="sng" algn="ctr">
+        <a:solidFill>
+          <a:schemeClr val="phClr"/>
+        </a:solidFill>
+        <a:prstDash val="solid"/>
+        <a:miter lim="800000"/>
+      </a:ln>
+      <a:ln w="19050" cap="flat" cmpd="sng" algn="ctr">
+        <a:solidFill>
+          <a:schemeClr val="phClr"/>
+        </a:solidFill>
+        <a:prstDash val="solid"/>
+        <a:miter lim="800000"/>
+      </a:ln>
+    </a:lnStyleLst>
+    <a:effectStyleLst>
+      <a:effectStyle>
+        <a:effectLst/>
+      </a:effectStyle>
+      <a:effectStyle>
+        <a:effectLst/>
+      </a:effectStyle>
+      <a:effectStyle>
+        <a:effectLst>
+          <a:outerShdw blurRad="57150" dist="19050" dir="5400000" algn="ctr" rotWithShape="0">
+            <a:srgbClr val="000000">
+              <a:alpha val="63000"/>
+            </a:srgbClr>
+          </a:outerShdw>
+        </a:effectLst>
+      </a:effectStyle>
+    </a:effectStyleLst>
+    <a:bgFillStyleLst>
+      <a:solidFill>
+        <a:schemeClr val="phClr"/>
+      </a:solidFill>
+      <a:solidFill>
+        <a:schemeClr val="phClr">
+          <a:tint val="95000"/>
+          <a:satMod val="170000"/>
+        </a:schemeClr>
+      </a:solidFill>
+      <a:gradFill rotWithShape="1">
+        <a:gsLst>
+          <a:gs pos="0">
+            <a:schemeClr val="phClr">
+              <a:tint val="93000"/>
+              <a:satMod val="150000"/>
+              <a:shade val="98000"/>
+              <a:lumMod val="102000"/>
+            </a:schemeClr>
+          </a:gs>
+          <a:gs pos="50000">
+            <a:schemeClr val="phClr">
+              <a:tint val="98000"/>
+              <a:satMod val="130000"/>
+              <a:shade val="90000"/>
+              <a:lumMod val="103000"/>
+            </a:schemeClr>
+          </a:gs>
+          <a:gs pos="100000">
+            <a:schemeClr val="phClr">
+              <a:shade val="63000"/>
+              <a:satMod val="120000"/>
+            </a:schemeClr>
+          </a:gs>
+        </a:gsLst>
+        <a:lin ang="5400000" scaled="0"/>
+      </a:gradFill>
+    </a:bgFillStyleLst>
+  </a:fmtScheme>
+</a:themeOverride>
 </file>